--- a/diagrammi UML classi e casi d'uso.pptx
+++ b/diagrammi UML classi e casi d'uso.pptx
@@ -3,10 +3,11 @@
 <p:presentation xmlns:a="http://schemas.openxmlformats.org/drawingml/2006/main" xmlns:p="http://schemas.openxmlformats.org/presentationml/2006/main" xmlns:r="http://schemas.openxmlformats.org/officeDocument/2006/relationships" xmlns:p14="http://schemas.microsoft.com/office/powerpoint/2010/main" xmlns:p15="http://schemas.microsoft.com/office/powerpoint/2012/main" xmlns:mc="http://schemas.openxmlformats.org/markup-compatibility/2006">
   <p:sldMasterIdLst>
     <p:sldMasterId id="2147483648" r:id="rId2"/>
+    <p:sldMasterId id="2147483661" r:id="rId3"/>
   </p:sldMasterIdLst>
   <p:sldIdLst>
-    <p:sldId id="256" r:id="rId3"/>
-    <p:sldId id="257" r:id="rId4"/>
+    <p:sldId id="256" r:id="rId4"/>
+    <p:sldId id="257" r:id="rId5"/>
   </p:sldIdLst>
   <p:sldSz cx="10080625" cy="5670550"/>
   <p:notesSz cx="7559675" cy="10691813"/>
@@ -37,7 +38,7 @@
             <a:spLocks noGrp="1"/>
           </p:cNvSpPr>
           <p:nvPr>
-            <p:ph type="ftr" idx="2"/>
+            <p:ph type="ftr" idx="1"/>
           </p:nvPr>
         </p:nvSpPr>
         <p:spPr/>
@@ -57,14 +58,14 @@
             <a:spLocks noGrp="1"/>
           </p:cNvSpPr>
           <p:nvPr>
-            <p:ph type="sldNum" idx="3"/>
-          </p:nvPr>
-        </p:nvSpPr>
-        <p:spPr/>
-        <p:txBody>
-          <a:bodyPr/>
-          <a:p>
-            <a:fld id="{87864A59-910A-4FE0-AE48-FA72140BBD58}" type="slidenum">
+            <p:ph type="sldNum" idx="2"/>
+          </p:nvPr>
+        </p:nvSpPr>
+        <p:spPr/>
+        <p:txBody>
+          <a:bodyPr/>
+          <a:p>
+            <a:fld id="{A3E03458-0378-4299-ABC5-9E861F3EB916}" type="slidenum">
               <a:t>&lt;#&gt;</a:t>
             </a:fld>
           </a:p>
@@ -77,7 +78,7 @@
             <a:spLocks noGrp="1"/>
           </p:cNvSpPr>
           <p:nvPr>
-            <p:ph type="dt" idx="1"/>
+            <p:ph type="dt" idx="3"/>
           </p:nvPr>
         </p:nvSpPr>
         <p:spPr/>
@@ -126,7 +127,7 @@
         <p:spPr>
           <a:xfrm>
             <a:off x="504000" y="226080"/>
-            <a:ext cx="9071640" cy="946440"/>
+            <a:ext cx="9072000" cy="946440"/>
           </a:xfrm>
           <a:prstGeom prst="rect">
             <a:avLst/>
@@ -166,7 +167,7 @@
         <p:spPr>
           <a:xfrm>
             <a:off x="504000" y="1326600"/>
-            <a:ext cx="9071640" cy="1568160"/>
+            <a:ext cx="9072000" cy="1568520"/>
           </a:xfrm>
           <a:prstGeom prst="rect">
             <a:avLst/>
@@ -208,8 +209,8 @@
         </p:nvSpPr>
         <p:spPr>
           <a:xfrm>
-            <a:off x="504000" y="3044160"/>
-            <a:ext cx="9071640" cy="1568160"/>
+            <a:off x="504000" y="3044520"/>
+            <a:ext cx="9072000" cy="1568520"/>
           </a:xfrm>
           <a:prstGeom prst="rect">
             <a:avLst/>
@@ -246,7 +247,7 @@
             <a:spLocks noGrp="1"/>
           </p:cNvSpPr>
           <p:nvPr>
-            <p:ph type="ftr" idx="2"/>
+            <p:ph type="ftr" idx="1"/>
           </p:nvPr>
         </p:nvSpPr>
         <p:spPr/>
@@ -266,14 +267,14 @@
             <a:spLocks noGrp="1"/>
           </p:cNvSpPr>
           <p:nvPr>
-            <p:ph type="sldNum" idx="3"/>
-          </p:nvPr>
-        </p:nvSpPr>
-        <p:spPr/>
-        <p:txBody>
-          <a:bodyPr/>
-          <a:p>
-            <a:fld id="{D822E2F6-6F2C-4CC9-ACCA-9D3AECABAE17}" type="slidenum">
+            <p:ph type="sldNum" idx="2"/>
+          </p:nvPr>
+        </p:nvSpPr>
+        <p:spPr/>
+        <p:txBody>
+          <a:bodyPr/>
+          <a:p>
+            <a:fld id="{897D4499-9D80-47C6-9F93-72FD644DAD31}" type="slidenum">
               <a:t>&lt;#&gt;</a:t>
             </a:fld>
           </a:p>
@@ -286,7 +287,7 @@
             <a:spLocks noGrp="1"/>
           </p:cNvSpPr>
           <p:nvPr>
-            <p:ph type="dt" idx="1"/>
+            <p:ph type="dt" idx="3"/>
           </p:nvPr>
         </p:nvSpPr>
         <p:spPr/>
@@ -335,7 +336,7 @@
         <p:spPr>
           <a:xfrm>
             <a:off x="504000" y="226080"/>
-            <a:ext cx="9071640" cy="946440"/>
+            <a:ext cx="9072000" cy="946440"/>
           </a:xfrm>
           <a:prstGeom prst="rect">
             <a:avLst/>
@@ -375,7 +376,7 @@
         <p:spPr>
           <a:xfrm>
             <a:off x="504000" y="1326600"/>
-            <a:ext cx="4426920" cy="1568160"/>
+            <a:ext cx="4426920" cy="1568520"/>
           </a:xfrm>
           <a:prstGeom prst="rect">
             <a:avLst/>
@@ -418,7 +419,7 @@
         <p:spPr>
           <a:xfrm>
             <a:off x="5152680" y="1326600"/>
-            <a:ext cx="4426920" cy="1568160"/>
+            <a:ext cx="4426920" cy="1568520"/>
           </a:xfrm>
           <a:prstGeom prst="rect">
             <a:avLst/>
@@ -460,8 +461,8 @@
         </p:nvSpPr>
         <p:spPr>
           <a:xfrm>
-            <a:off x="504000" y="3044160"/>
-            <a:ext cx="4426920" cy="1568160"/>
+            <a:off x="504000" y="3044520"/>
+            <a:ext cx="4426920" cy="1568520"/>
           </a:xfrm>
           <a:prstGeom prst="rect">
             <a:avLst/>
@@ -503,8 +504,8 @@
         </p:nvSpPr>
         <p:spPr>
           <a:xfrm>
-            <a:off x="5152680" y="3044160"/>
-            <a:ext cx="4426920" cy="1568160"/>
+            <a:off x="5152680" y="3044520"/>
+            <a:ext cx="4426920" cy="1568520"/>
           </a:xfrm>
           <a:prstGeom prst="rect">
             <a:avLst/>
@@ -541,7 +542,7 @@
             <a:spLocks noGrp="1"/>
           </p:cNvSpPr>
           <p:nvPr>
-            <p:ph type="ftr" idx="2"/>
+            <p:ph type="ftr" idx="1"/>
           </p:nvPr>
         </p:nvSpPr>
         <p:spPr/>
@@ -561,14 +562,14 @@
             <a:spLocks noGrp="1"/>
           </p:cNvSpPr>
           <p:nvPr>
-            <p:ph type="sldNum" idx="3"/>
-          </p:nvPr>
-        </p:nvSpPr>
-        <p:spPr/>
-        <p:txBody>
-          <a:bodyPr/>
-          <a:p>
-            <a:fld id="{DC9CB336-25B0-4741-8231-D60F4BE60AEF}" type="slidenum">
+            <p:ph type="sldNum" idx="2"/>
+          </p:nvPr>
+        </p:nvSpPr>
+        <p:spPr/>
+        <p:txBody>
+          <a:bodyPr/>
+          <a:p>
+            <a:fld id="{84312E47-13E8-4461-A638-9BEC4B5B988A}" type="slidenum">
               <a:t>&lt;#&gt;</a:t>
             </a:fld>
           </a:p>
@@ -581,7 +582,7 @@
             <a:spLocks noGrp="1"/>
           </p:cNvSpPr>
           <p:nvPr>
-            <p:ph type="dt" idx="1"/>
+            <p:ph type="dt" idx="3"/>
           </p:nvPr>
         </p:nvSpPr>
         <p:spPr/>
@@ -630,7 +631,7 @@
         <p:spPr>
           <a:xfrm>
             <a:off x="504000" y="226080"/>
-            <a:ext cx="9071640" cy="946440"/>
+            <a:ext cx="9072000" cy="946440"/>
           </a:xfrm>
           <a:prstGeom prst="rect">
             <a:avLst/>
@@ -670,7 +671,7 @@
         <p:spPr>
           <a:xfrm>
             <a:off x="504000" y="1326600"/>
-            <a:ext cx="2920680" cy="1568160"/>
+            <a:ext cx="2921040" cy="1568520"/>
           </a:xfrm>
           <a:prstGeom prst="rect">
             <a:avLst/>
@@ -712,8 +713,8 @@
         </p:nvSpPr>
         <p:spPr>
           <a:xfrm>
-            <a:off x="3571200" y="1326600"/>
-            <a:ext cx="2920680" cy="1568160"/>
+            <a:off x="3571560" y="1326600"/>
+            <a:ext cx="2921040" cy="1568520"/>
           </a:xfrm>
           <a:prstGeom prst="rect">
             <a:avLst/>
@@ -755,8 +756,8 @@
         </p:nvSpPr>
         <p:spPr>
           <a:xfrm>
-            <a:off x="6638040" y="1326600"/>
-            <a:ext cx="2920680" cy="1568160"/>
+            <a:off x="6639120" y="1326600"/>
+            <a:ext cx="2921040" cy="1568520"/>
           </a:xfrm>
           <a:prstGeom prst="rect">
             <a:avLst/>
@@ -798,8 +799,8 @@
         </p:nvSpPr>
         <p:spPr>
           <a:xfrm>
-            <a:off x="504000" y="3044160"/>
-            <a:ext cx="2920680" cy="1568160"/>
+            <a:off x="504000" y="3044520"/>
+            <a:ext cx="2921040" cy="1568520"/>
           </a:xfrm>
           <a:prstGeom prst="rect">
             <a:avLst/>
@@ -841,8 +842,8 @@
         </p:nvSpPr>
         <p:spPr>
           <a:xfrm>
-            <a:off x="3571200" y="3044160"/>
-            <a:ext cx="2920680" cy="1568160"/>
+            <a:off x="3571560" y="3044520"/>
+            <a:ext cx="2921040" cy="1568520"/>
           </a:xfrm>
           <a:prstGeom prst="rect">
             <a:avLst/>
@@ -884,8 +885,8 @@
         </p:nvSpPr>
         <p:spPr>
           <a:xfrm>
-            <a:off x="6638040" y="3044160"/>
-            <a:ext cx="2920680" cy="1568160"/>
+            <a:off x="6639120" y="3044520"/>
+            <a:ext cx="2921040" cy="1568520"/>
           </a:xfrm>
           <a:prstGeom prst="rect">
             <a:avLst/>
@@ -922,7 +923,7 @@
             <a:spLocks noGrp="1"/>
           </p:cNvSpPr>
           <p:nvPr>
-            <p:ph type="ftr" idx="2"/>
+            <p:ph type="ftr" idx="1"/>
           </p:nvPr>
         </p:nvSpPr>
         <p:spPr/>
@@ -942,14 +943,14 @@
             <a:spLocks noGrp="1"/>
           </p:cNvSpPr>
           <p:nvPr>
-            <p:ph type="sldNum" idx="3"/>
-          </p:nvPr>
-        </p:nvSpPr>
-        <p:spPr/>
-        <p:txBody>
-          <a:bodyPr/>
-          <a:p>
-            <a:fld id="{C8E80117-E28E-4C20-9919-B1E69A62C1BC}" type="slidenum">
+            <p:ph type="sldNum" idx="2"/>
+          </p:nvPr>
+        </p:nvSpPr>
+        <p:spPr/>
+        <p:txBody>
+          <a:bodyPr/>
+          <a:p>
+            <a:fld id="{2B1068C2-E32B-4A61-ABE2-A21D1192752C}" type="slidenum">
               <a:t>&lt;#&gt;</a:t>
             </a:fld>
           </a:p>
@@ -962,7 +963,1124 @@
             <a:spLocks noGrp="1"/>
           </p:cNvSpPr>
           <p:nvPr>
-            <p:ph type="dt" idx="1"/>
+            <p:ph type="dt" idx="3"/>
+          </p:nvPr>
+        </p:nvSpPr>
+        <p:spPr/>
+        <p:txBody>
+          <a:bodyPr/>
+          <a:p>
+            <a:r>
+              <a:rPr lang="it-IT"/>
+              <a:t/>
+            </a:r>
+          </a:p>
+        </p:txBody>
+      </p:sp>
+    </p:spTree>
+  </p:cSld>
+</p:sldLayout>
+</file>
+
+<file path=ppt/slideLayouts/slideLayout13.xml><?xml version="1.0" encoding="utf-8"?>
+<p:sldLayout xmlns:a="http://schemas.openxmlformats.org/drawingml/2006/main" xmlns:p="http://schemas.openxmlformats.org/presentationml/2006/main" xmlns:r="http://schemas.openxmlformats.org/officeDocument/2006/relationships" xmlns:p14="http://schemas.microsoft.com/office/powerpoint/2010/main" xmlns:p15="http://schemas.microsoft.com/office/powerpoint/2012/main" xmlns:mc="http://schemas.openxmlformats.org/markup-compatibility/2006" type="blank" preserve="1">
+  <p:cSld name="Blank Slide">
+    <p:spTree>
+      <p:nvGrpSpPr>
+        <p:cNvPr id="1" name=""/>
+        <p:cNvGrpSpPr/>
+        <p:nvPr/>
+      </p:nvGrpSpPr>
+      <p:grpSpPr>
+        <a:xfrm>
+          <a:off x="0" y="0"/>
+          <a:ext cx="0" cy="0"/>
+          <a:chOff x="0" y="0"/>
+          <a:chExt cx="0" cy="0"/>
+        </a:xfrm>
+      </p:grpSpPr>
+      <p:sp>
+        <p:nvSpPr>
+          <p:cNvPr id="2" name="PlaceHolder 1"/>
+          <p:cNvSpPr>
+            <a:spLocks noGrp="1"/>
+          </p:cNvSpPr>
+          <p:nvPr>
+            <p:ph type="ftr" idx="4"/>
+          </p:nvPr>
+        </p:nvSpPr>
+        <p:spPr/>
+        <p:txBody>
+          <a:bodyPr/>
+          <a:p>
+            <a:r>
+              <a:t>Footer</a:t>
+            </a:r>
+          </a:p>
+        </p:txBody>
+      </p:sp>
+      <p:sp>
+        <p:nvSpPr>
+          <p:cNvPr id="3" name="PlaceHolder 2"/>
+          <p:cNvSpPr>
+            <a:spLocks noGrp="1"/>
+          </p:cNvSpPr>
+          <p:nvPr>
+            <p:ph type="sldNum" idx="5"/>
+          </p:nvPr>
+        </p:nvSpPr>
+        <p:spPr/>
+        <p:txBody>
+          <a:bodyPr/>
+          <a:p>
+            <a:fld id="{4C964E93-8DCF-447B-8042-07CE3D6CB58D}" type="slidenum">
+              <a:t>&lt;#&gt;</a:t>
+            </a:fld>
+          </a:p>
+        </p:txBody>
+      </p:sp>
+      <p:sp>
+        <p:nvSpPr>
+          <p:cNvPr id="4" name="PlaceHolder 3"/>
+          <p:cNvSpPr>
+            <a:spLocks noGrp="1"/>
+          </p:cNvSpPr>
+          <p:nvPr>
+            <p:ph type="dt" idx="6"/>
+          </p:nvPr>
+        </p:nvSpPr>
+        <p:spPr/>
+        <p:txBody>
+          <a:bodyPr/>
+          <a:p>
+            <a:r>
+              <a:rPr lang="it-IT"/>
+              <a:t/>
+            </a:r>
+          </a:p>
+        </p:txBody>
+      </p:sp>
+    </p:spTree>
+  </p:cSld>
+</p:sldLayout>
+</file>
+
+<file path=ppt/slideLayouts/slideLayout14.xml><?xml version="1.0" encoding="utf-8"?>
+<p:sldLayout xmlns:a="http://schemas.openxmlformats.org/drawingml/2006/main" xmlns:p="http://schemas.openxmlformats.org/presentationml/2006/main" xmlns:r="http://schemas.openxmlformats.org/officeDocument/2006/relationships" xmlns:p14="http://schemas.microsoft.com/office/powerpoint/2010/main" xmlns:p15="http://schemas.microsoft.com/office/powerpoint/2012/main" xmlns:mc="http://schemas.openxmlformats.org/markup-compatibility/2006" type="tx" preserve="1">
+  <p:cSld name="Title Slide">
+    <p:spTree>
+      <p:nvGrpSpPr>
+        <p:cNvPr id="1" name=""/>
+        <p:cNvGrpSpPr/>
+        <p:nvPr/>
+      </p:nvGrpSpPr>
+      <p:grpSpPr>
+        <a:xfrm>
+          <a:off x="0" y="0"/>
+          <a:ext cx="0" cy="0"/>
+          <a:chOff x="0" y="0"/>
+          <a:chExt cx="0" cy="0"/>
+        </a:xfrm>
+      </p:grpSpPr>
+      <p:sp>
+        <p:nvSpPr>
+          <p:cNvPr id="46" name="PlaceHolder 1"/>
+          <p:cNvSpPr>
+            <a:spLocks noGrp="1"/>
+          </p:cNvSpPr>
+          <p:nvPr>
+            <p:ph type="title"/>
+          </p:nvPr>
+        </p:nvSpPr>
+        <p:spPr>
+          <a:xfrm>
+            <a:off x="504000" y="226080"/>
+            <a:ext cx="9072000" cy="946440"/>
+          </a:xfrm>
+          <a:prstGeom prst="rect">
+            <a:avLst/>
+          </a:prstGeom>
+          <a:noFill/>
+          <a:ln w="0">
+            <a:noFill/>
+          </a:ln>
+        </p:spPr>
+        <p:txBody>
+          <a:bodyPr lIns="0" rIns="0" tIns="0" bIns="0" anchor="ctr">
+            <a:noAutofit/>
+          </a:bodyPr>
+          <a:p>
+            <a:pPr indent="0" algn="ctr">
+              <a:buNone/>
+            </a:pPr>
+            <a:endParaRPr b="0" lang="it-IT" sz="4400" spc="-1" strike="noStrike">
+              <a:solidFill>
+                <a:srgbClr val="000000"/>
+              </a:solidFill>
+              <a:latin typeface="Arial"/>
+            </a:endParaRPr>
+          </a:p>
+        </p:txBody>
+      </p:sp>
+      <p:sp>
+        <p:nvSpPr>
+          <p:cNvPr id="47" name="PlaceHolder 2"/>
+          <p:cNvSpPr>
+            <a:spLocks noGrp="1"/>
+          </p:cNvSpPr>
+          <p:nvPr>
+            <p:ph type="subTitle"/>
+          </p:nvPr>
+        </p:nvSpPr>
+        <p:spPr>
+          <a:xfrm>
+            <a:off x="504000" y="1326600"/>
+            <a:ext cx="9072000" cy="3288600"/>
+          </a:xfrm>
+          <a:prstGeom prst="rect">
+            <a:avLst/>
+          </a:prstGeom>
+          <a:noFill/>
+          <a:ln w="0">
+            <a:noFill/>
+          </a:ln>
+        </p:spPr>
+        <p:txBody>
+          <a:bodyPr lIns="0" rIns="0" tIns="0" bIns="0" anchor="ctr">
+            <a:noAutofit/>
+          </a:bodyPr>
+          <a:p>
+            <a:pPr indent="0" algn="ctr">
+              <a:buNone/>
+            </a:pPr>
+            <a:endParaRPr b="0" lang="it-IT" sz="3200" spc="-1" strike="noStrike">
+              <a:solidFill>
+                <a:srgbClr val="000000"/>
+              </a:solidFill>
+              <a:latin typeface="Arial"/>
+            </a:endParaRPr>
+          </a:p>
+        </p:txBody>
+      </p:sp>
+      <p:sp>
+        <p:nvSpPr>
+          <p:cNvPr id="4" name="PlaceHolder 3"/>
+          <p:cNvSpPr>
+            <a:spLocks noGrp="1"/>
+          </p:cNvSpPr>
+          <p:nvPr>
+            <p:ph type="ftr" idx="4"/>
+          </p:nvPr>
+        </p:nvSpPr>
+        <p:spPr/>
+        <p:txBody>
+          <a:bodyPr/>
+          <a:p>
+            <a:r>
+              <a:t>Footer</a:t>
+            </a:r>
+          </a:p>
+        </p:txBody>
+      </p:sp>
+      <p:sp>
+        <p:nvSpPr>
+          <p:cNvPr id="5" name="PlaceHolder 4"/>
+          <p:cNvSpPr>
+            <a:spLocks noGrp="1"/>
+          </p:cNvSpPr>
+          <p:nvPr>
+            <p:ph type="sldNum" idx="5"/>
+          </p:nvPr>
+        </p:nvSpPr>
+        <p:spPr/>
+        <p:txBody>
+          <a:bodyPr/>
+          <a:p>
+            <a:fld id="{D1B8F515-3003-4E36-ABEF-64945289FB2E}" type="slidenum">
+              <a:t>&lt;#&gt;</a:t>
+            </a:fld>
+          </a:p>
+        </p:txBody>
+      </p:sp>
+      <p:sp>
+        <p:nvSpPr>
+          <p:cNvPr id="6" name="PlaceHolder 5"/>
+          <p:cNvSpPr>
+            <a:spLocks noGrp="1"/>
+          </p:cNvSpPr>
+          <p:nvPr>
+            <p:ph type="dt" idx="6"/>
+          </p:nvPr>
+        </p:nvSpPr>
+        <p:spPr/>
+        <p:txBody>
+          <a:bodyPr/>
+          <a:p>
+            <a:r>
+              <a:rPr lang="it-IT"/>
+              <a:t/>
+            </a:r>
+          </a:p>
+        </p:txBody>
+      </p:sp>
+    </p:spTree>
+  </p:cSld>
+</p:sldLayout>
+</file>
+
+<file path=ppt/slideLayouts/slideLayout15.xml><?xml version="1.0" encoding="utf-8"?>
+<p:sldLayout xmlns:a="http://schemas.openxmlformats.org/drawingml/2006/main" xmlns:p="http://schemas.openxmlformats.org/presentationml/2006/main" xmlns:r="http://schemas.openxmlformats.org/officeDocument/2006/relationships" xmlns:p14="http://schemas.microsoft.com/office/powerpoint/2010/main" xmlns:p15="http://schemas.microsoft.com/office/powerpoint/2012/main" xmlns:mc="http://schemas.openxmlformats.org/markup-compatibility/2006" type="obj" preserve="1">
+  <p:cSld name="Title, Content">
+    <p:spTree>
+      <p:nvGrpSpPr>
+        <p:cNvPr id="1" name=""/>
+        <p:cNvGrpSpPr/>
+        <p:nvPr/>
+      </p:nvGrpSpPr>
+      <p:grpSpPr>
+        <a:xfrm>
+          <a:off x="0" y="0"/>
+          <a:ext cx="0" cy="0"/>
+          <a:chOff x="0" y="0"/>
+          <a:chExt cx="0" cy="0"/>
+        </a:xfrm>
+      </p:grpSpPr>
+      <p:sp>
+        <p:nvSpPr>
+          <p:cNvPr id="48" name="PlaceHolder 1"/>
+          <p:cNvSpPr>
+            <a:spLocks noGrp="1"/>
+          </p:cNvSpPr>
+          <p:nvPr>
+            <p:ph type="title"/>
+          </p:nvPr>
+        </p:nvSpPr>
+        <p:spPr>
+          <a:xfrm>
+            <a:off x="504000" y="226080"/>
+            <a:ext cx="9072000" cy="946440"/>
+          </a:xfrm>
+          <a:prstGeom prst="rect">
+            <a:avLst/>
+          </a:prstGeom>
+          <a:noFill/>
+          <a:ln w="0">
+            <a:noFill/>
+          </a:ln>
+        </p:spPr>
+        <p:txBody>
+          <a:bodyPr lIns="0" rIns="0" tIns="0" bIns="0" anchor="ctr">
+            <a:noAutofit/>
+          </a:bodyPr>
+          <a:p>
+            <a:pPr indent="0" algn="ctr">
+              <a:buNone/>
+            </a:pPr>
+            <a:endParaRPr b="0" lang="it-IT" sz="4400" spc="-1" strike="noStrike">
+              <a:solidFill>
+                <a:srgbClr val="000000"/>
+              </a:solidFill>
+              <a:latin typeface="Arial"/>
+            </a:endParaRPr>
+          </a:p>
+        </p:txBody>
+      </p:sp>
+      <p:sp>
+        <p:nvSpPr>
+          <p:cNvPr id="49" name="PlaceHolder 2"/>
+          <p:cNvSpPr>
+            <a:spLocks noGrp="1"/>
+          </p:cNvSpPr>
+          <p:nvPr>
+            <p:ph/>
+          </p:nvPr>
+        </p:nvSpPr>
+        <p:spPr>
+          <a:xfrm>
+            <a:off x="504000" y="1326600"/>
+            <a:ext cx="9072000" cy="3288600"/>
+          </a:xfrm>
+          <a:prstGeom prst="rect">
+            <a:avLst/>
+          </a:prstGeom>
+          <a:noFill/>
+          <a:ln w="0">
+            <a:noFill/>
+          </a:ln>
+        </p:spPr>
+        <p:txBody>
+          <a:bodyPr lIns="0" rIns="0" tIns="0" bIns="0" anchor="t">
+            <a:normAutofit/>
+          </a:bodyPr>
+          <a:p>
+            <a:pPr indent="0">
+              <a:spcBef>
+                <a:spcPts val="1417"/>
+              </a:spcBef>
+              <a:buNone/>
+            </a:pPr>
+            <a:endParaRPr b="0" lang="it-IT" sz="3200" spc="-1" strike="noStrike">
+              <a:solidFill>
+                <a:srgbClr val="000000"/>
+              </a:solidFill>
+              <a:latin typeface="Arial"/>
+            </a:endParaRPr>
+          </a:p>
+        </p:txBody>
+      </p:sp>
+      <p:sp>
+        <p:nvSpPr>
+          <p:cNvPr id="4" name="PlaceHolder 3"/>
+          <p:cNvSpPr>
+            <a:spLocks noGrp="1"/>
+          </p:cNvSpPr>
+          <p:nvPr>
+            <p:ph type="ftr" idx="4"/>
+          </p:nvPr>
+        </p:nvSpPr>
+        <p:spPr/>
+        <p:txBody>
+          <a:bodyPr/>
+          <a:p>
+            <a:r>
+              <a:t>Footer</a:t>
+            </a:r>
+          </a:p>
+        </p:txBody>
+      </p:sp>
+      <p:sp>
+        <p:nvSpPr>
+          <p:cNvPr id="5" name="PlaceHolder 4"/>
+          <p:cNvSpPr>
+            <a:spLocks noGrp="1"/>
+          </p:cNvSpPr>
+          <p:nvPr>
+            <p:ph type="sldNum" idx="5"/>
+          </p:nvPr>
+        </p:nvSpPr>
+        <p:spPr/>
+        <p:txBody>
+          <a:bodyPr/>
+          <a:p>
+            <a:fld id="{93271E00-F635-4719-A7CC-AD34B31D1C75}" type="slidenum">
+              <a:t>&lt;#&gt;</a:t>
+            </a:fld>
+          </a:p>
+        </p:txBody>
+      </p:sp>
+      <p:sp>
+        <p:nvSpPr>
+          <p:cNvPr id="6" name="PlaceHolder 5"/>
+          <p:cNvSpPr>
+            <a:spLocks noGrp="1"/>
+          </p:cNvSpPr>
+          <p:nvPr>
+            <p:ph type="dt" idx="6"/>
+          </p:nvPr>
+        </p:nvSpPr>
+        <p:spPr/>
+        <p:txBody>
+          <a:bodyPr/>
+          <a:p>
+            <a:r>
+              <a:rPr lang="it-IT"/>
+              <a:t/>
+            </a:r>
+          </a:p>
+        </p:txBody>
+      </p:sp>
+    </p:spTree>
+  </p:cSld>
+</p:sldLayout>
+</file>
+
+<file path=ppt/slideLayouts/slideLayout16.xml><?xml version="1.0" encoding="utf-8"?>
+<p:sldLayout xmlns:a="http://schemas.openxmlformats.org/drawingml/2006/main" xmlns:p="http://schemas.openxmlformats.org/presentationml/2006/main" xmlns:r="http://schemas.openxmlformats.org/officeDocument/2006/relationships" xmlns:p14="http://schemas.microsoft.com/office/powerpoint/2010/main" xmlns:p15="http://schemas.microsoft.com/office/powerpoint/2012/main" xmlns:mc="http://schemas.openxmlformats.org/markup-compatibility/2006" type="twoObj" preserve="1">
+  <p:cSld name="Title, 2 Content">
+    <p:spTree>
+      <p:nvGrpSpPr>
+        <p:cNvPr id="1" name=""/>
+        <p:cNvGrpSpPr/>
+        <p:nvPr/>
+      </p:nvGrpSpPr>
+      <p:grpSpPr>
+        <a:xfrm>
+          <a:off x="0" y="0"/>
+          <a:ext cx="0" cy="0"/>
+          <a:chOff x="0" y="0"/>
+          <a:chExt cx="0" cy="0"/>
+        </a:xfrm>
+      </p:grpSpPr>
+      <p:sp>
+        <p:nvSpPr>
+          <p:cNvPr id="50" name="PlaceHolder 1"/>
+          <p:cNvSpPr>
+            <a:spLocks noGrp="1"/>
+          </p:cNvSpPr>
+          <p:nvPr>
+            <p:ph type="title"/>
+          </p:nvPr>
+        </p:nvSpPr>
+        <p:spPr>
+          <a:xfrm>
+            <a:off x="504000" y="226080"/>
+            <a:ext cx="9072000" cy="946440"/>
+          </a:xfrm>
+          <a:prstGeom prst="rect">
+            <a:avLst/>
+          </a:prstGeom>
+          <a:noFill/>
+          <a:ln w="0">
+            <a:noFill/>
+          </a:ln>
+        </p:spPr>
+        <p:txBody>
+          <a:bodyPr lIns="0" rIns="0" tIns="0" bIns="0" anchor="ctr">
+            <a:noAutofit/>
+          </a:bodyPr>
+          <a:p>
+            <a:pPr indent="0" algn="ctr">
+              <a:buNone/>
+            </a:pPr>
+            <a:endParaRPr b="0" lang="it-IT" sz="4400" spc="-1" strike="noStrike">
+              <a:solidFill>
+                <a:srgbClr val="000000"/>
+              </a:solidFill>
+              <a:latin typeface="Arial"/>
+            </a:endParaRPr>
+          </a:p>
+        </p:txBody>
+      </p:sp>
+      <p:sp>
+        <p:nvSpPr>
+          <p:cNvPr id="51" name="PlaceHolder 2"/>
+          <p:cNvSpPr>
+            <a:spLocks noGrp="1"/>
+          </p:cNvSpPr>
+          <p:nvPr>
+            <p:ph/>
+          </p:nvPr>
+        </p:nvSpPr>
+        <p:spPr>
+          <a:xfrm>
+            <a:off x="504000" y="1326600"/>
+            <a:ext cx="4426920" cy="3288600"/>
+          </a:xfrm>
+          <a:prstGeom prst="rect">
+            <a:avLst/>
+          </a:prstGeom>
+          <a:noFill/>
+          <a:ln w="0">
+            <a:noFill/>
+          </a:ln>
+        </p:spPr>
+        <p:txBody>
+          <a:bodyPr lIns="0" rIns="0" tIns="0" bIns="0" anchor="t">
+            <a:normAutofit/>
+          </a:bodyPr>
+          <a:p>
+            <a:pPr indent="0">
+              <a:spcBef>
+                <a:spcPts val="1417"/>
+              </a:spcBef>
+              <a:buNone/>
+            </a:pPr>
+            <a:endParaRPr b="0" lang="it-IT" sz="3200" spc="-1" strike="noStrike">
+              <a:solidFill>
+                <a:srgbClr val="000000"/>
+              </a:solidFill>
+              <a:latin typeface="Arial"/>
+            </a:endParaRPr>
+          </a:p>
+        </p:txBody>
+      </p:sp>
+      <p:sp>
+        <p:nvSpPr>
+          <p:cNvPr id="52" name="PlaceHolder 3"/>
+          <p:cNvSpPr>
+            <a:spLocks noGrp="1"/>
+          </p:cNvSpPr>
+          <p:nvPr>
+            <p:ph/>
+          </p:nvPr>
+        </p:nvSpPr>
+        <p:spPr>
+          <a:xfrm>
+            <a:off x="5152680" y="1326600"/>
+            <a:ext cx="4426920" cy="3288600"/>
+          </a:xfrm>
+          <a:prstGeom prst="rect">
+            <a:avLst/>
+          </a:prstGeom>
+          <a:noFill/>
+          <a:ln w="0">
+            <a:noFill/>
+          </a:ln>
+        </p:spPr>
+        <p:txBody>
+          <a:bodyPr lIns="0" rIns="0" tIns="0" bIns="0" anchor="t">
+            <a:normAutofit/>
+          </a:bodyPr>
+          <a:p>
+            <a:pPr indent="0">
+              <a:spcBef>
+                <a:spcPts val="1417"/>
+              </a:spcBef>
+              <a:buNone/>
+            </a:pPr>
+            <a:endParaRPr b="0" lang="it-IT" sz="3200" spc="-1" strike="noStrike">
+              <a:solidFill>
+                <a:srgbClr val="000000"/>
+              </a:solidFill>
+              <a:latin typeface="Arial"/>
+            </a:endParaRPr>
+          </a:p>
+        </p:txBody>
+      </p:sp>
+      <p:sp>
+        <p:nvSpPr>
+          <p:cNvPr id="5" name="PlaceHolder 4"/>
+          <p:cNvSpPr>
+            <a:spLocks noGrp="1"/>
+          </p:cNvSpPr>
+          <p:nvPr>
+            <p:ph type="ftr" idx="4"/>
+          </p:nvPr>
+        </p:nvSpPr>
+        <p:spPr/>
+        <p:txBody>
+          <a:bodyPr/>
+          <a:p>
+            <a:r>
+              <a:t>Footer</a:t>
+            </a:r>
+          </a:p>
+        </p:txBody>
+      </p:sp>
+      <p:sp>
+        <p:nvSpPr>
+          <p:cNvPr id="6" name="PlaceHolder 5"/>
+          <p:cNvSpPr>
+            <a:spLocks noGrp="1"/>
+          </p:cNvSpPr>
+          <p:nvPr>
+            <p:ph type="sldNum" idx="5"/>
+          </p:nvPr>
+        </p:nvSpPr>
+        <p:spPr/>
+        <p:txBody>
+          <a:bodyPr/>
+          <a:p>
+            <a:fld id="{B828432B-6F46-4E66-A6A2-39E35F60793A}" type="slidenum">
+              <a:t>&lt;#&gt;</a:t>
+            </a:fld>
+          </a:p>
+        </p:txBody>
+      </p:sp>
+      <p:sp>
+        <p:nvSpPr>
+          <p:cNvPr id="7" name="PlaceHolder 6"/>
+          <p:cNvSpPr>
+            <a:spLocks noGrp="1"/>
+          </p:cNvSpPr>
+          <p:nvPr>
+            <p:ph type="dt" idx="6"/>
+          </p:nvPr>
+        </p:nvSpPr>
+        <p:spPr/>
+        <p:txBody>
+          <a:bodyPr/>
+          <a:p>
+            <a:r>
+              <a:rPr lang="it-IT"/>
+              <a:t/>
+            </a:r>
+          </a:p>
+        </p:txBody>
+      </p:sp>
+    </p:spTree>
+  </p:cSld>
+</p:sldLayout>
+</file>
+
+<file path=ppt/slideLayouts/slideLayout17.xml><?xml version="1.0" encoding="utf-8"?>
+<p:sldLayout xmlns:a="http://schemas.openxmlformats.org/drawingml/2006/main" xmlns:p="http://schemas.openxmlformats.org/presentationml/2006/main" xmlns:r="http://schemas.openxmlformats.org/officeDocument/2006/relationships" xmlns:p14="http://schemas.microsoft.com/office/powerpoint/2010/main" xmlns:p15="http://schemas.microsoft.com/office/powerpoint/2012/main" xmlns:mc="http://schemas.openxmlformats.org/markup-compatibility/2006" type="titleOnly" preserve="1">
+  <p:cSld name="Title Only">
+    <p:spTree>
+      <p:nvGrpSpPr>
+        <p:cNvPr id="1" name=""/>
+        <p:cNvGrpSpPr/>
+        <p:nvPr/>
+      </p:nvGrpSpPr>
+      <p:grpSpPr>
+        <a:xfrm>
+          <a:off x="0" y="0"/>
+          <a:ext cx="0" cy="0"/>
+          <a:chOff x="0" y="0"/>
+          <a:chExt cx="0" cy="0"/>
+        </a:xfrm>
+      </p:grpSpPr>
+      <p:sp>
+        <p:nvSpPr>
+          <p:cNvPr id="53" name="PlaceHolder 1"/>
+          <p:cNvSpPr>
+            <a:spLocks noGrp="1"/>
+          </p:cNvSpPr>
+          <p:nvPr>
+            <p:ph type="title"/>
+          </p:nvPr>
+        </p:nvSpPr>
+        <p:spPr>
+          <a:xfrm>
+            <a:off x="504000" y="226080"/>
+            <a:ext cx="9072000" cy="946440"/>
+          </a:xfrm>
+          <a:prstGeom prst="rect">
+            <a:avLst/>
+          </a:prstGeom>
+          <a:noFill/>
+          <a:ln w="0">
+            <a:noFill/>
+          </a:ln>
+        </p:spPr>
+        <p:txBody>
+          <a:bodyPr lIns="0" rIns="0" tIns="0" bIns="0" anchor="ctr">
+            <a:noAutofit/>
+          </a:bodyPr>
+          <a:p>
+            <a:pPr indent="0" algn="ctr">
+              <a:buNone/>
+            </a:pPr>
+            <a:endParaRPr b="0" lang="it-IT" sz="4400" spc="-1" strike="noStrike">
+              <a:solidFill>
+                <a:srgbClr val="000000"/>
+              </a:solidFill>
+              <a:latin typeface="Arial"/>
+            </a:endParaRPr>
+          </a:p>
+        </p:txBody>
+      </p:sp>
+      <p:sp>
+        <p:nvSpPr>
+          <p:cNvPr id="3" name="PlaceHolder 2"/>
+          <p:cNvSpPr>
+            <a:spLocks noGrp="1"/>
+          </p:cNvSpPr>
+          <p:nvPr>
+            <p:ph type="ftr" idx="4"/>
+          </p:nvPr>
+        </p:nvSpPr>
+        <p:spPr/>
+        <p:txBody>
+          <a:bodyPr/>
+          <a:p>
+            <a:r>
+              <a:t>Footer</a:t>
+            </a:r>
+          </a:p>
+        </p:txBody>
+      </p:sp>
+      <p:sp>
+        <p:nvSpPr>
+          <p:cNvPr id="4" name="PlaceHolder 3"/>
+          <p:cNvSpPr>
+            <a:spLocks noGrp="1"/>
+          </p:cNvSpPr>
+          <p:nvPr>
+            <p:ph type="sldNum" idx="5"/>
+          </p:nvPr>
+        </p:nvSpPr>
+        <p:spPr/>
+        <p:txBody>
+          <a:bodyPr/>
+          <a:p>
+            <a:fld id="{28E3CB51-30F5-496A-A09A-6DB16EF4D90F}" type="slidenum">
+              <a:t>&lt;#&gt;</a:t>
+            </a:fld>
+          </a:p>
+        </p:txBody>
+      </p:sp>
+      <p:sp>
+        <p:nvSpPr>
+          <p:cNvPr id="5" name="PlaceHolder 4"/>
+          <p:cNvSpPr>
+            <a:spLocks noGrp="1"/>
+          </p:cNvSpPr>
+          <p:nvPr>
+            <p:ph type="dt" idx="6"/>
+          </p:nvPr>
+        </p:nvSpPr>
+        <p:spPr/>
+        <p:txBody>
+          <a:bodyPr/>
+          <a:p>
+            <a:r>
+              <a:rPr lang="it-IT"/>
+              <a:t/>
+            </a:r>
+          </a:p>
+        </p:txBody>
+      </p:sp>
+    </p:spTree>
+  </p:cSld>
+</p:sldLayout>
+</file>
+
+<file path=ppt/slideLayouts/slideLayout18.xml><?xml version="1.0" encoding="utf-8"?>
+<p:sldLayout xmlns:a="http://schemas.openxmlformats.org/drawingml/2006/main" xmlns:p="http://schemas.openxmlformats.org/presentationml/2006/main" xmlns:r="http://schemas.openxmlformats.org/officeDocument/2006/relationships" xmlns:p14="http://schemas.microsoft.com/office/powerpoint/2010/main" xmlns:p15="http://schemas.microsoft.com/office/powerpoint/2012/main" xmlns:mc="http://schemas.openxmlformats.org/markup-compatibility/2006" type="objOnly" preserve="1">
+  <p:cSld name="Centered Text">
+    <p:spTree>
+      <p:nvGrpSpPr>
+        <p:cNvPr id="1" name=""/>
+        <p:cNvGrpSpPr/>
+        <p:nvPr/>
+      </p:nvGrpSpPr>
+      <p:grpSpPr>
+        <a:xfrm>
+          <a:off x="0" y="0"/>
+          <a:ext cx="0" cy="0"/>
+          <a:chOff x="0" y="0"/>
+          <a:chExt cx="0" cy="0"/>
+        </a:xfrm>
+      </p:grpSpPr>
+      <p:sp>
+        <p:nvSpPr>
+          <p:cNvPr id="54" name="PlaceHolder 1"/>
+          <p:cNvSpPr>
+            <a:spLocks noGrp="1"/>
+          </p:cNvSpPr>
+          <p:nvPr>
+            <p:ph type="subTitle"/>
+          </p:nvPr>
+        </p:nvSpPr>
+        <p:spPr>
+          <a:xfrm>
+            <a:off x="504000" y="226080"/>
+            <a:ext cx="9072000" cy="4388400"/>
+          </a:xfrm>
+          <a:prstGeom prst="rect">
+            <a:avLst/>
+          </a:prstGeom>
+          <a:noFill/>
+          <a:ln w="0">
+            <a:noFill/>
+          </a:ln>
+        </p:spPr>
+        <p:txBody>
+          <a:bodyPr lIns="0" rIns="0" tIns="0" bIns="0" anchor="ctr">
+            <a:noAutofit/>
+          </a:bodyPr>
+          <a:p>
+            <a:pPr algn="ctr"/>
+            <a:endParaRPr b="0" lang="it-IT" sz="3200" spc="-1" strike="noStrike">
+              <a:solidFill>
+                <a:srgbClr val="000000"/>
+              </a:solidFill>
+              <a:latin typeface="Arial"/>
+            </a:endParaRPr>
+          </a:p>
+        </p:txBody>
+      </p:sp>
+      <p:sp>
+        <p:nvSpPr>
+          <p:cNvPr id="3" name="PlaceHolder 2"/>
+          <p:cNvSpPr>
+            <a:spLocks noGrp="1"/>
+          </p:cNvSpPr>
+          <p:nvPr>
+            <p:ph type="ftr" idx="4"/>
+          </p:nvPr>
+        </p:nvSpPr>
+        <p:spPr/>
+        <p:txBody>
+          <a:bodyPr/>
+          <a:p>
+            <a:r>
+              <a:t>Footer</a:t>
+            </a:r>
+          </a:p>
+        </p:txBody>
+      </p:sp>
+      <p:sp>
+        <p:nvSpPr>
+          <p:cNvPr id="4" name="PlaceHolder 3"/>
+          <p:cNvSpPr>
+            <a:spLocks noGrp="1"/>
+          </p:cNvSpPr>
+          <p:nvPr>
+            <p:ph type="sldNum" idx="5"/>
+          </p:nvPr>
+        </p:nvSpPr>
+        <p:spPr/>
+        <p:txBody>
+          <a:bodyPr/>
+          <a:p>
+            <a:fld id="{774CC3C0-C741-479E-B353-6F9038A8672A}" type="slidenum">
+              <a:t>&lt;#&gt;</a:t>
+            </a:fld>
+          </a:p>
+        </p:txBody>
+      </p:sp>
+      <p:sp>
+        <p:nvSpPr>
+          <p:cNvPr id="5" name="PlaceHolder 4"/>
+          <p:cNvSpPr>
+            <a:spLocks noGrp="1"/>
+          </p:cNvSpPr>
+          <p:nvPr>
+            <p:ph type="dt" idx="6"/>
+          </p:nvPr>
+        </p:nvSpPr>
+        <p:spPr/>
+        <p:txBody>
+          <a:bodyPr/>
+          <a:p>
+            <a:r>
+              <a:rPr lang="it-IT"/>
+              <a:t/>
+            </a:r>
+          </a:p>
+        </p:txBody>
+      </p:sp>
+    </p:spTree>
+  </p:cSld>
+</p:sldLayout>
+</file>
+
+<file path=ppt/slideLayouts/slideLayout19.xml><?xml version="1.0" encoding="utf-8"?>
+<p:sldLayout xmlns:a="http://schemas.openxmlformats.org/drawingml/2006/main" xmlns:p="http://schemas.openxmlformats.org/presentationml/2006/main" xmlns:r="http://schemas.openxmlformats.org/officeDocument/2006/relationships" xmlns:p14="http://schemas.microsoft.com/office/powerpoint/2010/main" xmlns:p15="http://schemas.microsoft.com/office/powerpoint/2012/main" xmlns:mc="http://schemas.openxmlformats.org/markup-compatibility/2006" type="twoObjAndObj" preserve="1">
+  <p:cSld name="Title, 2 Content and Content">
+    <p:spTree>
+      <p:nvGrpSpPr>
+        <p:cNvPr id="1" name=""/>
+        <p:cNvGrpSpPr/>
+        <p:nvPr/>
+      </p:nvGrpSpPr>
+      <p:grpSpPr>
+        <a:xfrm>
+          <a:off x="0" y="0"/>
+          <a:ext cx="0" cy="0"/>
+          <a:chOff x="0" y="0"/>
+          <a:chExt cx="0" cy="0"/>
+        </a:xfrm>
+      </p:grpSpPr>
+      <p:sp>
+        <p:nvSpPr>
+          <p:cNvPr id="55" name="PlaceHolder 1"/>
+          <p:cNvSpPr>
+            <a:spLocks noGrp="1"/>
+          </p:cNvSpPr>
+          <p:nvPr>
+            <p:ph type="title"/>
+          </p:nvPr>
+        </p:nvSpPr>
+        <p:spPr>
+          <a:xfrm>
+            <a:off x="504000" y="226080"/>
+            <a:ext cx="9072000" cy="946440"/>
+          </a:xfrm>
+          <a:prstGeom prst="rect">
+            <a:avLst/>
+          </a:prstGeom>
+          <a:noFill/>
+          <a:ln w="0">
+            <a:noFill/>
+          </a:ln>
+        </p:spPr>
+        <p:txBody>
+          <a:bodyPr lIns="0" rIns="0" tIns="0" bIns="0" anchor="ctr">
+            <a:noAutofit/>
+          </a:bodyPr>
+          <a:p>
+            <a:pPr indent="0" algn="ctr">
+              <a:buNone/>
+            </a:pPr>
+            <a:endParaRPr b="0" lang="it-IT" sz="4400" spc="-1" strike="noStrike">
+              <a:solidFill>
+                <a:srgbClr val="000000"/>
+              </a:solidFill>
+              <a:latin typeface="Arial"/>
+            </a:endParaRPr>
+          </a:p>
+        </p:txBody>
+      </p:sp>
+      <p:sp>
+        <p:nvSpPr>
+          <p:cNvPr id="56" name="PlaceHolder 2"/>
+          <p:cNvSpPr>
+            <a:spLocks noGrp="1"/>
+          </p:cNvSpPr>
+          <p:nvPr>
+            <p:ph/>
+          </p:nvPr>
+        </p:nvSpPr>
+        <p:spPr>
+          <a:xfrm>
+            <a:off x="504000" y="1326600"/>
+            <a:ext cx="4426920" cy="1568520"/>
+          </a:xfrm>
+          <a:prstGeom prst="rect">
+            <a:avLst/>
+          </a:prstGeom>
+          <a:noFill/>
+          <a:ln w="0">
+            <a:noFill/>
+          </a:ln>
+        </p:spPr>
+        <p:txBody>
+          <a:bodyPr lIns="0" rIns="0" tIns="0" bIns="0" anchor="t">
+            <a:normAutofit/>
+          </a:bodyPr>
+          <a:p>
+            <a:pPr indent="0">
+              <a:spcBef>
+                <a:spcPts val="1417"/>
+              </a:spcBef>
+              <a:buNone/>
+            </a:pPr>
+            <a:endParaRPr b="0" lang="it-IT" sz="3200" spc="-1" strike="noStrike">
+              <a:solidFill>
+                <a:srgbClr val="000000"/>
+              </a:solidFill>
+              <a:latin typeface="Arial"/>
+            </a:endParaRPr>
+          </a:p>
+        </p:txBody>
+      </p:sp>
+      <p:sp>
+        <p:nvSpPr>
+          <p:cNvPr id="57" name="PlaceHolder 3"/>
+          <p:cNvSpPr>
+            <a:spLocks noGrp="1"/>
+          </p:cNvSpPr>
+          <p:nvPr>
+            <p:ph/>
+          </p:nvPr>
+        </p:nvSpPr>
+        <p:spPr>
+          <a:xfrm>
+            <a:off x="5152680" y="1326600"/>
+            <a:ext cx="4426920" cy="3288600"/>
+          </a:xfrm>
+          <a:prstGeom prst="rect">
+            <a:avLst/>
+          </a:prstGeom>
+          <a:noFill/>
+          <a:ln w="0">
+            <a:noFill/>
+          </a:ln>
+        </p:spPr>
+        <p:txBody>
+          <a:bodyPr lIns="0" rIns="0" tIns="0" bIns="0" anchor="t">
+            <a:normAutofit/>
+          </a:bodyPr>
+          <a:p>
+            <a:pPr indent="0">
+              <a:spcBef>
+                <a:spcPts val="1417"/>
+              </a:spcBef>
+              <a:buNone/>
+            </a:pPr>
+            <a:endParaRPr b="0" lang="it-IT" sz="3200" spc="-1" strike="noStrike">
+              <a:solidFill>
+                <a:srgbClr val="000000"/>
+              </a:solidFill>
+              <a:latin typeface="Arial"/>
+            </a:endParaRPr>
+          </a:p>
+        </p:txBody>
+      </p:sp>
+      <p:sp>
+        <p:nvSpPr>
+          <p:cNvPr id="58" name="PlaceHolder 4"/>
+          <p:cNvSpPr>
+            <a:spLocks noGrp="1"/>
+          </p:cNvSpPr>
+          <p:nvPr>
+            <p:ph/>
+          </p:nvPr>
+        </p:nvSpPr>
+        <p:spPr>
+          <a:xfrm>
+            <a:off x="504000" y="3044520"/>
+            <a:ext cx="4426920" cy="1568520"/>
+          </a:xfrm>
+          <a:prstGeom prst="rect">
+            <a:avLst/>
+          </a:prstGeom>
+          <a:noFill/>
+          <a:ln w="0">
+            <a:noFill/>
+          </a:ln>
+        </p:spPr>
+        <p:txBody>
+          <a:bodyPr lIns="0" rIns="0" tIns="0" bIns="0" anchor="t">
+            <a:normAutofit/>
+          </a:bodyPr>
+          <a:p>
+            <a:pPr indent="0">
+              <a:spcBef>
+                <a:spcPts val="1417"/>
+              </a:spcBef>
+              <a:buNone/>
+            </a:pPr>
+            <a:endParaRPr b="0" lang="it-IT" sz="3200" spc="-1" strike="noStrike">
+              <a:solidFill>
+                <a:srgbClr val="000000"/>
+              </a:solidFill>
+              <a:latin typeface="Arial"/>
+            </a:endParaRPr>
+          </a:p>
+        </p:txBody>
+      </p:sp>
+      <p:sp>
+        <p:nvSpPr>
+          <p:cNvPr id="6" name="PlaceHolder 5"/>
+          <p:cNvSpPr>
+            <a:spLocks noGrp="1"/>
+          </p:cNvSpPr>
+          <p:nvPr>
+            <p:ph type="ftr" idx="4"/>
+          </p:nvPr>
+        </p:nvSpPr>
+        <p:spPr/>
+        <p:txBody>
+          <a:bodyPr/>
+          <a:p>
+            <a:r>
+              <a:t>Footer</a:t>
+            </a:r>
+          </a:p>
+        </p:txBody>
+      </p:sp>
+      <p:sp>
+        <p:nvSpPr>
+          <p:cNvPr id="7" name="PlaceHolder 6"/>
+          <p:cNvSpPr>
+            <a:spLocks noGrp="1"/>
+          </p:cNvSpPr>
+          <p:nvPr>
+            <p:ph type="sldNum" idx="5"/>
+          </p:nvPr>
+        </p:nvSpPr>
+        <p:spPr/>
+        <p:txBody>
+          <a:bodyPr/>
+          <a:p>
+            <a:fld id="{C5618325-86C1-4082-8C5B-53C8ABB2B85C}" type="slidenum">
+              <a:t>&lt;#&gt;</a:t>
+            </a:fld>
+          </a:p>
+        </p:txBody>
+      </p:sp>
+      <p:sp>
+        <p:nvSpPr>
+          <p:cNvPr id="8" name="PlaceHolder 7"/>
+          <p:cNvSpPr>
+            <a:spLocks noGrp="1"/>
+          </p:cNvSpPr>
+          <p:nvPr>
+            <p:ph type="dt" idx="6"/>
           </p:nvPr>
         </p:nvSpPr>
         <p:spPr/>
@@ -1011,7 +2129,7 @@
         <p:spPr>
           <a:xfrm>
             <a:off x="504000" y="226080"/>
-            <a:ext cx="9071640" cy="946440"/>
+            <a:ext cx="9072000" cy="946440"/>
           </a:xfrm>
           <a:prstGeom prst="rect">
             <a:avLst/>
@@ -1051,7 +2169,7 @@
         <p:spPr>
           <a:xfrm>
             <a:off x="504000" y="1326600"/>
-            <a:ext cx="9071640" cy="3288240"/>
+            <a:ext cx="9072000" cy="3288600"/>
           </a:xfrm>
           <a:prstGeom prst="rect">
             <a:avLst/>
@@ -1085,7 +2203,7 @@
             <a:spLocks noGrp="1"/>
           </p:cNvSpPr>
           <p:nvPr>
-            <p:ph type="ftr" idx="2"/>
+            <p:ph type="ftr" idx="1"/>
           </p:nvPr>
         </p:nvSpPr>
         <p:spPr/>
@@ -1105,14 +2223,14 @@
             <a:spLocks noGrp="1"/>
           </p:cNvSpPr>
           <p:nvPr>
-            <p:ph type="sldNum" idx="3"/>
-          </p:nvPr>
-        </p:nvSpPr>
-        <p:spPr/>
-        <p:txBody>
-          <a:bodyPr/>
-          <a:p>
-            <a:fld id="{EDC81AAB-2FEF-4930-9805-D5FA58B1E9C0}" type="slidenum">
+            <p:ph type="sldNum" idx="2"/>
+          </p:nvPr>
+        </p:nvSpPr>
+        <p:spPr/>
+        <p:txBody>
+          <a:bodyPr/>
+          <a:p>
+            <a:fld id="{726D147C-8488-4E33-AE00-22DF749CBBD9}" type="slidenum">
               <a:t>&lt;#&gt;</a:t>
             </a:fld>
           </a:p>
@@ -1125,7 +2243,1396 @@
             <a:spLocks noGrp="1"/>
           </p:cNvSpPr>
           <p:nvPr>
-            <p:ph type="dt" idx="1"/>
+            <p:ph type="dt" idx="3"/>
+          </p:nvPr>
+        </p:nvSpPr>
+        <p:spPr/>
+        <p:txBody>
+          <a:bodyPr/>
+          <a:p>
+            <a:r>
+              <a:rPr lang="it-IT"/>
+              <a:t/>
+            </a:r>
+          </a:p>
+        </p:txBody>
+      </p:sp>
+    </p:spTree>
+  </p:cSld>
+</p:sldLayout>
+</file>
+
+<file path=ppt/slideLayouts/slideLayout20.xml><?xml version="1.0" encoding="utf-8"?>
+<p:sldLayout xmlns:a="http://schemas.openxmlformats.org/drawingml/2006/main" xmlns:p="http://schemas.openxmlformats.org/presentationml/2006/main" xmlns:r="http://schemas.openxmlformats.org/officeDocument/2006/relationships" xmlns:p14="http://schemas.microsoft.com/office/powerpoint/2010/main" xmlns:p15="http://schemas.microsoft.com/office/powerpoint/2012/main" xmlns:mc="http://schemas.openxmlformats.org/markup-compatibility/2006" type="objAndTwoObj" preserve="1">
+  <p:cSld name="Title Content and 2 Content">
+    <p:spTree>
+      <p:nvGrpSpPr>
+        <p:cNvPr id="1" name=""/>
+        <p:cNvGrpSpPr/>
+        <p:nvPr/>
+      </p:nvGrpSpPr>
+      <p:grpSpPr>
+        <a:xfrm>
+          <a:off x="0" y="0"/>
+          <a:ext cx="0" cy="0"/>
+          <a:chOff x="0" y="0"/>
+          <a:chExt cx="0" cy="0"/>
+        </a:xfrm>
+      </p:grpSpPr>
+      <p:sp>
+        <p:nvSpPr>
+          <p:cNvPr id="59" name="PlaceHolder 1"/>
+          <p:cNvSpPr>
+            <a:spLocks noGrp="1"/>
+          </p:cNvSpPr>
+          <p:nvPr>
+            <p:ph type="title"/>
+          </p:nvPr>
+        </p:nvSpPr>
+        <p:spPr>
+          <a:xfrm>
+            <a:off x="504000" y="226080"/>
+            <a:ext cx="9072000" cy="946440"/>
+          </a:xfrm>
+          <a:prstGeom prst="rect">
+            <a:avLst/>
+          </a:prstGeom>
+          <a:noFill/>
+          <a:ln w="0">
+            <a:noFill/>
+          </a:ln>
+        </p:spPr>
+        <p:txBody>
+          <a:bodyPr lIns="0" rIns="0" tIns="0" bIns="0" anchor="ctr">
+            <a:noAutofit/>
+          </a:bodyPr>
+          <a:p>
+            <a:pPr indent="0" algn="ctr">
+              <a:buNone/>
+            </a:pPr>
+            <a:endParaRPr b="0" lang="it-IT" sz="4400" spc="-1" strike="noStrike">
+              <a:solidFill>
+                <a:srgbClr val="000000"/>
+              </a:solidFill>
+              <a:latin typeface="Arial"/>
+            </a:endParaRPr>
+          </a:p>
+        </p:txBody>
+      </p:sp>
+      <p:sp>
+        <p:nvSpPr>
+          <p:cNvPr id="60" name="PlaceHolder 2"/>
+          <p:cNvSpPr>
+            <a:spLocks noGrp="1"/>
+          </p:cNvSpPr>
+          <p:nvPr>
+            <p:ph/>
+          </p:nvPr>
+        </p:nvSpPr>
+        <p:spPr>
+          <a:xfrm>
+            <a:off x="504000" y="1326600"/>
+            <a:ext cx="4426920" cy="3288600"/>
+          </a:xfrm>
+          <a:prstGeom prst="rect">
+            <a:avLst/>
+          </a:prstGeom>
+          <a:noFill/>
+          <a:ln w="0">
+            <a:noFill/>
+          </a:ln>
+        </p:spPr>
+        <p:txBody>
+          <a:bodyPr lIns="0" rIns="0" tIns="0" bIns="0" anchor="t">
+            <a:normAutofit/>
+          </a:bodyPr>
+          <a:p>
+            <a:pPr indent="0">
+              <a:spcBef>
+                <a:spcPts val="1417"/>
+              </a:spcBef>
+              <a:buNone/>
+            </a:pPr>
+            <a:endParaRPr b="0" lang="it-IT" sz="3200" spc="-1" strike="noStrike">
+              <a:solidFill>
+                <a:srgbClr val="000000"/>
+              </a:solidFill>
+              <a:latin typeface="Arial"/>
+            </a:endParaRPr>
+          </a:p>
+        </p:txBody>
+      </p:sp>
+      <p:sp>
+        <p:nvSpPr>
+          <p:cNvPr id="61" name="PlaceHolder 3"/>
+          <p:cNvSpPr>
+            <a:spLocks noGrp="1"/>
+          </p:cNvSpPr>
+          <p:nvPr>
+            <p:ph/>
+          </p:nvPr>
+        </p:nvSpPr>
+        <p:spPr>
+          <a:xfrm>
+            <a:off x="5152680" y="1326600"/>
+            <a:ext cx="4426920" cy="1568520"/>
+          </a:xfrm>
+          <a:prstGeom prst="rect">
+            <a:avLst/>
+          </a:prstGeom>
+          <a:noFill/>
+          <a:ln w="0">
+            <a:noFill/>
+          </a:ln>
+        </p:spPr>
+        <p:txBody>
+          <a:bodyPr lIns="0" rIns="0" tIns="0" bIns="0" anchor="t">
+            <a:normAutofit/>
+          </a:bodyPr>
+          <a:p>
+            <a:pPr indent="0">
+              <a:spcBef>
+                <a:spcPts val="1417"/>
+              </a:spcBef>
+              <a:buNone/>
+            </a:pPr>
+            <a:endParaRPr b="0" lang="it-IT" sz="3200" spc="-1" strike="noStrike">
+              <a:solidFill>
+                <a:srgbClr val="000000"/>
+              </a:solidFill>
+              <a:latin typeface="Arial"/>
+            </a:endParaRPr>
+          </a:p>
+        </p:txBody>
+      </p:sp>
+      <p:sp>
+        <p:nvSpPr>
+          <p:cNvPr id="62" name="PlaceHolder 4"/>
+          <p:cNvSpPr>
+            <a:spLocks noGrp="1"/>
+          </p:cNvSpPr>
+          <p:nvPr>
+            <p:ph/>
+          </p:nvPr>
+        </p:nvSpPr>
+        <p:spPr>
+          <a:xfrm>
+            <a:off x="5152680" y="3044520"/>
+            <a:ext cx="4426920" cy="1568520"/>
+          </a:xfrm>
+          <a:prstGeom prst="rect">
+            <a:avLst/>
+          </a:prstGeom>
+          <a:noFill/>
+          <a:ln w="0">
+            <a:noFill/>
+          </a:ln>
+        </p:spPr>
+        <p:txBody>
+          <a:bodyPr lIns="0" rIns="0" tIns="0" bIns="0" anchor="t">
+            <a:normAutofit/>
+          </a:bodyPr>
+          <a:p>
+            <a:pPr indent="0">
+              <a:spcBef>
+                <a:spcPts val="1417"/>
+              </a:spcBef>
+              <a:buNone/>
+            </a:pPr>
+            <a:endParaRPr b="0" lang="it-IT" sz="3200" spc="-1" strike="noStrike">
+              <a:solidFill>
+                <a:srgbClr val="000000"/>
+              </a:solidFill>
+              <a:latin typeface="Arial"/>
+            </a:endParaRPr>
+          </a:p>
+        </p:txBody>
+      </p:sp>
+      <p:sp>
+        <p:nvSpPr>
+          <p:cNvPr id="6" name="PlaceHolder 5"/>
+          <p:cNvSpPr>
+            <a:spLocks noGrp="1"/>
+          </p:cNvSpPr>
+          <p:nvPr>
+            <p:ph type="ftr" idx="4"/>
+          </p:nvPr>
+        </p:nvSpPr>
+        <p:spPr/>
+        <p:txBody>
+          <a:bodyPr/>
+          <a:p>
+            <a:r>
+              <a:t>Footer</a:t>
+            </a:r>
+          </a:p>
+        </p:txBody>
+      </p:sp>
+      <p:sp>
+        <p:nvSpPr>
+          <p:cNvPr id="7" name="PlaceHolder 6"/>
+          <p:cNvSpPr>
+            <a:spLocks noGrp="1"/>
+          </p:cNvSpPr>
+          <p:nvPr>
+            <p:ph type="sldNum" idx="5"/>
+          </p:nvPr>
+        </p:nvSpPr>
+        <p:spPr/>
+        <p:txBody>
+          <a:bodyPr/>
+          <a:p>
+            <a:fld id="{C4C7433D-E4F7-45E6-B255-493F2AB49761}" type="slidenum">
+              <a:t>&lt;#&gt;</a:t>
+            </a:fld>
+          </a:p>
+        </p:txBody>
+      </p:sp>
+      <p:sp>
+        <p:nvSpPr>
+          <p:cNvPr id="8" name="PlaceHolder 7"/>
+          <p:cNvSpPr>
+            <a:spLocks noGrp="1"/>
+          </p:cNvSpPr>
+          <p:nvPr>
+            <p:ph type="dt" idx="6"/>
+          </p:nvPr>
+        </p:nvSpPr>
+        <p:spPr/>
+        <p:txBody>
+          <a:bodyPr/>
+          <a:p>
+            <a:r>
+              <a:rPr lang="it-IT"/>
+              <a:t/>
+            </a:r>
+          </a:p>
+        </p:txBody>
+      </p:sp>
+    </p:spTree>
+  </p:cSld>
+</p:sldLayout>
+</file>
+
+<file path=ppt/slideLayouts/slideLayout21.xml><?xml version="1.0" encoding="utf-8"?>
+<p:sldLayout xmlns:a="http://schemas.openxmlformats.org/drawingml/2006/main" xmlns:p="http://schemas.openxmlformats.org/presentationml/2006/main" xmlns:r="http://schemas.openxmlformats.org/officeDocument/2006/relationships" xmlns:p14="http://schemas.microsoft.com/office/powerpoint/2010/main" xmlns:p15="http://schemas.microsoft.com/office/powerpoint/2012/main" xmlns:mc="http://schemas.openxmlformats.org/markup-compatibility/2006" type="twoObjOverTx" preserve="1">
+  <p:cSld name="Title, 2 Content over Content">
+    <p:spTree>
+      <p:nvGrpSpPr>
+        <p:cNvPr id="1" name=""/>
+        <p:cNvGrpSpPr/>
+        <p:nvPr/>
+      </p:nvGrpSpPr>
+      <p:grpSpPr>
+        <a:xfrm>
+          <a:off x="0" y="0"/>
+          <a:ext cx="0" cy="0"/>
+          <a:chOff x="0" y="0"/>
+          <a:chExt cx="0" cy="0"/>
+        </a:xfrm>
+      </p:grpSpPr>
+      <p:sp>
+        <p:nvSpPr>
+          <p:cNvPr id="63" name="PlaceHolder 1"/>
+          <p:cNvSpPr>
+            <a:spLocks noGrp="1"/>
+          </p:cNvSpPr>
+          <p:nvPr>
+            <p:ph type="title"/>
+          </p:nvPr>
+        </p:nvSpPr>
+        <p:spPr>
+          <a:xfrm>
+            <a:off x="504000" y="226080"/>
+            <a:ext cx="9072000" cy="946440"/>
+          </a:xfrm>
+          <a:prstGeom prst="rect">
+            <a:avLst/>
+          </a:prstGeom>
+          <a:noFill/>
+          <a:ln w="0">
+            <a:noFill/>
+          </a:ln>
+        </p:spPr>
+        <p:txBody>
+          <a:bodyPr lIns="0" rIns="0" tIns="0" bIns="0" anchor="ctr">
+            <a:noAutofit/>
+          </a:bodyPr>
+          <a:p>
+            <a:pPr indent="0" algn="ctr">
+              <a:buNone/>
+            </a:pPr>
+            <a:endParaRPr b="0" lang="it-IT" sz="4400" spc="-1" strike="noStrike">
+              <a:solidFill>
+                <a:srgbClr val="000000"/>
+              </a:solidFill>
+              <a:latin typeface="Arial"/>
+            </a:endParaRPr>
+          </a:p>
+        </p:txBody>
+      </p:sp>
+      <p:sp>
+        <p:nvSpPr>
+          <p:cNvPr id="64" name="PlaceHolder 2"/>
+          <p:cNvSpPr>
+            <a:spLocks noGrp="1"/>
+          </p:cNvSpPr>
+          <p:nvPr>
+            <p:ph/>
+          </p:nvPr>
+        </p:nvSpPr>
+        <p:spPr>
+          <a:xfrm>
+            <a:off x="504000" y="1326600"/>
+            <a:ext cx="4426920" cy="1568520"/>
+          </a:xfrm>
+          <a:prstGeom prst="rect">
+            <a:avLst/>
+          </a:prstGeom>
+          <a:noFill/>
+          <a:ln w="0">
+            <a:noFill/>
+          </a:ln>
+        </p:spPr>
+        <p:txBody>
+          <a:bodyPr lIns="0" rIns="0" tIns="0" bIns="0" anchor="t">
+            <a:normAutofit/>
+          </a:bodyPr>
+          <a:p>
+            <a:pPr indent="0">
+              <a:spcBef>
+                <a:spcPts val="1417"/>
+              </a:spcBef>
+              <a:buNone/>
+            </a:pPr>
+            <a:endParaRPr b="0" lang="it-IT" sz="3200" spc="-1" strike="noStrike">
+              <a:solidFill>
+                <a:srgbClr val="000000"/>
+              </a:solidFill>
+              <a:latin typeface="Arial"/>
+            </a:endParaRPr>
+          </a:p>
+        </p:txBody>
+      </p:sp>
+      <p:sp>
+        <p:nvSpPr>
+          <p:cNvPr id="65" name="PlaceHolder 3"/>
+          <p:cNvSpPr>
+            <a:spLocks noGrp="1"/>
+          </p:cNvSpPr>
+          <p:nvPr>
+            <p:ph/>
+          </p:nvPr>
+        </p:nvSpPr>
+        <p:spPr>
+          <a:xfrm>
+            <a:off x="5152680" y="1326600"/>
+            <a:ext cx="4426920" cy="1568520"/>
+          </a:xfrm>
+          <a:prstGeom prst="rect">
+            <a:avLst/>
+          </a:prstGeom>
+          <a:noFill/>
+          <a:ln w="0">
+            <a:noFill/>
+          </a:ln>
+        </p:spPr>
+        <p:txBody>
+          <a:bodyPr lIns="0" rIns="0" tIns="0" bIns="0" anchor="t">
+            <a:normAutofit/>
+          </a:bodyPr>
+          <a:p>
+            <a:pPr indent="0">
+              <a:spcBef>
+                <a:spcPts val="1417"/>
+              </a:spcBef>
+              <a:buNone/>
+            </a:pPr>
+            <a:endParaRPr b="0" lang="it-IT" sz="3200" spc="-1" strike="noStrike">
+              <a:solidFill>
+                <a:srgbClr val="000000"/>
+              </a:solidFill>
+              <a:latin typeface="Arial"/>
+            </a:endParaRPr>
+          </a:p>
+        </p:txBody>
+      </p:sp>
+      <p:sp>
+        <p:nvSpPr>
+          <p:cNvPr id="66" name="PlaceHolder 4"/>
+          <p:cNvSpPr>
+            <a:spLocks noGrp="1"/>
+          </p:cNvSpPr>
+          <p:nvPr>
+            <p:ph/>
+          </p:nvPr>
+        </p:nvSpPr>
+        <p:spPr>
+          <a:xfrm>
+            <a:off x="504000" y="3044520"/>
+            <a:ext cx="9072000" cy="1568520"/>
+          </a:xfrm>
+          <a:prstGeom prst="rect">
+            <a:avLst/>
+          </a:prstGeom>
+          <a:noFill/>
+          <a:ln w="0">
+            <a:noFill/>
+          </a:ln>
+        </p:spPr>
+        <p:txBody>
+          <a:bodyPr lIns="0" rIns="0" tIns="0" bIns="0" anchor="t">
+            <a:normAutofit/>
+          </a:bodyPr>
+          <a:p>
+            <a:pPr indent="0">
+              <a:spcBef>
+                <a:spcPts val="1417"/>
+              </a:spcBef>
+              <a:buNone/>
+            </a:pPr>
+            <a:endParaRPr b="0" lang="it-IT" sz="3200" spc="-1" strike="noStrike">
+              <a:solidFill>
+                <a:srgbClr val="000000"/>
+              </a:solidFill>
+              <a:latin typeface="Arial"/>
+            </a:endParaRPr>
+          </a:p>
+        </p:txBody>
+      </p:sp>
+      <p:sp>
+        <p:nvSpPr>
+          <p:cNvPr id="6" name="PlaceHolder 5"/>
+          <p:cNvSpPr>
+            <a:spLocks noGrp="1"/>
+          </p:cNvSpPr>
+          <p:nvPr>
+            <p:ph type="ftr" idx="4"/>
+          </p:nvPr>
+        </p:nvSpPr>
+        <p:spPr/>
+        <p:txBody>
+          <a:bodyPr/>
+          <a:p>
+            <a:r>
+              <a:t>Footer</a:t>
+            </a:r>
+          </a:p>
+        </p:txBody>
+      </p:sp>
+      <p:sp>
+        <p:nvSpPr>
+          <p:cNvPr id="7" name="PlaceHolder 6"/>
+          <p:cNvSpPr>
+            <a:spLocks noGrp="1"/>
+          </p:cNvSpPr>
+          <p:nvPr>
+            <p:ph type="sldNum" idx="5"/>
+          </p:nvPr>
+        </p:nvSpPr>
+        <p:spPr/>
+        <p:txBody>
+          <a:bodyPr/>
+          <a:p>
+            <a:fld id="{043C2BC4-B220-461B-8341-F646F1AF0985}" type="slidenum">
+              <a:t>&lt;#&gt;</a:t>
+            </a:fld>
+          </a:p>
+        </p:txBody>
+      </p:sp>
+      <p:sp>
+        <p:nvSpPr>
+          <p:cNvPr id="8" name="PlaceHolder 7"/>
+          <p:cNvSpPr>
+            <a:spLocks noGrp="1"/>
+          </p:cNvSpPr>
+          <p:nvPr>
+            <p:ph type="dt" idx="6"/>
+          </p:nvPr>
+        </p:nvSpPr>
+        <p:spPr/>
+        <p:txBody>
+          <a:bodyPr/>
+          <a:p>
+            <a:r>
+              <a:rPr lang="it-IT"/>
+              <a:t/>
+            </a:r>
+          </a:p>
+        </p:txBody>
+      </p:sp>
+    </p:spTree>
+  </p:cSld>
+</p:sldLayout>
+</file>
+
+<file path=ppt/slideLayouts/slideLayout22.xml><?xml version="1.0" encoding="utf-8"?>
+<p:sldLayout xmlns:a="http://schemas.openxmlformats.org/drawingml/2006/main" xmlns:p="http://schemas.openxmlformats.org/presentationml/2006/main" xmlns:r="http://schemas.openxmlformats.org/officeDocument/2006/relationships" xmlns:p14="http://schemas.microsoft.com/office/powerpoint/2010/main" xmlns:p15="http://schemas.microsoft.com/office/powerpoint/2012/main" xmlns:mc="http://schemas.openxmlformats.org/markup-compatibility/2006" type="objOverTx" preserve="1">
+  <p:cSld name="Title, Content over Content">
+    <p:spTree>
+      <p:nvGrpSpPr>
+        <p:cNvPr id="1" name=""/>
+        <p:cNvGrpSpPr/>
+        <p:nvPr/>
+      </p:nvGrpSpPr>
+      <p:grpSpPr>
+        <a:xfrm>
+          <a:off x="0" y="0"/>
+          <a:ext cx="0" cy="0"/>
+          <a:chOff x="0" y="0"/>
+          <a:chExt cx="0" cy="0"/>
+        </a:xfrm>
+      </p:grpSpPr>
+      <p:sp>
+        <p:nvSpPr>
+          <p:cNvPr id="67" name="PlaceHolder 1"/>
+          <p:cNvSpPr>
+            <a:spLocks noGrp="1"/>
+          </p:cNvSpPr>
+          <p:nvPr>
+            <p:ph type="title"/>
+          </p:nvPr>
+        </p:nvSpPr>
+        <p:spPr>
+          <a:xfrm>
+            <a:off x="504000" y="226080"/>
+            <a:ext cx="9072000" cy="946440"/>
+          </a:xfrm>
+          <a:prstGeom prst="rect">
+            <a:avLst/>
+          </a:prstGeom>
+          <a:noFill/>
+          <a:ln w="0">
+            <a:noFill/>
+          </a:ln>
+        </p:spPr>
+        <p:txBody>
+          <a:bodyPr lIns="0" rIns="0" tIns="0" bIns="0" anchor="ctr">
+            <a:noAutofit/>
+          </a:bodyPr>
+          <a:p>
+            <a:pPr indent="0" algn="ctr">
+              <a:buNone/>
+            </a:pPr>
+            <a:endParaRPr b="0" lang="it-IT" sz="4400" spc="-1" strike="noStrike">
+              <a:solidFill>
+                <a:srgbClr val="000000"/>
+              </a:solidFill>
+              <a:latin typeface="Arial"/>
+            </a:endParaRPr>
+          </a:p>
+        </p:txBody>
+      </p:sp>
+      <p:sp>
+        <p:nvSpPr>
+          <p:cNvPr id="68" name="PlaceHolder 2"/>
+          <p:cNvSpPr>
+            <a:spLocks noGrp="1"/>
+          </p:cNvSpPr>
+          <p:nvPr>
+            <p:ph/>
+          </p:nvPr>
+        </p:nvSpPr>
+        <p:spPr>
+          <a:xfrm>
+            <a:off x="504000" y="1326600"/>
+            <a:ext cx="9072000" cy="1568520"/>
+          </a:xfrm>
+          <a:prstGeom prst="rect">
+            <a:avLst/>
+          </a:prstGeom>
+          <a:noFill/>
+          <a:ln w="0">
+            <a:noFill/>
+          </a:ln>
+        </p:spPr>
+        <p:txBody>
+          <a:bodyPr lIns="0" rIns="0" tIns="0" bIns="0" anchor="t">
+            <a:normAutofit/>
+          </a:bodyPr>
+          <a:p>
+            <a:pPr indent="0">
+              <a:spcBef>
+                <a:spcPts val="1417"/>
+              </a:spcBef>
+              <a:buNone/>
+            </a:pPr>
+            <a:endParaRPr b="0" lang="it-IT" sz="3200" spc="-1" strike="noStrike">
+              <a:solidFill>
+                <a:srgbClr val="000000"/>
+              </a:solidFill>
+              <a:latin typeface="Arial"/>
+            </a:endParaRPr>
+          </a:p>
+        </p:txBody>
+      </p:sp>
+      <p:sp>
+        <p:nvSpPr>
+          <p:cNvPr id="69" name="PlaceHolder 3"/>
+          <p:cNvSpPr>
+            <a:spLocks noGrp="1"/>
+          </p:cNvSpPr>
+          <p:nvPr>
+            <p:ph/>
+          </p:nvPr>
+        </p:nvSpPr>
+        <p:spPr>
+          <a:xfrm>
+            <a:off x="504000" y="3044520"/>
+            <a:ext cx="9072000" cy="1568520"/>
+          </a:xfrm>
+          <a:prstGeom prst="rect">
+            <a:avLst/>
+          </a:prstGeom>
+          <a:noFill/>
+          <a:ln w="0">
+            <a:noFill/>
+          </a:ln>
+        </p:spPr>
+        <p:txBody>
+          <a:bodyPr lIns="0" rIns="0" tIns="0" bIns="0" anchor="t">
+            <a:normAutofit/>
+          </a:bodyPr>
+          <a:p>
+            <a:pPr indent="0">
+              <a:spcBef>
+                <a:spcPts val="1417"/>
+              </a:spcBef>
+              <a:buNone/>
+            </a:pPr>
+            <a:endParaRPr b="0" lang="it-IT" sz="3200" spc="-1" strike="noStrike">
+              <a:solidFill>
+                <a:srgbClr val="000000"/>
+              </a:solidFill>
+              <a:latin typeface="Arial"/>
+            </a:endParaRPr>
+          </a:p>
+        </p:txBody>
+      </p:sp>
+      <p:sp>
+        <p:nvSpPr>
+          <p:cNvPr id="5" name="PlaceHolder 4"/>
+          <p:cNvSpPr>
+            <a:spLocks noGrp="1"/>
+          </p:cNvSpPr>
+          <p:nvPr>
+            <p:ph type="ftr" idx="4"/>
+          </p:nvPr>
+        </p:nvSpPr>
+        <p:spPr/>
+        <p:txBody>
+          <a:bodyPr/>
+          <a:p>
+            <a:r>
+              <a:t>Footer</a:t>
+            </a:r>
+          </a:p>
+        </p:txBody>
+      </p:sp>
+      <p:sp>
+        <p:nvSpPr>
+          <p:cNvPr id="6" name="PlaceHolder 5"/>
+          <p:cNvSpPr>
+            <a:spLocks noGrp="1"/>
+          </p:cNvSpPr>
+          <p:nvPr>
+            <p:ph type="sldNum" idx="5"/>
+          </p:nvPr>
+        </p:nvSpPr>
+        <p:spPr/>
+        <p:txBody>
+          <a:bodyPr/>
+          <a:p>
+            <a:fld id="{45B33179-43A4-4027-B187-7F04D6B42B03}" type="slidenum">
+              <a:t>&lt;#&gt;</a:t>
+            </a:fld>
+          </a:p>
+        </p:txBody>
+      </p:sp>
+      <p:sp>
+        <p:nvSpPr>
+          <p:cNvPr id="7" name="PlaceHolder 6"/>
+          <p:cNvSpPr>
+            <a:spLocks noGrp="1"/>
+          </p:cNvSpPr>
+          <p:nvPr>
+            <p:ph type="dt" idx="6"/>
+          </p:nvPr>
+        </p:nvSpPr>
+        <p:spPr/>
+        <p:txBody>
+          <a:bodyPr/>
+          <a:p>
+            <a:r>
+              <a:rPr lang="it-IT"/>
+              <a:t/>
+            </a:r>
+          </a:p>
+        </p:txBody>
+      </p:sp>
+    </p:spTree>
+  </p:cSld>
+</p:sldLayout>
+</file>
+
+<file path=ppt/slideLayouts/slideLayout23.xml><?xml version="1.0" encoding="utf-8"?>
+<p:sldLayout xmlns:a="http://schemas.openxmlformats.org/drawingml/2006/main" xmlns:p="http://schemas.openxmlformats.org/presentationml/2006/main" xmlns:r="http://schemas.openxmlformats.org/officeDocument/2006/relationships" xmlns:p14="http://schemas.microsoft.com/office/powerpoint/2010/main" xmlns:p15="http://schemas.microsoft.com/office/powerpoint/2012/main" xmlns:mc="http://schemas.openxmlformats.org/markup-compatibility/2006" type="fourObj" preserve="1">
+  <p:cSld name="Title, 4 Content">
+    <p:spTree>
+      <p:nvGrpSpPr>
+        <p:cNvPr id="1" name=""/>
+        <p:cNvGrpSpPr/>
+        <p:nvPr/>
+      </p:nvGrpSpPr>
+      <p:grpSpPr>
+        <a:xfrm>
+          <a:off x="0" y="0"/>
+          <a:ext cx="0" cy="0"/>
+          <a:chOff x="0" y="0"/>
+          <a:chExt cx="0" cy="0"/>
+        </a:xfrm>
+      </p:grpSpPr>
+      <p:sp>
+        <p:nvSpPr>
+          <p:cNvPr id="70" name="PlaceHolder 1"/>
+          <p:cNvSpPr>
+            <a:spLocks noGrp="1"/>
+          </p:cNvSpPr>
+          <p:nvPr>
+            <p:ph type="title"/>
+          </p:nvPr>
+        </p:nvSpPr>
+        <p:spPr>
+          <a:xfrm>
+            <a:off x="504000" y="226080"/>
+            <a:ext cx="9072000" cy="946440"/>
+          </a:xfrm>
+          <a:prstGeom prst="rect">
+            <a:avLst/>
+          </a:prstGeom>
+          <a:noFill/>
+          <a:ln w="0">
+            <a:noFill/>
+          </a:ln>
+        </p:spPr>
+        <p:txBody>
+          <a:bodyPr lIns="0" rIns="0" tIns="0" bIns="0" anchor="ctr">
+            <a:noAutofit/>
+          </a:bodyPr>
+          <a:p>
+            <a:pPr indent="0" algn="ctr">
+              <a:buNone/>
+            </a:pPr>
+            <a:endParaRPr b="0" lang="it-IT" sz="4400" spc="-1" strike="noStrike">
+              <a:solidFill>
+                <a:srgbClr val="000000"/>
+              </a:solidFill>
+              <a:latin typeface="Arial"/>
+            </a:endParaRPr>
+          </a:p>
+        </p:txBody>
+      </p:sp>
+      <p:sp>
+        <p:nvSpPr>
+          <p:cNvPr id="71" name="PlaceHolder 2"/>
+          <p:cNvSpPr>
+            <a:spLocks noGrp="1"/>
+          </p:cNvSpPr>
+          <p:nvPr>
+            <p:ph/>
+          </p:nvPr>
+        </p:nvSpPr>
+        <p:spPr>
+          <a:xfrm>
+            <a:off x="504000" y="1326600"/>
+            <a:ext cx="4426920" cy="1568520"/>
+          </a:xfrm>
+          <a:prstGeom prst="rect">
+            <a:avLst/>
+          </a:prstGeom>
+          <a:noFill/>
+          <a:ln w="0">
+            <a:noFill/>
+          </a:ln>
+        </p:spPr>
+        <p:txBody>
+          <a:bodyPr lIns="0" rIns="0" tIns="0" bIns="0" anchor="t">
+            <a:normAutofit/>
+          </a:bodyPr>
+          <a:p>
+            <a:pPr indent="0">
+              <a:spcBef>
+                <a:spcPts val="1417"/>
+              </a:spcBef>
+              <a:buNone/>
+            </a:pPr>
+            <a:endParaRPr b="0" lang="it-IT" sz="3200" spc="-1" strike="noStrike">
+              <a:solidFill>
+                <a:srgbClr val="000000"/>
+              </a:solidFill>
+              <a:latin typeface="Arial"/>
+            </a:endParaRPr>
+          </a:p>
+        </p:txBody>
+      </p:sp>
+      <p:sp>
+        <p:nvSpPr>
+          <p:cNvPr id="72" name="PlaceHolder 3"/>
+          <p:cNvSpPr>
+            <a:spLocks noGrp="1"/>
+          </p:cNvSpPr>
+          <p:nvPr>
+            <p:ph/>
+          </p:nvPr>
+        </p:nvSpPr>
+        <p:spPr>
+          <a:xfrm>
+            <a:off x="5152680" y="1326600"/>
+            <a:ext cx="4426920" cy="1568520"/>
+          </a:xfrm>
+          <a:prstGeom prst="rect">
+            <a:avLst/>
+          </a:prstGeom>
+          <a:noFill/>
+          <a:ln w="0">
+            <a:noFill/>
+          </a:ln>
+        </p:spPr>
+        <p:txBody>
+          <a:bodyPr lIns="0" rIns="0" tIns="0" bIns="0" anchor="t">
+            <a:normAutofit/>
+          </a:bodyPr>
+          <a:p>
+            <a:pPr indent="0">
+              <a:spcBef>
+                <a:spcPts val="1417"/>
+              </a:spcBef>
+              <a:buNone/>
+            </a:pPr>
+            <a:endParaRPr b="0" lang="it-IT" sz="3200" spc="-1" strike="noStrike">
+              <a:solidFill>
+                <a:srgbClr val="000000"/>
+              </a:solidFill>
+              <a:latin typeface="Arial"/>
+            </a:endParaRPr>
+          </a:p>
+        </p:txBody>
+      </p:sp>
+      <p:sp>
+        <p:nvSpPr>
+          <p:cNvPr id="73" name="PlaceHolder 4"/>
+          <p:cNvSpPr>
+            <a:spLocks noGrp="1"/>
+          </p:cNvSpPr>
+          <p:nvPr>
+            <p:ph/>
+          </p:nvPr>
+        </p:nvSpPr>
+        <p:spPr>
+          <a:xfrm>
+            <a:off x="504000" y="3044520"/>
+            <a:ext cx="4426920" cy="1568520"/>
+          </a:xfrm>
+          <a:prstGeom prst="rect">
+            <a:avLst/>
+          </a:prstGeom>
+          <a:noFill/>
+          <a:ln w="0">
+            <a:noFill/>
+          </a:ln>
+        </p:spPr>
+        <p:txBody>
+          <a:bodyPr lIns="0" rIns="0" tIns="0" bIns="0" anchor="t">
+            <a:normAutofit/>
+          </a:bodyPr>
+          <a:p>
+            <a:pPr indent="0">
+              <a:spcBef>
+                <a:spcPts val="1417"/>
+              </a:spcBef>
+              <a:buNone/>
+            </a:pPr>
+            <a:endParaRPr b="0" lang="it-IT" sz="3200" spc="-1" strike="noStrike">
+              <a:solidFill>
+                <a:srgbClr val="000000"/>
+              </a:solidFill>
+              <a:latin typeface="Arial"/>
+            </a:endParaRPr>
+          </a:p>
+        </p:txBody>
+      </p:sp>
+      <p:sp>
+        <p:nvSpPr>
+          <p:cNvPr id="74" name="PlaceHolder 5"/>
+          <p:cNvSpPr>
+            <a:spLocks noGrp="1"/>
+          </p:cNvSpPr>
+          <p:nvPr>
+            <p:ph/>
+          </p:nvPr>
+        </p:nvSpPr>
+        <p:spPr>
+          <a:xfrm>
+            <a:off x="5152680" y="3044520"/>
+            <a:ext cx="4426920" cy="1568520"/>
+          </a:xfrm>
+          <a:prstGeom prst="rect">
+            <a:avLst/>
+          </a:prstGeom>
+          <a:noFill/>
+          <a:ln w="0">
+            <a:noFill/>
+          </a:ln>
+        </p:spPr>
+        <p:txBody>
+          <a:bodyPr lIns="0" rIns="0" tIns="0" bIns="0" anchor="t">
+            <a:normAutofit/>
+          </a:bodyPr>
+          <a:p>
+            <a:pPr indent="0">
+              <a:spcBef>
+                <a:spcPts val="1417"/>
+              </a:spcBef>
+              <a:buNone/>
+            </a:pPr>
+            <a:endParaRPr b="0" lang="it-IT" sz="3200" spc="-1" strike="noStrike">
+              <a:solidFill>
+                <a:srgbClr val="000000"/>
+              </a:solidFill>
+              <a:latin typeface="Arial"/>
+            </a:endParaRPr>
+          </a:p>
+        </p:txBody>
+      </p:sp>
+      <p:sp>
+        <p:nvSpPr>
+          <p:cNvPr id="7" name="PlaceHolder 6"/>
+          <p:cNvSpPr>
+            <a:spLocks noGrp="1"/>
+          </p:cNvSpPr>
+          <p:nvPr>
+            <p:ph type="ftr" idx="4"/>
+          </p:nvPr>
+        </p:nvSpPr>
+        <p:spPr/>
+        <p:txBody>
+          <a:bodyPr/>
+          <a:p>
+            <a:r>
+              <a:t>Footer</a:t>
+            </a:r>
+          </a:p>
+        </p:txBody>
+      </p:sp>
+      <p:sp>
+        <p:nvSpPr>
+          <p:cNvPr id="8" name="PlaceHolder 7"/>
+          <p:cNvSpPr>
+            <a:spLocks noGrp="1"/>
+          </p:cNvSpPr>
+          <p:nvPr>
+            <p:ph type="sldNum" idx="5"/>
+          </p:nvPr>
+        </p:nvSpPr>
+        <p:spPr/>
+        <p:txBody>
+          <a:bodyPr/>
+          <a:p>
+            <a:fld id="{52DF6F45-03C6-4EED-9208-FF4D4FDA5025}" type="slidenum">
+              <a:t>&lt;#&gt;</a:t>
+            </a:fld>
+          </a:p>
+        </p:txBody>
+      </p:sp>
+      <p:sp>
+        <p:nvSpPr>
+          <p:cNvPr id="9" name="PlaceHolder 8"/>
+          <p:cNvSpPr>
+            <a:spLocks noGrp="1"/>
+          </p:cNvSpPr>
+          <p:nvPr>
+            <p:ph type="dt" idx="6"/>
+          </p:nvPr>
+        </p:nvSpPr>
+        <p:spPr/>
+        <p:txBody>
+          <a:bodyPr/>
+          <a:p>
+            <a:r>
+              <a:rPr lang="it-IT"/>
+              <a:t/>
+            </a:r>
+          </a:p>
+        </p:txBody>
+      </p:sp>
+    </p:spTree>
+  </p:cSld>
+</p:sldLayout>
+</file>
+
+<file path=ppt/slideLayouts/slideLayout24.xml><?xml version="1.0" encoding="utf-8"?>
+<p:sldLayout xmlns:a="http://schemas.openxmlformats.org/drawingml/2006/main" xmlns:p="http://schemas.openxmlformats.org/presentationml/2006/main" xmlns:r="http://schemas.openxmlformats.org/officeDocument/2006/relationships" xmlns:p14="http://schemas.microsoft.com/office/powerpoint/2010/main" xmlns:p15="http://schemas.microsoft.com/office/powerpoint/2012/main" xmlns:mc="http://schemas.openxmlformats.org/markup-compatibility/2006" type="blank" preserve="1">
+  <p:cSld name="Title, 6 Content">
+    <p:spTree>
+      <p:nvGrpSpPr>
+        <p:cNvPr id="1" name=""/>
+        <p:cNvGrpSpPr/>
+        <p:nvPr/>
+      </p:nvGrpSpPr>
+      <p:grpSpPr>
+        <a:xfrm>
+          <a:off x="0" y="0"/>
+          <a:ext cx="0" cy="0"/>
+          <a:chOff x="0" y="0"/>
+          <a:chExt cx="0" cy="0"/>
+        </a:xfrm>
+      </p:grpSpPr>
+      <p:sp>
+        <p:nvSpPr>
+          <p:cNvPr id="75" name="PlaceHolder 1"/>
+          <p:cNvSpPr>
+            <a:spLocks noGrp="1"/>
+          </p:cNvSpPr>
+          <p:nvPr>
+            <p:ph type="title"/>
+          </p:nvPr>
+        </p:nvSpPr>
+        <p:spPr>
+          <a:xfrm>
+            <a:off x="504000" y="226080"/>
+            <a:ext cx="9072000" cy="946440"/>
+          </a:xfrm>
+          <a:prstGeom prst="rect">
+            <a:avLst/>
+          </a:prstGeom>
+          <a:noFill/>
+          <a:ln w="0">
+            <a:noFill/>
+          </a:ln>
+        </p:spPr>
+        <p:txBody>
+          <a:bodyPr lIns="0" rIns="0" tIns="0" bIns="0" anchor="ctr">
+            <a:noAutofit/>
+          </a:bodyPr>
+          <a:p>
+            <a:pPr indent="0" algn="ctr">
+              <a:buNone/>
+            </a:pPr>
+            <a:endParaRPr b="0" lang="it-IT" sz="4400" spc="-1" strike="noStrike">
+              <a:solidFill>
+                <a:srgbClr val="000000"/>
+              </a:solidFill>
+              <a:latin typeface="Arial"/>
+            </a:endParaRPr>
+          </a:p>
+        </p:txBody>
+      </p:sp>
+      <p:sp>
+        <p:nvSpPr>
+          <p:cNvPr id="76" name="PlaceHolder 2"/>
+          <p:cNvSpPr>
+            <a:spLocks noGrp="1"/>
+          </p:cNvSpPr>
+          <p:nvPr>
+            <p:ph/>
+          </p:nvPr>
+        </p:nvSpPr>
+        <p:spPr>
+          <a:xfrm>
+            <a:off x="504000" y="1326600"/>
+            <a:ext cx="2921040" cy="1568520"/>
+          </a:xfrm>
+          <a:prstGeom prst="rect">
+            <a:avLst/>
+          </a:prstGeom>
+          <a:noFill/>
+          <a:ln w="0">
+            <a:noFill/>
+          </a:ln>
+        </p:spPr>
+        <p:txBody>
+          <a:bodyPr lIns="0" rIns="0" tIns="0" bIns="0" anchor="t">
+            <a:normAutofit/>
+          </a:bodyPr>
+          <a:p>
+            <a:pPr indent="0">
+              <a:spcBef>
+                <a:spcPts val="1417"/>
+              </a:spcBef>
+              <a:buNone/>
+            </a:pPr>
+            <a:endParaRPr b="0" lang="it-IT" sz="3200" spc="-1" strike="noStrike">
+              <a:solidFill>
+                <a:srgbClr val="000000"/>
+              </a:solidFill>
+              <a:latin typeface="Arial"/>
+            </a:endParaRPr>
+          </a:p>
+        </p:txBody>
+      </p:sp>
+      <p:sp>
+        <p:nvSpPr>
+          <p:cNvPr id="77" name="PlaceHolder 3"/>
+          <p:cNvSpPr>
+            <a:spLocks noGrp="1"/>
+          </p:cNvSpPr>
+          <p:nvPr>
+            <p:ph/>
+          </p:nvPr>
+        </p:nvSpPr>
+        <p:spPr>
+          <a:xfrm>
+            <a:off x="3571560" y="1326600"/>
+            <a:ext cx="2921040" cy="1568520"/>
+          </a:xfrm>
+          <a:prstGeom prst="rect">
+            <a:avLst/>
+          </a:prstGeom>
+          <a:noFill/>
+          <a:ln w="0">
+            <a:noFill/>
+          </a:ln>
+        </p:spPr>
+        <p:txBody>
+          <a:bodyPr lIns="0" rIns="0" tIns="0" bIns="0" anchor="t">
+            <a:normAutofit/>
+          </a:bodyPr>
+          <a:p>
+            <a:pPr indent="0">
+              <a:spcBef>
+                <a:spcPts val="1417"/>
+              </a:spcBef>
+              <a:buNone/>
+            </a:pPr>
+            <a:endParaRPr b="0" lang="it-IT" sz="3200" spc="-1" strike="noStrike">
+              <a:solidFill>
+                <a:srgbClr val="000000"/>
+              </a:solidFill>
+              <a:latin typeface="Arial"/>
+            </a:endParaRPr>
+          </a:p>
+        </p:txBody>
+      </p:sp>
+      <p:sp>
+        <p:nvSpPr>
+          <p:cNvPr id="78" name="PlaceHolder 4"/>
+          <p:cNvSpPr>
+            <a:spLocks noGrp="1"/>
+          </p:cNvSpPr>
+          <p:nvPr>
+            <p:ph/>
+          </p:nvPr>
+        </p:nvSpPr>
+        <p:spPr>
+          <a:xfrm>
+            <a:off x="6639120" y="1326600"/>
+            <a:ext cx="2921040" cy="1568520"/>
+          </a:xfrm>
+          <a:prstGeom prst="rect">
+            <a:avLst/>
+          </a:prstGeom>
+          <a:noFill/>
+          <a:ln w="0">
+            <a:noFill/>
+          </a:ln>
+        </p:spPr>
+        <p:txBody>
+          <a:bodyPr lIns="0" rIns="0" tIns="0" bIns="0" anchor="t">
+            <a:normAutofit/>
+          </a:bodyPr>
+          <a:p>
+            <a:pPr indent="0">
+              <a:spcBef>
+                <a:spcPts val="1417"/>
+              </a:spcBef>
+              <a:buNone/>
+            </a:pPr>
+            <a:endParaRPr b="0" lang="it-IT" sz="3200" spc="-1" strike="noStrike">
+              <a:solidFill>
+                <a:srgbClr val="000000"/>
+              </a:solidFill>
+              <a:latin typeface="Arial"/>
+            </a:endParaRPr>
+          </a:p>
+        </p:txBody>
+      </p:sp>
+      <p:sp>
+        <p:nvSpPr>
+          <p:cNvPr id="79" name="PlaceHolder 5"/>
+          <p:cNvSpPr>
+            <a:spLocks noGrp="1"/>
+          </p:cNvSpPr>
+          <p:nvPr>
+            <p:ph/>
+          </p:nvPr>
+        </p:nvSpPr>
+        <p:spPr>
+          <a:xfrm>
+            <a:off x="504000" y="3044520"/>
+            <a:ext cx="2921040" cy="1568520"/>
+          </a:xfrm>
+          <a:prstGeom prst="rect">
+            <a:avLst/>
+          </a:prstGeom>
+          <a:noFill/>
+          <a:ln w="0">
+            <a:noFill/>
+          </a:ln>
+        </p:spPr>
+        <p:txBody>
+          <a:bodyPr lIns="0" rIns="0" tIns="0" bIns="0" anchor="t">
+            <a:normAutofit/>
+          </a:bodyPr>
+          <a:p>
+            <a:pPr indent="0">
+              <a:spcBef>
+                <a:spcPts val="1417"/>
+              </a:spcBef>
+              <a:buNone/>
+            </a:pPr>
+            <a:endParaRPr b="0" lang="it-IT" sz="3200" spc="-1" strike="noStrike">
+              <a:solidFill>
+                <a:srgbClr val="000000"/>
+              </a:solidFill>
+              <a:latin typeface="Arial"/>
+            </a:endParaRPr>
+          </a:p>
+        </p:txBody>
+      </p:sp>
+      <p:sp>
+        <p:nvSpPr>
+          <p:cNvPr id="80" name="PlaceHolder 6"/>
+          <p:cNvSpPr>
+            <a:spLocks noGrp="1"/>
+          </p:cNvSpPr>
+          <p:nvPr>
+            <p:ph/>
+          </p:nvPr>
+        </p:nvSpPr>
+        <p:spPr>
+          <a:xfrm>
+            <a:off x="3571560" y="3044520"/>
+            <a:ext cx="2921040" cy="1568520"/>
+          </a:xfrm>
+          <a:prstGeom prst="rect">
+            <a:avLst/>
+          </a:prstGeom>
+          <a:noFill/>
+          <a:ln w="0">
+            <a:noFill/>
+          </a:ln>
+        </p:spPr>
+        <p:txBody>
+          <a:bodyPr lIns="0" rIns="0" tIns="0" bIns="0" anchor="t">
+            <a:normAutofit/>
+          </a:bodyPr>
+          <a:p>
+            <a:pPr indent="0">
+              <a:spcBef>
+                <a:spcPts val="1417"/>
+              </a:spcBef>
+              <a:buNone/>
+            </a:pPr>
+            <a:endParaRPr b="0" lang="it-IT" sz="3200" spc="-1" strike="noStrike">
+              <a:solidFill>
+                <a:srgbClr val="000000"/>
+              </a:solidFill>
+              <a:latin typeface="Arial"/>
+            </a:endParaRPr>
+          </a:p>
+        </p:txBody>
+      </p:sp>
+      <p:sp>
+        <p:nvSpPr>
+          <p:cNvPr id="81" name="PlaceHolder 7"/>
+          <p:cNvSpPr>
+            <a:spLocks noGrp="1"/>
+          </p:cNvSpPr>
+          <p:nvPr>
+            <p:ph/>
+          </p:nvPr>
+        </p:nvSpPr>
+        <p:spPr>
+          <a:xfrm>
+            <a:off x="6639120" y="3044520"/>
+            <a:ext cx="2921040" cy="1568520"/>
+          </a:xfrm>
+          <a:prstGeom prst="rect">
+            <a:avLst/>
+          </a:prstGeom>
+          <a:noFill/>
+          <a:ln w="0">
+            <a:noFill/>
+          </a:ln>
+        </p:spPr>
+        <p:txBody>
+          <a:bodyPr lIns="0" rIns="0" tIns="0" bIns="0" anchor="t">
+            <a:normAutofit/>
+          </a:bodyPr>
+          <a:p>
+            <a:pPr indent="0">
+              <a:spcBef>
+                <a:spcPts val="1417"/>
+              </a:spcBef>
+              <a:buNone/>
+            </a:pPr>
+            <a:endParaRPr b="0" lang="it-IT" sz="3200" spc="-1" strike="noStrike">
+              <a:solidFill>
+                <a:srgbClr val="000000"/>
+              </a:solidFill>
+              <a:latin typeface="Arial"/>
+            </a:endParaRPr>
+          </a:p>
+        </p:txBody>
+      </p:sp>
+      <p:sp>
+        <p:nvSpPr>
+          <p:cNvPr id="9" name="PlaceHolder 8"/>
+          <p:cNvSpPr>
+            <a:spLocks noGrp="1"/>
+          </p:cNvSpPr>
+          <p:nvPr>
+            <p:ph type="ftr" idx="4"/>
+          </p:nvPr>
+        </p:nvSpPr>
+        <p:spPr/>
+        <p:txBody>
+          <a:bodyPr/>
+          <a:p>
+            <a:r>
+              <a:t>Footer</a:t>
+            </a:r>
+          </a:p>
+        </p:txBody>
+      </p:sp>
+      <p:sp>
+        <p:nvSpPr>
+          <p:cNvPr id="10" name="PlaceHolder 9"/>
+          <p:cNvSpPr>
+            <a:spLocks noGrp="1"/>
+          </p:cNvSpPr>
+          <p:nvPr>
+            <p:ph type="sldNum" idx="5"/>
+          </p:nvPr>
+        </p:nvSpPr>
+        <p:spPr/>
+        <p:txBody>
+          <a:bodyPr/>
+          <a:p>
+            <a:fld id="{A341540E-0142-44B9-9087-8F07EA95D08B}" type="slidenum">
+              <a:t>&lt;#&gt;</a:t>
+            </a:fld>
+          </a:p>
+        </p:txBody>
+      </p:sp>
+      <p:sp>
+        <p:nvSpPr>
+          <p:cNvPr id="11" name="PlaceHolder 10"/>
+          <p:cNvSpPr>
+            <a:spLocks noGrp="1"/>
+          </p:cNvSpPr>
+          <p:nvPr>
+            <p:ph type="dt" idx="6"/>
           </p:nvPr>
         </p:nvSpPr>
         <p:spPr/>
@@ -1174,7 +3681,7 @@
         <p:spPr>
           <a:xfrm>
             <a:off x="504000" y="226080"/>
-            <a:ext cx="9071640" cy="946440"/>
+            <a:ext cx="9072000" cy="946440"/>
           </a:xfrm>
           <a:prstGeom prst="rect">
             <a:avLst/>
@@ -1214,7 +3721,7 @@
         <p:spPr>
           <a:xfrm>
             <a:off x="504000" y="1326600"/>
-            <a:ext cx="9071640" cy="3288240"/>
+            <a:ext cx="9072000" cy="3288600"/>
           </a:xfrm>
           <a:prstGeom prst="rect">
             <a:avLst/>
@@ -1251,7 +3758,7 @@
             <a:spLocks noGrp="1"/>
           </p:cNvSpPr>
           <p:nvPr>
-            <p:ph type="ftr" idx="2"/>
+            <p:ph type="ftr" idx="1"/>
           </p:nvPr>
         </p:nvSpPr>
         <p:spPr/>
@@ -1271,14 +3778,14 @@
             <a:spLocks noGrp="1"/>
           </p:cNvSpPr>
           <p:nvPr>
-            <p:ph type="sldNum" idx="3"/>
-          </p:nvPr>
-        </p:nvSpPr>
-        <p:spPr/>
-        <p:txBody>
-          <a:bodyPr/>
-          <a:p>
-            <a:fld id="{5A4E5719-673B-4A0D-A96B-978741A3F632}" type="slidenum">
+            <p:ph type="sldNum" idx="2"/>
+          </p:nvPr>
+        </p:nvSpPr>
+        <p:spPr/>
+        <p:txBody>
+          <a:bodyPr/>
+          <a:p>
+            <a:fld id="{47F8FA5F-13C4-4556-AB80-51D57E5F7385}" type="slidenum">
               <a:t>&lt;#&gt;</a:t>
             </a:fld>
           </a:p>
@@ -1291,7 +3798,7 @@
             <a:spLocks noGrp="1"/>
           </p:cNvSpPr>
           <p:nvPr>
-            <p:ph type="dt" idx="1"/>
+            <p:ph type="dt" idx="3"/>
           </p:nvPr>
         </p:nvSpPr>
         <p:spPr/>
@@ -1340,7 +3847,7 @@
         <p:spPr>
           <a:xfrm>
             <a:off x="504000" y="226080"/>
-            <a:ext cx="9071640" cy="946440"/>
+            <a:ext cx="9072000" cy="946440"/>
           </a:xfrm>
           <a:prstGeom prst="rect">
             <a:avLst/>
@@ -1380,7 +3887,7 @@
         <p:spPr>
           <a:xfrm>
             <a:off x="504000" y="1326600"/>
-            <a:ext cx="4426920" cy="3288240"/>
+            <a:ext cx="4426920" cy="3288600"/>
           </a:xfrm>
           <a:prstGeom prst="rect">
             <a:avLst/>
@@ -1423,7 +3930,7 @@
         <p:spPr>
           <a:xfrm>
             <a:off x="5152680" y="1326600"/>
-            <a:ext cx="4426920" cy="3288240"/>
+            <a:ext cx="4426920" cy="3288600"/>
           </a:xfrm>
           <a:prstGeom prst="rect">
             <a:avLst/>
@@ -1460,7 +3967,7 @@
             <a:spLocks noGrp="1"/>
           </p:cNvSpPr>
           <p:nvPr>
-            <p:ph type="ftr" idx="2"/>
+            <p:ph type="ftr" idx="1"/>
           </p:nvPr>
         </p:nvSpPr>
         <p:spPr/>
@@ -1480,14 +3987,14 @@
             <a:spLocks noGrp="1"/>
           </p:cNvSpPr>
           <p:nvPr>
-            <p:ph type="sldNum" idx="3"/>
-          </p:nvPr>
-        </p:nvSpPr>
-        <p:spPr/>
-        <p:txBody>
-          <a:bodyPr/>
-          <a:p>
-            <a:fld id="{DDCF6CE2-ACE7-4AF3-968E-BC8380DDC5CA}" type="slidenum">
+            <p:ph type="sldNum" idx="2"/>
+          </p:nvPr>
+        </p:nvSpPr>
+        <p:spPr/>
+        <p:txBody>
+          <a:bodyPr/>
+          <a:p>
+            <a:fld id="{BA9D49DF-F06A-4AA0-94A4-AA2971D7444A}" type="slidenum">
               <a:t>&lt;#&gt;</a:t>
             </a:fld>
           </a:p>
@@ -1500,7 +4007,7 @@
             <a:spLocks noGrp="1"/>
           </p:cNvSpPr>
           <p:nvPr>
-            <p:ph type="dt" idx="1"/>
+            <p:ph type="dt" idx="3"/>
           </p:nvPr>
         </p:nvSpPr>
         <p:spPr/>
@@ -1549,7 +4056,7 @@
         <p:spPr>
           <a:xfrm>
             <a:off x="504000" y="226080"/>
-            <a:ext cx="9071640" cy="946440"/>
+            <a:ext cx="9072000" cy="946440"/>
           </a:xfrm>
           <a:prstGeom prst="rect">
             <a:avLst/>
@@ -1583,7 +4090,7 @@
             <a:spLocks noGrp="1"/>
           </p:cNvSpPr>
           <p:nvPr>
-            <p:ph type="ftr" idx="2"/>
+            <p:ph type="ftr" idx="1"/>
           </p:nvPr>
         </p:nvSpPr>
         <p:spPr/>
@@ -1603,14 +4110,14 @@
             <a:spLocks noGrp="1"/>
           </p:cNvSpPr>
           <p:nvPr>
-            <p:ph type="sldNum" idx="3"/>
-          </p:nvPr>
-        </p:nvSpPr>
-        <p:spPr/>
-        <p:txBody>
-          <a:bodyPr/>
-          <a:p>
-            <a:fld id="{70EB39FE-4B4E-4EA2-91A6-23612BE2F7D7}" type="slidenum">
+            <p:ph type="sldNum" idx="2"/>
+          </p:nvPr>
+        </p:nvSpPr>
+        <p:spPr/>
+        <p:txBody>
+          <a:bodyPr/>
+          <a:p>
+            <a:fld id="{8258BAD9-45D4-4BFD-AEC7-84BB14108529}" type="slidenum">
               <a:t>&lt;#&gt;</a:t>
             </a:fld>
           </a:p>
@@ -1623,7 +4130,7 @@
             <a:spLocks noGrp="1"/>
           </p:cNvSpPr>
           <p:nvPr>
-            <p:ph type="dt" idx="1"/>
+            <p:ph type="dt" idx="3"/>
           </p:nvPr>
         </p:nvSpPr>
         <p:spPr/>
@@ -1672,7 +4179,7 @@
         <p:spPr>
           <a:xfrm>
             <a:off x="504000" y="226080"/>
-            <a:ext cx="9071640" cy="4388400"/>
+            <a:ext cx="9072000" cy="4388400"/>
           </a:xfrm>
           <a:prstGeom prst="rect">
             <a:avLst/>
@@ -1704,7 +4211,7 @@
             <a:spLocks noGrp="1"/>
           </p:cNvSpPr>
           <p:nvPr>
-            <p:ph type="ftr" idx="2"/>
+            <p:ph type="ftr" idx="1"/>
           </p:nvPr>
         </p:nvSpPr>
         <p:spPr/>
@@ -1724,14 +4231,14 @@
             <a:spLocks noGrp="1"/>
           </p:cNvSpPr>
           <p:nvPr>
-            <p:ph type="sldNum" idx="3"/>
-          </p:nvPr>
-        </p:nvSpPr>
-        <p:spPr/>
-        <p:txBody>
-          <a:bodyPr/>
-          <a:p>
-            <a:fld id="{F79FE893-32B6-473D-BC02-064F9A9DFEE6}" type="slidenum">
+            <p:ph type="sldNum" idx="2"/>
+          </p:nvPr>
+        </p:nvSpPr>
+        <p:spPr/>
+        <p:txBody>
+          <a:bodyPr/>
+          <a:p>
+            <a:fld id="{F291CDC7-FD3D-433E-893F-5B68E4304FEE}" type="slidenum">
               <a:t>&lt;#&gt;</a:t>
             </a:fld>
           </a:p>
@@ -1744,7 +4251,7 @@
             <a:spLocks noGrp="1"/>
           </p:cNvSpPr>
           <p:nvPr>
-            <p:ph type="dt" idx="1"/>
+            <p:ph type="dt" idx="3"/>
           </p:nvPr>
         </p:nvSpPr>
         <p:spPr/>
@@ -1793,7 +4300,7 @@
         <p:spPr>
           <a:xfrm>
             <a:off x="504000" y="226080"/>
-            <a:ext cx="9071640" cy="946440"/>
+            <a:ext cx="9072000" cy="946440"/>
           </a:xfrm>
           <a:prstGeom prst="rect">
             <a:avLst/>
@@ -1833,7 +4340,7 @@
         <p:spPr>
           <a:xfrm>
             <a:off x="504000" y="1326600"/>
-            <a:ext cx="4426920" cy="1568160"/>
+            <a:ext cx="4426920" cy="1568520"/>
           </a:xfrm>
           <a:prstGeom prst="rect">
             <a:avLst/>
@@ -1876,7 +4383,7 @@
         <p:spPr>
           <a:xfrm>
             <a:off x="5152680" y="1326600"/>
-            <a:ext cx="4426920" cy="3288240"/>
+            <a:ext cx="4426920" cy="3288600"/>
           </a:xfrm>
           <a:prstGeom prst="rect">
             <a:avLst/>
@@ -1918,8 +4425,8 @@
         </p:nvSpPr>
         <p:spPr>
           <a:xfrm>
-            <a:off x="504000" y="3044160"/>
-            <a:ext cx="4426920" cy="1568160"/>
+            <a:off x="504000" y="3044520"/>
+            <a:ext cx="4426920" cy="1568520"/>
           </a:xfrm>
           <a:prstGeom prst="rect">
             <a:avLst/>
@@ -1956,7 +4463,7 @@
             <a:spLocks noGrp="1"/>
           </p:cNvSpPr>
           <p:nvPr>
-            <p:ph type="ftr" idx="2"/>
+            <p:ph type="ftr" idx="1"/>
           </p:nvPr>
         </p:nvSpPr>
         <p:spPr/>
@@ -1976,14 +4483,14 @@
             <a:spLocks noGrp="1"/>
           </p:cNvSpPr>
           <p:nvPr>
-            <p:ph type="sldNum" idx="3"/>
-          </p:nvPr>
-        </p:nvSpPr>
-        <p:spPr/>
-        <p:txBody>
-          <a:bodyPr/>
-          <a:p>
-            <a:fld id="{CF5A978C-493E-4490-88A2-8751E9A9E225}" type="slidenum">
+            <p:ph type="sldNum" idx="2"/>
+          </p:nvPr>
+        </p:nvSpPr>
+        <p:spPr/>
+        <p:txBody>
+          <a:bodyPr/>
+          <a:p>
+            <a:fld id="{B557991D-6C76-496B-9AFE-1CD2087363B5}" type="slidenum">
               <a:t>&lt;#&gt;</a:t>
             </a:fld>
           </a:p>
@@ -1996,7 +4503,7 @@
             <a:spLocks noGrp="1"/>
           </p:cNvSpPr>
           <p:nvPr>
-            <p:ph type="dt" idx="1"/>
+            <p:ph type="dt" idx="3"/>
           </p:nvPr>
         </p:nvSpPr>
         <p:spPr/>
@@ -2045,7 +4552,7 @@
         <p:spPr>
           <a:xfrm>
             <a:off x="504000" y="226080"/>
-            <a:ext cx="9071640" cy="946440"/>
+            <a:ext cx="9072000" cy="946440"/>
           </a:xfrm>
           <a:prstGeom prst="rect">
             <a:avLst/>
@@ -2085,7 +4592,7 @@
         <p:spPr>
           <a:xfrm>
             <a:off x="504000" y="1326600"/>
-            <a:ext cx="4426920" cy="3288240"/>
+            <a:ext cx="4426920" cy="3288600"/>
           </a:xfrm>
           <a:prstGeom prst="rect">
             <a:avLst/>
@@ -2128,7 +4635,7 @@
         <p:spPr>
           <a:xfrm>
             <a:off x="5152680" y="1326600"/>
-            <a:ext cx="4426920" cy="1568160"/>
+            <a:ext cx="4426920" cy="1568520"/>
           </a:xfrm>
           <a:prstGeom prst="rect">
             <a:avLst/>
@@ -2170,8 +4677,8 @@
         </p:nvSpPr>
         <p:spPr>
           <a:xfrm>
-            <a:off x="5152680" y="3044160"/>
-            <a:ext cx="4426920" cy="1568160"/>
+            <a:off x="5152680" y="3044520"/>
+            <a:ext cx="4426920" cy="1568520"/>
           </a:xfrm>
           <a:prstGeom prst="rect">
             <a:avLst/>
@@ -2208,7 +4715,7 @@
             <a:spLocks noGrp="1"/>
           </p:cNvSpPr>
           <p:nvPr>
-            <p:ph type="ftr" idx="2"/>
+            <p:ph type="ftr" idx="1"/>
           </p:nvPr>
         </p:nvSpPr>
         <p:spPr/>
@@ -2228,14 +4735,14 @@
             <a:spLocks noGrp="1"/>
           </p:cNvSpPr>
           <p:nvPr>
-            <p:ph type="sldNum" idx="3"/>
-          </p:nvPr>
-        </p:nvSpPr>
-        <p:spPr/>
-        <p:txBody>
-          <a:bodyPr/>
-          <a:p>
-            <a:fld id="{DB524A87-EBD0-4276-96ED-0EF84E01DAB7}" type="slidenum">
+            <p:ph type="sldNum" idx="2"/>
+          </p:nvPr>
+        </p:nvSpPr>
+        <p:spPr/>
+        <p:txBody>
+          <a:bodyPr/>
+          <a:p>
+            <a:fld id="{5E874319-1D9D-4312-ACFC-9518C7FF1B33}" type="slidenum">
               <a:t>&lt;#&gt;</a:t>
             </a:fld>
           </a:p>
@@ -2248,7 +4755,7 @@
             <a:spLocks noGrp="1"/>
           </p:cNvSpPr>
           <p:nvPr>
-            <p:ph type="dt" idx="1"/>
+            <p:ph type="dt" idx="3"/>
           </p:nvPr>
         </p:nvSpPr>
         <p:spPr/>
@@ -2297,7 +4804,7 @@
         <p:spPr>
           <a:xfrm>
             <a:off x="504000" y="226080"/>
-            <a:ext cx="9071640" cy="946440"/>
+            <a:ext cx="9072000" cy="946440"/>
           </a:xfrm>
           <a:prstGeom prst="rect">
             <a:avLst/>
@@ -2337,7 +4844,7 @@
         <p:spPr>
           <a:xfrm>
             <a:off x="504000" y="1326600"/>
-            <a:ext cx="4426920" cy="1568160"/>
+            <a:ext cx="4426920" cy="1568520"/>
           </a:xfrm>
           <a:prstGeom prst="rect">
             <a:avLst/>
@@ -2380,7 +4887,7 @@
         <p:spPr>
           <a:xfrm>
             <a:off x="5152680" y="1326600"/>
-            <a:ext cx="4426920" cy="1568160"/>
+            <a:ext cx="4426920" cy="1568520"/>
           </a:xfrm>
           <a:prstGeom prst="rect">
             <a:avLst/>
@@ -2422,8 +4929,8 @@
         </p:nvSpPr>
         <p:spPr>
           <a:xfrm>
-            <a:off x="504000" y="3044160"/>
-            <a:ext cx="9071640" cy="1568160"/>
+            <a:off x="504000" y="3044520"/>
+            <a:ext cx="9072000" cy="1568520"/>
           </a:xfrm>
           <a:prstGeom prst="rect">
             <a:avLst/>
@@ -2460,7 +4967,7 @@
             <a:spLocks noGrp="1"/>
           </p:cNvSpPr>
           <p:nvPr>
-            <p:ph type="ftr" idx="2"/>
+            <p:ph type="ftr" idx="1"/>
           </p:nvPr>
         </p:nvSpPr>
         <p:spPr/>
@@ -2480,14 +4987,14 @@
             <a:spLocks noGrp="1"/>
           </p:cNvSpPr>
           <p:nvPr>
-            <p:ph type="sldNum" idx="3"/>
-          </p:nvPr>
-        </p:nvSpPr>
-        <p:spPr/>
-        <p:txBody>
-          <a:bodyPr/>
-          <a:p>
-            <a:fld id="{3D58A4C2-1D17-4B57-8BB3-65B2A1769CE6}" type="slidenum">
+            <p:ph type="sldNum" idx="2"/>
+          </p:nvPr>
+        </p:nvSpPr>
+        <p:spPr/>
+        <p:txBody>
+          <a:bodyPr/>
+          <a:p>
+            <a:fld id="{32F41677-200B-4CE5-86C3-B4B0AA8E725F}" type="slidenum">
               <a:t>&lt;#&gt;</a:t>
             </a:fld>
           </a:p>
@@ -2500,7 +5007,7 @@
             <a:spLocks noGrp="1"/>
           </p:cNvSpPr>
           <p:nvPr>
-            <p:ph type="dt" idx="1"/>
+            <p:ph type="dt" idx="3"/>
           </p:nvPr>
         </p:nvSpPr>
         <p:spPr/>
@@ -2549,7 +5056,7 @@
         <p:spPr>
           <a:xfrm>
             <a:off x="504000" y="226080"/>
-            <a:ext cx="9071640" cy="946440"/>
+            <a:ext cx="9070920" cy="945720"/>
           </a:xfrm>
           <a:prstGeom prst="rect">
             <a:avLst/>
@@ -2564,11 +5071,11 @@
             <a:noAutofit/>
           </a:bodyPr>
           <a:p>
-            <a:pPr indent="0" algn="ctr">
-              <a:buNone/>
-            </a:pPr>
-            <a:r>
-              <a:rPr b="0" lang="it-IT" sz="4400" spc="-1" strike="noStrike">
+            <a:pPr indent="0">
+              <a:buNone/>
+            </a:pPr>
+            <a:r>
+              <a:rPr b="0" lang="it-IT" sz="1800" spc="-1" strike="noStrike">
                 <a:solidFill>
                   <a:srgbClr val="000000"/>
                 </a:solidFill>
@@ -2576,7 +5083,7 @@
               </a:rPr>
               <a:t>Fai clic per modificare il formato del testo del titolo</a:t>
             </a:r>
-            <a:endParaRPr b="0" lang="it-IT" sz="4400" spc="-1" strike="noStrike">
+            <a:endParaRPr b="0" lang="it-IT" sz="1800" spc="-1" strike="noStrike">
               <a:solidFill>
                 <a:srgbClr val="000000"/>
               </a:solidFill>
@@ -2598,7 +5105,7 @@
         <p:spPr>
           <a:xfrm>
             <a:off x="504000" y="1326600"/>
-            <a:ext cx="9071640" cy="3288240"/>
+            <a:ext cx="9070920" cy="3287520"/>
           </a:xfrm>
           <a:prstGeom prst="rect">
             <a:avLst/>
@@ -2625,7 +5132,7 @@
               <a:buChar char=""/>
             </a:pPr>
             <a:r>
-              <a:rPr b="0" lang="it-IT" sz="3200" spc="-1" strike="noStrike">
+              <a:rPr b="0" lang="it-IT" sz="1800" spc="-1" strike="noStrike">
                 <a:solidFill>
                   <a:srgbClr val="000000"/>
                 </a:solidFill>
@@ -2633,7 +5140,7 @@
               </a:rPr>
               <a:t>Fai clic per modificare il formato del testo della struttura</a:t>
             </a:r>
-            <a:endParaRPr b="0" lang="it-IT" sz="3200" spc="-1" strike="noStrike">
+            <a:endParaRPr b="0" lang="it-IT" sz="1800" spc="-1" strike="noStrike">
               <a:solidFill>
                 <a:srgbClr val="000000"/>
               </a:solidFill>
@@ -2653,7 +5160,7 @@
               <a:buChar char=""/>
             </a:pPr>
             <a:r>
-              <a:rPr b="0" lang="it-IT" sz="2800" spc="-1" strike="noStrike">
+              <a:rPr b="0" lang="it-IT" sz="1800" spc="-1" strike="noStrike">
                 <a:solidFill>
                   <a:srgbClr val="000000"/>
                 </a:solidFill>
@@ -2661,7 +5168,7 @@
               </a:rPr>
               <a:t>Secondo livello struttura</a:t>
             </a:r>
-            <a:endParaRPr b="0" lang="it-IT" sz="2800" spc="-1" strike="noStrike">
+            <a:endParaRPr b="0" lang="it-IT" sz="1800" spc="-1" strike="noStrike">
               <a:solidFill>
                 <a:srgbClr val="000000"/>
               </a:solidFill>
@@ -2681,7 +5188,7 @@
               <a:buChar char=""/>
             </a:pPr>
             <a:r>
-              <a:rPr b="0" lang="it-IT" sz="2400" spc="-1" strike="noStrike">
+              <a:rPr b="0" lang="it-IT" sz="1800" spc="-1" strike="noStrike">
                 <a:solidFill>
                   <a:srgbClr val="000000"/>
                 </a:solidFill>
@@ -2689,7 +5196,7 @@
               </a:rPr>
               <a:t>Terzo livello struttura</a:t>
             </a:r>
-            <a:endParaRPr b="0" lang="it-IT" sz="2400" spc="-1" strike="noStrike">
+            <a:endParaRPr b="0" lang="it-IT" sz="1800" spc="-1" strike="noStrike">
               <a:solidFill>
                 <a:srgbClr val="000000"/>
               </a:solidFill>
@@ -2709,7 +5216,7 @@
               <a:buChar char=""/>
             </a:pPr>
             <a:r>
-              <a:rPr b="0" lang="it-IT" sz="2000" spc="-1" strike="noStrike">
+              <a:rPr b="0" lang="it-IT" sz="1800" spc="-1" strike="noStrike">
                 <a:solidFill>
                   <a:srgbClr val="000000"/>
                 </a:solidFill>
@@ -2717,7 +5224,7 @@
               </a:rPr>
               <a:t>Quarto livello struttura</a:t>
             </a:r>
-            <a:endParaRPr b="0" lang="it-IT" sz="2000" spc="-1" strike="noStrike">
+            <a:endParaRPr b="0" lang="it-IT" sz="1800" spc="-1" strike="noStrike">
               <a:solidFill>
                 <a:srgbClr val="000000"/>
               </a:solidFill>
@@ -2737,7 +5244,7 @@
               <a:buChar char=""/>
             </a:pPr>
             <a:r>
-              <a:rPr b="0" lang="it-IT" sz="2000" spc="-1" strike="noStrike">
+              <a:rPr b="0" lang="it-IT" sz="1800" spc="-1" strike="noStrike">
                 <a:solidFill>
                   <a:srgbClr val="000000"/>
                 </a:solidFill>
@@ -2745,7 +5252,7 @@
               </a:rPr>
               <a:t>Quinto livello struttura</a:t>
             </a:r>
-            <a:endParaRPr b="0" lang="it-IT" sz="2000" spc="-1" strike="noStrike">
+            <a:endParaRPr b="0" lang="it-IT" sz="1800" spc="-1" strike="noStrike">
               <a:solidFill>
                 <a:srgbClr val="000000"/>
               </a:solidFill>
@@ -2765,7 +5272,7 @@
               <a:buChar char=""/>
             </a:pPr>
             <a:r>
-              <a:rPr b="0" lang="it-IT" sz="2000" spc="-1" strike="noStrike">
+              <a:rPr b="0" lang="it-IT" sz="1800" spc="-1" strike="noStrike">
                 <a:solidFill>
                   <a:srgbClr val="000000"/>
                 </a:solidFill>
@@ -2773,7 +5280,7 @@
               </a:rPr>
               <a:t>Sesto livello struttura</a:t>
             </a:r>
-            <a:endParaRPr b="0" lang="it-IT" sz="2000" spc="-1" strike="noStrike">
+            <a:endParaRPr b="0" lang="it-IT" sz="1800" spc="-1" strike="noStrike">
               <a:solidFill>
                 <a:srgbClr val="000000"/>
               </a:solidFill>
@@ -2793,7 +5300,7 @@
               <a:buChar char=""/>
             </a:pPr>
             <a:r>
-              <a:rPr b="0" lang="it-IT" sz="2000" spc="-1" strike="noStrike">
+              <a:rPr b="0" lang="it-IT" sz="1800" spc="-1" strike="noStrike">
                 <a:solidFill>
                   <a:srgbClr val="000000"/>
                 </a:solidFill>
@@ -2801,7 +5308,7 @@
               </a:rPr>
               <a:t>Settimo livello struttura</a:t>
             </a:r>
-            <a:endParaRPr b="0" lang="it-IT" sz="2000" spc="-1" strike="noStrike">
+            <a:endParaRPr b="0" lang="it-IT" sz="1800" spc="-1" strike="noStrike">
               <a:solidFill>
                 <a:srgbClr val="000000"/>
               </a:solidFill>
@@ -2817,13 +5324,13 @@
             <a:spLocks noGrp="1"/>
           </p:cNvSpPr>
           <p:nvPr>
-            <p:ph type="dt" idx="1"/>
-          </p:nvPr>
-        </p:nvSpPr>
-        <p:spPr>
-          <a:xfrm>
-            <a:off x="504000" y="5165280"/>
-            <a:ext cx="2348280" cy="390600"/>
+            <p:ph type="ftr" idx="1"/>
+          </p:nvPr>
+        </p:nvSpPr>
+        <p:spPr>
+          <a:xfrm>
+            <a:off x="3447360" y="5165280"/>
+            <a:ext cx="3194280" cy="389880"/>
           </a:xfrm>
           <a:prstGeom prst="rect">
             <a:avLst/>
@@ -2838,8 +5345,14 @@
             <a:noAutofit/>
           </a:bodyPr>
           <a:lstStyle>
-            <a:lvl1pPr indent="0">
-              <a:buNone/>
+            <a:lvl1pPr indent="0" algn="ctr">
+              <a:lnSpc>
+                <a:spcPct val="100000"/>
+              </a:lnSpc>
+              <a:buNone/>
+              <a:tabLst>
+                <a:tab algn="l" pos="0"/>
+              </a:tabLst>
               <a:defRPr b="0" lang="it-IT" sz="1400" spc="-1" strike="noStrike">
                 <a:solidFill>
                   <a:srgbClr val="000000"/>
@@ -2849,8 +5362,14 @@
             </a:lvl1pPr>
           </a:lstStyle>
           <a:p>
-            <a:pPr indent="0">
-              <a:buNone/>
+            <a:pPr indent="0" algn="ctr">
+              <a:lnSpc>
+                <a:spcPct val="100000"/>
+              </a:lnSpc>
+              <a:buNone/>
+              <a:tabLst>
+                <a:tab algn="l" pos="0"/>
+              </a:tabLst>
             </a:pPr>
             <a:r>
               <a:rPr b="0" lang="it-IT" sz="1400" spc="-1" strike="noStrike">
@@ -2859,7 +5378,7 @@
                 </a:solidFill>
                 <a:latin typeface="Times New Roman"/>
               </a:rPr>
-              <a:t>&lt;data/ora&gt;</a:t>
+              <a:t>&lt;piè di pagina&gt;</a:t>
             </a:r>
             <a:endParaRPr b="0" lang="it-IT" sz="1400" spc="-1" strike="noStrike">
               <a:solidFill>
@@ -2877,13 +5396,13 @@
             <a:spLocks noGrp="1"/>
           </p:cNvSpPr>
           <p:nvPr>
-            <p:ph type="ftr" idx="2"/>
-          </p:nvPr>
-        </p:nvSpPr>
-        <p:spPr>
-          <a:xfrm>
-            <a:off x="3447360" y="5165280"/>
-            <a:ext cx="3195000" cy="390600"/>
+            <p:ph type="sldNum" idx="2"/>
+          </p:nvPr>
+        </p:nvSpPr>
+        <p:spPr>
+          <a:xfrm>
+            <a:off x="7227360" y="5165280"/>
+            <a:ext cx="2347560" cy="389880"/>
           </a:xfrm>
           <a:prstGeom prst="rect">
             <a:avLst/>
@@ -2898,8 +5417,14 @@
             <a:noAutofit/>
           </a:bodyPr>
           <a:lstStyle>
-            <a:lvl1pPr indent="0" algn="ctr">
-              <a:buNone/>
+            <a:lvl1pPr indent="0" algn="r">
+              <a:lnSpc>
+                <a:spcPct val="100000"/>
+              </a:lnSpc>
+              <a:buNone/>
+              <a:tabLst>
+                <a:tab algn="l" pos="0"/>
+              </a:tabLst>
               <a:defRPr b="0" lang="it-IT" sz="1400" spc="-1" strike="noStrike">
                 <a:solidFill>
                   <a:srgbClr val="000000"/>
@@ -2909,18 +5434,24 @@
             </a:lvl1pPr>
           </a:lstStyle>
           <a:p>
-            <a:pPr indent="0" algn="ctr">
-              <a:buNone/>
-            </a:pPr>
-            <a:r>
+            <a:pPr indent="0" algn="r">
+              <a:lnSpc>
+                <a:spcPct val="100000"/>
+              </a:lnSpc>
+              <a:buNone/>
+              <a:tabLst>
+                <a:tab algn="l" pos="0"/>
+              </a:tabLst>
+            </a:pPr>
+            <a:fld id="{E77DDF0D-2687-4586-8587-0EB80661C668}" type="slidenum">
               <a:rPr b="0" lang="it-IT" sz="1400" spc="-1" strike="noStrike">
                 <a:solidFill>
                   <a:srgbClr val="000000"/>
                 </a:solidFill>
                 <a:latin typeface="Times New Roman"/>
               </a:rPr>
-              <a:t>&lt;piè di pagina&gt;</a:t>
-            </a:r>
+              <a:t>&lt;numero&gt;</a:t>
+            </a:fld>
             <a:endParaRPr b="0" lang="it-IT" sz="1400" spc="-1" strike="noStrike">
               <a:solidFill>
                 <a:srgbClr val="000000"/>
@@ -2937,13 +5468,13 @@
             <a:spLocks noGrp="1"/>
           </p:cNvSpPr>
           <p:nvPr>
-            <p:ph type="sldNum" idx="3"/>
-          </p:nvPr>
-        </p:nvSpPr>
-        <p:spPr>
-          <a:xfrm>
-            <a:off x="7227360" y="5165280"/>
-            <a:ext cx="2348280" cy="390600"/>
+            <p:ph type="dt" idx="3"/>
+          </p:nvPr>
+        </p:nvSpPr>
+        <p:spPr>
+          <a:xfrm>
+            <a:off x="504000" y="5165280"/>
+            <a:ext cx="2347560" cy="389880"/>
           </a:xfrm>
           <a:prstGeom prst="rect">
             <a:avLst/>
@@ -2958,7 +5489,7 @@
             <a:noAutofit/>
           </a:bodyPr>
           <a:lstStyle>
-            <a:lvl1pPr indent="0" algn="r">
+            <a:lvl1pPr indent="0">
               <a:buNone/>
               <a:defRPr b="0" lang="it-IT" sz="1400" spc="-1" strike="noStrike">
                 <a:solidFill>
@@ -2969,18 +5500,18 @@
             </a:lvl1pPr>
           </a:lstStyle>
           <a:p>
-            <a:pPr indent="0" algn="r">
-              <a:buNone/>
-            </a:pPr>
-            <a:fld id="{F370CDF8-D7F0-408D-970D-5797E18F7112}" type="slidenum">
+            <a:pPr indent="0">
+              <a:buNone/>
+            </a:pPr>
+            <a:r>
               <a:rPr b="0" lang="it-IT" sz="1400" spc="-1" strike="noStrike">
                 <a:solidFill>
                   <a:srgbClr val="000000"/>
                 </a:solidFill>
                 <a:latin typeface="Times New Roman"/>
               </a:rPr>
-              <a:t>&lt;numero&gt;</a:t>
-            </a:fld>
+              <a:t>&lt;data/ora&gt;</a:t>
+            </a:r>
             <a:endParaRPr b="0" lang="it-IT" sz="1400" spc="-1" strike="noStrike">
               <a:solidFill>
                 <a:srgbClr val="000000"/>
@@ -3006,6 +5537,521 @@
     <p:sldLayoutId id="2147483658" r:id="rId11"/>
     <p:sldLayoutId id="2147483659" r:id="rId12"/>
     <p:sldLayoutId id="2147483660" r:id="rId13"/>
+  </p:sldLayoutIdLst>
+</p:sldMaster>
+</file>
+
+<file path=ppt/slideMasters/slideMaster2.xml><?xml version="1.0" encoding="utf-8"?>
+<p:sldMaster xmlns:a="http://schemas.openxmlformats.org/drawingml/2006/main" xmlns:p="http://schemas.openxmlformats.org/presentationml/2006/main" xmlns:r="http://schemas.openxmlformats.org/officeDocument/2006/relationships" xmlns:p14="http://schemas.microsoft.com/office/powerpoint/2010/main" xmlns:p15="http://schemas.microsoft.com/office/powerpoint/2012/main" xmlns:mc="http://schemas.openxmlformats.org/markup-compatibility/2006">
+  <p:cSld>
+    <p:spTree>
+      <p:nvGrpSpPr>
+        <p:cNvPr id="1" name=""/>
+        <p:cNvGrpSpPr/>
+        <p:nvPr/>
+      </p:nvGrpSpPr>
+      <p:grpSpPr>
+        <a:xfrm>
+          <a:off x="0" y="0"/>
+          <a:ext cx="0" cy="0"/>
+          <a:chOff x="0" y="0"/>
+          <a:chExt cx="0" cy="0"/>
+        </a:xfrm>
+      </p:grpSpPr>
+      <p:sp>
+        <p:nvSpPr>
+          <p:cNvPr id="41" name="PlaceHolder 1"/>
+          <p:cNvSpPr>
+            <a:spLocks noGrp="1"/>
+          </p:cNvSpPr>
+          <p:nvPr>
+            <p:ph type="ftr" idx="4"/>
+          </p:nvPr>
+        </p:nvSpPr>
+        <p:spPr>
+          <a:xfrm>
+            <a:off x="3447360" y="5165280"/>
+            <a:ext cx="3194280" cy="389880"/>
+          </a:xfrm>
+          <a:prstGeom prst="rect">
+            <a:avLst/>
+          </a:prstGeom>
+          <a:noFill/>
+          <a:ln w="0">
+            <a:noFill/>
+          </a:ln>
+        </p:spPr>
+        <p:txBody>
+          <a:bodyPr lIns="0" rIns="0" tIns="0" bIns="0" anchor="t">
+            <a:noAutofit/>
+          </a:bodyPr>
+          <a:lstStyle>
+            <a:lvl1pPr indent="0" algn="ctr">
+              <a:lnSpc>
+                <a:spcPct val="100000"/>
+              </a:lnSpc>
+              <a:buNone/>
+              <a:tabLst>
+                <a:tab algn="l" pos="0"/>
+              </a:tabLst>
+              <a:defRPr b="0" lang="it-IT" sz="1400" spc="-1" strike="noStrike">
+                <a:solidFill>
+                  <a:srgbClr val="000000"/>
+                </a:solidFill>
+                <a:latin typeface="Times New Roman"/>
+              </a:defRPr>
+            </a:lvl1pPr>
+          </a:lstStyle>
+          <a:p>
+            <a:pPr indent="0" algn="ctr">
+              <a:lnSpc>
+                <a:spcPct val="100000"/>
+              </a:lnSpc>
+              <a:buNone/>
+              <a:tabLst>
+                <a:tab algn="l" pos="0"/>
+              </a:tabLst>
+            </a:pPr>
+            <a:r>
+              <a:rPr b="0" lang="it-IT" sz="1400" spc="-1" strike="noStrike">
+                <a:solidFill>
+                  <a:srgbClr val="000000"/>
+                </a:solidFill>
+                <a:latin typeface="Times New Roman"/>
+              </a:rPr>
+              <a:t>&lt;piè di pagina&gt;</a:t>
+            </a:r>
+            <a:endParaRPr b="0" lang="it-IT" sz="1400" spc="-1" strike="noStrike">
+              <a:solidFill>
+                <a:srgbClr val="000000"/>
+              </a:solidFill>
+              <a:latin typeface="Times New Roman"/>
+            </a:endParaRPr>
+          </a:p>
+        </p:txBody>
+      </p:sp>
+      <p:sp>
+        <p:nvSpPr>
+          <p:cNvPr id="42" name="PlaceHolder 2"/>
+          <p:cNvSpPr>
+            <a:spLocks noGrp="1"/>
+          </p:cNvSpPr>
+          <p:nvPr>
+            <p:ph type="sldNum" idx="5"/>
+          </p:nvPr>
+        </p:nvSpPr>
+        <p:spPr>
+          <a:xfrm>
+            <a:off x="7227360" y="5165280"/>
+            <a:ext cx="2347560" cy="389880"/>
+          </a:xfrm>
+          <a:prstGeom prst="rect">
+            <a:avLst/>
+          </a:prstGeom>
+          <a:noFill/>
+          <a:ln w="0">
+            <a:noFill/>
+          </a:ln>
+        </p:spPr>
+        <p:txBody>
+          <a:bodyPr lIns="0" rIns="0" tIns="0" bIns="0" anchor="t">
+            <a:noAutofit/>
+          </a:bodyPr>
+          <a:lstStyle>
+            <a:lvl1pPr indent="0" algn="r">
+              <a:lnSpc>
+                <a:spcPct val="100000"/>
+              </a:lnSpc>
+              <a:buNone/>
+              <a:tabLst>
+                <a:tab algn="l" pos="0"/>
+              </a:tabLst>
+              <a:defRPr b="0" lang="it-IT" sz="1400" spc="-1" strike="noStrike">
+                <a:solidFill>
+                  <a:srgbClr val="000000"/>
+                </a:solidFill>
+                <a:latin typeface="Times New Roman"/>
+              </a:defRPr>
+            </a:lvl1pPr>
+          </a:lstStyle>
+          <a:p>
+            <a:pPr indent="0" algn="r">
+              <a:lnSpc>
+                <a:spcPct val="100000"/>
+              </a:lnSpc>
+              <a:buNone/>
+              <a:tabLst>
+                <a:tab algn="l" pos="0"/>
+              </a:tabLst>
+            </a:pPr>
+            <a:fld id="{6BF94FAF-0366-4311-AEAE-46EFBF96C759}" type="slidenum">
+              <a:rPr b="0" lang="it-IT" sz="1400" spc="-1" strike="noStrike">
+                <a:solidFill>
+                  <a:srgbClr val="000000"/>
+                </a:solidFill>
+                <a:latin typeface="Times New Roman"/>
+              </a:rPr>
+              <a:t>&lt;numero&gt;</a:t>
+            </a:fld>
+            <a:endParaRPr b="0" lang="it-IT" sz="1400" spc="-1" strike="noStrike">
+              <a:solidFill>
+                <a:srgbClr val="000000"/>
+              </a:solidFill>
+              <a:latin typeface="Times New Roman"/>
+            </a:endParaRPr>
+          </a:p>
+        </p:txBody>
+      </p:sp>
+      <p:sp>
+        <p:nvSpPr>
+          <p:cNvPr id="43" name="PlaceHolder 3"/>
+          <p:cNvSpPr>
+            <a:spLocks noGrp="1"/>
+          </p:cNvSpPr>
+          <p:nvPr>
+            <p:ph type="dt" idx="6"/>
+          </p:nvPr>
+        </p:nvSpPr>
+        <p:spPr>
+          <a:xfrm>
+            <a:off x="504000" y="5165280"/>
+            <a:ext cx="2347560" cy="389880"/>
+          </a:xfrm>
+          <a:prstGeom prst="rect">
+            <a:avLst/>
+          </a:prstGeom>
+          <a:noFill/>
+          <a:ln w="0">
+            <a:noFill/>
+          </a:ln>
+        </p:spPr>
+        <p:txBody>
+          <a:bodyPr lIns="0" rIns="0" tIns="0" bIns="0" anchor="t">
+            <a:noAutofit/>
+          </a:bodyPr>
+          <a:lstStyle>
+            <a:lvl1pPr indent="0">
+              <a:buNone/>
+              <a:defRPr b="0" lang="it-IT" sz="1400" spc="-1" strike="noStrike">
+                <a:solidFill>
+                  <a:srgbClr val="000000"/>
+                </a:solidFill>
+                <a:latin typeface="Times New Roman"/>
+              </a:defRPr>
+            </a:lvl1pPr>
+          </a:lstStyle>
+          <a:p>
+            <a:pPr indent="0">
+              <a:buNone/>
+            </a:pPr>
+            <a:r>
+              <a:rPr b="0" lang="it-IT" sz="1400" spc="-1" strike="noStrike">
+                <a:solidFill>
+                  <a:srgbClr val="000000"/>
+                </a:solidFill>
+                <a:latin typeface="Times New Roman"/>
+              </a:rPr>
+              <a:t>&lt;data/ora&gt;</a:t>
+            </a:r>
+            <a:endParaRPr b="0" lang="it-IT" sz="1400" spc="-1" strike="noStrike">
+              <a:solidFill>
+                <a:srgbClr val="000000"/>
+              </a:solidFill>
+              <a:latin typeface="Times New Roman"/>
+            </a:endParaRPr>
+          </a:p>
+        </p:txBody>
+      </p:sp>
+      <p:sp>
+        <p:nvSpPr>
+          <p:cNvPr id="44" name="PlaceHolder 4"/>
+          <p:cNvSpPr>
+            <a:spLocks noGrp="1"/>
+          </p:cNvSpPr>
+          <p:nvPr>
+            <p:ph type="title"/>
+          </p:nvPr>
+        </p:nvSpPr>
+        <p:spPr>
+          <a:xfrm>
+            <a:off x="504000" y="226080"/>
+            <a:ext cx="9072000" cy="946440"/>
+          </a:xfrm>
+          <a:prstGeom prst="rect">
+            <a:avLst/>
+          </a:prstGeom>
+          <a:noFill/>
+          <a:ln w="0">
+            <a:noFill/>
+          </a:ln>
+        </p:spPr>
+        <p:txBody>
+          <a:bodyPr lIns="0" rIns="0" tIns="0" bIns="0" anchor="ctr">
+            <a:noAutofit/>
+          </a:bodyPr>
+          <a:p>
+            <a:pPr indent="0" algn="ctr">
+              <a:buNone/>
+            </a:pPr>
+            <a:r>
+              <a:rPr b="0" lang="it-IT" sz="4400" spc="-1" strike="noStrike">
+                <a:solidFill>
+                  <a:srgbClr val="000000"/>
+                </a:solidFill>
+                <a:latin typeface="Arial"/>
+              </a:rPr>
+              <a:t>Fai clic per modificare il formato del testo del titolo</a:t>
+            </a:r>
+            <a:endParaRPr b="0" lang="it-IT" sz="4400" spc="-1" strike="noStrike">
+              <a:solidFill>
+                <a:srgbClr val="000000"/>
+              </a:solidFill>
+              <a:latin typeface="Arial"/>
+            </a:endParaRPr>
+          </a:p>
+        </p:txBody>
+      </p:sp>
+      <p:sp>
+        <p:nvSpPr>
+          <p:cNvPr id="45" name="PlaceHolder 5"/>
+          <p:cNvSpPr>
+            <a:spLocks noGrp="1"/>
+          </p:cNvSpPr>
+          <p:nvPr>
+            <p:ph type="body"/>
+          </p:nvPr>
+        </p:nvSpPr>
+        <p:spPr>
+          <a:xfrm>
+            <a:off x="504000" y="1326600"/>
+            <a:ext cx="9072000" cy="3288600"/>
+          </a:xfrm>
+          <a:prstGeom prst="rect">
+            <a:avLst/>
+          </a:prstGeom>
+          <a:noFill/>
+          <a:ln w="0">
+            <a:noFill/>
+          </a:ln>
+        </p:spPr>
+        <p:txBody>
+          <a:bodyPr lIns="0" rIns="0" tIns="0" bIns="0" anchor="t">
+            <a:normAutofit/>
+          </a:bodyPr>
+          <a:p>
+            <a:pPr marL="432000" indent="-324000">
+              <a:spcBef>
+                <a:spcPts val="1417"/>
+              </a:spcBef>
+              <a:buClr>
+                <a:srgbClr val="000000"/>
+              </a:buClr>
+              <a:buSzPct val="45000"/>
+              <a:buFont typeface="Wingdings" charset="2"/>
+              <a:buChar char=""/>
+            </a:pPr>
+            <a:r>
+              <a:rPr b="0" lang="it-IT" sz="3200" spc="-1" strike="noStrike">
+                <a:solidFill>
+                  <a:srgbClr val="000000"/>
+                </a:solidFill>
+                <a:latin typeface="Arial"/>
+              </a:rPr>
+              <a:t>Fai clic per modificare il formato del testo della struttura</a:t>
+            </a:r>
+            <a:endParaRPr b="0" lang="it-IT" sz="3200" spc="-1" strike="noStrike">
+              <a:solidFill>
+                <a:srgbClr val="000000"/>
+              </a:solidFill>
+              <a:latin typeface="Arial"/>
+            </a:endParaRPr>
+          </a:p>
+          <a:p>
+            <a:pPr lvl="1" marL="864000" indent="-324000">
+              <a:spcBef>
+                <a:spcPts val="1134"/>
+              </a:spcBef>
+              <a:buClr>
+                <a:srgbClr val="000000"/>
+              </a:buClr>
+              <a:buSzPct val="75000"/>
+              <a:buFont typeface="Symbol" charset="2"/>
+              <a:buChar char=""/>
+            </a:pPr>
+            <a:r>
+              <a:rPr b="0" lang="it-IT" sz="2800" spc="-1" strike="noStrike">
+                <a:solidFill>
+                  <a:srgbClr val="000000"/>
+                </a:solidFill>
+                <a:latin typeface="Arial"/>
+              </a:rPr>
+              <a:t>Secondo livello struttura</a:t>
+            </a:r>
+            <a:endParaRPr b="0" lang="it-IT" sz="2800" spc="-1" strike="noStrike">
+              <a:solidFill>
+                <a:srgbClr val="000000"/>
+              </a:solidFill>
+              <a:latin typeface="Arial"/>
+            </a:endParaRPr>
+          </a:p>
+          <a:p>
+            <a:pPr lvl="2" marL="1296000" indent="-288000">
+              <a:spcBef>
+                <a:spcPts val="850"/>
+              </a:spcBef>
+              <a:buClr>
+                <a:srgbClr val="000000"/>
+              </a:buClr>
+              <a:buSzPct val="45000"/>
+              <a:buFont typeface="Wingdings" charset="2"/>
+              <a:buChar char=""/>
+            </a:pPr>
+            <a:r>
+              <a:rPr b="0" lang="it-IT" sz="2400" spc="-1" strike="noStrike">
+                <a:solidFill>
+                  <a:srgbClr val="000000"/>
+                </a:solidFill>
+                <a:latin typeface="Arial"/>
+              </a:rPr>
+              <a:t>Terzo livello struttura</a:t>
+            </a:r>
+            <a:endParaRPr b="0" lang="it-IT" sz="2400" spc="-1" strike="noStrike">
+              <a:solidFill>
+                <a:srgbClr val="000000"/>
+              </a:solidFill>
+              <a:latin typeface="Arial"/>
+            </a:endParaRPr>
+          </a:p>
+          <a:p>
+            <a:pPr lvl="3" marL="1728000" indent="-216000">
+              <a:spcBef>
+                <a:spcPts val="567"/>
+              </a:spcBef>
+              <a:buClr>
+                <a:srgbClr val="000000"/>
+              </a:buClr>
+              <a:buSzPct val="75000"/>
+              <a:buFont typeface="Symbol" charset="2"/>
+              <a:buChar char=""/>
+            </a:pPr>
+            <a:r>
+              <a:rPr b="0" lang="it-IT" sz="2000" spc="-1" strike="noStrike">
+                <a:solidFill>
+                  <a:srgbClr val="000000"/>
+                </a:solidFill>
+                <a:latin typeface="Arial"/>
+              </a:rPr>
+              <a:t>Quarto livello struttura</a:t>
+            </a:r>
+            <a:endParaRPr b="0" lang="it-IT" sz="2000" spc="-1" strike="noStrike">
+              <a:solidFill>
+                <a:srgbClr val="000000"/>
+              </a:solidFill>
+              <a:latin typeface="Arial"/>
+            </a:endParaRPr>
+          </a:p>
+          <a:p>
+            <a:pPr lvl="4" marL="2160000" indent="-216000">
+              <a:spcBef>
+                <a:spcPts val="283"/>
+              </a:spcBef>
+              <a:buClr>
+                <a:srgbClr val="000000"/>
+              </a:buClr>
+              <a:buSzPct val="45000"/>
+              <a:buFont typeface="Wingdings" charset="2"/>
+              <a:buChar char=""/>
+            </a:pPr>
+            <a:r>
+              <a:rPr b="0" lang="it-IT" sz="2000" spc="-1" strike="noStrike">
+                <a:solidFill>
+                  <a:srgbClr val="000000"/>
+                </a:solidFill>
+                <a:latin typeface="Arial"/>
+              </a:rPr>
+              <a:t>Quinto livello struttura</a:t>
+            </a:r>
+            <a:endParaRPr b="0" lang="it-IT" sz="2000" spc="-1" strike="noStrike">
+              <a:solidFill>
+                <a:srgbClr val="000000"/>
+              </a:solidFill>
+              <a:latin typeface="Arial"/>
+            </a:endParaRPr>
+          </a:p>
+          <a:p>
+            <a:pPr lvl="5" marL="2592000" indent="-216000">
+              <a:spcBef>
+                <a:spcPts val="283"/>
+              </a:spcBef>
+              <a:buClr>
+                <a:srgbClr val="000000"/>
+              </a:buClr>
+              <a:buSzPct val="45000"/>
+              <a:buFont typeface="Wingdings" charset="2"/>
+              <a:buChar char=""/>
+            </a:pPr>
+            <a:r>
+              <a:rPr b="0" lang="it-IT" sz="2000" spc="-1" strike="noStrike">
+                <a:solidFill>
+                  <a:srgbClr val="000000"/>
+                </a:solidFill>
+                <a:latin typeface="Arial"/>
+              </a:rPr>
+              <a:t>Sesto livello struttura</a:t>
+            </a:r>
+            <a:endParaRPr b="0" lang="it-IT" sz="2000" spc="-1" strike="noStrike">
+              <a:solidFill>
+                <a:srgbClr val="000000"/>
+              </a:solidFill>
+              <a:latin typeface="Arial"/>
+            </a:endParaRPr>
+          </a:p>
+          <a:p>
+            <a:pPr lvl="6" marL="3024000" indent="-216000">
+              <a:spcBef>
+                <a:spcPts val="283"/>
+              </a:spcBef>
+              <a:buClr>
+                <a:srgbClr val="000000"/>
+              </a:buClr>
+              <a:buSzPct val="45000"/>
+              <a:buFont typeface="Wingdings" charset="2"/>
+              <a:buChar char=""/>
+            </a:pPr>
+            <a:r>
+              <a:rPr b="0" lang="it-IT" sz="2000" spc="-1" strike="noStrike">
+                <a:solidFill>
+                  <a:srgbClr val="000000"/>
+                </a:solidFill>
+                <a:latin typeface="Arial"/>
+              </a:rPr>
+              <a:t>Settimo livello struttura</a:t>
+            </a:r>
+            <a:endParaRPr b="0" lang="it-IT" sz="2000" spc="-1" strike="noStrike">
+              <a:solidFill>
+                <a:srgbClr val="000000"/>
+              </a:solidFill>
+              <a:latin typeface="Arial"/>
+            </a:endParaRPr>
+          </a:p>
+        </p:txBody>
+      </p:sp>
+    </p:spTree>
+  </p:cSld>
+  <p:clrMap bg1="lt1" bg2="lt2" tx1="dk1" tx2="dk2" accent1="accent1" accent2="accent2" accent3="accent3" accent4="accent4" accent5="accent5" accent6="accent6" hlink="hlink" folHlink="folHlink"/>
+  <p:sldLayoutIdLst>
+    <p:sldLayoutId id="2147483662" r:id="rId2"/>
+    <p:sldLayoutId id="2147483663" r:id="rId3"/>
+    <p:sldLayoutId id="2147483664" r:id="rId4"/>
+    <p:sldLayoutId id="2147483665" r:id="rId5"/>
+    <p:sldLayoutId id="2147483666" r:id="rId6"/>
+    <p:sldLayoutId id="2147483667" r:id="rId7"/>
+    <p:sldLayoutId id="2147483668" r:id="rId8"/>
+    <p:sldLayoutId id="2147483669" r:id="rId9"/>
+    <p:sldLayoutId id="2147483670" r:id="rId10"/>
+    <p:sldLayoutId id="2147483671" r:id="rId11"/>
+    <p:sldLayoutId id="2147483672" r:id="rId12"/>
+    <p:sldLayoutId id="2147483673" r:id="rId13"/>
   </p:sldLayoutIdLst>
 </p:sldMaster>
 </file>
@@ -3029,7 +6075,7 @@
       </p:grpSpPr>
       <p:pic>
         <p:nvPicPr>
-          <p:cNvPr id="41" name="" descr=""/>
+          <p:cNvPr id="82" name="" descr=""/>
           <p:cNvPicPr/>
           <p:nvPr/>
         </p:nvPicPr>
@@ -3039,8 +6085,8 @@
         </p:blipFill>
         <p:spPr>
           <a:xfrm>
-            <a:off x="1284840" y="15120"/>
-            <a:ext cx="7554600" cy="5669640"/>
+            <a:off x="1304640" y="14760"/>
+            <a:ext cx="7515360" cy="5670360"/>
           </a:xfrm>
           <a:prstGeom prst="rect">
             <a:avLst/>
@@ -3082,7 +6128,7 @@
       </p:grpSpPr>
       <p:pic>
         <p:nvPicPr>
-          <p:cNvPr id="42" name="" descr=""/>
+          <p:cNvPr id="83" name="" descr=""/>
           <p:cNvPicPr/>
           <p:nvPr/>
         </p:nvPicPr>
@@ -3092,8 +6138,8 @@
         </p:blipFill>
         <p:spPr>
           <a:xfrm>
-            <a:off x="605880" y="15120"/>
-            <a:ext cx="8912520" cy="5669640"/>
+            <a:off x="2245680" y="14760"/>
+            <a:ext cx="5632920" cy="5670000"/>
           </a:xfrm>
           <a:prstGeom prst="rect">
             <a:avLst/>
@@ -3121,10 +6167,236 @@
   <a:themeElements>
     <a:clrScheme name="Office">
       <a:dk1>
-        <a:sysClr val="windowText" lastClr="000000"/>
+        <a:srgbClr val="000000"/>
       </a:dk1>
       <a:lt1>
-        <a:sysClr val="window" lastClr="FFFFFF"/>
+        <a:srgbClr val="ffffff"/>
+      </a:lt1>
+      <a:dk2>
+        <a:srgbClr val="1f497d"/>
+      </a:dk2>
+      <a:lt2>
+        <a:srgbClr val="eeece1"/>
+      </a:lt2>
+      <a:accent1>
+        <a:srgbClr val="4f81bd"/>
+      </a:accent1>
+      <a:accent2>
+        <a:srgbClr val="c0504d"/>
+      </a:accent2>
+      <a:accent3>
+        <a:srgbClr val="9bbb59"/>
+      </a:accent3>
+      <a:accent4>
+        <a:srgbClr val="8064a2"/>
+      </a:accent4>
+      <a:accent5>
+        <a:srgbClr val="4bacc6"/>
+      </a:accent5>
+      <a:accent6>
+        <a:srgbClr val="f79646"/>
+      </a:accent6>
+      <a:hlink>
+        <a:srgbClr val="0000ff"/>
+      </a:hlink>
+      <a:folHlink>
+        <a:srgbClr val="800080"/>
+      </a:folHlink>
+    </a:clrScheme>
+    <a:fontScheme name="Office">
+      <a:majorFont>
+        <a:latin typeface="Arial"/>
+        <a:ea typeface="DejaVu Sans"/>
+        <a:cs typeface="DejaVu Sans"/>
+      </a:majorFont>
+      <a:minorFont>
+        <a:latin typeface="Arial"/>
+        <a:ea typeface="DejaVu Sans"/>
+        <a:cs typeface="DejaVu Sans"/>
+      </a:minorFont>
+    </a:fontScheme>
+    <a:fmtScheme name="Office">
+      <a:fillStyleLst>
+        <a:solidFill>
+          <a:schemeClr val="phClr"/>
+        </a:solidFill>
+        <a:gradFill rotWithShape="1">
+          <a:gsLst>
+            <a:gs pos="0">
+              <a:schemeClr val="phClr">
+                <a:tint val="50000"/>
+                <a:satMod val="300000"/>
+              </a:schemeClr>
+            </a:gs>
+            <a:gs pos="35000">
+              <a:schemeClr val="phClr">
+                <a:tint val="37000"/>
+                <a:satMod val="300000"/>
+              </a:schemeClr>
+            </a:gs>
+            <a:gs pos="100000">
+              <a:schemeClr val="phClr">
+                <a:tint val="15000"/>
+                <a:satMod val="350000"/>
+              </a:schemeClr>
+            </a:gs>
+          </a:gsLst>
+          <a:lin ang="16200000" scaled="1"/>
+        </a:gradFill>
+        <a:gradFill rotWithShape="1">
+          <a:gsLst>
+            <a:gs pos="0">
+              <a:schemeClr val="phClr">
+                <a:shade val="51000"/>
+                <a:satMod val="130000"/>
+              </a:schemeClr>
+            </a:gs>
+            <a:gs pos="80000">
+              <a:schemeClr val="phClr">
+                <a:shade val="93000"/>
+                <a:satMod val="130000"/>
+              </a:schemeClr>
+            </a:gs>
+            <a:gs pos="100000">
+              <a:schemeClr val="phClr">
+                <a:shade val="94000"/>
+                <a:satMod val="135000"/>
+              </a:schemeClr>
+            </a:gs>
+          </a:gsLst>
+          <a:lin ang="16200000" scaled="0"/>
+        </a:gradFill>
+      </a:fillStyleLst>
+      <a:lnStyleLst>
+        <a:ln w="9525" cap="flat" cmpd="sng" algn="ctr">
+          <a:solidFill>
+            <a:schemeClr val="phClr">
+              <a:shade val="95000"/>
+              <a:satMod val="105000"/>
+            </a:schemeClr>
+          </a:solidFill>
+          <a:prstDash val="solid"/>
+          <a:miter/>
+        </a:ln>
+        <a:ln w="25400" cap="flat" cmpd="sng" algn="ctr">
+          <a:solidFill>
+            <a:schemeClr val="phClr"/>
+          </a:solidFill>
+          <a:prstDash val="solid"/>
+          <a:miter/>
+        </a:ln>
+        <a:ln w="38100" cap="flat" cmpd="sng" algn="ctr">
+          <a:solidFill>
+            <a:schemeClr val="phClr"/>
+          </a:solidFill>
+          <a:prstDash val="solid"/>
+          <a:miter/>
+        </a:ln>
+      </a:lnStyleLst>
+      <a:effectStyleLst>
+        <a:effectStyle>
+          <a:effectLst>
+            <a:outerShdw blurRad="40000" dist="20000" dir="5400000" rotWithShape="0">
+              <a:srgbClr val="000000">
+                <a:alpha val="38000"/>
+              </a:srgbClr>
+            </a:outerShdw>
+          </a:effectLst>
+        </a:effectStyle>
+        <a:effectStyle>
+          <a:effectLst>
+            <a:outerShdw blurRad="40000" dist="23000" dir="5400000" rotWithShape="0">
+              <a:srgbClr val="000000">
+                <a:alpha val="35000"/>
+              </a:srgbClr>
+            </a:outerShdw>
+          </a:effectLst>
+        </a:effectStyle>
+        <a:effectStyle>
+          <a:effectLst>
+            <a:outerShdw blurRad="40000" dist="23000" dir="5400000" rotWithShape="0">
+              <a:srgbClr val="000000">
+                <a:alpha val="35000"/>
+              </a:srgbClr>
+            </a:outerShdw>
+          </a:effectLst>
+          <a:scene3d>
+            <a:camera prst="orthographicFront">
+              <a:rot lat="0" lon="0" rev="0"/>
+            </a:camera>
+            <a:lightRig rig="threePt" dir="t">
+              <a:rot lat="0" lon="0" rev="1200000"/>
+            </a:lightRig>
+          </a:scene3d>
+          <a:sp3d>
+            <a:bevelT w="63500" h="25400"/>
+          </a:sp3d>
+        </a:effectStyle>
+      </a:effectStyleLst>
+      <a:bgFillStyleLst>
+        <a:solidFill>
+          <a:schemeClr val="phClr"/>
+        </a:solidFill>
+        <a:gradFill rotWithShape="1">
+          <a:gsLst>
+            <a:gs pos="0">
+              <a:schemeClr val="phClr">
+                <a:tint val="40000"/>
+                <a:satMod val="350000"/>
+              </a:schemeClr>
+            </a:gs>
+            <a:gs pos="40000">
+              <a:schemeClr val="phClr">
+                <a:tint val="45000"/>
+                <a:shade val="99000"/>
+                <a:satMod val="350000"/>
+              </a:schemeClr>
+            </a:gs>
+            <a:gs pos="100000">
+              <a:schemeClr val="phClr">
+                <a:shade val="20000"/>
+                <a:satMod val="255000"/>
+              </a:schemeClr>
+            </a:gs>
+          </a:gsLst>
+          <a:path path="circle">
+            <a:fillToRect l="50000" t="-80000" r="50000" b="180000"/>
+          </a:path>
+        </a:gradFill>
+        <a:gradFill rotWithShape="1">
+          <a:gsLst>
+            <a:gs pos="0">
+              <a:schemeClr val="phClr">
+                <a:tint val="80000"/>
+                <a:satMod val="300000"/>
+              </a:schemeClr>
+            </a:gs>
+            <a:gs pos="100000">
+              <a:schemeClr val="phClr">
+                <a:shade val="30000"/>
+                <a:satMod val="200000"/>
+              </a:schemeClr>
+            </a:gs>
+          </a:gsLst>
+          <a:path path="circle">
+            <a:fillToRect l="50000" t="50000" r="50000" b="50000"/>
+          </a:path>
+        </a:gradFill>
+      </a:bgFillStyleLst>
+    </a:fmtScheme>
+  </a:themeElements>
+</a:theme>
+</file>
+
+<file path=ppt/theme/theme2.xml><?xml version="1.0" encoding="utf-8"?>
+<a:theme xmlns:a="http://schemas.openxmlformats.org/drawingml/2006/main" name="Office Theme">
+  <a:themeElements>
+    <a:clrScheme name="Office">
+      <a:dk1>
+        <a:srgbClr val="000000"/>
+      </a:dk1>
+      <a:lt1>
+        <a:srgbClr val="ffffff"/>
       </a:lt1>
       <a:dk2>
         <a:srgbClr val="1f497d"/>

--- a/diagrammi UML classi e casi d'uso.pptx
+++ b/diagrammi UML classi e casi d'uso.pptx
@@ -3,10 +3,11 @@
 <p:presentation xmlns:a="http://schemas.openxmlformats.org/drawingml/2006/main" xmlns:p="http://schemas.openxmlformats.org/presentationml/2006/main" xmlns:r="http://schemas.openxmlformats.org/officeDocument/2006/relationships" xmlns:p14="http://schemas.microsoft.com/office/powerpoint/2010/main" xmlns:p15="http://schemas.microsoft.com/office/powerpoint/2012/main" xmlns:mc="http://schemas.openxmlformats.org/markup-compatibility/2006">
   <p:sldMasterIdLst>
     <p:sldMasterId id="2147483648" r:id="rId2"/>
+    <p:sldMasterId id="2147483661" r:id="rId3"/>
   </p:sldMasterIdLst>
   <p:sldIdLst>
-    <p:sldId id="256" r:id="rId3"/>
-    <p:sldId id="257" r:id="rId4"/>
+    <p:sldId id="256" r:id="rId4"/>
+    <p:sldId id="257" r:id="rId5"/>
   </p:sldIdLst>
   <p:sldSz cx="10080625" cy="5670550"/>
   <p:notesSz cx="7559675" cy="10691813"/>
@@ -37,7 +38,7 @@
             <a:spLocks noGrp="1"/>
           </p:cNvSpPr>
           <p:nvPr>
-            <p:ph type="ftr" idx="2"/>
+            <p:ph type="ftr" idx="1"/>
           </p:nvPr>
         </p:nvSpPr>
         <p:spPr/>
@@ -57,14 +58,14 @@
             <a:spLocks noGrp="1"/>
           </p:cNvSpPr>
           <p:nvPr>
-            <p:ph type="sldNum" idx="3"/>
-          </p:nvPr>
-        </p:nvSpPr>
-        <p:spPr/>
-        <p:txBody>
-          <a:bodyPr/>
-          <a:p>
-            <a:fld id="{87864A59-910A-4FE0-AE48-FA72140BBD58}" type="slidenum">
+            <p:ph type="sldNum" idx="2"/>
+          </p:nvPr>
+        </p:nvSpPr>
+        <p:spPr/>
+        <p:txBody>
+          <a:bodyPr/>
+          <a:p>
+            <a:fld id="{8DF8438E-C262-43D3-A144-474710FA87A1}" type="slidenum">
               <a:t>&lt;#&gt;</a:t>
             </a:fld>
           </a:p>
@@ -77,7 +78,7 @@
             <a:spLocks noGrp="1"/>
           </p:cNvSpPr>
           <p:nvPr>
-            <p:ph type="dt" idx="1"/>
+            <p:ph type="dt" idx="3"/>
           </p:nvPr>
         </p:nvSpPr>
         <p:spPr/>
@@ -126,7 +127,7 @@
         <p:spPr>
           <a:xfrm>
             <a:off x="504000" y="226080"/>
-            <a:ext cx="9071640" cy="946440"/>
+            <a:ext cx="9071280" cy="946080"/>
           </a:xfrm>
           <a:prstGeom prst="rect">
             <a:avLst/>
@@ -166,7 +167,7 @@
         <p:spPr>
           <a:xfrm>
             <a:off x="504000" y="1326600"/>
-            <a:ext cx="9071640" cy="1568160"/>
+            <a:ext cx="9071280" cy="1568160"/>
           </a:xfrm>
           <a:prstGeom prst="rect">
             <a:avLst/>
@@ -209,7 +210,7 @@
         <p:spPr>
           <a:xfrm>
             <a:off x="504000" y="3044160"/>
-            <a:ext cx="9071640" cy="1568160"/>
+            <a:ext cx="9071280" cy="1568160"/>
           </a:xfrm>
           <a:prstGeom prst="rect">
             <a:avLst/>
@@ -246,7 +247,7 @@
             <a:spLocks noGrp="1"/>
           </p:cNvSpPr>
           <p:nvPr>
-            <p:ph type="ftr" idx="2"/>
+            <p:ph type="ftr" idx="1"/>
           </p:nvPr>
         </p:nvSpPr>
         <p:spPr/>
@@ -266,14 +267,14 @@
             <a:spLocks noGrp="1"/>
           </p:cNvSpPr>
           <p:nvPr>
-            <p:ph type="sldNum" idx="3"/>
-          </p:nvPr>
-        </p:nvSpPr>
-        <p:spPr/>
-        <p:txBody>
-          <a:bodyPr/>
-          <a:p>
-            <a:fld id="{D822E2F6-6F2C-4CC9-ACCA-9D3AECABAE17}" type="slidenum">
+            <p:ph type="sldNum" idx="2"/>
+          </p:nvPr>
+        </p:nvSpPr>
+        <p:spPr/>
+        <p:txBody>
+          <a:bodyPr/>
+          <a:p>
+            <a:fld id="{59C6A7A9-B8BC-4DFD-8D5C-BB7BBE888BC6}" type="slidenum">
               <a:t>&lt;#&gt;</a:t>
             </a:fld>
           </a:p>
@@ -286,7 +287,7 @@
             <a:spLocks noGrp="1"/>
           </p:cNvSpPr>
           <p:nvPr>
-            <p:ph type="dt" idx="1"/>
+            <p:ph type="dt" idx="3"/>
           </p:nvPr>
         </p:nvSpPr>
         <p:spPr/>
@@ -335,7 +336,7 @@
         <p:spPr>
           <a:xfrm>
             <a:off x="504000" y="226080"/>
-            <a:ext cx="9071640" cy="946440"/>
+            <a:ext cx="9071280" cy="946080"/>
           </a:xfrm>
           <a:prstGeom prst="rect">
             <a:avLst/>
@@ -375,7 +376,7 @@
         <p:spPr>
           <a:xfrm>
             <a:off x="504000" y="1326600"/>
-            <a:ext cx="4426920" cy="1568160"/>
+            <a:ext cx="4426560" cy="1568160"/>
           </a:xfrm>
           <a:prstGeom prst="rect">
             <a:avLst/>
@@ -417,8 +418,8 @@
         </p:nvSpPr>
         <p:spPr>
           <a:xfrm>
-            <a:off x="5152680" y="1326600"/>
-            <a:ext cx="4426920" cy="1568160"/>
+            <a:off x="5152320" y="1326600"/>
+            <a:ext cx="4426560" cy="1568160"/>
           </a:xfrm>
           <a:prstGeom prst="rect">
             <a:avLst/>
@@ -461,7 +462,7 @@
         <p:spPr>
           <a:xfrm>
             <a:off x="504000" y="3044160"/>
-            <a:ext cx="4426920" cy="1568160"/>
+            <a:ext cx="4426560" cy="1568160"/>
           </a:xfrm>
           <a:prstGeom prst="rect">
             <a:avLst/>
@@ -503,8 +504,8 @@
         </p:nvSpPr>
         <p:spPr>
           <a:xfrm>
-            <a:off x="5152680" y="3044160"/>
-            <a:ext cx="4426920" cy="1568160"/>
+            <a:off x="5152320" y="3044160"/>
+            <a:ext cx="4426560" cy="1568160"/>
           </a:xfrm>
           <a:prstGeom prst="rect">
             <a:avLst/>
@@ -541,7 +542,7 @@
             <a:spLocks noGrp="1"/>
           </p:cNvSpPr>
           <p:nvPr>
-            <p:ph type="ftr" idx="2"/>
+            <p:ph type="ftr" idx="1"/>
           </p:nvPr>
         </p:nvSpPr>
         <p:spPr/>
@@ -561,14 +562,14 @@
             <a:spLocks noGrp="1"/>
           </p:cNvSpPr>
           <p:nvPr>
-            <p:ph type="sldNum" idx="3"/>
-          </p:nvPr>
-        </p:nvSpPr>
-        <p:spPr/>
-        <p:txBody>
-          <a:bodyPr/>
-          <a:p>
-            <a:fld id="{DC9CB336-25B0-4741-8231-D60F4BE60AEF}" type="slidenum">
+            <p:ph type="sldNum" idx="2"/>
+          </p:nvPr>
+        </p:nvSpPr>
+        <p:spPr/>
+        <p:txBody>
+          <a:bodyPr/>
+          <a:p>
+            <a:fld id="{7C291C3D-E13E-4FA6-A029-498265CA03C9}" type="slidenum">
               <a:t>&lt;#&gt;</a:t>
             </a:fld>
           </a:p>
@@ -581,7 +582,7 @@
             <a:spLocks noGrp="1"/>
           </p:cNvSpPr>
           <p:nvPr>
-            <p:ph type="dt" idx="1"/>
+            <p:ph type="dt" idx="3"/>
           </p:nvPr>
         </p:nvSpPr>
         <p:spPr/>
@@ -630,7 +631,7 @@
         <p:spPr>
           <a:xfrm>
             <a:off x="504000" y="226080"/>
-            <a:ext cx="9071640" cy="946440"/>
+            <a:ext cx="9071280" cy="946080"/>
           </a:xfrm>
           <a:prstGeom prst="rect">
             <a:avLst/>
@@ -922,7 +923,7 @@
             <a:spLocks noGrp="1"/>
           </p:cNvSpPr>
           <p:nvPr>
-            <p:ph type="ftr" idx="2"/>
+            <p:ph type="ftr" idx="1"/>
           </p:nvPr>
         </p:nvSpPr>
         <p:spPr/>
@@ -942,14 +943,14 @@
             <a:spLocks noGrp="1"/>
           </p:cNvSpPr>
           <p:nvPr>
-            <p:ph type="sldNum" idx="3"/>
-          </p:nvPr>
-        </p:nvSpPr>
-        <p:spPr/>
-        <p:txBody>
-          <a:bodyPr/>
-          <a:p>
-            <a:fld id="{C8E80117-E28E-4C20-9919-B1E69A62C1BC}" type="slidenum">
+            <p:ph type="sldNum" idx="2"/>
+          </p:nvPr>
+        </p:nvSpPr>
+        <p:spPr/>
+        <p:txBody>
+          <a:bodyPr/>
+          <a:p>
+            <a:fld id="{99F0EDF2-BAB6-4A93-A656-0DE92C8E3499}" type="slidenum">
               <a:t>&lt;#&gt;</a:t>
             </a:fld>
           </a:p>
@@ -962,7 +963,1124 @@
             <a:spLocks noGrp="1"/>
           </p:cNvSpPr>
           <p:nvPr>
-            <p:ph type="dt" idx="1"/>
+            <p:ph type="dt" idx="3"/>
+          </p:nvPr>
+        </p:nvSpPr>
+        <p:spPr/>
+        <p:txBody>
+          <a:bodyPr/>
+          <a:p>
+            <a:r>
+              <a:rPr lang="it-IT"/>
+              <a:t/>
+            </a:r>
+          </a:p>
+        </p:txBody>
+      </p:sp>
+    </p:spTree>
+  </p:cSld>
+</p:sldLayout>
+</file>
+
+<file path=ppt/slideLayouts/slideLayout13.xml><?xml version="1.0" encoding="utf-8"?>
+<p:sldLayout xmlns:a="http://schemas.openxmlformats.org/drawingml/2006/main" xmlns:p="http://schemas.openxmlformats.org/presentationml/2006/main" xmlns:r="http://schemas.openxmlformats.org/officeDocument/2006/relationships" xmlns:p14="http://schemas.microsoft.com/office/powerpoint/2010/main" xmlns:p15="http://schemas.microsoft.com/office/powerpoint/2012/main" xmlns:mc="http://schemas.openxmlformats.org/markup-compatibility/2006" type="blank" preserve="1">
+  <p:cSld name="Blank Slide">
+    <p:spTree>
+      <p:nvGrpSpPr>
+        <p:cNvPr id="1" name=""/>
+        <p:cNvGrpSpPr/>
+        <p:nvPr/>
+      </p:nvGrpSpPr>
+      <p:grpSpPr>
+        <a:xfrm>
+          <a:off x="0" y="0"/>
+          <a:ext cx="0" cy="0"/>
+          <a:chOff x="0" y="0"/>
+          <a:chExt cx="0" cy="0"/>
+        </a:xfrm>
+      </p:grpSpPr>
+      <p:sp>
+        <p:nvSpPr>
+          <p:cNvPr id="2" name="PlaceHolder 1"/>
+          <p:cNvSpPr>
+            <a:spLocks noGrp="1"/>
+          </p:cNvSpPr>
+          <p:nvPr>
+            <p:ph type="ftr" idx="4"/>
+          </p:nvPr>
+        </p:nvSpPr>
+        <p:spPr/>
+        <p:txBody>
+          <a:bodyPr/>
+          <a:p>
+            <a:r>
+              <a:t>Footer</a:t>
+            </a:r>
+          </a:p>
+        </p:txBody>
+      </p:sp>
+      <p:sp>
+        <p:nvSpPr>
+          <p:cNvPr id="3" name="PlaceHolder 2"/>
+          <p:cNvSpPr>
+            <a:spLocks noGrp="1"/>
+          </p:cNvSpPr>
+          <p:nvPr>
+            <p:ph type="sldNum" idx="5"/>
+          </p:nvPr>
+        </p:nvSpPr>
+        <p:spPr/>
+        <p:txBody>
+          <a:bodyPr/>
+          <a:p>
+            <a:fld id="{A988DDE7-F051-4D1C-BF12-0978656EEEF3}" type="slidenum">
+              <a:t>&lt;#&gt;</a:t>
+            </a:fld>
+          </a:p>
+        </p:txBody>
+      </p:sp>
+      <p:sp>
+        <p:nvSpPr>
+          <p:cNvPr id="4" name="PlaceHolder 3"/>
+          <p:cNvSpPr>
+            <a:spLocks noGrp="1"/>
+          </p:cNvSpPr>
+          <p:nvPr>
+            <p:ph type="dt" idx="6"/>
+          </p:nvPr>
+        </p:nvSpPr>
+        <p:spPr/>
+        <p:txBody>
+          <a:bodyPr/>
+          <a:p>
+            <a:r>
+              <a:rPr lang="it-IT"/>
+              <a:t/>
+            </a:r>
+          </a:p>
+        </p:txBody>
+      </p:sp>
+    </p:spTree>
+  </p:cSld>
+</p:sldLayout>
+</file>
+
+<file path=ppt/slideLayouts/slideLayout14.xml><?xml version="1.0" encoding="utf-8"?>
+<p:sldLayout xmlns:a="http://schemas.openxmlformats.org/drawingml/2006/main" xmlns:p="http://schemas.openxmlformats.org/presentationml/2006/main" xmlns:r="http://schemas.openxmlformats.org/officeDocument/2006/relationships" xmlns:p14="http://schemas.microsoft.com/office/powerpoint/2010/main" xmlns:p15="http://schemas.microsoft.com/office/powerpoint/2012/main" xmlns:mc="http://schemas.openxmlformats.org/markup-compatibility/2006" type="tx" preserve="1">
+  <p:cSld name="Title Slide">
+    <p:spTree>
+      <p:nvGrpSpPr>
+        <p:cNvPr id="1" name=""/>
+        <p:cNvGrpSpPr/>
+        <p:nvPr/>
+      </p:nvGrpSpPr>
+      <p:grpSpPr>
+        <a:xfrm>
+          <a:off x="0" y="0"/>
+          <a:ext cx="0" cy="0"/>
+          <a:chOff x="0" y="0"/>
+          <a:chExt cx="0" cy="0"/>
+        </a:xfrm>
+      </p:grpSpPr>
+      <p:sp>
+        <p:nvSpPr>
+          <p:cNvPr id="46" name="PlaceHolder 1"/>
+          <p:cNvSpPr>
+            <a:spLocks noGrp="1"/>
+          </p:cNvSpPr>
+          <p:nvPr>
+            <p:ph type="title"/>
+          </p:nvPr>
+        </p:nvSpPr>
+        <p:spPr>
+          <a:xfrm>
+            <a:off x="504000" y="226080"/>
+            <a:ext cx="9071280" cy="946080"/>
+          </a:xfrm>
+          <a:prstGeom prst="rect">
+            <a:avLst/>
+          </a:prstGeom>
+          <a:noFill/>
+          <a:ln w="0">
+            <a:noFill/>
+          </a:ln>
+        </p:spPr>
+        <p:txBody>
+          <a:bodyPr lIns="0" rIns="0" tIns="0" bIns="0" anchor="ctr">
+            <a:noAutofit/>
+          </a:bodyPr>
+          <a:p>
+            <a:pPr indent="0" algn="ctr">
+              <a:buNone/>
+            </a:pPr>
+            <a:endParaRPr b="0" lang="it-IT" sz="4400" spc="-1" strike="noStrike">
+              <a:solidFill>
+                <a:srgbClr val="000000"/>
+              </a:solidFill>
+              <a:latin typeface="Arial"/>
+            </a:endParaRPr>
+          </a:p>
+        </p:txBody>
+      </p:sp>
+      <p:sp>
+        <p:nvSpPr>
+          <p:cNvPr id="47" name="PlaceHolder 2"/>
+          <p:cNvSpPr>
+            <a:spLocks noGrp="1"/>
+          </p:cNvSpPr>
+          <p:nvPr>
+            <p:ph type="subTitle"/>
+          </p:nvPr>
+        </p:nvSpPr>
+        <p:spPr>
+          <a:xfrm>
+            <a:off x="504000" y="1326600"/>
+            <a:ext cx="9071280" cy="3287880"/>
+          </a:xfrm>
+          <a:prstGeom prst="rect">
+            <a:avLst/>
+          </a:prstGeom>
+          <a:noFill/>
+          <a:ln w="0">
+            <a:noFill/>
+          </a:ln>
+        </p:spPr>
+        <p:txBody>
+          <a:bodyPr lIns="0" rIns="0" tIns="0" bIns="0" anchor="ctr">
+            <a:noAutofit/>
+          </a:bodyPr>
+          <a:p>
+            <a:pPr indent="0" algn="ctr">
+              <a:buNone/>
+            </a:pPr>
+            <a:endParaRPr b="0" lang="it-IT" sz="3200" spc="-1" strike="noStrike">
+              <a:solidFill>
+                <a:srgbClr val="000000"/>
+              </a:solidFill>
+              <a:latin typeface="Arial"/>
+            </a:endParaRPr>
+          </a:p>
+        </p:txBody>
+      </p:sp>
+      <p:sp>
+        <p:nvSpPr>
+          <p:cNvPr id="4" name="PlaceHolder 3"/>
+          <p:cNvSpPr>
+            <a:spLocks noGrp="1"/>
+          </p:cNvSpPr>
+          <p:nvPr>
+            <p:ph type="ftr" idx="4"/>
+          </p:nvPr>
+        </p:nvSpPr>
+        <p:spPr/>
+        <p:txBody>
+          <a:bodyPr/>
+          <a:p>
+            <a:r>
+              <a:t>Footer</a:t>
+            </a:r>
+          </a:p>
+        </p:txBody>
+      </p:sp>
+      <p:sp>
+        <p:nvSpPr>
+          <p:cNvPr id="5" name="PlaceHolder 4"/>
+          <p:cNvSpPr>
+            <a:spLocks noGrp="1"/>
+          </p:cNvSpPr>
+          <p:nvPr>
+            <p:ph type="sldNum" idx="5"/>
+          </p:nvPr>
+        </p:nvSpPr>
+        <p:spPr/>
+        <p:txBody>
+          <a:bodyPr/>
+          <a:p>
+            <a:fld id="{525F5BE6-DF6F-4614-8BA8-224DA7795250}" type="slidenum">
+              <a:t>&lt;#&gt;</a:t>
+            </a:fld>
+          </a:p>
+        </p:txBody>
+      </p:sp>
+      <p:sp>
+        <p:nvSpPr>
+          <p:cNvPr id="6" name="PlaceHolder 5"/>
+          <p:cNvSpPr>
+            <a:spLocks noGrp="1"/>
+          </p:cNvSpPr>
+          <p:nvPr>
+            <p:ph type="dt" idx="6"/>
+          </p:nvPr>
+        </p:nvSpPr>
+        <p:spPr/>
+        <p:txBody>
+          <a:bodyPr/>
+          <a:p>
+            <a:r>
+              <a:rPr lang="it-IT"/>
+              <a:t/>
+            </a:r>
+          </a:p>
+        </p:txBody>
+      </p:sp>
+    </p:spTree>
+  </p:cSld>
+</p:sldLayout>
+</file>
+
+<file path=ppt/slideLayouts/slideLayout15.xml><?xml version="1.0" encoding="utf-8"?>
+<p:sldLayout xmlns:a="http://schemas.openxmlformats.org/drawingml/2006/main" xmlns:p="http://schemas.openxmlformats.org/presentationml/2006/main" xmlns:r="http://schemas.openxmlformats.org/officeDocument/2006/relationships" xmlns:p14="http://schemas.microsoft.com/office/powerpoint/2010/main" xmlns:p15="http://schemas.microsoft.com/office/powerpoint/2012/main" xmlns:mc="http://schemas.openxmlformats.org/markup-compatibility/2006" type="obj" preserve="1">
+  <p:cSld name="Title, Content">
+    <p:spTree>
+      <p:nvGrpSpPr>
+        <p:cNvPr id="1" name=""/>
+        <p:cNvGrpSpPr/>
+        <p:nvPr/>
+      </p:nvGrpSpPr>
+      <p:grpSpPr>
+        <a:xfrm>
+          <a:off x="0" y="0"/>
+          <a:ext cx="0" cy="0"/>
+          <a:chOff x="0" y="0"/>
+          <a:chExt cx="0" cy="0"/>
+        </a:xfrm>
+      </p:grpSpPr>
+      <p:sp>
+        <p:nvSpPr>
+          <p:cNvPr id="48" name="PlaceHolder 1"/>
+          <p:cNvSpPr>
+            <a:spLocks noGrp="1"/>
+          </p:cNvSpPr>
+          <p:nvPr>
+            <p:ph type="title"/>
+          </p:nvPr>
+        </p:nvSpPr>
+        <p:spPr>
+          <a:xfrm>
+            <a:off x="504000" y="226080"/>
+            <a:ext cx="9071280" cy="946080"/>
+          </a:xfrm>
+          <a:prstGeom prst="rect">
+            <a:avLst/>
+          </a:prstGeom>
+          <a:noFill/>
+          <a:ln w="0">
+            <a:noFill/>
+          </a:ln>
+        </p:spPr>
+        <p:txBody>
+          <a:bodyPr lIns="0" rIns="0" tIns="0" bIns="0" anchor="ctr">
+            <a:noAutofit/>
+          </a:bodyPr>
+          <a:p>
+            <a:pPr indent="0" algn="ctr">
+              <a:buNone/>
+            </a:pPr>
+            <a:endParaRPr b="0" lang="it-IT" sz="4400" spc="-1" strike="noStrike">
+              <a:solidFill>
+                <a:srgbClr val="000000"/>
+              </a:solidFill>
+              <a:latin typeface="Arial"/>
+            </a:endParaRPr>
+          </a:p>
+        </p:txBody>
+      </p:sp>
+      <p:sp>
+        <p:nvSpPr>
+          <p:cNvPr id="49" name="PlaceHolder 2"/>
+          <p:cNvSpPr>
+            <a:spLocks noGrp="1"/>
+          </p:cNvSpPr>
+          <p:nvPr>
+            <p:ph/>
+          </p:nvPr>
+        </p:nvSpPr>
+        <p:spPr>
+          <a:xfrm>
+            <a:off x="504000" y="1326600"/>
+            <a:ext cx="9071280" cy="3287880"/>
+          </a:xfrm>
+          <a:prstGeom prst="rect">
+            <a:avLst/>
+          </a:prstGeom>
+          <a:noFill/>
+          <a:ln w="0">
+            <a:noFill/>
+          </a:ln>
+        </p:spPr>
+        <p:txBody>
+          <a:bodyPr lIns="0" rIns="0" tIns="0" bIns="0" anchor="t">
+            <a:normAutofit/>
+          </a:bodyPr>
+          <a:p>
+            <a:pPr indent="0">
+              <a:spcBef>
+                <a:spcPts val="1417"/>
+              </a:spcBef>
+              <a:buNone/>
+            </a:pPr>
+            <a:endParaRPr b="0" lang="it-IT" sz="3200" spc="-1" strike="noStrike">
+              <a:solidFill>
+                <a:srgbClr val="000000"/>
+              </a:solidFill>
+              <a:latin typeface="Arial"/>
+            </a:endParaRPr>
+          </a:p>
+        </p:txBody>
+      </p:sp>
+      <p:sp>
+        <p:nvSpPr>
+          <p:cNvPr id="4" name="PlaceHolder 3"/>
+          <p:cNvSpPr>
+            <a:spLocks noGrp="1"/>
+          </p:cNvSpPr>
+          <p:nvPr>
+            <p:ph type="ftr" idx="4"/>
+          </p:nvPr>
+        </p:nvSpPr>
+        <p:spPr/>
+        <p:txBody>
+          <a:bodyPr/>
+          <a:p>
+            <a:r>
+              <a:t>Footer</a:t>
+            </a:r>
+          </a:p>
+        </p:txBody>
+      </p:sp>
+      <p:sp>
+        <p:nvSpPr>
+          <p:cNvPr id="5" name="PlaceHolder 4"/>
+          <p:cNvSpPr>
+            <a:spLocks noGrp="1"/>
+          </p:cNvSpPr>
+          <p:nvPr>
+            <p:ph type="sldNum" idx="5"/>
+          </p:nvPr>
+        </p:nvSpPr>
+        <p:spPr/>
+        <p:txBody>
+          <a:bodyPr/>
+          <a:p>
+            <a:fld id="{FA86C367-2F6C-4887-80FE-FC5A4E67D942}" type="slidenum">
+              <a:t>&lt;#&gt;</a:t>
+            </a:fld>
+          </a:p>
+        </p:txBody>
+      </p:sp>
+      <p:sp>
+        <p:nvSpPr>
+          <p:cNvPr id="6" name="PlaceHolder 5"/>
+          <p:cNvSpPr>
+            <a:spLocks noGrp="1"/>
+          </p:cNvSpPr>
+          <p:nvPr>
+            <p:ph type="dt" idx="6"/>
+          </p:nvPr>
+        </p:nvSpPr>
+        <p:spPr/>
+        <p:txBody>
+          <a:bodyPr/>
+          <a:p>
+            <a:r>
+              <a:rPr lang="it-IT"/>
+              <a:t/>
+            </a:r>
+          </a:p>
+        </p:txBody>
+      </p:sp>
+    </p:spTree>
+  </p:cSld>
+</p:sldLayout>
+</file>
+
+<file path=ppt/slideLayouts/slideLayout16.xml><?xml version="1.0" encoding="utf-8"?>
+<p:sldLayout xmlns:a="http://schemas.openxmlformats.org/drawingml/2006/main" xmlns:p="http://schemas.openxmlformats.org/presentationml/2006/main" xmlns:r="http://schemas.openxmlformats.org/officeDocument/2006/relationships" xmlns:p14="http://schemas.microsoft.com/office/powerpoint/2010/main" xmlns:p15="http://schemas.microsoft.com/office/powerpoint/2012/main" xmlns:mc="http://schemas.openxmlformats.org/markup-compatibility/2006" type="twoObj" preserve="1">
+  <p:cSld name="Title, 2 Content">
+    <p:spTree>
+      <p:nvGrpSpPr>
+        <p:cNvPr id="1" name=""/>
+        <p:cNvGrpSpPr/>
+        <p:nvPr/>
+      </p:nvGrpSpPr>
+      <p:grpSpPr>
+        <a:xfrm>
+          <a:off x="0" y="0"/>
+          <a:ext cx="0" cy="0"/>
+          <a:chOff x="0" y="0"/>
+          <a:chExt cx="0" cy="0"/>
+        </a:xfrm>
+      </p:grpSpPr>
+      <p:sp>
+        <p:nvSpPr>
+          <p:cNvPr id="50" name="PlaceHolder 1"/>
+          <p:cNvSpPr>
+            <a:spLocks noGrp="1"/>
+          </p:cNvSpPr>
+          <p:nvPr>
+            <p:ph type="title"/>
+          </p:nvPr>
+        </p:nvSpPr>
+        <p:spPr>
+          <a:xfrm>
+            <a:off x="504000" y="226080"/>
+            <a:ext cx="9071280" cy="946080"/>
+          </a:xfrm>
+          <a:prstGeom prst="rect">
+            <a:avLst/>
+          </a:prstGeom>
+          <a:noFill/>
+          <a:ln w="0">
+            <a:noFill/>
+          </a:ln>
+        </p:spPr>
+        <p:txBody>
+          <a:bodyPr lIns="0" rIns="0" tIns="0" bIns="0" anchor="ctr">
+            <a:noAutofit/>
+          </a:bodyPr>
+          <a:p>
+            <a:pPr indent="0" algn="ctr">
+              <a:buNone/>
+            </a:pPr>
+            <a:endParaRPr b="0" lang="it-IT" sz="4400" spc="-1" strike="noStrike">
+              <a:solidFill>
+                <a:srgbClr val="000000"/>
+              </a:solidFill>
+              <a:latin typeface="Arial"/>
+            </a:endParaRPr>
+          </a:p>
+        </p:txBody>
+      </p:sp>
+      <p:sp>
+        <p:nvSpPr>
+          <p:cNvPr id="51" name="PlaceHolder 2"/>
+          <p:cNvSpPr>
+            <a:spLocks noGrp="1"/>
+          </p:cNvSpPr>
+          <p:nvPr>
+            <p:ph/>
+          </p:nvPr>
+        </p:nvSpPr>
+        <p:spPr>
+          <a:xfrm>
+            <a:off x="504000" y="1326600"/>
+            <a:ext cx="4426560" cy="3287880"/>
+          </a:xfrm>
+          <a:prstGeom prst="rect">
+            <a:avLst/>
+          </a:prstGeom>
+          <a:noFill/>
+          <a:ln w="0">
+            <a:noFill/>
+          </a:ln>
+        </p:spPr>
+        <p:txBody>
+          <a:bodyPr lIns="0" rIns="0" tIns="0" bIns="0" anchor="t">
+            <a:normAutofit/>
+          </a:bodyPr>
+          <a:p>
+            <a:pPr indent="0">
+              <a:spcBef>
+                <a:spcPts val="1417"/>
+              </a:spcBef>
+              <a:buNone/>
+            </a:pPr>
+            <a:endParaRPr b="0" lang="it-IT" sz="3200" spc="-1" strike="noStrike">
+              <a:solidFill>
+                <a:srgbClr val="000000"/>
+              </a:solidFill>
+              <a:latin typeface="Arial"/>
+            </a:endParaRPr>
+          </a:p>
+        </p:txBody>
+      </p:sp>
+      <p:sp>
+        <p:nvSpPr>
+          <p:cNvPr id="52" name="PlaceHolder 3"/>
+          <p:cNvSpPr>
+            <a:spLocks noGrp="1"/>
+          </p:cNvSpPr>
+          <p:nvPr>
+            <p:ph/>
+          </p:nvPr>
+        </p:nvSpPr>
+        <p:spPr>
+          <a:xfrm>
+            <a:off x="5152320" y="1326600"/>
+            <a:ext cx="4426560" cy="3287880"/>
+          </a:xfrm>
+          <a:prstGeom prst="rect">
+            <a:avLst/>
+          </a:prstGeom>
+          <a:noFill/>
+          <a:ln w="0">
+            <a:noFill/>
+          </a:ln>
+        </p:spPr>
+        <p:txBody>
+          <a:bodyPr lIns="0" rIns="0" tIns="0" bIns="0" anchor="t">
+            <a:normAutofit/>
+          </a:bodyPr>
+          <a:p>
+            <a:pPr indent="0">
+              <a:spcBef>
+                <a:spcPts val="1417"/>
+              </a:spcBef>
+              <a:buNone/>
+            </a:pPr>
+            <a:endParaRPr b="0" lang="it-IT" sz="3200" spc="-1" strike="noStrike">
+              <a:solidFill>
+                <a:srgbClr val="000000"/>
+              </a:solidFill>
+              <a:latin typeface="Arial"/>
+            </a:endParaRPr>
+          </a:p>
+        </p:txBody>
+      </p:sp>
+      <p:sp>
+        <p:nvSpPr>
+          <p:cNvPr id="5" name="PlaceHolder 4"/>
+          <p:cNvSpPr>
+            <a:spLocks noGrp="1"/>
+          </p:cNvSpPr>
+          <p:nvPr>
+            <p:ph type="ftr" idx="4"/>
+          </p:nvPr>
+        </p:nvSpPr>
+        <p:spPr/>
+        <p:txBody>
+          <a:bodyPr/>
+          <a:p>
+            <a:r>
+              <a:t>Footer</a:t>
+            </a:r>
+          </a:p>
+        </p:txBody>
+      </p:sp>
+      <p:sp>
+        <p:nvSpPr>
+          <p:cNvPr id="6" name="PlaceHolder 5"/>
+          <p:cNvSpPr>
+            <a:spLocks noGrp="1"/>
+          </p:cNvSpPr>
+          <p:nvPr>
+            <p:ph type="sldNum" idx="5"/>
+          </p:nvPr>
+        </p:nvSpPr>
+        <p:spPr/>
+        <p:txBody>
+          <a:bodyPr/>
+          <a:p>
+            <a:fld id="{B6F421C1-B331-499F-A7EB-112B1A1ABA0B}" type="slidenum">
+              <a:t>&lt;#&gt;</a:t>
+            </a:fld>
+          </a:p>
+        </p:txBody>
+      </p:sp>
+      <p:sp>
+        <p:nvSpPr>
+          <p:cNvPr id="7" name="PlaceHolder 6"/>
+          <p:cNvSpPr>
+            <a:spLocks noGrp="1"/>
+          </p:cNvSpPr>
+          <p:nvPr>
+            <p:ph type="dt" idx="6"/>
+          </p:nvPr>
+        </p:nvSpPr>
+        <p:spPr/>
+        <p:txBody>
+          <a:bodyPr/>
+          <a:p>
+            <a:r>
+              <a:rPr lang="it-IT"/>
+              <a:t/>
+            </a:r>
+          </a:p>
+        </p:txBody>
+      </p:sp>
+    </p:spTree>
+  </p:cSld>
+</p:sldLayout>
+</file>
+
+<file path=ppt/slideLayouts/slideLayout17.xml><?xml version="1.0" encoding="utf-8"?>
+<p:sldLayout xmlns:a="http://schemas.openxmlformats.org/drawingml/2006/main" xmlns:p="http://schemas.openxmlformats.org/presentationml/2006/main" xmlns:r="http://schemas.openxmlformats.org/officeDocument/2006/relationships" xmlns:p14="http://schemas.microsoft.com/office/powerpoint/2010/main" xmlns:p15="http://schemas.microsoft.com/office/powerpoint/2012/main" xmlns:mc="http://schemas.openxmlformats.org/markup-compatibility/2006" type="titleOnly" preserve="1">
+  <p:cSld name="Title Only">
+    <p:spTree>
+      <p:nvGrpSpPr>
+        <p:cNvPr id="1" name=""/>
+        <p:cNvGrpSpPr/>
+        <p:nvPr/>
+      </p:nvGrpSpPr>
+      <p:grpSpPr>
+        <a:xfrm>
+          <a:off x="0" y="0"/>
+          <a:ext cx="0" cy="0"/>
+          <a:chOff x="0" y="0"/>
+          <a:chExt cx="0" cy="0"/>
+        </a:xfrm>
+      </p:grpSpPr>
+      <p:sp>
+        <p:nvSpPr>
+          <p:cNvPr id="53" name="PlaceHolder 1"/>
+          <p:cNvSpPr>
+            <a:spLocks noGrp="1"/>
+          </p:cNvSpPr>
+          <p:nvPr>
+            <p:ph type="title"/>
+          </p:nvPr>
+        </p:nvSpPr>
+        <p:spPr>
+          <a:xfrm>
+            <a:off x="504000" y="226080"/>
+            <a:ext cx="9071280" cy="946080"/>
+          </a:xfrm>
+          <a:prstGeom prst="rect">
+            <a:avLst/>
+          </a:prstGeom>
+          <a:noFill/>
+          <a:ln w="0">
+            <a:noFill/>
+          </a:ln>
+        </p:spPr>
+        <p:txBody>
+          <a:bodyPr lIns="0" rIns="0" tIns="0" bIns="0" anchor="ctr">
+            <a:noAutofit/>
+          </a:bodyPr>
+          <a:p>
+            <a:pPr indent="0" algn="ctr">
+              <a:buNone/>
+            </a:pPr>
+            <a:endParaRPr b="0" lang="it-IT" sz="4400" spc="-1" strike="noStrike">
+              <a:solidFill>
+                <a:srgbClr val="000000"/>
+              </a:solidFill>
+              <a:latin typeface="Arial"/>
+            </a:endParaRPr>
+          </a:p>
+        </p:txBody>
+      </p:sp>
+      <p:sp>
+        <p:nvSpPr>
+          <p:cNvPr id="3" name="PlaceHolder 2"/>
+          <p:cNvSpPr>
+            <a:spLocks noGrp="1"/>
+          </p:cNvSpPr>
+          <p:nvPr>
+            <p:ph type="ftr" idx="4"/>
+          </p:nvPr>
+        </p:nvSpPr>
+        <p:spPr/>
+        <p:txBody>
+          <a:bodyPr/>
+          <a:p>
+            <a:r>
+              <a:t>Footer</a:t>
+            </a:r>
+          </a:p>
+        </p:txBody>
+      </p:sp>
+      <p:sp>
+        <p:nvSpPr>
+          <p:cNvPr id="4" name="PlaceHolder 3"/>
+          <p:cNvSpPr>
+            <a:spLocks noGrp="1"/>
+          </p:cNvSpPr>
+          <p:nvPr>
+            <p:ph type="sldNum" idx="5"/>
+          </p:nvPr>
+        </p:nvSpPr>
+        <p:spPr/>
+        <p:txBody>
+          <a:bodyPr/>
+          <a:p>
+            <a:fld id="{30E854A0-8473-4FF7-AFD9-33C8222E74A2}" type="slidenum">
+              <a:t>&lt;#&gt;</a:t>
+            </a:fld>
+          </a:p>
+        </p:txBody>
+      </p:sp>
+      <p:sp>
+        <p:nvSpPr>
+          <p:cNvPr id="5" name="PlaceHolder 4"/>
+          <p:cNvSpPr>
+            <a:spLocks noGrp="1"/>
+          </p:cNvSpPr>
+          <p:nvPr>
+            <p:ph type="dt" idx="6"/>
+          </p:nvPr>
+        </p:nvSpPr>
+        <p:spPr/>
+        <p:txBody>
+          <a:bodyPr/>
+          <a:p>
+            <a:r>
+              <a:rPr lang="it-IT"/>
+              <a:t/>
+            </a:r>
+          </a:p>
+        </p:txBody>
+      </p:sp>
+    </p:spTree>
+  </p:cSld>
+</p:sldLayout>
+</file>
+
+<file path=ppt/slideLayouts/slideLayout18.xml><?xml version="1.0" encoding="utf-8"?>
+<p:sldLayout xmlns:a="http://schemas.openxmlformats.org/drawingml/2006/main" xmlns:p="http://schemas.openxmlformats.org/presentationml/2006/main" xmlns:r="http://schemas.openxmlformats.org/officeDocument/2006/relationships" xmlns:p14="http://schemas.microsoft.com/office/powerpoint/2010/main" xmlns:p15="http://schemas.microsoft.com/office/powerpoint/2012/main" xmlns:mc="http://schemas.openxmlformats.org/markup-compatibility/2006" type="objOnly" preserve="1">
+  <p:cSld name="Centered Text">
+    <p:spTree>
+      <p:nvGrpSpPr>
+        <p:cNvPr id="1" name=""/>
+        <p:cNvGrpSpPr/>
+        <p:nvPr/>
+      </p:nvGrpSpPr>
+      <p:grpSpPr>
+        <a:xfrm>
+          <a:off x="0" y="0"/>
+          <a:ext cx="0" cy="0"/>
+          <a:chOff x="0" y="0"/>
+          <a:chExt cx="0" cy="0"/>
+        </a:xfrm>
+      </p:grpSpPr>
+      <p:sp>
+        <p:nvSpPr>
+          <p:cNvPr id="54" name="PlaceHolder 1"/>
+          <p:cNvSpPr>
+            <a:spLocks noGrp="1"/>
+          </p:cNvSpPr>
+          <p:nvPr>
+            <p:ph type="subTitle"/>
+          </p:nvPr>
+        </p:nvSpPr>
+        <p:spPr>
+          <a:xfrm>
+            <a:off x="504000" y="226080"/>
+            <a:ext cx="9071280" cy="4386600"/>
+          </a:xfrm>
+          <a:prstGeom prst="rect">
+            <a:avLst/>
+          </a:prstGeom>
+          <a:noFill/>
+          <a:ln w="0">
+            <a:noFill/>
+          </a:ln>
+        </p:spPr>
+        <p:txBody>
+          <a:bodyPr lIns="0" rIns="0" tIns="0" bIns="0" anchor="ctr">
+            <a:noAutofit/>
+          </a:bodyPr>
+          <a:p>
+            <a:pPr algn="ctr"/>
+            <a:endParaRPr b="0" lang="it-IT" sz="3200" spc="-1" strike="noStrike">
+              <a:solidFill>
+                <a:srgbClr val="000000"/>
+              </a:solidFill>
+              <a:latin typeface="Arial"/>
+            </a:endParaRPr>
+          </a:p>
+        </p:txBody>
+      </p:sp>
+      <p:sp>
+        <p:nvSpPr>
+          <p:cNvPr id="3" name="PlaceHolder 2"/>
+          <p:cNvSpPr>
+            <a:spLocks noGrp="1"/>
+          </p:cNvSpPr>
+          <p:nvPr>
+            <p:ph type="ftr" idx="4"/>
+          </p:nvPr>
+        </p:nvSpPr>
+        <p:spPr/>
+        <p:txBody>
+          <a:bodyPr/>
+          <a:p>
+            <a:r>
+              <a:t>Footer</a:t>
+            </a:r>
+          </a:p>
+        </p:txBody>
+      </p:sp>
+      <p:sp>
+        <p:nvSpPr>
+          <p:cNvPr id="4" name="PlaceHolder 3"/>
+          <p:cNvSpPr>
+            <a:spLocks noGrp="1"/>
+          </p:cNvSpPr>
+          <p:nvPr>
+            <p:ph type="sldNum" idx="5"/>
+          </p:nvPr>
+        </p:nvSpPr>
+        <p:spPr/>
+        <p:txBody>
+          <a:bodyPr/>
+          <a:p>
+            <a:fld id="{790E96CD-114C-45F3-A12B-5DCEFEC6D80A}" type="slidenum">
+              <a:t>&lt;#&gt;</a:t>
+            </a:fld>
+          </a:p>
+        </p:txBody>
+      </p:sp>
+      <p:sp>
+        <p:nvSpPr>
+          <p:cNvPr id="5" name="PlaceHolder 4"/>
+          <p:cNvSpPr>
+            <a:spLocks noGrp="1"/>
+          </p:cNvSpPr>
+          <p:nvPr>
+            <p:ph type="dt" idx="6"/>
+          </p:nvPr>
+        </p:nvSpPr>
+        <p:spPr/>
+        <p:txBody>
+          <a:bodyPr/>
+          <a:p>
+            <a:r>
+              <a:rPr lang="it-IT"/>
+              <a:t/>
+            </a:r>
+          </a:p>
+        </p:txBody>
+      </p:sp>
+    </p:spTree>
+  </p:cSld>
+</p:sldLayout>
+</file>
+
+<file path=ppt/slideLayouts/slideLayout19.xml><?xml version="1.0" encoding="utf-8"?>
+<p:sldLayout xmlns:a="http://schemas.openxmlformats.org/drawingml/2006/main" xmlns:p="http://schemas.openxmlformats.org/presentationml/2006/main" xmlns:r="http://schemas.openxmlformats.org/officeDocument/2006/relationships" xmlns:p14="http://schemas.microsoft.com/office/powerpoint/2010/main" xmlns:p15="http://schemas.microsoft.com/office/powerpoint/2012/main" xmlns:mc="http://schemas.openxmlformats.org/markup-compatibility/2006" type="twoObjAndObj" preserve="1">
+  <p:cSld name="Title, 2 Content and Content">
+    <p:spTree>
+      <p:nvGrpSpPr>
+        <p:cNvPr id="1" name=""/>
+        <p:cNvGrpSpPr/>
+        <p:nvPr/>
+      </p:nvGrpSpPr>
+      <p:grpSpPr>
+        <a:xfrm>
+          <a:off x="0" y="0"/>
+          <a:ext cx="0" cy="0"/>
+          <a:chOff x="0" y="0"/>
+          <a:chExt cx="0" cy="0"/>
+        </a:xfrm>
+      </p:grpSpPr>
+      <p:sp>
+        <p:nvSpPr>
+          <p:cNvPr id="55" name="PlaceHolder 1"/>
+          <p:cNvSpPr>
+            <a:spLocks noGrp="1"/>
+          </p:cNvSpPr>
+          <p:nvPr>
+            <p:ph type="title"/>
+          </p:nvPr>
+        </p:nvSpPr>
+        <p:spPr>
+          <a:xfrm>
+            <a:off x="504000" y="226080"/>
+            <a:ext cx="9071280" cy="946080"/>
+          </a:xfrm>
+          <a:prstGeom prst="rect">
+            <a:avLst/>
+          </a:prstGeom>
+          <a:noFill/>
+          <a:ln w="0">
+            <a:noFill/>
+          </a:ln>
+        </p:spPr>
+        <p:txBody>
+          <a:bodyPr lIns="0" rIns="0" tIns="0" bIns="0" anchor="ctr">
+            <a:noAutofit/>
+          </a:bodyPr>
+          <a:p>
+            <a:pPr indent="0" algn="ctr">
+              <a:buNone/>
+            </a:pPr>
+            <a:endParaRPr b="0" lang="it-IT" sz="4400" spc="-1" strike="noStrike">
+              <a:solidFill>
+                <a:srgbClr val="000000"/>
+              </a:solidFill>
+              <a:latin typeface="Arial"/>
+            </a:endParaRPr>
+          </a:p>
+        </p:txBody>
+      </p:sp>
+      <p:sp>
+        <p:nvSpPr>
+          <p:cNvPr id="56" name="PlaceHolder 2"/>
+          <p:cNvSpPr>
+            <a:spLocks noGrp="1"/>
+          </p:cNvSpPr>
+          <p:nvPr>
+            <p:ph/>
+          </p:nvPr>
+        </p:nvSpPr>
+        <p:spPr>
+          <a:xfrm>
+            <a:off x="504000" y="1326600"/>
+            <a:ext cx="4426560" cy="1568160"/>
+          </a:xfrm>
+          <a:prstGeom prst="rect">
+            <a:avLst/>
+          </a:prstGeom>
+          <a:noFill/>
+          <a:ln w="0">
+            <a:noFill/>
+          </a:ln>
+        </p:spPr>
+        <p:txBody>
+          <a:bodyPr lIns="0" rIns="0" tIns="0" bIns="0" anchor="t">
+            <a:normAutofit/>
+          </a:bodyPr>
+          <a:p>
+            <a:pPr indent="0">
+              <a:spcBef>
+                <a:spcPts val="1417"/>
+              </a:spcBef>
+              <a:buNone/>
+            </a:pPr>
+            <a:endParaRPr b="0" lang="it-IT" sz="3200" spc="-1" strike="noStrike">
+              <a:solidFill>
+                <a:srgbClr val="000000"/>
+              </a:solidFill>
+              <a:latin typeface="Arial"/>
+            </a:endParaRPr>
+          </a:p>
+        </p:txBody>
+      </p:sp>
+      <p:sp>
+        <p:nvSpPr>
+          <p:cNvPr id="57" name="PlaceHolder 3"/>
+          <p:cNvSpPr>
+            <a:spLocks noGrp="1"/>
+          </p:cNvSpPr>
+          <p:nvPr>
+            <p:ph/>
+          </p:nvPr>
+        </p:nvSpPr>
+        <p:spPr>
+          <a:xfrm>
+            <a:off x="5152320" y="1326600"/>
+            <a:ext cx="4426560" cy="3287880"/>
+          </a:xfrm>
+          <a:prstGeom prst="rect">
+            <a:avLst/>
+          </a:prstGeom>
+          <a:noFill/>
+          <a:ln w="0">
+            <a:noFill/>
+          </a:ln>
+        </p:spPr>
+        <p:txBody>
+          <a:bodyPr lIns="0" rIns="0" tIns="0" bIns="0" anchor="t">
+            <a:normAutofit/>
+          </a:bodyPr>
+          <a:p>
+            <a:pPr indent="0">
+              <a:spcBef>
+                <a:spcPts val="1417"/>
+              </a:spcBef>
+              <a:buNone/>
+            </a:pPr>
+            <a:endParaRPr b="0" lang="it-IT" sz="3200" spc="-1" strike="noStrike">
+              <a:solidFill>
+                <a:srgbClr val="000000"/>
+              </a:solidFill>
+              <a:latin typeface="Arial"/>
+            </a:endParaRPr>
+          </a:p>
+        </p:txBody>
+      </p:sp>
+      <p:sp>
+        <p:nvSpPr>
+          <p:cNvPr id="58" name="PlaceHolder 4"/>
+          <p:cNvSpPr>
+            <a:spLocks noGrp="1"/>
+          </p:cNvSpPr>
+          <p:nvPr>
+            <p:ph/>
+          </p:nvPr>
+        </p:nvSpPr>
+        <p:spPr>
+          <a:xfrm>
+            <a:off x="504000" y="3044160"/>
+            <a:ext cx="4426560" cy="1568160"/>
+          </a:xfrm>
+          <a:prstGeom prst="rect">
+            <a:avLst/>
+          </a:prstGeom>
+          <a:noFill/>
+          <a:ln w="0">
+            <a:noFill/>
+          </a:ln>
+        </p:spPr>
+        <p:txBody>
+          <a:bodyPr lIns="0" rIns="0" tIns="0" bIns="0" anchor="t">
+            <a:normAutofit/>
+          </a:bodyPr>
+          <a:p>
+            <a:pPr indent="0">
+              <a:spcBef>
+                <a:spcPts val="1417"/>
+              </a:spcBef>
+              <a:buNone/>
+            </a:pPr>
+            <a:endParaRPr b="0" lang="it-IT" sz="3200" spc="-1" strike="noStrike">
+              <a:solidFill>
+                <a:srgbClr val="000000"/>
+              </a:solidFill>
+              <a:latin typeface="Arial"/>
+            </a:endParaRPr>
+          </a:p>
+        </p:txBody>
+      </p:sp>
+      <p:sp>
+        <p:nvSpPr>
+          <p:cNvPr id="6" name="PlaceHolder 5"/>
+          <p:cNvSpPr>
+            <a:spLocks noGrp="1"/>
+          </p:cNvSpPr>
+          <p:nvPr>
+            <p:ph type="ftr" idx="4"/>
+          </p:nvPr>
+        </p:nvSpPr>
+        <p:spPr/>
+        <p:txBody>
+          <a:bodyPr/>
+          <a:p>
+            <a:r>
+              <a:t>Footer</a:t>
+            </a:r>
+          </a:p>
+        </p:txBody>
+      </p:sp>
+      <p:sp>
+        <p:nvSpPr>
+          <p:cNvPr id="7" name="PlaceHolder 6"/>
+          <p:cNvSpPr>
+            <a:spLocks noGrp="1"/>
+          </p:cNvSpPr>
+          <p:nvPr>
+            <p:ph type="sldNum" idx="5"/>
+          </p:nvPr>
+        </p:nvSpPr>
+        <p:spPr/>
+        <p:txBody>
+          <a:bodyPr/>
+          <a:p>
+            <a:fld id="{37FFD91C-BA01-4F33-84D6-BADB760E5FA5}" type="slidenum">
+              <a:t>&lt;#&gt;</a:t>
+            </a:fld>
+          </a:p>
+        </p:txBody>
+      </p:sp>
+      <p:sp>
+        <p:nvSpPr>
+          <p:cNvPr id="8" name="PlaceHolder 7"/>
+          <p:cNvSpPr>
+            <a:spLocks noGrp="1"/>
+          </p:cNvSpPr>
+          <p:nvPr>
+            <p:ph type="dt" idx="6"/>
           </p:nvPr>
         </p:nvSpPr>
         <p:spPr/>
@@ -1011,7 +2129,7 @@
         <p:spPr>
           <a:xfrm>
             <a:off x="504000" y="226080"/>
-            <a:ext cx="9071640" cy="946440"/>
+            <a:ext cx="9071280" cy="946080"/>
           </a:xfrm>
           <a:prstGeom prst="rect">
             <a:avLst/>
@@ -1051,7 +2169,7 @@
         <p:spPr>
           <a:xfrm>
             <a:off x="504000" y="1326600"/>
-            <a:ext cx="9071640" cy="3288240"/>
+            <a:ext cx="9071280" cy="3287880"/>
           </a:xfrm>
           <a:prstGeom prst="rect">
             <a:avLst/>
@@ -1085,7 +2203,7 @@
             <a:spLocks noGrp="1"/>
           </p:cNvSpPr>
           <p:nvPr>
-            <p:ph type="ftr" idx="2"/>
+            <p:ph type="ftr" idx="1"/>
           </p:nvPr>
         </p:nvSpPr>
         <p:spPr/>
@@ -1105,14 +2223,14 @@
             <a:spLocks noGrp="1"/>
           </p:cNvSpPr>
           <p:nvPr>
-            <p:ph type="sldNum" idx="3"/>
-          </p:nvPr>
-        </p:nvSpPr>
-        <p:spPr/>
-        <p:txBody>
-          <a:bodyPr/>
-          <a:p>
-            <a:fld id="{EDC81AAB-2FEF-4930-9805-D5FA58B1E9C0}" type="slidenum">
+            <p:ph type="sldNum" idx="2"/>
+          </p:nvPr>
+        </p:nvSpPr>
+        <p:spPr/>
+        <p:txBody>
+          <a:bodyPr/>
+          <a:p>
+            <a:fld id="{EED67D0E-C5C0-4855-B1EA-677922109617}" type="slidenum">
               <a:t>&lt;#&gt;</a:t>
             </a:fld>
           </a:p>
@@ -1125,7 +2243,1396 @@
             <a:spLocks noGrp="1"/>
           </p:cNvSpPr>
           <p:nvPr>
-            <p:ph type="dt" idx="1"/>
+            <p:ph type="dt" idx="3"/>
+          </p:nvPr>
+        </p:nvSpPr>
+        <p:spPr/>
+        <p:txBody>
+          <a:bodyPr/>
+          <a:p>
+            <a:r>
+              <a:rPr lang="it-IT"/>
+              <a:t/>
+            </a:r>
+          </a:p>
+        </p:txBody>
+      </p:sp>
+    </p:spTree>
+  </p:cSld>
+</p:sldLayout>
+</file>
+
+<file path=ppt/slideLayouts/slideLayout20.xml><?xml version="1.0" encoding="utf-8"?>
+<p:sldLayout xmlns:a="http://schemas.openxmlformats.org/drawingml/2006/main" xmlns:p="http://schemas.openxmlformats.org/presentationml/2006/main" xmlns:r="http://schemas.openxmlformats.org/officeDocument/2006/relationships" xmlns:p14="http://schemas.microsoft.com/office/powerpoint/2010/main" xmlns:p15="http://schemas.microsoft.com/office/powerpoint/2012/main" xmlns:mc="http://schemas.openxmlformats.org/markup-compatibility/2006" type="objAndTwoObj" preserve="1">
+  <p:cSld name="Title Content and 2 Content">
+    <p:spTree>
+      <p:nvGrpSpPr>
+        <p:cNvPr id="1" name=""/>
+        <p:cNvGrpSpPr/>
+        <p:nvPr/>
+      </p:nvGrpSpPr>
+      <p:grpSpPr>
+        <a:xfrm>
+          <a:off x="0" y="0"/>
+          <a:ext cx="0" cy="0"/>
+          <a:chOff x="0" y="0"/>
+          <a:chExt cx="0" cy="0"/>
+        </a:xfrm>
+      </p:grpSpPr>
+      <p:sp>
+        <p:nvSpPr>
+          <p:cNvPr id="59" name="PlaceHolder 1"/>
+          <p:cNvSpPr>
+            <a:spLocks noGrp="1"/>
+          </p:cNvSpPr>
+          <p:nvPr>
+            <p:ph type="title"/>
+          </p:nvPr>
+        </p:nvSpPr>
+        <p:spPr>
+          <a:xfrm>
+            <a:off x="504000" y="226080"/>
+            <a:ext cx="9071280" cy="946080"/>
+          </a:xfrm>
+          <a:prstGeom prst="rect">
+            <a:avLst/>
+          </a:prstGeom>
+          <a:noFill/>
+          <a:ln w="0">
+            <a:noFill/>
+          </a:ln>
+        </p:spPr>
+        <p:txBody>
+          <a:bodyPr lIns="0" rIns="0" tIns="0" bIns="0" anchor="ctr">
+            <a:noAutofit/>
+          </a:bodyPr>
+          <a:p>
+            <a:pPr indent="0" algn="ctr">
+              <a:buNone/>
+            </a:pPr>
+            <a:endParaRPr b="0" lang="it-IT" sz="4400" spc="-1" strike="noStrike">
+              <a:solidFill>
+                <a:srgbClr val="000000"/>
+              </a:solidFill>
+              <a:latin typeface="Arial"/>
+            </a:endParaRPr>
+          </a:p>
+        </p:txBody>
+      </p:sp>
+      <p:sp>
+        <p:nvSpPr>
+          <p:cNvPr id="60" name="PlaceHolder 2"/>
+          <p:cNvSpPr>
+            <a:spLocks noGrp="1"/>
+          </p:cNvSpPr>
+          <p:nvPr>
+            <p:ph/>
+          </p:nvPr>
+        </p:nvSpPr>
+        <p:spPr>
+          <a:xfrm>
+            <a:off x="504000" y="1326600"/>
+            <a:ext cx="4426560" cy="3287880"/>
+          </a:xfrm>
+          <a:prstGeom prst="rect">
+            <a:avLst/>
+          </a:prstGeom>
+          <a:noFill/>
+          <a:ln w="0">
+            <a:noFill/>
+          </a:ln>
+        </p:spPr>
+        <p:txBody>
+          <a:bodyPr lIns="0" rIns="0" tIns="0" bIns="0" anchor="t">
+            <a:normAutofit/>
+          </a:bodyPr>
+          <a:p>
+            <a:pPr indent="0">
+              <a:spcBef>
+                <a:spcPts val="1417"/>
+              </a:spcBef>
+              <a:buNone/>
+            </a:pPr>
+            <a:endParaRPr b="0" lang="it-IT" sz="3200" spc="-1" strike="noStrike">
+              <a:solidFill>
+                <a:srgbClr val="000000"/>
+              </a:solidFill>
+              <a:latin typeface="Arial"/>
+            </a:endParaRPr>
+          </a:p>
+        </p:txBody>
+      </p:sp>
+      <p:sp>
+        <p:nvSpPr>
+          <p:cNvPr id="61" name="PlaceHolder 3"/>
+          <p:cNvSpPr>
+            <a:spLocks noGrp="1"/>
+          </p:cNvSpPr>
+          <p:nvPr>
+            <p:ph/>
+          </p:nvPr>
+        </p:nvSpPr>
+        <p:spPr>
+          <a:xfrm>
+            <a:off x="5152320" y="1326600"/>
+            <a:ext cx="4426560" cy="1568160"/>
+          </a:xfrm>
+          <a:prstGeom prst="rect">
+            <a:avLst/>
+          </a:prstGeom>
+          <a:noFill/>
+          <a:ln w="0">
+            <a:noFill/>
+          </a:ln>
+        </p:spPr>
+        <p:txBody>
+          <a:bodyPr lIns="0" rIns="0" tIns="0" bIns="0" anchor="t">
+            <a:normAutofit/>
+          </a:bodyPr>
+          <a:p>
+            <a:pPr indent="0">
+              <a:spcBef>
+                <a:spcPts val="1417"/>
+              </a:spcBef>
+              <a:buNone/>
+            </a:pPr>
+            <a:endParaRPr b="0" lang="it-IT" sz="3200" spc="-1" strike="noStrike">
+              <a:solidFill>
+                <a:srgbClr val="000000"/>
+              </a:solidFill>
+              <a:latin typeface="Arial"/>
+            </a:endParaRPr>
+          </a:p>
+        </p:txBody>
+      </p:sp>
+      <p:sp>
+        <p:nvSpPr>
+          <p:cNvPr id="62" name="PlaceHolder 4"/>
+          <p:cNvSpPr>
+            <a:spLocks noGrp="1"/>
+          </p:cNvSpPr>
+          <p:nvPr>
+            <p:ph/>
+          </p:nvPr>
+        </p:nvSpPr>
+        <p:spPr>
+          <a:xfrm>
+            <a:off x="5152320" y="3044160"/>
+            <a:ext cx="4426560" cy="1568160"/>
+          </a:xfrm>
+          <a:prstGeom prst="rect">
+            <a:avLst/>
+          </a:prstGeom>
+          <a:noFill/>
+          <a:ln w="0">
+            <a:noFill/>
+          </a:ln>
+        </p:spPr>
+        <p:txBody>
+          <a:bodyPr lIns="0" rIns="0" tIns="0" bIns="0" anchor="t">
+            <a:normAutofit/>
+          </a:bodyPr>
+          <a:p>
+            <a:pPr indent="0">
+              <a:spcBef>
+                <a:spcPts val="1417"/>
+              </a:spcBef>
+              <a:buNone/>
+            </a:pPr>
+            <a:endParaRPr b="0" lang="it-IT" sz="3200" spc="-1" strike="noStrike">
+              <a:solidFill>
+                <a:srgbClr val="000000"/>
+              </a:solidFill>
+              <a:latin typeface="Arial"/>
+            </a:endParaRPr>
+          </a:p>
+        </p:txBody>
+      </p:sp>
+      <p:sp>
+        <p:nvSpPr>
+          <p:cNvPr id="6" name="PlaceHolder 5"/>
+          <p:cNvSpPr>
+            <a:spLocks noGrp="1"/>
+          </p:cNvSpPr>
+          <p:nvPr>
+            <p:ph type="ftr" idx="4"/>
+          </p:nvPr>
+        </p:nvSpPr>
+        <p:spPr/>
+        <p:txBody>
+          <a:bodyPr/>
+          <a:p>
+            <a:r>
+              <a:t>Footer</a:t>
+            </a:r>
+          </a:p>
+        </p:txBody>
+      </p:sp>
+      <p:sp>
+        <p:nvSpPr>
+          <p:cNvPr id="7" name="PlaceHolder 6"/>
+          <p:cNvSpPr>
+            <a:spLocks noGrp="1"/>
+          </p:cNvSpPr>
+          <p:nvPr>
+            <p:ph type="sldNum" idx="5"/>
+          </p:nvPr>
+        </p:nvSpPr>
+        <p:spPr/>
+        <p:txBody>
+          <a:bodyPr/>
+          <a:p>
+            <a:fld id="{FA60BBF6-3265-4F9F-8382-8AFB59F42C52}" type="slidenum">
+              <a:t>&lt;#&gt;</a:t>
+            </a:fld>
+          </a:p>
+        </p:txBody>
+      </p:sp>
+      <p:sp>
+        <p:nvSpPr>
+          <p:cNvPr id="8" name="PlaceHolder 7"/>
+          <p:cNvSpPr>
+            <a:spLocks noGrp="1"/>
+          </p:cNvSpPr>
+          <p:nvPr>
+            <p:ph type="dt" idx="6"/>
+          </p:nvPr>
+        </p:nvSpPr>
+        <p:spPr/>
+        <p:txBody>
+          <a:bodyPr/>
+          <a:p>
+            <a:r>
+              <a:rPr lang="it-IT"/>
+              <a:t/>
+            </a:r>
+          </a:p>
+        </p:txBody>
+      </p:sp>
+    </p:spTree>
+  </p:cSld>
+</p:sldLayout>
+</file>
+
+<file path=ppt/slideLayouts/slideLayout21.xml><?xml version="1.0" encoding="utf-8"?>
+<p:sldLayout xmlns:a="http://schemas.openxmlformats.org/drawingml/2006/main" xmlns:p="http://schemas.openxmlformats.org/presentationml/2006/main" xmlns:r="http://schemas.openxmlformats.org/officeDocument/2006/relationships" xmlns:p14="http://schemas.microsoft.com/office/powerpoint/2010/main" xmlns:p15="http://schemas.microsoft.com/office/powerpoint/2012/main" xmlns:mc="http://schemas.openxmlformats.org/markup-compatibility/2006" type="twoObjOverTx" preserve="1">
+  <p:cSld name="Title, 2 Content over Content">
+    <p:spTree>
+      <p:nvGrpSpPr>
+        <p:cNvPr id="1" name=""/>
+        <p:cNvGrpSpPr/>
+        <p:nvPr/>
+      </p:nvGrpSpPr>
+      <p:grpSpPr>
+        <a:xfrm>
+          <a:off x="0" y="0"/>
+          <a:ext cx="0" cy="0"/>
+          <a:chOff x="0" y="0"/>
+          <a:chExt cx="0" cy="0"/>
+        </a:xfrm>
+      </p:grpSpPr>
+      <p:sp>
+        <p:nvSpPr>
+          <p:cNvPr id="63" name="PlaceHolder 1"/>
+          <p:cNvSpPr>
+            <a:spLocks noGrp="1"/>
+          </p:cNvSpPr>
+          <p:nvPr>
+            <p:ph type="title"/>
+          </p:nvPr>
+        </p:nvSpPr>
+        <p:spPr>
+          <a:xfrm>
+            <a:off x="504000" y="226080"/>
+            <a:ext cx="9071280" cy="946080"/>
+          </a:xfrm>
+          <a:prstGeom prst="rect">
+            <a:avLst/>
+          </a:prstGeom>
+          <a:noFill/>
+          <a:ln w="0">
+            <a:noFill/>
+          </a:ln>
+        </p:spPr>
+        <p:txBody>
+          <a:bodyPr lIns="0" rIns="0" tIns="0" bIns="0" anchor="ctr">
+            <a:noAutofit/>
+          </a:bodyPr>
+          <a:p>
+            <a:pPr indent="0" algn="ctr">
+              <a:buNone/>
+            </a:pPr>
+            <a:endParaRPr b="0" lang="it-IT" sz="4400" spc="-1" strike="noStrike">
+              <a:solidFill>
+                <a:srgbClr val="000000"/>
+              </a:solidFill>
+              <a:latin typeface="Arial"/>
+            </a:endParaRPr>
+          </a:p>
+        </p:txBody>
+      </p:sp>
+      <p:sp>
+        <p:nvSpPr>
+          <p:cNvPr id="64" name="PlaceHolder 2"/>
+          <p:cNvSpPr>
+            <a:spLocks noGrp="1"/>
+          </p:cNvSpPr>
+          <p:nvPr>
+            <p:ph/>
+          </p:nvPr>
+        </p:nvSpPr>
+        <p:spPr>
+          <a:xfrm>
+            <a:off x="504000" y="1326600"/>
+            <a:ext cx="4426560" cy="1568160"/>
+          </a:xfrm>
+          <a:prstGeom prst="rect">
+            <a:avLst/>
+          </a:prstGeom>
+          <a:noFill/>
+          <a:ln w="0">
+            <a:noFill/>
+          </a:ln>
+        </p:spPr>
+        <p:txBody>
+          <a:bodyPr lIns="0" rIns="0" tIns="0" bIns="0" anchor="t">
+            <a:normAutofit/>
+          </a:bodyPr>
+          <a:p>
+            <a:pPr indent="0">
+              <a:spcBef>
+                <a:spcPts val="1417"/>
+              </a:spcBef>
+              <a:buNone/>
+            </a:pPr>
+            <a:endParaRPr b="0" lang="it-IT" sz="3200" spc="-1" strike="noStrike">
+              <a:solidFill>
+                <a:srgbClr val="000000"/>
+              </a:solidFill>
+              <a:latin typeface="Arial"/>
+            </a:endParaRPr>
+          </a:p>
+        </p:txBody>
+      </p:sp>
+      <p:sp>
+        <p:nvSpPr>
+          <p:cNvPr id="65" name="PlaceHolder 3"/>
+          <p:cNvSpPr>
+            <a:spLocks noGrp="1"/>
+          </p:cNvSpPr>
+          <p:nvPr>
+            <p:ph/>
+          </p:nvPr>
+        </p:nvSpPr>
+        <p:spPr>
+          <a:xfrm>
+            <a:off x="5152320" y="1326600"/>
+            <a:ext cx="4426560" cy="1568160"/>
+          </a:xfrm>
+          <a:prstGeom prst="rect">
+            <a:avLst/>
+          </a:prstGeom>
+          <a:noFill/>
+          <a:ln w="0">
+            <a:noFill/>
+          </a:ln>
+        </p:spPr>
+        <p:txBody>
+          <a:bodyPr lIns="0" rIns="0" tIns="0" bIns="0" anchor="t">
+            <a:normAutofit/>
+          </a:bodyPr>
+          <a:p>
+            <a:pPr indent="0">
+              <a:spcBef>
+                <a:spcPts val="1417"/>
+              </a:spcBef>
+              <a:buNone/>
+            </a:pPr>
+            <a:endParaRPr b="0" lang="it-IT" sz="3200" spc="-1" strike="noStrike">
+              <a:solidFill>
+                <a:srgbClr val="000000"/>
+              </a:solidFill>
+              <a:latin typeface="Arial"/>
+            </a:endParaRPr>
+          </a:p>
+        </p:txBody>
+      </p:sp>
+      <p:sp>
+        <p:nvSpPr>
+          <p:cNvPr id="66" name="PlaceHolder 4"/>
+          <p:cNvSpPr>
+            <a:spLocks noGrp="1"/>
+          </p:cNvSpPr>
+          <p:nvPr>
+            <p:ph/>
+          </p:nvPr>
+        </p:nvSpPr>
+        <p:spPr>
+          <a:xfrm>
+            <a:off x="504000" y="3044160"/>
+            <a:ext cx="9071280" cy="1568160"/>
+          </a:xfrm>
+          <a:prstGeom prst="rect">
+            <a:avLst/>
+          </a:prstGeom>
+          <a:noFill/>
+          <a:ln w="0">
+            <a:noFill/>
+          </a:ln>
+        </p:spPr>
+        <p:txBody>
+          <a:bodyPr lIns="0" rIns="0" tIns="0" bIns="0" anchor="t">
+            <a:normAutofit/>
+          </a:bodyPr>
+          <a:p>
+            <a:pPr indent="0">
+              <a:spcBef>
+                <a:spcPts val="1417"/>
+              </a:spcBef>
+              <a:buNone/>
+            </a:pPr>
+            <a:endParaRPr b="0" lang="it-IT" sz="3200" spc="-1" strike="noStrike">
+              <a:solidFill>
+                <a:srgbClr val="000000"/>
+              </a:solidFill>
+              <a:latin typeface="Arial"/>
+            </a:endParaRPr>
+          </a:p>
+        </p:txBody>
+      </p:sp>
+      <p:sp>
+        <p:nvSpPr>
+          <p:cNvPr id="6" name="PlaceHolder 5"/>
+          <p:cNvSpPr>
+            <a:spLocks noGrp="1"/>
+          </p:cNvSpPr>
+          <p:nvPr>
+            <p:ph type="ftr" idx="4"/>
+          </p:nvPr>
+        </p:nvSpPr>
+        <p:spPr/>
+        <p:txBody>
+          <a:bodyPr/>
+          <a:p>
+            <a:r>
+              <a:t>Footer</a:t>
+            </a:r>
+          </a:p>
+        </p:txBody>
+      </p:sp>
+      <p:sp>
+        <p:nvSpPr>
+          <p:cNvPr id="7" name="PlaceHolder 6"/>
+          <p:cNvSpPr>
+            <a:spLocks noGrp="1"/>
+          </p:cNvSpPr>
+          <p:nvPr>
+            <p:ph type="sldNum" idx="5"/>
+          </p:nvPr>
+        </p:nvSpPr>
+        <p:spPr/>
+        <p:txBody>
+          <a:bodyPr/>
+          <a:p>
+            <a:fld id="{298ACE20-42AA-4C76-98C8-553EC8BE70D1}" type="slidenum">
+              <a:t>&lt;#&gt;</a:t>
+            </a:fld>
+          </a:p>
+        </p:txBody>
+      </p:sp>
+      <p:sp>
+        <p:nvSpPr>
+          <p:cNvPr id="8" name="PlaceHolder 7"/>
+          <p:cNvSpPr>
+            <a:spLocks noGrp="1"/>
+          </p:cNvSpPr>
+          <p:nvPr>
+            <p:ph type="dt" idx="6"/>
+          </p:nvPr>
+        </p:nvSpPr>
+        <p:spPr/>
+        <p:txBody>
+          <a:bodyPr/>
+          <a:p>
+            <a:r>
+              <a:rPr lang="it-IT"/>
+              <a:t/>
+            </a:r>
+          </a:p>
+        </p:txBody>
+      </p:sp>
+    </p:spTree>
+  </p:cSld>
+</p:sldLayout>
+</file>
+
+<file path=ppt/slideLayouts/slideLayout22.xml><?xml version="1.0" encoding="utf-8"?>
+<p:sldLayout xmlns:a="http://schemas.openxmlformats.org/drawingml/2006/main" xmlns:p="http://schemas.openxmlformats.org/presentationml/2006/main" xmlns:r="http://schemas.openxmlformats.org/officeDocument/2006/relationships" xmlns:p14="http://schemas.microsoft.com/office/powerpoint/2010/main" xmlns:p15="http://schemas.microsoft.com/office/powerpoint/2012/main" xmlns:mc="http://schemas.openxmlformats.org/markup-compatibility/2006" type="objOverTx" preserve="1">
+  <p:cSld name="Title, Content over Content">
+    <p:spTree>
+      <p:nvGrpSpPr>
+        <p:cNvPr id="1" name=""/>
+        <p:cNvGrpSpPr/>
+        <p:nvPr/>
+      </p:nvGrpSpPr>
+      <p:grpSpPr>
+        <a:xfrm>
+          <a:off x="0" y="0"/>
+          <a:ext cx="0" cy="0"/>
+          <a:chOff x="0" y="0"/>
+          <a:chExt cx="0" cy="0"/>
+        </a:xfrm>
+      </p:grpSpPr>
+      <p:sp>
+        <p:nvSpPr>
+          <p:cNvPr id="67" name="PlaceHolder 1"/>
+          <p:cNvSpPr>
+            <a:spLocks noGrp="1"/>
+          </p:cNvSpPr>
+          <p:nvPr>
+            <p:ph type="title"/>
+          </p:nvPr>
+        </p:nvSpPr>
+        <p:spPr>
+          <a:xfrm>
+            <a:off x="504000" y="226080"/>
+            <a:ext cx="9071280" cy="946080"/>
+          </a:xfrm>
+          <a:prstGeom prst="rect">
+            <a:avLst/>
+          </a:prstGeom>
+          <a:noFill/>
+          <a:ln w="0">
+            <a:noFill/>
+          </a:ln>
+        </p:spPr>
+        <p:txBody>
+          <a:bodyPr lIns="0" rIns="0" tIns="0" bIns="0" anchor="ctr">
+            <a:noAutofit/>
+          </a:bodyPr>
+          <a:p>
+            <a:pPr indent="0" algn="ctr">
+              <a:buNone/>
+            </a:pPr>
+            <a:endParaRPr b="0" lang="it-IT" sz="4400" spc="-1" strike="noStrike">
+              <a:solidFill>
+                <a:srgbClr val="000000"/>
+              </a:solidFill>
+              <a:latin typeface="Arial"/>
+            </a:endParaRPr>
+          </a:p>
+        </p:txBody>
+      </p:sp>
+      <p:sp>
+        <p:nvSpPr>
+          <p:cNvPr id="68" name="PlaceHolder 2"/>
+          <p:cNvSpPr>
+            <a:spLocks noGrp="1"/>
+          </p:cNvSpPr>
+          <p:nvPr>
+            <p:ph/>
+          </p:nvPr>
+        </p:nvSpPr>
+        <p:spPr>
+          <a:xfrm>
+            <a:off x="504000" y="1326600"/>
+            <a:ext cx="9071280" cy="1568160"/>
+          </a:xfrm>
+          <a:prstGeom prst="rect">
+            <a:avLst/>
+          </a:prstGeom>
+          <a:noFill/>
+          <a:ln w="0">
+            <a:noFill/>
+          </a:ln>
+        </p:spPr>
+        <p:txBody>
+          <a:bodyPr lIns="0" rIns="0" tIns="0" bIns="0" anchor="t">
+            <a:normAutofit/>
+          </a:bodyPr>
+          <a:p>
+            <a:pPr indent="0">
+              <a:spcBef>
+                <a:spcPts val="1417"/>
+              </a:spcBef>
+              <a:buNone/>
+            </a:pPr>
+            <a:endParaRPr b="0" lang="it-IT" sz="3200" spc="-1" strike="noStrike">
+              <a:solidFill>
+                <a:srgbClr val="000000"/>
+              </a:solidFill>
+              <a:latin typeface="Arial"/>
+            </a:endParaRPr>
+          </a:p>
+        </p:txBody>
+      </p:sp>
+      <p:sp>
+        <p:nvSpPr>
+          <p:cNvPr id="69" name="PlaceHolder 3"/>
+          <p:cNvSpPr>
+            <a:spLocks noGrp="1"/>
+          </p:cNvSpPr>
+          <p:nvPr>
+            <p:ph/>
+          </p:nvPr>
+        </p:nvSpPr>
+        <p:spPr>
+          <a:xfrm>
+            <a:off x="504000" y="3044160"/>
+            <a:ext cx="9071280" cy="1568160"/>
+          </a:xfrm>
+          <a:prstGeom prst="rect">
+            <a:avLst/>
+          </a:prstGeom>
+          <a:noFill/>
+          <a:ln w="0">
+            <a:noFill/>
+          </a:ln>
+        </p:spPr>
+        <p:txBody>
+          <a:bodyPr lIns="0" rIns="0" tIns="0" bIns="0" anchor="t">
+            <a:normAutofit/>
+          </a:bodyPr>
+          <a:p>
+            <a:pPr indent="0">
+              <a:spcBef>
+                <a:spcPts val="1417"/>
+              </a:spcBef>
+              <a:buNone/>
+            </a:pPr>
+            <a:endParaRPr b="0" lang="it-IT" sz="3200" spc="-1" strike="noStrike">
+              <a:solidFill>
+                <a:srgbClr val="000000"/>
+              </a:solidFill>
+              <a:latin typeface="Arial"/>
+            </a:endParaRPr>
+          </a:p>
+        </p:txBody>
+      </p:sp>
+      <p:sp>
+        <p:nvSpPr>
+          <p:cNvPr id="5" name="PlaceHolder 4"/>
+          <p:cNvSpPr>
+            <a:spLocks noGrp="1"/>
+          </p:cNvSpPr>
+          <p:nvPr>
+            <p:ph type="ftr" idx="4"/>
+          </p:nvPr>
+        </p:nvSpPr>
+        <p:spPr/>
+        <p:txBody>
+          <a:bodyPr/>
+          <a:p>
+            <a:r>
+              <a:t>Footer</a:t>
+            </a:r>
+          </a:p>
+        </p:txBody>
+      </p:sp>
+      <p:sp>
+        <p:nvSpPr>
+          <p:cNvPr id="6" name="PlaceHolder 5"/>
+          <p:cNvSpPr>
+            <a:spLocks noGrp="1"/>
+          </p:cNvSpPr>
+          <p:nvPr>
+            <p:ph type="sldNum" idx="5"/>
+          </p:nvPr>
+        </p:nvSpPr>
+        <p:spPr/>
+        <p:txBody>
+          <a:bodyPr/>
+          <a:p>
+            <a:fld id="{9107903C-4042-4C9A-9253-B8BC0DD2759D}" type="slidenum">
+              <a:t>&lt;#&gt;</a:t>
+            </a:fld>
+          </a:p>
+        </p:txBody>
+      </p:sp>
+      <p:sp>
+        <p:nvSpPr>
+          <p:cNvPr id="7" name="PlaceHolder 6"/>
+          <p:cNvSpPr>
+            <a:spLocks noGrp="1"/>
+          </p:cNvSpPr>
+          <p:nvPr>
+            <p:ph type="dt" idx="6"/>
+          </p:nvPr>
+        </p:nvSpPr>
+        <p:spPr/>
+        <p:txBody>
+          <a:bodyPr/>
+          <a:p>
+            <a:r>
+              <a:rPr lang="it-IT"/>
+              <a:t/>
+            </a:r>
+          </a:p>
+        </p:txBody>
+      </p:sp>
+    </p:spTree>
+  </p:cSld>
+</p:sldLayout>
+</file>
+
+<file path=ppt/slideLayouts/slideLayout23.xml><?xml version="1.0" encoding="utf-8"?>
+<p:sldLayout xmlns:a="http://schemas.openxmlformats.org/drawingml/2006/main" xmlns:p="http://schemas.openxmlformats.org/presentationml/2006/main" xmlns:r="http://schemas.openxmlformats.org/officeDocument/2006/relationships" xmlns:p14="http://schemas.microsoft.com/office/powerpoint/2010/main" xmlns:p15="http://schemas.microsoft.com/office/powerpoint/2012/main" xmlns:mc="http://schemas.openxmlformats.org/markup-compatibility/2006" type="fourObj" preserve="1">
+  <p:cSld name="Title, 4 Content">
+    <p:spTree>
+      <p:nvGrpSpPr>
+        <p:cNvPr id="1" name=""/>
+        <p:cNvGrpSpPr/>
+        <p:nvPr/>
+      </p:nvGrpSpPr>
+      <p:grpSpPr>
+        <a:xfrm>
+          <a:off x="0" y="0"/>
+          <a:ext cx="0" cy="0"/>
+          <a:chOff x="0" y="0"/>
+          <a:chExt cx="0" cy="0"/>
+        </a:xfrm>
+      </p:grpSpPr>
+      <p:sp>
+        <p:nvSpPr>
+          <p:cNvPr id="70" name="PlaceHolder 1"/>
+          <p:cNvSpPr>
+            <a:spLocks noGrp="1"/>
+          </p:cNvSpPr>
+          <p:nvPr>
+            <p:ph type="title"/>
+          </p:nvPr>
+        </p:nvSpPr>
+        <p:spPr>
+          <a:xfrm>
+            <a:off x="504000" y="226080"/>
+            <a:ext cx="9071280" cy="946080"/>
+          </a:xfrm>
+          <a:prstGeom prst="rect">
+            <a:avLst/>
+          </a:prstGeom>
+          <a:noFill/>
+          <a:ln w="0">
+            <a:noFill/>
+          </a:ln>
+        </p:spPr>
+        <p:txBody>
+          <a:bodyPr lIns="0" rIns="0" tIns="0" bIns="0" anchor="ctr">
+            <a:noAutofit/>
+          </a:bodyPr>
+          <a:p>
+            <a:pPr indent="0" algn="ctr">
+              <a:buNone/>
+            </a:pPr>
+            <a:endParaRPr b="0" lang="it-IT" sz="4400" spc="-1" strike="noStrike">
+              <a:solidFill>
+                <a:srgbClr val="000000"/>
+              </a:solidFill>
+              <a:latin typeface="Arial"/>
+            </a:endParaRPr>
+          </a:p>
+        </p:txBody>
+      </p:sp>
+      <p:sp>
+        <p:nvSpPr>
+          <p:cNvPr id="71" name="PlaceHolder 2"/>
+          <p:cNvSpPr>
+            <a:spLocks noGrp="1"/>
+          </p:cNvSpPr>
+          <p:nvPr>
+            <p:ph/>
+          </p:nvPr>
+        </p:nvSpPr>
+        <p:spPr>
+          <a:xfrm>
+            <a:off x="504000" y="1326600"/>
+            <a:ext cx="4426560" cy="1568160"/>
+          </a:xfrm>
+          <a:prstGeom prst="rect">
+            <a:avLst/>
+          </a:prstGeom>
+          <a:noFill/>
+          <a:ln w="0">
+            <a:noFill/>
+          </a:ln>
+        </p:spPr>
+        <p:txBody>
+          <a:bodyPr lIns="0" rIns="0" tIns="0" bIns="0" anchor="t">
+            <a:normAutofit/>
+          </a:bodyPr>
+          <a:p>
+            <a:pPr indent="0">
+              <a:spcBef>
+                <a:spcPts val="1417"/>
+              </a:spcBef>
+              <a:buNone/>
+            </a:pPr>
+            <a:endParaRPr b="0" lang="it-IT" sz="3200" spc="-1" strike="noStrike">
+              <a:solidFill>
+                <a:srgbClr val="000000"/>
+              </a:solidFill>
+              <a:latin typeface="Arial"/>
+            </a:endParaRPr>
+          </a:p>
+        </p:txBody>
+      </p:sp>
+      <p:sp>
+        <p:nvSpPr>
+          <p:cNvPr id="72" name="PlaceHolder 3"/>
+          <p:cNvSpPr>
+            <a:spLocks noGrp="1"/>
+          </p:cNvSpPr>
+          <p:nvPr>
+            <p:ph/>
+          </p:nvPr>
+        </p:nvSpPr>
+        <p:spPr>
+          <a:xfrm>
+            <a:off x="5152320" y="1326600"/>
+            <a:ext cx="4426560" cy="1568160"/>
+          </a:xfrm>
+          <a:prstGeom prst="rect">
+            <a:avLst/>
+          </a:prstGeom>
+          <a:noFill/>
+          <a:ln w="0">
+            <a:noFill/>
+          </a:ln>
+        </p:spPr>
+        <p:txBody>
+          <a:bodyPr lIns="0" rIns="0" tIns="0" bIns="0" anchor="t">
+            <a:normAutofit/>
+          </a:bodyPr>
+          <a:p>
+            <a:pPr indent="0">
+              <a:spcBef>
+                <a:spcPts val="1417"/>
+              </a:spcBef>
+              <a:buNone/>
+            </a:pPr>
+            <a:endParaRPr b="0" lang="it-IT" sz="3200" spc="-1" strike="noStrike">
+              <a:solidFill>
+                <a:srgbClr val="000000"/>
+              </a:solidFill>
+              <a:latin typeface="Arial"/>
+            </a:endParaRPr>
+          </a:p>
+        </p:txBody>
+      </p:sp>
+      <p:sp>
+        <p:nvSpPr>
+          <p:cNvPr id="73" name="PlaceHolder 4"/>
+          <p:cNvSpPr>
+            <a:spLocks noGrp="1"/>
+          </p:cNvSpPr>
+          <p:nvPr>
+            <p:ph/>
+          </p:nvPr>
+        </p:nvSpPr>
+        <p:spPr>
+          <a:xfrm>
+            <a:off x="504000" y="3044160"/>
+            <a:ext cx="4426560" cy="1568160"/>
+          </a:xfrm>
+          <a:prstGeom prst="rect">
+            <a:avLst/>
+          </a:prstGeom>
+          <a:noFill/>
+          <a:ln w="0">
+            <a:noFill/>
+          </a:ln>
+        </p:spPr>
+        <p:txBody>
+          <a:bodyPr lIns="0" rIns="0" tIns="0" bIns="0" anchor="t">
+            <a:normAutofit/>
+          </a:bodyPr>
+          <a:p>
+            <a:pPr indent="0">
+              <a:spcBef>
+                <a:spcPts val="1417"/>
+              </a:spcBef>
+              <a:buNone/>
+            </a:pPr>
+            <a:endParaRPr b="0" lang="it-IT" sz="3200" spc="-1" strike="noStrike">
+              <a:solidFill>
+                <a:srgbClr val="000000"/>
+              </a:solidFill>
+              <a:latin typeface="Arial"/>
+            </a:endParaRPr>
+          </a:p>
+        </p:txBody>
+      </p:sp>
+      <p:sp>
+        <p:nvSpPr>
+          <p:cNvPr id="74" name="PlaceHolder 5"/>
+          <p:cNvSpPr>
+            <a:spLocks noGrp="1"/>
+          </p:cNvSpPr>
+          <p:nvPr>
+            <p:ph/>
+          </p:nvPr>
+        </p:nvSpPr>
+        <p:spPr>
+          <a:xfrm>
+            <a:off x="5152320" y="3044160"/>
+            <a:ext cx="4426560" cy="1568160"/>
+          </a:xfrm>
+          <a:prstGeom prst="rect">
+            <a:avLst/>
+          </a:prstGeom>
+          <a:noFill/>
+          <a:ln w="0">
+            <a:noFill/>
+          </a:ln>
+        </p:spPr>
+        <p:txBody>
+          <a:bodyPr lIns="0" rIns="0" tIns="0" bIns="0" anchor="t">
+            <a:normAutofit/>
+          </a:bodyPr>
+          <a:p>
+            <a:pPr indent="0">
+              <a:spcBef>
+                <a:spcPts val="1417"/>
+              </a:spcBef>
+              <a:buNone/>
+            </a:pPr>
+            <a:endParaRPr b="0" lang="it-IT" sz="3200" spc="-1" strike="noStrike">
+              <a:solidFill>
+                <a:srgbClr val="000000"/>
+              </a:solidFill>
+              <a:latin typeface="Arial"/>
+            </a:endParaRPr>
+          </a:p>
+        </p:txBody>
+      </p:sp>
+      <p:sp>
+        <p:nvSpPr>
+          <p:cNvPr id="7" name="PlaceHolder 6"/>
+          <p:cNvSpPr>
+            <a:spLocks noGrp="1"/>
+          </p:cNvSpPr>
+          <p:nvPr>
+            <p:ph type="ftr" idx="4"/>
+          </p:nvPr>
+        </p:nvSpPr>
+        <p:spPr/>
+        <p:txBody>
+          <a:bodyPr/>
+          <a:p>
+            <a:r>
+              <a:t>Footer</a:t>
+            </a:r>
+          </a:p>
+        </p:txBody>
+      </p:sp>
+      <p:sp>
+        <p:nvSpPr>
+          <p:cNvPr id="8" name="PlaceHolder 7"/>
+          <p:cNvSpPr>
+            <a:spLocks noGrp="1"/>
+          </p:cNvSpPr>
+          <p:nvPr>
+            <p:ph type="sldNum" idx="5"/>
+          </p:nvPr>
+        </p:nvSpPr>
+        <p:spPr/>
+        <p:txBody>
+          <a:bodyPr/>
+          <a:p>
+            <a:fld id="{6566EE36-A4CD-486D-A144-785EBCC96240}" type="slidenum">
+              <a:t>&lt;#&gt;</a:t>
+            </a:fld>
+          </a:p>
+        </p:txBody>
+      </p:sp>
+      <p:sp>
+        <p:nvSpPr>
+          <p:cNvPr id="9" name="PlaceHolder 8"/>
+          <p:cNvSpPr>
+            <a:spLocks noGrp="1"/>
+          </p:cNvSpPr>
+          <p:nvPr>
+            <p:ph type="dt" idx="6"/>
+          </p:nvPr>
+        </p:nvSpPr>
+        <p:spPr/>
+        <p:txBody>
+          <a:bodyPr/>
+          <a:p>
+            <a:r>
+              <a:rPr lang="it-IT"/>
+              <a:t/>
+            </a:r>
+          </a:p>
+        </p:txBody>
+      </p:sp>
+    </p:spTree>
+  </p:cSld>
+</p:sldLayout>
+</file>
+
+<file path=ppt/slideLayouts/slideLayout24.xml><?xml version="1.0" encoding="utf-8"?>
+<p:sldLayout xmlns:a="http://schemas.openxmlformats.org/drawingml/2006/main" xmlns:p="http://schemas.openxmlformats.org/presentationml/2006/main" xmlns:r="http://schemas.openxmlformats.org/officeDocument/2006/relationships" xmlns:p14="http://schemas.microsoft.com/office/powerpoint/2010/main" xmlns:p15="http://schemas.microsoft.com/office/powerpoint/2012/main" xmlns:mc="http://schemas.openxmlformats.org/markup-compatibility/2006" type="blank" preserve="1">
+  <p:cSld name="Title, 6 Content">
+    <p:spTree>
+      <p:nvGrpSpPr>
+        <p:cNvPr id="1" name=""/>
+        <p:cNvGrpSpPr/>
+        <p:nvPr/>
+      </p:nvGrpSpPr>
+      <p:grpSpPr>
+        <a:xfrm>
+          <a:off x="0" y="0"/>
+          <a:ext cx="0" cy="0"/>
+          <a:chOff x="0" y="0"/>
+          <a:chExt cx="0" cy="0"/>
+        </a:xfrm>
+      </p:grpSpPr>
+      <p:sp>
+        <p:nvSpPr>
+          <p:cNvPr id="75" name="PlaceHolder 1"/>
+          <p:cNvSpPr>
+            <a:spLocks noGrp="1"/>
+          </p:cNvSpPr>
+          <p:nvPr>
+            <p:ph type="title"/>
+          </p:nvPr>
+        </p:nvSpPr>
+        <p:spPr>
+          <a:xfrm>
+            <a:off x="504000" y="226080"/>
+            <a:ext cx="9071280" cy="946080"/>
+          </a:xfrm>
+          <a:prstGeom prst="rect">
+            <a:avLst/>
+          </a:prstGeom>
+          <a:noFill/>
+          <a:ln w="0">
+            <a:noFill/>
+          </a:ln>
+        </p:spPr>
+        <p:txBody>
+          <a:bodyPr lIns="0" rIns="0" tIns="0" bIns="0" anchor="ctr">
+            <a:noAutofit/>
+          </a:bodyPr>
+          <a:p>
+            <a:pPr indent="0" algn="ctr">
+              <a:buNone/>
+            </a:pPr>
+            <a:endParaRPr b="0" lang="it-IT" sz="4400" spc="-1" strike="noStrike">
+              <a:solidFill>
+                <a:srgbClr val="000000"/>
+              </a:solidFill>
+              <a:latin typeface="Arial"/>
+            </a:endParaRPr>
+          </a:p>
+        </p:txBody>
+      </p:sp>
+      <p:sp>
+        <p:nvSpPr>
+          <p:cNvPr id="76" name="PlaceHolder 2"/>
+          <p:cNvSpPr>
+            <a:spLocks noGrp="1"/>
+          </p:cNvSpPr>
+          <p:nvPr>
+            <p:ph/>
+          </p:nvPr>
+        </p:nvSpPr>
+        <p:spPr>
+          <a:xfrm>
+            <a:off x="504000" y="1326600"/>
+            <a:ext cx="2920680" cy="1568160"/>
+          </a:xfrm>
+          <a:prstGeom prst="rect">
+            <a:avLst/>
+          </a:prstGeom>
+          <a:noFill/>
+          <a:ln w="0">
+            <a:noFill/>
+          </a:ln>
+        </p:spPr>
+        <p:txBody>
+          <a:bodyPr lIns="0" rIns="0" tIns="0" bIns="0" anchor="t">
+            <a:normAutofit/>
+          </a:bodyPr>
+          <a:p>
+            <a:pPr indent="0">
+              <a:spcBef>
+                <a:spcPts val="1417"/>
+              </a:spcBef>
+              <a:buNone/>
+            </a:pPr>
+            <a:endParaRPr b="0" lang="it-IT" sz="3200" spc="-1" strike="noStrike">
+              <a:solidFill>
+                <a:srgbClr val="000000"/>
+              </a:solidFill>
+              <a:latin typeface="Arial"/>
+            </a:endParaRPr>
+          </a:p>
+        </p:txBody>
+      </p:sp>
+      <p:sp>
+        <p:nvSpPr>
+          <p:cNvPr id="77" name="PlaceHolder 3"/>
+          <p:cNvSpPr>
+            <a:spLocks noGrp="1"/>
+          </p:cNvSpPr>
+          <p:nvPr>
+            <p:ph/>
+          </p:nvPr>
+        </p:nvSpPr>
+        <p:spPr>
+          <a:xfrm>
+            <a:off x="3571200" y="1326600"/>
+            <a:ext cx="2920680" cy="1568160"/>
+          </a:xfrm>
+          <a:prstGeom prst="rect">
+            <a:avLst/>
+          </a:prstGeom>
+          <a:noFill/>
+          <a:ln w="0">
+            <a:noFill/>
+          </a:ln>
+        </p:spPr>
+        <p:txBody>
+          <a:bodyPr lIns="0" rIns="0" tIns="0" bIns="0" anchor="t">
+            <a:normAutofit/>
+          </a:bodyPr>
+          <a:p>
+            <a:pPr indent="0">
+              <a:spcBef>
+                <a:spcPts val="1417"/>
+              </a:spcBef>
+              <a:buNone/>
+            </a:pPr>
+            <a:endParaRPr b="0" lang="it-IT" sz="3200" spc="-1" strike="noStrike">
+              <a:solidFill>
+                <a:srgbClr val="000000"/>
+              </a:solidFill>
+              <a:latin typeface="Arial"/>
+            </a:endParaRPr>
+          </a:p>
+        </p:txBody>
+      </p:sp>
+      <p:sp>
+        <p:nvSpPr>
+          <p:cNvPr id="78" name="PlaceHolder 4"/>
+          <p:cNvSpPr>
+            <a:spLocks noGrp="1"/>
+          </p:cNvSpPr>
+          <p:nvPr>
+            <p:ph/>
+          </p:nvPr>
+        </p:nvSpPr>
+        <p:spPr>
+          <a:xfrm>
+            <a:off x="6638040" y="1326600"/>
+            <a:ext cx="2920680" cy="1568160"/>
+          </a:xfrm>
+          <a:prstGeom prst="rect">
+            <a:avLst/>
+          </a:prstGeom>
+          <a:noFill/>
+          <a:ln w="0">
+            <a:noFill/>
+          </a:ln>
+        </p:spPr>
+        <p:txBody>
+          <a:bodyPr lIns="0" rIns="0" tIns="0" bIns="0" anchor="t">
+            <a:normAutofit/>
+          </a:bodyPr>
+          <a:p>
+            <a:pPr indent="0">
+              <a:spcBef>
+                <a:spcPts val="1417"/>
+              </a:spcBef>
+              <a:buNone/>
+            </a:pPr>
+            <a:endParaRPr b="0" lang="it-IT" sz="3200" spc="-1" strike="noStrike">
+              <a:solidFill>
+                <a:srgbClr val="000000"/>
+              </a:solidFill>
+              <a:latin typeface="Arial"/>
+            </a:endParaRPr>
+          </a:p>
+        </p:txBody>
+      </p:sp>
+      <p:sp>
+        <p:nvSpPr>
+          <p:cNvPr id="79" name="PlaceHolder 5"/>
+          <p:cNvSpPr>
+            <a:spLocks noGrp="1"/>
+          </p:cNvSpPr>
+          <p:nvPr>
+            <p:ph/>
+          </p:nvPr>
+        </p:nvSpPr>
+        <p:spPr>
+          <a:xfrm>
+            <a:off x="504000" y="3044160"/>
+            <a:ext cx="2920680" cy="1568160"/>
+          </a:xfrm>
+          <a:prstGeom prst="rect">
+            <a:avLst/>
+          </a:prstGeom>
+          <a:noFill/>
+          <a:ln w="0">
+            <a:noFill/>
+          </a:ln>
+        </p:spPr>
+        <p:txBody>
+          <a:bodyPr lIns="0" rIns="0" tIns="0" bIns="0" anchor="t">
+            <a:normAutofit/>
+          </a:bodyPr>
+          <a:p>
+            <a:pPr indent="0">
+              <a:spcBef>
+                <a:spcPts val="1417"/>
+              </a:spcBef>
+              <a:buNone/>
+            </a:pPr>
+            <a:endParaRPr b="0" lang="it-IT" sz="3200" spc="-1" strike="noStrike">
+              <a:solidFill>
+                <a:srgbClr val="000000"/>
+              </a:solidFill>
+              <a:latin typeface="Arial"/>
+            </a:endParaRPr>
+          </a:p>
+        </p:txBody>
+      </p:sp>
+      <p:sp>
+        <p:nvSpPr>
+          <p:cNvPr id="80" name="PlaceHolder 6"/>
+          <p:cNvSpPr>
+            <a:spLocks noGrp="1"/>
+          </p:cNvSpPr>
+          <p:nvPr>
+            <p:ph/>
+          </p:nvPr>
+        </p:nvSpPr>
+        <p:spPr>
+          <a:xfrm>
+            <a:off x="3571200" y="3044160"/>
+            <a:ext cx="2920680" cy="1568160"/>
+          </a:xfrm>
+          <a:prstGeom prst="rect">
+            <a:avLst/>
+          </a:prstGeom>
+          <a:noFill/>
+          <a:ln w="0">
+            <a:noFill/>
+          </a:ln>
+        </p:spPr>
+        <p:txBody>
+          <a:bodyPr lIns="0" rIns="0" tIns="0" bIns="0" anchor="t">
+            <a:normAutofit/>
+          </a:bodyPr>
+          <a:p>
+            <a:pPr indent="0">
+              <a:spcBef>
+                <a:spcPts val="1417"/>
+              </a:spcBef>
+              <a:buNone/>
+            </a:pPr>
+            <a:endParaRPr b="0" lang="it-IT" sz="3200" spc="-1" strike="noStrike">
+              <a:solidFill>
+                <a:srgbClr val="000000"/>
+              </a:solidFill>
+              <a:latin typeface="Arial"/>
+            </a:endParaRPr>
+          </a:p>
+        </p:txBody>
+      </p:sp>
+      <p:sp>
+        <p:nvSpPr>
+          <p:cNvPr id="81" name="PlaceHolder 7"/>
+          <p:cNvSpPr>
+            <a:spLocks noGrp="1"/>
+          </p:cNvSpPr>
+          <p:nvPr>
+            <p:ph/>
+          </p:nvPr>
+        </p:nvSpPr>
+        <p:spPr>
+          <a:xfrm>
+            <a:off x="6638040" y="3044160"/>
+            <a:ext cx="2920680" cy="1568160"/>
+          </a:xfrm>
+          <a:prstGeom prst="rect">
+            <a:avLst/>
+          </a:prstGeom>
+          <a:noFill/>
+          <a:ln w="0">
+            <a:noFill/>
+          </a:ln>
+        </p:spPr>
+        <p:txBody>
+          <a:bodyPr lIns="0" rIns="0" tIns="0" bIns="0" anchor="t">
+            <a:normAutofit/>
+          </a:bodyPr>
+          <a:p>
+            <a:pPr indent="0">
+              <a:spcBef>
+                <a:spcPts val="1417"/>
+              </a:spcBef>
+              <a:buNone/>
+            </a:pPr>
+            <a:endParaRPr b="0" lang="it-IT" sz="3200" spc="-1" strike="noStrike">
+              <a:solidFill>
+                <a:srgbClr val="000000"/>
+              </a:solidFill>
+              <a:latin typeface="Arial"/>
+            </a:endParaRPr>
+          </a:p>
+        </p:txBody>
+      </p:sp>
+      <p:sp>
+        <p:nvSpPr>
+          <p:cNvPr id="9" name="PlaceHolder 8"/>
+          <p:cNvSpPr>
+            <a:spLocks noGrp="1"/>
+          </p:cNvSpPr>
+          <p:nvPr>
+            <p:ph type="ftr" idx="4"/>
+          </p:nvPr>
+        </p:nvSpPr>
+        <p:spPr/>
+        <p:txBody>
+          <a:bodyPr/>
+          <a:p>
+            <a:r>
+              <a:t>Footer</a:t>
+            </a:r>
+          </a:p>
+        </p:txBody>
+      </p:sp>
+      <p:sp>
+        <p:nvSpPr>
+          <p:cNvPr id="10" name="PlaceHolder 9"/>
+          <p:cNvSpPr>
+            <a:spLocks noGrp="1"/>
+          </p:cNvSpPr>
+          <p:nvPr>
+            <p:ph type="sldNum" idx="5"/>
+          </p:nvPr>
+        </p:nvSpPr>
+        <p:spPr/>
+        <p:txBody>
+          <a:bodyPr/>
+          <a:p>
+            <a:fld id="{87F6CB93-768B-4F59-94E3-704E2E3E95E2}" type="slidenum">
+              <a:t>&lt;#&gt;</a:t>
+            </a:fld>
+          </a:p>
+        </p:txBody>
+      </p:sp>
+      <p:sp>
+        <p:nvSpPr>
+          <p:cNvPr id="11" name="PlaceHolder 10"/>
+          <p:cNvSpPr>
+            <a:spLocks noGrp="1"/>
+          </p:cNvSpPr>
+          <p:nvPr>
+            <p:ph type="dt" idx="6"/>
           </p:nvPr>
         </p:nvSpPr>
         <p:spPr/>
@@ -1174,7 +3681,7 @@
         <p:spPr>
           <a:xfrm>
             <a:off x="504000" y="226080"/>
-            <a:ext cx="9071640" cy="946440"/>
+            <a:ext cx="9071280" cy="946080"/>
           </a:xfrm>
           <a:prstGeom prst="rect">
             <a:avLst/>
@@ -1214,7 +3721,7 @@
         <p:spPr>
           <a:xfrm>
             <a:off x="504000" y="1326600"/>
-            <a:ext cx="9071640" cy="3288240"/>
+            <a:ext cx="9071280" cy="3287880"/>
           </a:xfrm>
           <a:prstGeom prst="rect">
             <a:avLst/>
@@ -1251,7 +3758,7 @@
             <a:spLocks noGrp="1"/>
           </p:cNvSpPr>
           <p:nvPr>
-            <p:ph type="ftr" idx="2"/>
+            <p:ph type="ftr" idx="1"/>
           </p:nvPr>
         </p:nvSpPr>
         <p:spPr/>
@@ -1271,14 +3778,14 @@
             <a:spLocks noGrp="1"/>
           </p:cNvSpPr>
           <p:nvPr>
-            <p:ph type="sldNum" idx="3"/>
-          </p:nvPr>
-        </p:nvSpPr>
-        <p:spPr/>
-        <p:txBody>
-          <a:bodyPr/>
-          <a:p>
-            <a:fld id="{5A4E5719-673B-4A0D-A96B-978741A3F632}" type="slidenum">
+            <p:ph type="sldNum" idx="2"/>
+          </p:nvPr>
+        </p:nvSpPr>
+        <p:spPr/>
+        <p:txBody>
+          <a:bodyPr/>
+          <a:p>
+            <a:fld id="{9FDC8667-ED61-4AD5-8C8B-DAFF60F829CD}" type="slidenum">
               <a:t>&lt;#&gt;</a:t>
             </a:fld>
           </a:p>
@@ -1291,7 +3798,7 @@
             <a:spLocks noGrp="1"/>
           </p:cNvSpPr>
           <p:nvPr>
-            <p:ph type="dt" idx="1"/>
+            <p:ph type="dt" idx="3"/>
           </p:nvPr>
         </p:nvSpPr>
         <p:spPr/>
@@ -1340,7 +3847,7 @@
         <p:spPr>
           <a:xfrm>
             <a:off x="504000" y="226080"/>
-            <a:ext cx="9071640" cy="946440"/>
+            <a:ext cx="9071280" cy="946080"/>
           </a:xfrm>
           <a:prstGeom prst="rect">
             <a:avLst/>
@@ -1380,7 +3887,7 @@
         <p:spPr>
           <a:xfrm>
             <a:off x="504000" y="1326600"/>
-            <a:ext cx="4426920" cy="3288240"/>
+            <a:ext cx="4426560" cy="3287880"/>
           </a:xfrm>
           <a:prstGeom prst="rect">
             <a:avLst/>
@@ -1422,8 +3929,8 @@
         </p:nvSpPr>
         <p:spPr>
           <a:xfrm>
-            <a:off x="5152680" y="1326600"/>
-            <a:ext cx="4426920" cy="3288240"/>
+            <a:off x="5152320" y="1326600"/>
+            <a:ext cx="4426560" cy="3287880"/>
           </a:xfrm>
           <a:prstGeom prst="rect">
             <a:avLst/>
@@ -1460,7 +3967,7 @@
             <a:spLocks noGrp="1"/>
           </p:cNvSpPr>
           <p:nvPr>
-            <p:ph type="ftr" idx="2"/>
+            <p:ph type="ftr" idx="1"/>
           </p:nvPr>
         </p:nvSpPr>
         <p:spPr/>
@@ -1480,14 +3987,14 @@
             <a:spLocks noGrp="1"/>
           </p:cNvSpPr>
           <p:nvPr>
-            <p:ph type="sldNum" idx="3"/>
-          </p:nvPr>
-        </p:nvSpPr>
-        <p:spPr/>
-        <p:txBody>
-          <a:bodyPr/>
-          <a:p>
-            <a:fld id="{DDCF6CE2-ACE7-4AF3-968E-BC8380DDC5CA}" type="slidenum">
+            <p:ph type="sldNum" idx="2"/>
+          </p:nvPr>
+        </p:nvSpPr>
+        <p:spPr/>
+        <p:txBody>
+          <a:bodyPr/>
+          <a:p>
+            <a:fld id="{D64077E0-43BB-4642-B715-D22ACD105FDA}" type="slidenum">
               <a:t>&lt;#&gt;</a:t>
             </a:fld>
           </a:p>
@@ -1500,7 +4007,7 @@
             <a:spLocks noGrp="1"/>
           </p:cNvSpPr>
           <p:nvPr>
-            <p:ph type="dt" idx="1"/>
+            <p:ph type="dt" idx="3"/>
           </p:nvPr>
         </p:nvSpPr>
         <p:spPr/>
@@ -1549,7 +4056,7 @@
         <p:spPr>
           <a:xfrm>
             <a:off x="504000" y="226080"/>
-            <a:ext cx="9071640" cy="946440"/>
+            <a:ext cx="9071280" cy="946080"/>
           </a:xfrm>
           <a:prstGeom prst="rect">
             <a:avLst/>
@@ -1583,7 +4090,7 @@
             <a:spLocks noGrp="1"/>
           </p:cNvSpPr>
           <p:nvPr>
-            <p:ph type="ftr" idx="2"/>
+            <p:ph type="ftr" idx="1"/>
           </p:nvPr>
         </p:nvSpPr>
         <p:spPr/>
@@ -1603,14 +4110,14 @@
             <a:spLocks noGrp="1"/>
           </p:cNvSpPr>
           <p:nvPr>
-            <p:ph type="sldNum" idx="3"/>
-          </p:nvPr>
-        </p:nvSpPr>
-        <p:spPr/>
-        <p:txBody>
-          <a:bodyPr/>
-          <a:p>
-            <a:fld id="{70EB39FE-4B4E-4EA2-91A6-23612BE2F7D7}" type="slidenum">
+            <p:ph type="sldNum" idx="2"/>
+          </p:nvPr>
+        </p:nvSpPr>
+        <p:spPr/>
+        <p:txBody>
+          <a:bodyPr/>
+          <a:p>
+            <a:fld id="{2E3FF43D-4E38-4708-85CB-255A7EE77906}" type="slidenum">
               <a:t>&lt;#&gt;</a:t>
             </a:fld>
           </a:p>
@@ -1623,7 +4130,7 @@
             <a:spLocks noGrp="1"/>
           </p:cNvSpPr>
           <p:nvPr>
-            <p:ph type="dt" idx="1"/>
+            <p:ph type="dt" idx="3"/>
           </p:nvPr>
         </p:nvSpPr>
         <p:spPr/>
@@ -1672,7 +4179,7 @@
         <p:spPr>
           <a:xfrm>
             <a:off x="504000" y="226080"/>
-            <a:ext cx="9071640" cy="4388400"/>
+            <a:ext cx="9071280" cy="4386600"/>
           </a:xfrm>
           <a:prstGeom prst="rect">
             <a:avLst/>
@@ -1704,7 +4211,7 @@
             <a:spLocks noGrp="1"/>
           </p:cNvSpPr>
           <p:nvPr>
-            <p:ph type="ftr" idx="2"/>
+            <p:ph type="ftr" idx="1"/>
           </p:nvPr>
         </p:nvSpPr>
         <p:spPr/>
@@ -1724,14 +4231,14 @@
             <a:spLocks noGrp="1"/>
           </p:cNvSpPr>
           <p:nvPr>
-            <p:ph type="sldNum" idx="3"/>
-          </p:nvPr>
-        </p:nvSpPr>
-        <p:spPr/>
-        <p:txBody>
-          <a:bodyPr/>
-          <a:p>
-            <a:fld id="{F79FE893-32B6-473D-BC02-064F9A9DFEE6}" type="slidenum">
+            <p:ph type="sldNum" idx="2"/>
+          </p:nvPr>
+        </p:nvSpPr>
+        <p:spPr/>
+        <p:txBody>
+          <a:bodyPr/>
+          <a:p>
+            <a:fld id="{F921C3C8-5A11-4377-9E9B-31EE3C8A6BA5}" type="slidenum">
               <a:t>&lt;#&gt;</a:t>
             </a:fld>
           </a:p>
@@ -1744,7 +4251,7 @@
             <a:spLocks noGrp="1"/>
           </p:cNvSpPr>
           <p:nvPr>
-            <p:ph type="dt" idx="1"/>
+            <p:ph type="dt" idx="3"/>
           </p:nvPr>
         </p:nvSpPr>
         <p:spPr/>
@@ -1793,7 +4300,7 @@
         <p:spPr>
           <a:xfrm>
             <a:off x="504000" y="226080"/>
-            <a:ext cx="9071640" cy="946440"/>
+            <a:ext cx="9071280" cy="946080"/>
           </a:xfrm>
           <a:prstGeom prst="rect">
             <a:avLst/>
@@ -1833,7 +4340,7 @@
         <p:spPr>
           <a:xfrm>
             <a:off x="504000" y="1326600"/>
-            <a:ext cx="4426920" cy="1568160"/>
+            <a:ext cx="4426560" cy="1568160"/>
           </a:xfrm>
           <a:prstGeom prst="rect">
             <a:avLst/>
@@ -1875,8 +4382,8 @@
         </p:nvSpPr>
         <p:spPr>
           <a:xfrm>
-            <a:off x="5152680" y="1326600"/>
-            <a:ext cx="4426920" cy="3288240"/>
+            <a:off x="5152320" y="1326600"/>
+            <a:ext cx="4426560" cy="3287880"/>
           </a:xfrm>
           <a:prstGeom prst="rect">
             <a:avLst/>
@@ -1919,7 +4426,7 @@
         <p:spPr>
           <a:xfrm>
             <a:off x="504000" y="3044160"/>
-            <a:ext cx="4426920" cy="1568160"/>
+            <a:ext cx="4426560" cy="1568160"/>
           </a:xfrm>
           <a:prstGeom prst="rect">
             <a:avLst/>
@@ -1956,7 +4463,7 @@
             <a:spLocks noGrp="1"/>
           </p:cNvSpPr>
           <p:nvPr>
-            <p:ph type="ftr" idx="2"/>
+            <p:ph type="ftr" idx="1"/>
           </p:nvPr>
         </p:nvSpPr>
         <p:spPr/>
@@ -1976,14 +4483,14 @@
             <a:spLocks noGrp="1"/>
           </p:cNvSpPr>
           <p:nvPr>
-            <p:ph type="sldNum" idx="3"/>
-          </p:nvPr>
-        </p:nvSpPr>
-        <p:spPr/>
-        <p:txBody>
-          <a:bodyPr/>
-          <a:p>
-            <a:fld id="{CF5A978C-493E-4490-88A2-8751E9A9E225}" type="slidenum">
+            <p:ph type="sldNum" idx="2"/>
+          </p:nvPr>
+        </p:nvSpPr>
+        <p:spPr/>
+        <p:txBody>
+          <a:bodyPr/>
+          <a:p>
+            <a:fld id="{9D1EB2E1-178B-4C0B-96BB-ACDE89F305BD}" type="slidenum">
               <a:t>&lt;#&gt;</a:t>
             </a:fld>
           </a:p>
@@ -1996,7 +4503,7 @@
             <a:spLocks noGrp="1"/>
           </p:cNvSpPr>
           <p:nvPr>
-            <p:ph type="dt" idx="1"/>
+            <p:ph type="dt" idx="3"/>
           </p:nvPr>
         </p:nvSpPr>
         <p:spPr/>
@@ -2045,7 +4552,7 @@
         <p:spPr>
           <a:xfrm>
             <a:off x="504000" y="226080"/>
-            <a:ext cx="9071640" cy="946440"/>
+            <a:ext cx="9071280" cy="946080"/>
           </a:xfrm>
           <a:prstGeom prst="rect">
             <a:avLst/>
@@ -2085,7 +4592,7 @@
         <p:spPr>
           <a:xfrm>
             <a:off x="504000" y="1326600"/>
-            <a:ext cx="4426920" cy="3288240"/>
+            <a:ext cx="4426560" cy="3287880"/>
           </a:xfrm>
           <a:prstGeom prst="rect">
             <a:avLst/>
@@ -2127,8 +4634,8 @@
         </p:nvSpPr>
         <p:spPr>
           <a:xfrm>
-            <a:off x="5152680" y="1326600"/>
-            <a:ext cx="4426920" cy="1568160"/>
+            <a:off x="5152320" y="1326600"/>
+            <a:ext cx="4426560" cy="1568160"/>
           </a:xfrm>
           <a:prstGeom prst="rect">
             <a:avLst/>
@@ -2170,8 +4677,8 @@
         </p:nvSpPr>
         <p:spPr>
           <a:xfrm>
-            <a:off x="5152680" y="3044160"/>
-            <a:ext cx="4426920" cy="1568160"/>
+            <a:off x="5152320" y="3044160"/>
+            <a:ext cx="4426560" cy="1568160"/>
           </a:xfrm>
           <a:prstGeom prst="rect">
             <a:avLst/>
@@ -2208,7 +4715,7 @@
             <a:spLocks noGrp="1"/>
           </p:cNvSpPr>
           <p:nvPr>
-            <p:ph type="ftr" idx="2"/>
+            <p:ph type="ftr" idx="1"/>
           </p:nvPr>
         </p:nvSpPr>
         <p:spPr/>
@@ -2228,14 +4735,14 @@
             <a:spLocks noGrp="1"/>
           </p:cNvSpPr>
           <p:nvPr>
-            <p:ph type="sldNum" idx="3"/>
-          </p:nvPr>
-        </p:nvSpPr>
-        <p:spPr/>
-        <p:txBody>
-          <a:bodyPr/>
-          <a:p>
-            <a:fld id="{DB524A87-EBD0-4276-96ED-0EF84E01DAB7}" type="slidenum">
+            <p:ph type="sldNum" idx="2"/>
+          </p:nvPr>
+        </p:nvSpPr>
+        <p:spPr/>
+        <p:txBody>
+          <a:bodyPr/>
+          <a:p>
+            <a:fld id="{81335B42-5970-4488-AEF3-8EA576C3AAC2}" type="slidenum">
               <a:t>&lt;#&gt;</a:t>
             </a:fld>
           </a:p>
@@ -2248,7 +4755,7 @@
             <a:spLocks noGrp="1"/>
           </p:cNvSpPr>
           <p:nvPr>
-            <p:ph type="dt" idx="1"/>
+            <p:ph type="dt" idx="3"/>
           </p:nvPr>
         </p:nvSpPr>
         <p:spPr/>
@@ -2297,7 +4804,7 @@
         <p:spPr>
           <a:xfrm>
             <a:off x="504000" y="226080"/>
-            <a:ext cx="9071640" cy="946440"/>
+            <a:ext cx="9071280" cy="946080"/>
           </a:xfrm>
           <a:prstGeom prst="rect">
             <a:avLst/>
@@ -2337,7 +4844,7 @@
         <p:spPr>
           <a:xfrm>
             <a:off x="504000" y="1326600"/>
-            <a:ext cx="4426920" cy="1568160"/>
+            <a:ext cx="4426560" cy="1568160"/>
           </a:xfrm>
           <a:prstGeom prst="rect">
             <a:avLst/>
@@ -2379,8 +4886,8 @@
         </p:nvSpPr>
         <p:spPr>
           <a:xfrm>
-            <a:off x="5152680" y="1326600"/>
-            <a:ext cx="4426920" cy="1568160"/>
+            <a:off x="5152320" y="1326600"/>
+            <a:ext cx="4426560" cy="1568160"/>
           </a:xfrm>
           <a:prstGeom prst="rect">
             <a:avLst/>
@@ -2423,7 +4930,7 @@
         <p:spPr>
           <a:xfrm>
             <a:off x="504000" y="3044160"/>
-            <a:ext cx="9071640" cy="1568160"/>
+            <a:ext cx="9071280" cy="1568160"/>
           </a:xfrm>
           <a:prstGeom prst="rect">
             <a:avLst/>
@@ -2460,7 +4967,7 @@
             <a:spLocks noGrp="1"/>
           </p:cNvSpPr>
           <p:nvPr>
-            <p:ph type="ftr" idx="2"/>
+            <p:ph type="ftr" idx="1"/>
           </p:nvPr>
         </p:nvSpPr>
         <p:spPr/>
@@ -2480,14 +4987,14 @@
             <a:spLocks noGrp="1"/>
           </p:cNvSpPr>
           <p:nvPr>
-            <p:ph type="sldNum" idx="3"/>
-          </p:nvPr>
-        </p:nvSpPr>
-        <p:spPr/>
-        <p:txBody>
-          <a:bodyPr/>
-          <a:p>
-            <a:fld id="{3D58A4C2-1D17-4B57-8BB3-65B2A1769CE6}" type="slidenum">
+            <p:ph type="sldNum" idx="2"/>
+          </p:nvPr>
+        </p:nvSpPr>
+        <p:spPr/>
+        <p:txBody>
+          <a:bodyPr/>
+          <a:p>
+            <a:fld id="{E0DC01F2-7B27-48E1-AF6D-D3D108EB5D2A}" type="slidenum">
               <a:t>&lt;#&gt;</a:t>
             </a:fld>
           </a:p>
@@ -2500,7 +5007,7 @@
             <a:spLocks noGrp="1"/>
           </p:cNvSpPr>
           <p:nvPr>
-            <p:ph type="dt" idx="1"/>
+            <p:ph type="dt" idx="3"/>
           </p:nvPr>
         </p:nvSpPr>
         <p:spPr/>
@@ -2549,7 +5056,7 @@
         <p:spPr>
           <a:xfrm>
             <a:off x="504000" y="226080"/>
-            <a:ext cx="9071640" cy="946440"/>
+            <a:ext cx="9071280" cy="946080"/>
           </a:xfrm>
           <a:prstGeom prst="rect">
             <a:avLst/>
@@ -2564,11 +5071,11 @@
             <a:noAutofit/>
           </a:bodyPr>
           <a:p>
-            <a:pPr indent="0" algn="ctr">
-              <a:buNone/>
-            </a:pPr>
-            <a:r>
-              <a:rPr b="0" lang="it-IT" sz="4400" spc="-1" strike="noStrike">
+            <a:pPr indent="0">
+              <a:buNone/>
+            </a:pPr>
+            <a:r>
+              <a:rPr b="0" lang="it-IT" sz="1800" spc="-1" strike="noStrike">
                 <a:solidFill>
                   <a:srgbClr val="000000"/>
                 </a:solidFill>
@@ -2576,7 +5083,7 @@
               </a:rPr>
               <a:t>Fai clic per modificare il formato del testo del titolo</a:t>
             </a:r>
-            <a:endParaRPr b="0" lang="it-IT" sz="4400" spc="-1" strike="noStrike">
+            <a:endParaRPr b="0" lang="it-IT" sz="1800" spc="-1" strike="noStrike">
               <a:solidFill>
                 <a:srgbClr val="000000"/>
               </a:solidFill>
@@ -2592,238 +5099,13 @@
             <a:spLocks noGrp="1"/>
           </p:cNvSpPr>
           <p:nvPr>
-            <p:ph type="body"/>
-          </p:nvPr>
-        </p:nvSpPr>
-        <p:spPr>
-          <a:xfrm>
-            <a:off x="504000" y="1326600"/>
-            <a:ext cx="9071640" cy="3288240"/>
-          </a:xfrm>
-          <a:prstGeom prst="rect">
-            <a:avLst/>
-          </a:prstGeom>
-          <a:noFill/>
-          <a:ln w="0">
-            <a:noFill/>
-          </a:ln>
-        </p:spPr>
-        <p:txBody>
-          <a:bodyPr lIns="0" rIns="0" tIns="0" bIns="0" anchor="t">
-            <a:normAutofit/>
-          </a:bodyPr>
-          <a:p>
-            <a:pPr marL="432000" indent="-324000">
-              <a:spcBef>
-                <a:spcPts val="1417"/>
-              </a:spcBef>
-              <a:buClr>
-                <a:srgbClr val="000000"/>
-              </a:buClr>
-              <a:buSzPct val="45000"/>
-              <a:buFont typeface="Wingdings" charset="2"/>
-              <a:buChar char=""/>
-            </a:pPr>
-            <a:r>
-              <a:rPr b="0" lang="it-IT" sz="3200" spc="-1" strike="noStrike">
-                <a:solidFill>
-                  <a:srgbClr val="000000"/>
-                </a:solidFill>
-                <a:latin typeface="Arial"/>
-              </a:rPr>
-              <a:t>Fai clic per modificare il formato del testo della struttura</a:t>
-            </a:r>
-            <a:endParaRPr b="0" lang="it-IT" sz="3200" spc="-1" strike="noStrike">
-              <a:solidFill>
-                <a:srgbClr val="000000"/>
-              </a:solidFill>
-              <a:latin typeface="Arial"/>
-            </a:endParaRPr>
-          </a:p>
-          <a:p>
-            <a:pPr lvl="1" marL="864000" indent="-324000">
-              <a:spcBef>
-                <a:spcPts val="1134"/>
-              </a:spcBef>
-              <a:buClr>
-                <a:srgbClr val="000000"/>
-              </a:buClr>
-              <a:buSzPct val="75000"/>
-              <a:buFont typeface="Symbol" charset="2"/>
-              <a:buChar char=""/>
-            </a:pPr>
-            <a:r>
-              <a:rPr b="0" lang="it-IT" sz="2800" spc="-1" strike="noStrike">
-                <a:solidFill>
-                  <a:srgbClr val="000000"/>
-                </a:solidFill>
-                <a:latin typeface="Arial"/>
-              </a:rPr>
-              <a:t>Secondo livello struttura</a:t>
-            </a:r>
-            <a:endParaRPr b="0" lang="it-IT" sz="2800" spc="-1" strike="noStrike">
-              <a:solidFill>
-                <a:srgbClr val="000000"/>
-              </a:solidFill>
-              <a:latin typeface="Arial"/>
-            </a:endParaRPr>
-          </a:p>
-          <a:p>
-            <a:pPr lvl="2" marL="1296000" indent="-288000">
-              <a:spcBef>
-                <a:spcPts val="850"/>
-              </a:spcBef>
-              <a:buClr>
-                <a:srgbClr val="000000"/>
-              </a:buClr>
-              <a:buSzPct val="45000"/>
-              <a:buFont typeface="Wingdings" charset="2"/>
-              <a:buChar char=""/>
-            </a:pPr>
-            <a:r>
-              <a:rPr b="0" lang="it-IT" sz="2400" spc="-1" strike="noStrike">
-                <a:solidFill>
-                  <a:srgbClr val="000000"/>
-                </a:solidFill>
-                <a:latin typeface="Arial"/>
-              </a:rPr>
-              <a:t>Terzo livello struttura</a:t>
-            </a:r>
-            <a:endParaRPr b="0" lang="it-IT" sz="2400" spc="-1" strike="noStrike">
-              <a:solidFill>
-                <a:srgbClr val="000000"/>
-              </a:solidFill>
-              <a:latin typeface="Arial"/>
-            </a:endParaRPr>
-          </a:p>
-          <a:p>
-            <a:pPr lvl="3" marL="1728000" indent="-216000">
-              <a:spcBef>
-                <a:spcPts val="567"/>
-              </a:spcBef>
-              <a:buClr>
-                <a:srgbClr val="000000"/>
-              </a:buClr>
-              <a:buSzPct val="75000"/>
-              <a:buFont typeface="Symbol" charset="2"/>
-              <a:buChar char=""/>
-            </a:pPr>
-            <a:r>
-              <a:rPr b="0" lang="it-IT" sz="2000" spc="-1" strike="noStrike">
-                <a:solidFill>
-                  <a:srgbClr val="000000"/>
-                </a:solidFill>
-                <a:latin typeface="Arial"/>
-              </a:rPr>
-              <a:t>Quarto livello struttura</a:t>
-            </a:r>
-            <a:endParaRPr b="0" lang="it-IT" sz="2000" spc="-1" strike="noStrike">
-              <a:solidFill>
-                <a:srgbClr val="000000"/>
-              </a:solidFill>
-              <a:latin typeface="Arial"/>
-            </a:endParaRPr>
-          </a:p>
-          <a:p>
-            <a:pPr lvl="4" marL="2160000" indent="-216000">
-              <a:spcBef>
-                <a:spcPts val="283"/>
-              </a:spcBef>
-              <a:buClr>
-                <a:srgbClr val="000000"/>
-              </a:buClr>
-              <a:buSzPct val="45000"/>
-              <a:buFont typeface="Wingdings" charset="2"/>
-              <a:buChar char=""/>
-            </a:pPr>
-            <a:r>
-              <a:rPr b="0" lang="it-IT" sz="2000" spc="-1" strike="noStrike">
-                <a:solidFill>
-                  <a:srgbClr val="000000"/>
-                </a:solidFill>
-                <a:latin typeface="Arial"/>
-              </a:rPr>
-              <a:t>Quinto livello struttura</a:t>
-            </a:r>
-            <a:endParaRPr b="0" lang="it-IT" sz="2000" spc="-1" strike="noStrike">
-              <a:solidFill>
-                <a:srgbClr val="000000"/>
-              </a:solidFill>
-              <a:latin typeface="Arial"/>
-            </a:endParaRPr>
-          </a:p>
-          <a:p>
-            <a:pPr lvl="5" marL="2592000" indent="-216000">
-              <a:spcBef>
-                <a:spcPts val="283"/>
-              </a:spcBef>
-              <a:buClr>
-                <a:srgbClr val="000000"/>
-              </a:buClr>
-              <a:buSzPct val="45000"/>
-              <a:buFont typeface="Wingdings" charset="2"/>
-              <a:buChar char=""/>
-            </a:pPr>
-            <a:r>
-              <a:rPr b="0" lang="it-IT" sz="2000" spc="-1" strike="noStrike">
-                <a:solidFill>
-                  <a:srgbClr val="000000"/>
-                </a:solidFill>
-                <a:latin typeface="Arial"/>
-              </a:rPr>
-              <a:t>Sesto livello struttura</a:t>
-            </a:r>
-            <a:endParaRPr b="0" lang="it-IT" sz="2000" spc="-1" strike="noStrike">
-              <a:solidFill>
-                <a:srgbClr val="000000"/>
-              </a:solidFill>
-              <a:latin typeface="Arial"/>
-            </a:endParaRPr>
-          </a:p>
-          <a:p>
-            <a:pPr lvl="6" marL="3024000" indent="-216000">
-              <a:spcBef>
-                <a:spcPts val="283"/>
-              </a:spcBef>
-              <a:buClr>
-                <a:srgbClr val="000000"/>
-              </a:buClr>
-              <a:buSzPct val="45000"/>
-              <a:buFont typeface="Wingdings" charset="2"/>
-              <a:buChar char=""/>
-            </a:pPr>
-            <a:r>
-              <a:rPr b="0" lang="it-IT" sz="2000" spc="-1" strike="noStrike">
-                <a:solidFill>
-                  <a:srgbClr val="000000"/>
-                </a:solidFill>
-                <a:latin typeface="Arial"/>
-              </a:rPr>
-              <a:t>Settimo livello struttura</a:t>
-            </a:r>
-            <a:endParaRPr b="0" lang="it-IT" sz="2000" spc="-1" strike="noStrike">
-              <a:solidFill>
-                <a:srgbClr val="000000"/>
-              </a:solidFill>
-              <a:latin typeface="Arial"/>
-            </a:endParaRPr>
-          </a:p>
-        </p:txBody>
-      </p:sp>
-      <p:sp>
-        <p:nvSpPr>
-          <p:cNvPr id="2" name="PlaceHolder 3"/>
-          <p:cNvSpPr>
-            <a:spLocks noGrp="1"/>
-          </p:cNvSpPr>
-          <p:nvPr>
-            <p:ph type="dt" idx="1"/>
-          </p:nvPr>
-        </p:nvSpPr>
-        <p:spPr>
-          <a:xfrm>
-            <a:off x="504000" y="5165280"/>
-            <a:ext cx="2348280" cy="390600"/>
+            <p:ph type="ftr" idx="1"/>
+          </p:nvPr>
+        </p:nvSpPr>
+        <p:spPr>
+          <a:xfrm>
+            <a:off x="3447360" y="5165280"/>
+            <a:ext cx="3194640" cy="390240"/>
           </a:xfrm>
           <a:prstGeom prst="rect">
             <a:avLst/>
@@ -2838,8 +5120,14 @@
             <a:noAutofit/>
           </a:bodyPr>
           <a:lstStyle>
-            <a:lvl1pPr indent="0">
-              <a:buNone/>
+            <a:lvl1pPr indent="0" algn="ctr">
+              <a:lnSpc>
+                <a:spcPct val="100000"/>
+              </a:lnSpc>
+              <a:buNone/>
+              <a:tabLst>
+                <a:tab algn="l" pos="0"/>
+              </a:tabLst>
               <a:defRPr b="0" lang="it-IT" sz="1400" spc="-1" strike="noStrike">
                 <a:solidFill>
                   <a:srgbClr val="000000"/>
@@ -2849,8 +5137,14 @@
             </a:lvl1pPr>
           </a:lstStyle>
           <a:p>
-            <a:pPr indent="0">
-              <a:buNone/>
+            <a:pPr indent="0" algn="ctr">
+              <a:lnSpc>
+                <a:spcPct val="100000"/>
+              </a:lnSpc>
+              <a:buNone/>
+              <a:tabLst>
+                <a:tab algn="l" pos="0"/>
+              </a:tabLst>
             </a:pPr>
             <a:r>
               <a:rPr b="0" lang="it-IT" sz="1400" spc="-1" strike="noStrike">
@@ -2859,7 +5153,7 @@
                 </a:solidFill>
                 <a:latin typeface="Times New Roman"/>
               </a:rPr>
-              <a:t>&lt;data/ora&gt;</a:t>
+              <a:t>&lt;piè di pagina&gt;</a:t>
             </a:r>
             <a:endParaRPr b="0" lang="it-IT" sz="1400" spc="-1" strike="noStrike">
               <a:solidFill>
@@ -2872,18 +5166,18 @@
       </p:sp>
       <p:sp>
         <p:nvSpPr>
-          <p:cNvPr id="3" name="PlaceHolder 4"/>
-          <p:cNvSpPr>
-            <a:spLocks noGrp="1"/>
-          </p:cNvSpPr>
-          <p:nvPr>
-            <p:ph type="ftr" idx="2"/>
-          </p:nvPr>
-        </p:nvSpPr>
-        <p:spPr>
-          <a:xfrm>
-            <a:off x="3447360" y="5165280"/>
-            <a:ext cx="3195000" cy="390600"/>
+          <p:cNvPr id="2" name="PlaceHolder 3"/>
+          <p:cNvSpPr>
+            <a:spLocks noGrp="1"/>
+          </p:cNvSpPr>
+          <p:nvPr>
+            <p:ph type="sldNum" idx="2"/>
+          </p:nvPr>
+        </p:nvSpPr>
+        <p:spPr>
+          <a:xfrm>
+            <a:off x="7227360" y="5165280"/>
+            <a:ext cx="2347920" cy="390240"/>
           </a:xfrm>
           <a:prstGeom prst="rect">
             <a:avLst/>
@@ -2898,8 +5192,14 @@
             <a:noAutofit/>
           </a:bodyPr>
           <a:lstStyle>
-            <a:lvl1pPr indent="0" algn="ctr">
-              <a:buNone/>
+            <a:lvl1pPr indent="0" algn="r">
+              <a:lnSpc>
+                <a:spcPct val="100000"/>
+              </a:lnSpc>
+              <a:buNone/>
+              <a:tabLst>
+                <a:tab algn="l" pos="0"/>
+              </a:tabLst>
               <a:defRPr b="0" lang="it-IT" sz="1400" spc="-1" strike="noStrike">
                 <a:solidFill>
                   <a:srgbClr val="000000"/>
@@ -2909,70 +5209,16 @@
             </a:lvl1pPr>
           </a:lstStyle>
           <a:p>
-            <a:pPr indent="0" algn="ctr">
-              <a:buNone/>
-            </a:pPr>
-            <a:r>
-              <a:rPr b="0" lang="it-IT" sz="1400" spc="-1" strike="noStrike">
-                <a:solidFill>
-                  <a:srgbClr val="000000"/>
-                </a:solidFill>
-                <a:latin typeface="Times New Roman"/>
-              </a:rPr>
-              <a:t>&lt;piè di pagina&gt;</a:t>
-            </a:r>
-            <a:endParaRPr b="0" lang="it-IT" sz="1400" spc="-1" strike="noStrike">
-              <a:solidFill>
-                <a:srgbClr val="000000"/>
-              </a:solidFill>
-              <a:latin typeface="Times New Roman"/>
-            </a:endParaRPr>
-          </a:p>
-        </p:txBody>
-      </p:sp>
-      <p:sp>
-        <p:nvSpPr>
-          <p:cNvPr id="4" name="PlaceHolder 5"/>
-          <p:cNvSpPr>
-            <a:spLocks noGrp="1"/>
-          </p:cNvSpPr>
-          <p:nvPr>
-            <p:ph type="sldNum" idx="3"/>
-          </p:nvPr>
-        </p:nvSpPr>
-        <p:spPr>
-          <a:xfrm>
-            <a:off x="7227360" y="5165280"/>
-            <a:ext cx="2348280" cy="390600"/>
-          </a:xfrm>
-          <a:prstGeom prst="rect">
-            <a:avLst/>
-          </a:prstGeom>
-          <a:noFill/>
-          <a:ln w="0">
-            <a:noFill/>
-          </a:ln>
-        </p:spPr>
-        <p:txBody>
-          <a:bodyPr lIns="0" rIns="0" tIns="0" bIns="0" anchor="t">
-            <a:noAutofit/>
-          </a:bodyPr>
-          <a:lstStyle>
-            <a:lvl1pPr indent="0" algn="r">
-              <a:buNone/>
-              <a:defRPr b="0" lang="it-IT" sz="1400" spc="-1" strike="noStrike">
-                <a:solidFill>
-                  <a:srgbClr val="000000"/>
-                </a:solidFill>
-                <a:latin typeface="Times New Roman"/>
-              </a:defRPr>
-            </a:lvl1pPr>
-          </a:lstStyle>
-          <a:p>
             <a:pPr indent="0" algn="r">
-              <a:buNone/>
-            </a:pPr>
-            <a:fld id="{F370CDF8-D7F0-408D-970D-5797E18F7112}" type="slidenum">
+              <a:lnSpc>
+                <a:spcPct val="100000"/>
+              </a:lnSpc>
+              <a:buNone/>
+              <a:tabLst>
+                <a:tab algn="l" pos="0"/>
+              </a:tabLst>
+            </a:pPr>
+            <a:fld id="{8DC95ACE-9224-481E-BAA9-A97B037E69C9}" type="slidenum">
               <a:rPr b="0" lang="it-IT" sz="1400" spc="-1" strike="noStrike">
                 <a:solidFill>
                   <a:srgbClr val="000000"/>
@@ -2986,6 +5232,291 @@
                 <a:srgbClr val="000000"/>
               </a:solidFill>
               <a:latin typeface="Times New Roman"/>
+            </a:endParaRPr>
+          </a:p>
+        </p:txBody>
+      </p:sp>
+      <p:sp>
+        <p:nvSpPr>
+          <p:cNvPr id="3" name="PlaceHolder 4"/>
+          <p:cNvSpPr>
+            <a:spLocks noGrp="1"/>
+          </p:cNvSpPr>
+          <p:nvPr>
+            <p:ph type="dt" idx="3"/>
+          </p:nvPr>
+        </p:nvSpPr>
+        <p:spPr>
+          <a:xfrm>
+            <a:off x="504000" y="5165280"/>
+            <a:ext cx="2347920" cy="390240"/>
+          </a:xfrm>
+          <a:prstGeom prst="rect">
+            <a:avLst/>
+          </a:prstGeom>
+          <a:noFill/>
+          <a:ln w="0">
+            <a:noFill/>
+          </a:ln>
+        </p:spPr>
+        <p:txBody>
+          <a:bodyPr lIns="0" rIns="0" tIns="0" bIns="0" anchor="t">
+            <a:noAutofit/>
+          </a:bodyPr>
+          <a:lstStyle>
+            <a:lvl1pPr indent="0">
+              <a:buNone/>
+              <a:defRPr b="0" lang="it-IT" sz="1400" spc="-1" strike="noStrike">
+                <a:solidFill>
+                  <a:srgbClr val="000000"/>
+                </a:solidFill>
+                <a:latin typeface="Times New Roman"/>
+              </a:defRPr>
+            </a:lvl1pPr>
+          </a:lstStyle>
+          <a:p>
+            <a:pPr indent="0">
+              <a:buNone/>
+            </a:pPr>
+            <a:r>
+              <a:rPr b="0" lang="it-IT" sz="1400" spc="-1" strike="noStrike">
+                <a:solidFill>
+                  <a:srgbClr val="000000"/>
+                </a:solidFill>
+                <a:latin typeface="Times New Roman"/>
+              </a:rPr>
+              <a:t>&lt;data/ora&gt;</a:t>
+            </a:r>
+            <a:endParaRPr b="0" lang="it-IT" sz="1400" spc="-1" strike="noStrike">
+              <a:solidFill>
+                <a:srgbClr val="000000"/>
+              </a:solidFill>
+              <a:latin typeface="Times New Roman"/>
+            </a:endParaRPr>
+          </a:p>
+        </p:txBody>
+      </p:sp>
+      <p:sp>
+        <p:nvSpPr>
+          <p:cNvPr id="4" name="PlaceHolder 5"/>
+          <p:cNvSpPr>
+            <a:spLocks noGrp="1"/>
+          </p:cNvSpPr>
+          <p:nvPr>
+            <p:ph type="body"/>
+          </p:nvPr>
+        </p:nvSpPr>
+        <p:spPr>
+          <a:xfrm>
+            <a:off x="504000" y="1326600"/>
+            <a:ext cx="9072000" cy="3288600"/>
+          </a:xfrm>
+          <a:prstGeom prst="rect">
+            <a:avLst/>
+          </a:prstGeom>
+          <a:noFill/>
+          <a:ln w="0">
+            <a:noFill/>
+          </a:ln>
+        </p:spPr>
+        <p:txBody>
+          <a:bodyPr lIns="0" rIns="0" tIns="0" bIns="0" anchor="t">
+            <a:normAutofit/>
+          </a:bodyPr>
+          <a:p>
+            <a:pPr marL="432000" indent="-324000">
+              <a:spcBef>
+                <a:spcPts val="1417"/>
+              </a:spcBef>
+              <a:buClr>
+                <a:srgbClr val="000000"/>
+              </a:buClr>
+              <a:buSzPct val="45000"/>
+              <a:buFont typeface="Wingdings" charset="2"/>
+              <a:buChar char=""/>
+            </a:pPr>
+            <a:r>
+              <a:rPr b="0" lang="it-IT" sz="3200" spc="-1" strike="noStrike">
+                <a:solidFill>
+                  <a:srgbClr val="000000"/>
+                </a:solidFill>
+                <a:latin typeface="Arial"/>
+              </a:rPr>
+              <a:t>Fai clic per modificare il formato del testo della struttura</a:t>
+            </a:r>
+            <a:endParaRPr b="0" lang="it-IT" sz="3200" spc="-1" strike="noStrike">
+              <a:solidFill>
+                <a:srgbClr val="000000"/>
+              </a:solidFill>
+              <a:latin typeface="Arial"/>
+            </a:endParaRPr>
+          </a:p>
+          <a:p>
+            <a:pPr lvl="1" marL="864000" indent="-324000">
+              <a:spcBef>
+                <a:spcPts val="1134"/>
+              </a:spcBef>
+              <a:buClr>
+                <a:srgbClr val="000000"/>
+              </a:buClr>
+              <a:buSzPct val="75000"/>
+              <a:buFont typeface="Symbol" charset="2"/>
+              <a:buChar char=""/>
+            </a:pPr>
+            <a:r>
+              <a:rPr b="0" lang="it-IT" sz="2800" spc="-1" strike="noStrike">
+                <a:solidFill>
+                  <a:srgbClr val="000000"/>
+                </a:solidFill>
+                <a:latin typeface="Arial"/>
+              </a:rPr>
+              <a:t>Secondo livello struttura</a:t>
+            </a:r>
+            <a:endParaRPr b="0" lang="it-IT" sz="2800" spc="-1" strike="noStrike">
+              <a:solidFill>
+                <a:srgbClr val="000000"/>
+              </a:solidFill>
+              <a:latin typeface="Arial"/>
+            </a:endParaRPr>
+          </a:p>
+          <a:p>
+            <a:pPr lvl="2" marL="1296000" indent="-288000">
+              <a:spcBef>
+                <a:spcPts val="850"/>
+              </a:spcBef>
+              <a:buClr>
+                <a:srgbClr val="000000"/>
+              </a:buClr>
+              <a:buSzPct val="45000"/>
+              <a:buFont typeface="Wingdings" charset="2"/>
+              <a:buChar char=""/>
+            </a:pPr>
+            <a:r>
+              <a:rPr b="0" lang="it-IT" sz="2400" spc="-1" strike="noStrike">
+                <a:solidFill>
+                  <a:srgbClr val="000000"/>
+                </a:solidFill>
+                <a:latin typeface="Arial"/>
+              </a:rPr>
+              <a:t>Terzo livello struttura</a:t>
+            </a:r>
+            <a:endParaRPr b="0" lang="it-IT" sz="2400" spc="-1" strike="noStrike">
+              <a:solidFill>
+                <a:srgbClr val="000000"/>
+              </a:solidFill>
+              <a:latin typeface="Arial"/>
+            </a:endParaRPr>
+          </a:p>
+          <a:p>
+            <a:pPr lvl="3" marL="1728000" indent="-216000">
+              <a:spcBef>
+                <a:spcPts val="567"/>
+              </a:spcBef>
+              <a:buClr>
+                <a:srgbClr val="000000"/>
+              </a:buClr>
+              <a:buSzPct val="75000"/>
+              <a:buFont typeface="Symbol" charset="2"/>
+              <a:buChar char=""/>
+            </a:pPr>
+            <a:r>
+              <a:rPr b="0" lang="it-IT" sz="2000" spc="-1" strike="noStrike">
+                <a:solidFill>
+                  <a:srgbClr val="000000"/>
+                </a:solidFill>
+                <a:latin typeface="Arial"/>
+              </a:rPr>
+              <a:t>Quarto livello struttura</a:t>
+            </a:r>
+            <a:endParaRPr b="0" lang="it-IT" sz="2000" spc="-1" strike="noStrike">
+              <a:solidFill>
+                <a:srgbClr val="000000"/>
+              </a:solidFill>
+              <a:latin typeface="Arial"/>
+            </a:endParaRPr>
+          </a:p>
+          <a:p>
+            <a:pPr lvl="4" marL="2160000" indent="-216000">
+              <a:spcBef>
+                <a:spcPts val="283"/>
+              </a:spcBef>
+              <a:buClr>
+                <a:srgbClr val="000000"/>
+              </a:buClr>
+              <a:buSzPct val="45000"/>
+              <a:buFont typeface="Wingdings" charset="2"/>
+              <a:buChar char=""/>
+            </a:pPr>
+            <a:r>
+              <a:rPr b="0" lang="it-IT" sz="2000" spc="-1" strike="noStrike">
+                <a:solidFill>
+                  <a:srgbClr val="000000"/>
+                </a:solidFill>
+                <a:latin typeface="Arial"/>
+              </a:rPr>
+              <a:t>Quinto livello struttura</a:t>
+            </a:r>
+            <a:endParaRPr b="0" lang="it-IT" sz="2000" spc="-1" strike="noStrike">
+              <a:solidFill>
+                <a:srgbClr val="000000"/>
+              </a:solidFill>
+              <a:latin typeface="Arial"/>
+            </a:endParaRPr>
+          </a:p>
+          <a:p>
+            <a:pPr lvl="5" marL="2592000" indent="-216000">
+              <a:spcBef>
+                <a:spcPts val="283"/>
+              </a:spcBef>
+              <a:buClr>
+                <a:srgbClr val="000000"/>
+              </a:buClr>
+              <a:buSzPct val="45000"/>
+              <a:buFont typeface="Wingdings" charset="2"/>
+              <a:buChar char=""/>
+            </a:pPr>
+            <a:r>
+              <a:rPr b="0" lang="it-IT" sz="2000" spc="-1" strike="noStrike">
+                <a:solidFill>
+                  <a:srgbClr val="000000"/>
+                </a:solidFill>
+                <a:latin typeface="Arial"/>
+              </a:rPr>
+              <a:t>Sesto livello struttura</a:t>
+            </a:r>
+            <a:endParaRPr b="0" lang="it-IT" sz="2000" spc="-1" strike="noStrike">
+              <a:solidFill>
+                <a:srgbClr val="000000"/>
+              </a:solidFill>
+              <a:latin typeface="Arial"/>
+            </a:endParaRPr>
+          </a:p>
+          <a:p>
+            <a:pPr lvl="6" marL="3024000" indent="-216000">
+              <a:spcBef>
+                <a:spcPts val="283"/>
+              </a:spcBef>
+              <a:buClr>
+                <a:srgbClr val="000000"/>
+              </a:buClr>
+              <a:buSzPct val="45000"/>
+              <a:buFont typeface="Wingdings" charset="2"/>
+              <a:buChar char=""/>
+            </a:pPr>
+            <a:r>
+              <a:rPr b="0" lang="it-IT" sz="2000" spc="-1" strike="noStrike">
+                <a:solidFill>
+                  <a:srgbClr val="000000"/>
+                </a:solidFill>
+                <a:latin typeface="Arial"/>
+              </a:rPr>
+              <a:t>Settimo livello struttura</a:t>
+            </a:r>
+            <a:endParaRPr b="0" lang="it-IT" sz="2000" spc="-1" strike="noStrike">
+              <a:solidFill>
+                <a:srgbClr val="000000"/>
+              </a:solidFill>
+              <a:latin typeface="Arial"/>
             </a:endParaRPr>
           </a:p>
         </p:txBody>
@@ -3006,6 +5537,521 @@
     <p:sldLayoutId id="2147483658" r:id="rId11"/>
     <p:sldLayoutId id="2147483659" r:id="rId12"/>
     <p:sldLayoutId id="2147483660" r:id="rId13"/>
+  </p:sldLayoutIdLst>
+</p:sldMaster>
+</file>
+
+<file path=ppt/slideMasters/slideMaster2.xml><?xml version="1.0" encoding="utf-8"?>
+<p:sldMaster xmlns:a="http://schemas.openxmlformats.org/drawingml/2006/main" xmlns:p="http://schemas.openxmlformats.org/presentationml/2006/main" xmlns:r="http://schemas.openxmlformats.org/officeDocument/2006/relationships" xmlns:p14="http://schemas.microsoft.com/office/powerpoint/2010/main" xmlns:p15="http://schemas.microsoft.com/office/powerpoint/2012/main" xmlns:mc="http://schemas.openxmlformats.org/markup-compatibility/2006">
+  <p:cSld>
+    <p:spTree>
+      <p:nvGrpSpPr>
+        <p:cNvPr id="1" name=""/>
+        <p:cNvGrpSpPr/>
+        <p:nvPr/>
+      </p:nvGrpSpPr>
+      <p:grpSpPr>
+        <a:xfrm>
+          <a:off x="0" y="0"/>
+          <a:ext cx="0" cy="0"/>
+          <a:chOff x="0" y="0"/>
+          <a:chExt cx="0" cy="0"/>
+        </a:xfrm>
+      </p:grpSpPr>
+      <p:sp>
+        <p:nvSpPr>
+          <p:cNvPr id="41" name="PlaceHolder 1"/>
+          <p:cNvSpPr>
+            <a:spLocks noGrp="1"/>
+          </p:cNvSpPr>
+          <p:nvPr>
+            <p:ph type="title"/>
+          </p:nvPr>
+        </p:nvSpPr>
+        <p:spPr>
+          <a:xfrm>
+            <a:off x="504000" y="226080"/>
+            <a:ext cx="9071280" cy="946080"/>
+          </a:xfrm>
+          <a:prstGeom prst="rect">
+            <a:avLst/>
+          </a:prstGeom>
+          <a:noFill/>
+          <a:ln w="0">
+            <a:noFill/>
+          </a:ln>
+        </p:spPr>
+        <p:txBody>
+          <a:bodyPr lIns="0" rIns="0" tIns="0" bIns="0" anchor="ctr">
+            <a:noAutofit/>
+          </a:bodyPr>
+          <a:p>
+            <a:pPr indent="0">
+              <a:buNone/>
+            </a:pPr>
+            <a:r>
+              <a:rPr b="0" lang="it-IT" sz="1800" spc="-1" strike="noStrike">
+                <a:solidFill>
+                  <a:srgbClr val="000000"/>
+                </a:solidFill>
+                <a:latin typeface="Arial"/>
+              </a:rPr>
+              <a:t>Fai clic per modificare il formato del testo del titolo</a:t>
+            </a:r>
+            <a:endParaRPr b="0" lang="it-IT" sz="1800" spc="-1" strike="noStrike">
+              <a:solidFill>
+                <a:srgbClr val="000000"/>
+              </a:solidFill>
+              <a:latin typeface="Arial"/>
+            </a:endParaRPr>
+          </a:p>
+        </p:txBody>
+      </p:sp>
+      <p:sp>
+        <p:nvSpPr>
+          <p:cNvPr id="42" name="PlaceHolder 2"/>
+          <p:cNvSpPr>
+            <a:spLocks noGrp="1"/>
+          </p:cNvSpPr>
+          <p:nvPr>
+            <p:ph type="body"/>
+          </p:nvPr>
+        </p:nvSpPr>
+        <p:spPr>
+          <a:xfrm>
+            <a:off x="504000" y="1326600"/>
+            <a:ext cx="9071280" cy="3287880"/>
+          </a:xfrm>
+          <a:prstGeom prst="rect">
+            <a:avLst/>
+          </a:prstGeom>
+          <a:noFill/>
+          <a:ln w="0">
+            <a:noFill/>
+          </a:ln>
+        </p:spPr>
+        <p:txBody>
+          <a:bodyPr lIns="0" rIns="0" tIns="0" bIns="0" anchor="t">
+            <a:normAutofit/>
+          </a:bodyPr>
+          <a:p>
+            <a:pPr marL="432000" indent="-324000">
+              <a:spcBef>
+                <a:spcPts val="1417"/>
+              </a:spcBef>
+              <a:buClr>
+                <a:srgbClr val="000000"/>
+              </a:buClr>
+              <a:buSzPct val="45000"/>
+              <a:buFont typeface="Wingdings" charset="2"/>
+              <a:buChar char=""/>
+            </a:pPr>
+            <a:r>
+              <a:rPr b="0" lang="it-IT" sz="1800" spc="-1" strike="noStrike">
+                <a:solidFill>
+                  <a:srgbClr val="000000"/>
+                </a:solidFill>
+                <a:latin typeface="Arial"/>
+              </a:rPr>
+              <a:t>Fai clic per modificare il formato del testo della struttura</a:t>
+            </a:r>
+            <a:endParaRPr b="0" lang="it-IT" sz="1800" spc="-1" strike="noStrike">
+              <a:solidFill>
+                <a:srgbClr val="000000"/>
+              </a:solidFill>
+              <a:latin typeface="Arial"/>
+            </a:endParaRPr>
+          </a:p>
+          <a:p>
+            <a:pPr lvl="1" marL="864000" indent="-324000">
+              <a:spcBef>
+                <a:spcPts val="1134"/>
+              </a:spcBef>
+              <a:buClr>
+                <a:srgbClr val="000000"/>
+              </a:buClr>
+              <a:buSzPct val="75000"/>
+              <a:buFont typeface="Symbol" charset="2"/>
+              <a:buChar char=""/>
+            </a:pPr>
+            <a:r>
+              <a:rPr b="0" lang="it-IT" sz="1800" spc="-1" strike="noStrike">
+                <a:solidFill>
+                  <a:srgbClr val="000000"/>
+                </a:solidFill>
+                <a:latin typeface="Arial"/>
+              </a:rPr>
+              <a:t>Secondo livello struttura</a:t>
+            </a:r>
+            <a:endParaRPr b="0" lang="it-IT" sz="1800" spc="-1" strike="noStrike">
+              <a:solidFill>
+                <a:srgbClr val="000000"/>
+              </a:solidFill>
+              <a:latin typeface="Arial"/>
+            </a:endParaRPr>
+          </a:p>
+          <a:p>
+            <a:pPr lvl="2" marL="1296000" indent="-288000">
+              <a:spcBef>
+                <a:spcPts val="850"/>
+              </a:spcBef>
+              <a:buClr>
+                <a:srgbClr val="000000"/>
+              </a:buClr>
+              <a:buSzPct val="45000"/>
+              <a:buFont typeface="Wingdings" charset="2"/>
+              <a:buChar char=""/>
+            </a:pPr>
+            <a:r>
+              <a:rPr b="0" lang="it-IT" sz="1800" spc="-1" strike="noStrike">
+                <a:solidFill>
+                  <a:srgbClr val="000000"/>
+                </a:solidFill>
+                <a:latin typeface="Arial"/>
+              </a:rPr>
+              <a:t>Terzo livello struttura</a:t>
+            </a:r>
+            <a:endParaRPr b="0" lang="it-IT" sz="1800" spc="-1" strike="noStrike">
+              <a:solidFill>
+                <a:srgbClr val="000000"/>
+              </a:solidFill>
+              <a:latin typeface="Arial"/>
+            </a:endParaRPr>
+          </a:p>
+          <a:p>
+            <a:pPr lvl="3" marL="1728000" indent="-216000">
+              <a:spcBef>
+                <a:spcPts val="567"/>
+              </a:spcBef>
+              <a:buClr>
+                <a:srgbClr val="000000"/>
+              </a:buClr>
+              <a:buSzPct val="75000"/>
+              <a:buFont typeface="Symbol" charset="2"/>
+              <a:buChar char=""/>
+            </a:pPr>
+            <a:r>
+              <a:rPr b="0" lang="it-IT" sz="1800" spc="-1" strike="noStrike">
+                <a:solidFill>
+                  <a:srgbClr val="000000"/>
+                </a:solidFill>
+                <a:latin typeface="Arial"/>
+              </a:rPr>
+              <a:t>Quarto livello struttura</a:t>
+            </a:r>
+            <a:endParaRPr b="0" lang="it-IT" sz="1800" spc="-1" strike="noStrike">
+              <a:solidFill>
+                <a:srgbClr val="000000"/>
+              </a:solidFill>
+              <a:latin typeface="Arial"/>
+            </a:endParaRPr>
+          </a:p>
+          <a:p>
+            <a:pPr lvl="4" marL="2160000" indent="-216000">
+              <a:spcBef>
+                <a:spcPts val="283"/>
+              </a:spcBef>
+              <a:buClr>
+                <a:srgbClr val="000000"/>
+              </a:buClr>
+              <a:buSzPct val="45000"/>
+              <a:buFont typeface="Wingdings" charset="2"/>
+              <a:buChar char=""/>
+            </a:pPr>
+            <a:r>
+              <a:rPr b="0" lang="it-IT" sz="1800" spc="-1" strike="noStrike">
+                <a:solidFill>
+                  <a:srgbClr val="000000"/>
+                </a:solidFill>
+                <a:latin typeface="Arial"/>
+              </a:rPr>
+              <a:t>Quinto livello struttura</a:t>
+            </a:r>
+            <a:endParaRPr b="0" lang="it-IT" sz="1800" spc="-1" strike="noStrike">
+              <a:solidFill>
+                <a:srgbClr val="000000"/>
+              </a:solidFill>
+              <a:latin typeface="Arial"/>
+            </a:endParaRPr>
+          </a:p>
+          <a:p>
+            <a:pPr lvl="5" marL="2592000" indent="-216000">
+              <a:spcBef>
+                <a:spcPts val="283"/>
+              </a:spcBef>
+              <a:buClr>
+                <a:srgbClr val="000000"/>
+              </a:buClr>
+              <a:buSzPct val="45000"/>
+              <a:buFont typeface="Wingdings" charset="2"/>
+              <a:buChar char=""/>
+            </a:pPr>
+            <a:r>
+              <a:rPr b="0" lang="it-IT" sz="1800" spc="-1" strike="noStrike">
+                <a:solidFill>
+                  <a:srgbClr val="000000"/>
+                </a:solidFill>
+                <a:latin typeface="Arial"/>
+              </a:rPr>
+              <a:t>Sesto livello struttura</a:t>
+            </a:r>
+            <a:endParaRPr b="0" lang="it-IT" sz="1800" spc="-1" strike="noStrike">
+              <a:solidFill>
+                <a:srgbClr val="000000"/>
+              </a:solidFill>
+              <a:latin typeface="Arial"/>
+            </a:endParaRPr>
+          </a:p>
+          <a:p>
+            <a:pPr lvl="6" marL="3024000" indent="-216000">
+              <a:spcBef>
+                <a:spcPts val="283"/>
+              </a:spcBef>
+              <a:buClr>
+                <a:srgbClr val="000000"/>
+              </a:buClr>
+              <a:buSzPct val="45000"/>
+              <a:buFont typeface="Wingdings" charset="2"/>
+              <a:buChar char=""/>
+            </a:pPr>
+            <a:r>
+              <a:rPr b="0" lang="it-IT" sz="1800" spc="-1" strike="noStrike">
+                <a:solidFill>
+                  <a:srgbClr val="000000"/>
+                </a:solidFill>
+                <a:latin typeface="Arial"/>
+              </a:rPr>
+              <a:t>Settimo livello struttura</a:t>
+            </a:r>
+            <a:endParaRPr b="0" lang="it-IT" sz="1800" spc="-1" strike="noStrike">
+              <a:solidFill>
+                <a:srgbClr val="000000"/>
+              </a:solidFill>
+              <a:latin typeface="Arial"/>
+            </a:endParaRPr>
+          </a:p>
+        </p:txBody>
+      </p:sp>
+      <p:sp>
+        <p:nvSpPr>
+          <p:cNvPr id="43" name="PlaceHolder 3"/>
+          <p:cNvSpPr>
+            <a:spLocks noGrp="1"/>
+          </p:cNvSpPr>
+          <p:nvPr>
+            <p:ph type="ftr" idx="4"/>
+          </p:nvPr>
+        </p:nvSpPr>
+        <p:spPr>
+          <a:xfrm>
+            <a:off x="3447360" y="5165280"/>
+            <a:ext cx="3194640" cy="390240"/>
+          </a:xfrm>
+          <a:prstGeom prst="rect">
+            <a:avLst/>
+          </a:prstGeom>
+          <a:noFill/>
+          <a:ln w="0">
+            <a:noFill/>
+          </a:ln>
+        </p:spPr>
+        <p:txBody>
+          <a:bodyPr lIns="0" rIns="0" tIns="0" bIns="0" anchor="t">
+            <a:noAutofit/>
+          </a:bodyPr>
+          <a:lstStyle>
+            <a:lvl1pPr indent="0" algn="ctr">
+              <a:lnSpc>
+                <a:spcPct val="100000"/>
+              </a:lnSpc>
+              <a:buNone/>
+              <a:tabLst>
+                <a:tab algn="l" pos="0"/>
+              </a:tabLst>
+              <a:defRPr b="0" lang="it-IT" sz="1400" spc="-1" strike="noStrike">
+                <a:solidFill>
+                  <a:srgbClr val="000000"/>
+                </a:solidFill>
+                <a:latin typeface="Times New Roman"/>
+              </a:defRPr>
+            </a:lvl1pPr>
+          </a:lstStyle>
+          <a:p>
+            <a:pPr indent="0" algn="ctr">
+              <a:lnSpc>
+                <a:spcPct val="100000"/>
+              </a:lnSpc>
+              <a:buNone/>
+              <a:tabLst>
+                <a:tab algn="l" pos="0"/>
+              </a:tabLst>
+            </a:pPr>
+            <a:r>
+              <a:rPr b="0" lang="it-IT" sz="1400" spc="-1" strike="noStrike">
+                <a:solidFill>
+                  <a:srgbClr val="000000"/>
+                </a:solidFill>
+                <a:latin typeface="Times New Roman"/>
+              </a:rPr>
+              <a:t>&lt;piè di pagina&gt;</a:t>
+            </a:r>
+            <a:endParaRPr b="0" lang="it-IT" sz="1400" spc="-1" strike="noStrike">
+              <a:solidFill>
+                <a:srgbClr val="000000"/>
+              </a:solidFill>
+              <a:latin typeface="Times New Roman"/>
+            </a:endParaRPr>
+          </a:p>
+        </p:txBody>
+      </p:sp>
+      <p:sp>
+        <p:nvSpPr>
+          <p:cNvPr id="44" name="PlaceHolder 4"/>
+          <p:cNvSpPr>
+            <a:spLocks noGrp="1"/>
+          </p:cNvSpPr>
+          <p:nvPr>
+            <p:ph type="sldNum" idx="5"/>
+          </p:nvPr>
+        </p:nvSpPr>
+        <p:spPr>
+          <a:xfrm>
+            <a:off x="7227360" y="5165280"/>
+            <a:ext cx="2347920" cy="390240"/>
+          </a:xfrm>
+          <a:prstGeom prst="rect">
+            <a:avLst/>
+          </a:prstGeom>
+          <a:noFill/>
+          <a:ln w="0">
+            <a:noFill/>
+          </a:ln>
+        </p:spPr>
+        <p:txBody>
+          <a:bodyPr lIns="0" rIns="0" tIns="0" bIns="0" anchor="t">
+            <a:noAutofit/>
+          </a:bodyPr>
+          <a:lstStyle>
+            <a:lvl1pPr indent="0" algn="r">
+              <a:lnSpc>
+                <a:spcPct val="100000"/>
+              </a:lnSpc>
+              <a:buNone/>
+              <a:tabLst>
+                <a:tab algn="l" pos="0"/>
+              </a:tabLst>
+              <a:defRPr b="0" lang="it-IT" sz="1400" spc="-1" strike="noStrike">
+                <a:solidFill>
+                  <a:srgbClr val="000000"/>
+                </a:solidFill>
+                <a:latin typeface="Times New Roman"/>
+              </a:defRPr>
+            </a:lvl1pPr>
+          </a:lstStyle>
+          <a:p>
+            <a:pPr indent="0" algn="r">
+              <a:lnSpc>
+                <a:spcPct val="100000"/>
+              </a:lnSpc>
+              <a:buNone/>
+              <a:tabLst>
+                <a:tab algn="l" pos="0"/>
+              </a:tabLst>
+            </a:pPr>
+            <a:fld id="{1F9C03B7-CF5B-4F36-8218-B0D5950A031D}" type="slidenum">
+              <a:rPr b="0" lang="it-IT" sz="1400" spc="-1" strike="noStrike">
+                <a:solidFill>
+                  <a:srgbClr val="000000"/>
+                </a:solidFill>
+                <a:latin typeface="Times New Roman"/>
+              </a:rPr>
+              <a:t>&lt;numero&gt;</a:t>
+            </a:fld>
+            <a:endParaRPr b="0" lang="it-IT" sz="1400" spc="-1" strike="noStrike">
+              <a:solidFill>
+                <a:srgbClr val="000000"/>
+              </a:solidFill>
+              <a:latin typeface="Times New Roman"/>
+            </a:endParaRPr>
+          </a:p>
+        </p:txBody>
+      </p:sp>
+      <p:sp>
+        <p:nvSpPr>
+          <p:cNvPr id="45" name="PlaceHolder 5"/>
+          <p:cNvSpPr>
+            <a:spLocks noGrp="1"/>
+          </p:cNvSpPr>
+          <p:nvPr>
+            <p:ph type="dt" idx="6"/>
+          </p:nvPr>
+        </p:nvSpPr>
+        <p:spPr>
+          <a:xfrm>
+            <a:off x="504000" y="5165280"/>
+            <a:ext cx="2347920" cy="390240"/>
+          </a:xfrm>
+          <a:prstGeom prst="rect">
+            <a:avLst/>
+          </a:prstGeom>
+          <a:noFill/>
+          <a:ln w="0">
+            <a:noFill/>
+          </a:ln>
+        </p:spPr>
+        <p:txBody>
+          <a:bodyPr lIns="0" rIns="0" tIns="0" bIns="0" anchor="t">
+            <a:noAutofit/>
+          </a:bodyPr>
+          <a:lstStyle>
+            <a:lvl1pPr indent="0">
+              <a:buNone/>
+              <a:defRPr b="0" lang="it-IT" sz="1400" spc="-1" strike="noStrike">
+                <a:solidFill>
+                  <a:srgbClr val="000000"/>
+                </a:solidFill>
+                <a:latin typeface="Times New Roman"/>
+              </a:defRPr>
+            </a:lvl1pPr>
+          </a:lstStyle>
+          <a:p>
+            <a:pPr indent="0">
+              <a:buNone/>
+            </a:pPr>
+            <a:r>
+              <a:rPr b="0" lang="it-IT" sz="1400" spc="-1" strike="noStrike">
+                <a:solidFill>
+                  <a:srgbClr val="000000"/>
+                </a:solidFill>
+                <a:latin typeface="Times New Roman"/>
+              </a:rPr>
+              <a:t>&lt;data/ora&gt;</a:t>
+            </a:r>
+            <a:endParaRPr b="0" lang="it-IT" sz="1400" spc="-1" strike="noStrike">
+              <a:solidFill>
+                <a:srgbClr val="000000"/>
+              </a:solidFill>
+              <a:latin typeface="Times New Roman"/>
+            </a:endParaRPr>
+          </a:p>
+        </p:txBody>
+      </p:sp>
+    </p:spTree>
+  </p:cSld>
+  <p:clrMap bg1="lt1" bg2="lt2" tx1="dk1" tx2="dk2" accent1="accent1" accent2="accent2" accent3="accent3" accent4="accent4" accent5="accent5" accent6="accent6" hlink="hlink" folHlink="folHlink"/>
+  <p:sldLayoutIdLst>
+    <p:sldLayoutId id="2147483662" r:id="rId2"/>
+    <p:sldLayoutId id="2147483663" r:id="rId3"/>
+    <p:sldLayoutId id="2147483664" r:id="rId4"/>
+    <p:sldLayoutId id="2147483665" r:id="rId5"/>
+    <p:sldLayoutId id="2147483666" r:id="rId6"/>
+    <p:sldLayoutId id="2147483667" r:id="rId7"/>
+    <p:sldLayoutId id="2147483668" r:id="rId8"/>
+    <p:sldLayoutId id="2147483669" r:id="rId9"/>
+    <p:sldLayoutId id="2147483670" r:id="rId10"/>
+    <p:sldLayoutId id="2147483671" r:id="rId11"/>
+    <p:sldLayoutId id="2147483672" r:id="rId12"/>
+    <p:sldLayoutId id="2147483673" r:id="rId13"/>
   </p:sldLayoutIdLst>
 </p:sldMaster>
 </file>
@@ -3029,7 +6075,7 @@
       </p:grpSpPr>
       <p:pic>
         <p:nvPicPr>
-          <p:cNvPr id="41" name="" descr=""/>
+          <p:cNvPr id="82" name="" descr=""/>
           <p:cNvPicPr/>
           <p:nvPr/>
         </p:nvPicPr>
@@ -3039,8 +6085,8 @@
         </p:blipFill>
         <p:spPr>
           <a:xfrm>
-            <a:off x="1284840" y="15120"/>
-            <a:ext cx="7554600" cy="5669640"/>
+            <a:off x="1264680" y="0"/>
+            <a:ext cx="7555320" cy="5670360"/>
           </a:xfrm>
           <a:prstGeom prst="rect">
             <a:avLst/>
@@ -3082,7 +6128,7 @@
       </p:grpSpPr>
       <p:pic>
         <p:nvPicPr>
-          <p:cNvPr id="42" name="" descr=""/>
+          <p:cNvPr id="83" name="" descr=""/>
           <p:cNvPicPr/>
           <p:nvPr/>
         </p:nvPicPr>
@@ -3093,7 +6139,7 @@
         <p:spPr>
           <a:xfrm>
             <a:off x="605880" y="15120"/>
-            <a:ext cx="8912520" cy="5669640"/>
+            <a:ext cx="8912160" cy="5669280"/>
           </a:xfrm>
           <a:prstGeom prst="rect">
             <a:avLst/>
@@ -3121,10 +6167,236 @@
   <a:themeElements>
     <a:clrScheme name="Office">
       <a:dk1>
-        <a:sysClr val="windowText" lastClr="000000"/>
+        <a:srgbClr val="000000"/>
       </a:dk1>
       <a:lt1>
-        <a:sysClr val="window" lastClr="FFFFFF"/>
+        <a:srgbClr val="ffffff"/>
+      </a:lt1>
+      <a:dk2>
+        <a:srgbClr val="1f497d"/>
+      </a:dk2>
+      <a:lt2>
+        <a:srgbClr val="eeece1"/>
+      </a:lt2>
+      <a:accent1>
+        <a:srgbClr val="4f81bd"/>
+      </a:accent1>
+      <a:accent2>
+        <a:srgbClr val="c0504d"/>
+      </a:accent2>
+      <a:accent3>
+        <a:srgbClr val="9bbb59"/>
+      </a:accent3>
+      <a:accent4>
+        <a:srgbClr val="8064a2"/>
+      </a:accent4>
+      <a:accent5>
+        <a:srgbClr val="4bacc6"/>
+      </a:accent5>
+      <a:accent6>
+        <a:srgbClr val="f79646"/>
+      </a:accent6>
+      <a:hlink>
+        <a:srgbClr val="0000ff"/>
+      </a:hlink>
+      <a:folHlink>
+        <a:srgbClr val="800080"/>
+      </a:folHlink>
+    </a:clrScheme>
+    <a:fontScheme name="Office">
+      <a:majorFont>
+        <a:latin typeface="Arial"/>
+        <a:ea typeface="DejaVu Sans"/>
+        <a:cs typeface="DejaVu Sans"/>
+      </a:majorFont>
+      <a:minorFont>
+        <a:latin typeface="Arial"/>
+        <a:ea typeface="DejaVu Sans"/>
+        <a:cs typeface="DejaVu Sans"/>
+      </a:minorFont>
+    </a:fontScheme>
+    <a:fmtScheme name="Office">
+      <a:fillStyleLst>
+        <a:solidFill>
+          <a:schemeClr val="phClr"/>
+        </a:solidFill>
+        <a:gradFill rotWithShape="1">
+          <a:gsLst>
+            <a:gs pos="0">
+              <a:schemeClr val="phClr">
+                <a:tint val="50000"/>
+                <a:satMod val="300000"/>
+              </a:schemeClr>
+            </a:gs>
+            <a:gs pos="35000">
+              <a:schemeClr val="phClr">
+                <a:tint val="37000"/>
+                <a:satMod val="300000"/>
+              </a:schemeClr>
+            </a:gs>
+            <a:gs pos="100000">
+              <a:schemeClr val="phClr">
+                <a:tint val="15000"/>
+                <a:satMod val="350000"/>
+              </a:schemeClr>
+            </a:gs>
+          </a:gsLst>
+          <a:lin ang="16200000" scaled="1"/>
+        </a:gradFill>
+        <a:gradFill rotWithShape="1">
+          <a:gsLst>
+            <a:gs pos="0">
+              <a:schemeClr val="phClr">
+                <a:shade val="51000"/>
+                <a:satMod val="130000"/>
+              </a:schemeClr>
+            </a:gs>
+            <a:gs pos="80000">
+              <a:schemeClr val="phClr">
+                <a:shade val="93000"/>
+                <a:satMod val="130000"/>
+              </a:schemeClr>
+            </a:gs>
+            <a:gs pos="100000">
+              <a:schemeClr val="phClr">
+                <a:shade val="94000"/>
+                <a:satMod val="135000"/>
+              </a:schemeClr>
+            </a:gs>
+          </a:gsLst>
+          <a:lin ang="16200000" scaled="0"/>
+        </a:gradFill>
+      </a:fillStyleLst>
+      <a:lnStyleLst>
+        <a:ln w="9525" cap="flat" cmpd="sng" algn="ctr">
+          <a:solidFill>
+            <a:schemeClr val="phClr">
+              <a:shade val="95000"/>
+              <a:satMod val="105000"/>
+            </a:schemeClr>
+          </a:solidFill>
+          <a:prstDash val="solid"/>
+          <a:miter/>
+        </a:ln>
+        <a:ln w="25400" cap="flat" cmpd="sng" algn="ctr">
+          <a:solidFill>
+            <a:schemeClr val="phClr"/>
+          </a:solidFill>
+          <a:prstDash val="solid"/>
+          <a:miter/>
+        </a:ln>
+        <a:ln w="38100" cap="flat" cmpd="sng" algn="ctr">
+          <a:solidFill>
+            <a:schemeClr val="phClr"/>
+          </a:solidFill>
+          <a:prstDash val="solid"/>
+          <a:miter/>
+        </a:ln>
+      </a:lnStyleLst>
+      <a:effectStyleLst>
+        <a:effectStyle>
+          <a:effectLst>
+            <a:outerShdw blurRad="40000" dist="20000" dir="5400000" rotWithShape="0">
+              <a:srgbClr val="000000">
+                <a:alpha val="38000"/>
+              </a:srgbClr>
+            </a:outerShdw>
+          </a:effectLst>
+        </a:effectStyle>
+        <a:effectStyle>
+          <a:effectLst>
+            <a:outerShdw blurRad="40000" dist="23000" dir="5400000" rotWithShape="0">
+              <a:srgbClr val="000000">
+                <a:alpha val="35000"/>
+              </a:srgbClr>
+            </a:outerShdw>
+          </a:effectLst>
+        </a:effectStyle>
+        <a:effectStyle>
+          <a:effectLst>
+            <a:outerShdw blurRad="40000" dist="23000" dir="5400000" rotWithShape="0">
+              <a:srgbClr val="000000">
+                <a:alpha val="35000"/>
+              </a:srgbClr>
+            </a:outerShdw>
+          </a:effectLst>
+          <a:scene3d>
+            <a:camera prst="orthographicFront">
+              <a:rot lat="0" lon="0" rev="0"/>
+            </a:camera>
+            <a:lightRig rig="threePt" dir="t">
+              <a:rot lat="0" lon="0" rev="1200000"/>
+            </a:lightRig>
+          </a:scene3d>
+          <a:sp3d>
+            <a:bevelT w="63500" h="25400"/>
+          </a:sp3d>
+        </a:effectStyle>
+      </a:effectStyleLst>
+      <a:bgFillStyleLst>
+        <a:solidFill>
+          <a:schemeClr val="phClr"/>
+        </a:solidFill>
+        <a:gradFill rotWithShape="1">
+          <a:gsLst>
+            <a:gs pos="0">
+              <a:schemeClr val="phClr">
+                <a:tint val="40000"/>
+                <a:satMod val="350000"/>
+              </a:schemeClr>
+            </a:gs>
+            <a:gs pos="40000">
+              <a:schemeClr val="phClr">
+                <a:tint val="45000"/>
+                <a:shade val="99000"/>
+                <a:satMod val="350000"/>
+              </a:schemeClr>
+            </a:gs>
+            <a:gs pos="100000">
+              <a:schemeClr val="phClr">
+                <a:shade val="20000"/>
+                <a:satMod val="255000"/>
+              </a:schemeClr>
+            </a:gs>
+          </a:gsLst>
+          <a:path path="circle">
+            <a:fillToRect l="50000" t="-80000" r="50000" b="180000"/>
+          </a:path>
+        </a:gradFill>
+        <a:gradFill rotWithShape="1">
+          <a:gsLst>
+            <a:gs pos="0">
+              <a:schemeClr val="phClr">
+                <a:tint val="80000"/>
+                <a:satMod val="300000"/>
+              </a:schemeClr>
+            </a:gs>
+            <a:gs pos="100000">
+              <a:schemeClr val="phClr">
+                <a:shade val="30000"/>
+                <a:satMod val="200000"/>
+              </a:schemeClr>
+            </a:gs>
+          </a:gsLst>
+          <a:path path="circle">
+            <a:fillToRect l="50000" t="50000" r="50000" b="50000"/>
+          </a:path>
+        </a:gradFill>
+      </a:bgFillStyleLst>
+    </a:fmtScheme>
+  </a:themeElements>
+</a:theme>
+</file>
+
+<file path=ppt/theme/theme2.xml><?xml version="1.0" encoding="utf-8"?>
+<a:theme xmlns:a="http://schemas.openxmlformats.org/drawingml/2006/main" name="Office Theme">
+  <a:themeElements>
+    <a:clrScheme name="Office">
+      <a:dk1>
+        <a:srgbClr val="000000"/>
+      </a:dk1>
+      <a:lt1>
+        <a:srgbClr val="ffffff"/>
       </a:lt1>
       <a:dk2>
         <a:srgbClr val="1f497d"/>

--- a/diagrammi UML classi e casi d'uso.pptx
+++ b/diagrammi UML classi e casi d'uso.pptx
@@ -65,7 +65,7 @@
         <p:txBody>
           <a:bodyPr/>
           <a:p>
-            <a:fld id="{A3E03458-0378-4299-ABC5-9E861F3EB916}" type="slidenum">
+            <a:fld id="{D9B65CFF-D747-4B95-A770-07AFB9B2F521}" type="slidenum">
               <a:t>&lt;#&gt;</a:t>
             </a:fld>
           </a:p>
@@ -274,7 +274,7 @@
         <p:txBody>
           <a:bodyPr/>
           <a:p>
-            <a:fld id="{897D4499-9D80-47C6-9F93-72FD644DAD31}" type="slidenum">
+            <a:fld id="{92D88B18-6440-4EA4-AFD6-9AA4BDE1BA55}" type="slidenum">
               <a:t>&lt;#&gt;</a:t>
             </a:fld>
           </a:p>
@@ -569,7 +569,7 @@
         <p:txBody>
           <a:bodyPr/>
           <a:p>
-            <a:fld id="{84312E47-13E8-4461-A638-9BEC4B5B988A}" type="slidenum">
+            <a:fld id="{BA4966BA-79A1-4013-A480-6987DC170F7F}" type="slidenum">
               <a:t>&lt;#&gt;</a:t>
             </a:fld>
           </a:p>
@@ -950,7 +950,7 @@
         <p:txBody>
           <a:bodyPr/>
           <a:p>
-            <a:fld id="{2B1068C2-E32B-4A61-ABE2-A21D1192752C}" type="slidenum">
+            <a:fld id="{FE523267-E083-48C6-9EC4-75D063DE86B4}" type="slidenum">
               <a:t>&lt;#&gt;</a:t>
             </a:fld>
           </a:p>
@@ -1033,7 +1033,7 @@
         <p:txBody>
           <a:bodyPr/>
           <a:p>
-            <a:fld id="{4C964E93-8DCF-447B-8042-07CE3D6CB58D}" type="slidenum">
+            <a:fld id="{29B083EB-1934-4E9A-8904-351EB2B23A37}" type="slidenum">
               <a:t>&lt;#&gt;</a:t>
             </a:fld>
           </a:p>
@@ -1196,7 +1196,7 @@
         <p:txBody>
           <a:bodyPr/>
           <a:p>
-            <a:fld id="{D1B8F515-3003-4E36-ABEF-64945289FB2E}" type="slidenum">
+            <a:fld id="{0A9DC0A4-5ADB-43B0-B56C-1D96170A681E}" type="slidenum">
               <a:t>&lt;#&gt;</a:t>
             </a:fld>
           </a:p>
@@ -1362,7 +1362,7 @@
         <p:txBody>
           <a:bodyPr/>
           <a:p>
-            <a:fld id="{93271E00-F635-4719-A7CC-AD34B31D1C75}" type="slidenum">
+            <a:fld id="{288F251F-3442-412A-BC5F-B59DB04CDC90}" type="slidenum">
               <a:t>&lt;#&gt;</a:t>
             </a:fld>
           </a:p>
@@ -1571,7 +1571,7 @@
         <p:txBody>
           <a:bodyPr/>
           <a:p>
-            <a:fld id="{B828432B-6F46-4E66-A6A2-39E35F60793A}" type="slidenum">
+            <a:fld id="{37D5191B-62AF-4184-B274-E7EA73B0DEB6}" type="slidenum">
               <a:t>&lt;#&gt;</a:t>
             </a:fld>
           </a:p>
@@ -1694,7 +1694,7 @@
         <p:txBody>
           <a:bodyPr/>
           <a:p>
-            <a:fld id="{28E3CB51-30F5-496A-A09A-6DB16EF4D90F}" type="slidenum">
+            <a:fld id="{5A5B9B23-09AD-4C97-84F2-1A47F11DB2FA}" type="slidenum">
               <a:t>&lt;#&gt;</a:t>
             </a:fld>
           </a:p>
@@ -1815,7 +1815,7 @@
         <p:txBody>
           <a:bodyPr/>
           <a:p>
-            <a:fld id="{774CC3C0-C741-479E-B353-6F9038A8672A}" type="slidenum">
+            <a:fld id="{EC5DAD1E-AEFC-473C-BF9F-FDE58F91C56F}" type="slidenum">
               <a:t>&lt;#&gt;</a:t>
             </a:fld>
           </a:p>
@@ -2067,7 +2067,7 @@
         <p:txBody>
           <a:bodyPr/>
           <a:p>
-            <a:fld id="{C5618325-86C1-4082-8C5B-53C8ABB2B85C}" type="slidenum">
+            <a:fld id="{0FE75B42-56D5-4E6A-B2C6-0EFC11A15826}" type="slidenum">
               <a:t>&lt;#&gt;</a:t>
             </a:fld>
           </a:p>
@@ -2230,7 +2230,7 @@
         <p:txBody>
           <a:bodyPr/>
           <a:p>
-            <a:fld id="{726D147C-8488-4E33-AE00-22DF749CBBD9}" type="slidenum">
+            <a:fld id="{84E5CE59-1148-4F9F-8EF6-984DC673A7C0}" type="slidenum">
               <a:t>&lt;#&gt;</a:t>
             </a:fld>
           </a:p>
@@ -2482,7 +2482,7 @@
         <p:txBody>
           <a:bodyPr/>
           <a:p>
-            <a:fld id="{C4C7433D-E4F7-45E6-B255-493F2AB49761}" type="slidenum">
+            <a:fld id="{47393799-DC9F-4194-8B1D-4209FF9AF97B}" type="slidenum">
               <a:t>&lt;#&gt;</a:t>
             </a:fld>
           </a:p>
@@ -2734,7 +2734,7 @@
         <p:txBody>
           <a:bodyPr/>
           <a:p>
-            <a:fld id="{043C2BC4-B220-461B-8341-F646F1AF0985}" type="slidenum">
+            <a:fld id="{9021A60E-7C58-4A74-826A-4E6DB5F9AA19}" type="slidenum">
               <a:t>&lt;#&gt;</a:t>
             </a:fld>
           </a:p>
@@ -2943,7 +2943,7 @@
         <p:txBody>
           <a:bodyPr/>
           <a:p>
-            <a:fld id="{45B33179-43A4-4027-B187-7F04D6B42B03}" type="slidenum">
+            <a:fld id="{8C126B87-C22E-4F37-BB83-FDD97A67ACB9}" type="slidenum">
               <a:t>&lt;#&gt;</a:t>
             </a:fld>
           </a:p>
@@ -3238,7 +3238,7 @@
         <p:txBody>
           <a:bodyPr/>
           <a:p>
-            <a:fld id="{52DF6F45-03C6-4EED-9208-FF4D4FDA5025}" type="slidenum">
+            <a:fld id="{C93079FB-260D-4B16-8162-0ED25B5E929D}" type="slidenum">
               <a:t>&lt;#&gt;</a:t>
             </a:fld>
           </a:p>
@@ -3619,7 +3619,7 @@
         <p:txBody>
           <a:bodyPr/>
           <a:p>
-            <a:fld id="{A341540E-0142-44B9-9087-8F07EA95D08B}" type="slidenum">
+            <a:fld id="{5D34BC51-8D65-4282-A020-692597E59CC3}" type="slidenum">
               <a:t>&lt;#&gt;</a:t>
             </a:fld>
           </a:p>
@@ -3785,7 +3785,7 @@
         <p:txBody>
           <a:bodyPr/>
           <a:p>
-            <a:fld id="{47F8FA5F-13C4-4556-AB80-51D57E5F7385}" type="slidenum">
+            <a:fld id="{D052B506-0474-4BFC-9491-7BF8A5C083FC}" type="slidenum">
               <a:t>&lt;#&gt;</a:t>
             </a:fld>
           </a:p>
@@ -3994,7 +3994,7 @@
         <p:txBody>
           <a:bodyPr/>
           <a:p>
-            <a:fld id="{BA9D49DF-F06A-4AA0-94A4-AA2971D7444A}" type="slidenum">
+            <a:fld id="{DE4A8868-466F-4A1B-8986-066171640756}" type="slidenum">
               <a:t>&lt;#&gt;</a:t>
             </a:fld>
           </a:p>
@@ -4117,7 +4117,7 @@
         <p:txBody>
           <a:bodyPr/>
           <a:p>
-            <a:fld id="{8258BAD9-45D4-4BFD-AEC7-84BB14108529}" type="slidenum">
+            <a:fld id="{88008848-4560-4DD0-82F2-0AFEF1E67876}" type="slidenum">
               <a:t>&lt;#&gt;</a:t>
             </a:fld>
           </a:p>
@@ -4238,7 +4238,7 @@
         <p:txBody>
           <a:bodyPr/>
           <a:p>
-            <a:fld id="{F291CDC7-FD3D-433E-893F-5B68E4304FEE}" type="slidenum">
+            <a:fld id="{98D50352-B83D-4187-A0A4-62862FEAE72B}" type="slidenum">
               <a:t>&lt;#&gt;</a:t>
             </a:fld>
           </a:p>
@@ -4490,7 +4490,7 @@
         <p:txBody>
           <a:bodyPr/>
           <a:p>
-            <a:fld id="{B557991D-6C76-496B-9AFE-1CD2087363B5}" type="slidenum">
+            <a:fld id="{F890BDB8-A8E7-477F-AD2D-CA20E49E11EF}" type="slidenum">
               <a:t>&lt;#&gt;</a:t>
             </a:fld>
           </a:p>
@@ -4742,7 +4742,7 @@
         <p:txBody>
           <a:bodyPr/>
           <a:p>
-            <a:fld id="{5E874319-1D9D-4312-ACFC-9518C7FF1B33}" type="slidenum">
+            <a:fld id="{33B53889-BA38-440B-942E-2C6C0383D012}" type="slidenum">
               <a:t>&lt;#&gt;</a:t>
             </a:fld>
           </a:p>
@@ -4994,7 +4994,7 @@
         <p:txBody>
           <a:bodyPr/>
           <a:p>
-            <a:fld id="{32F41677-200B-4CE5-86C3-B4B0AA8E725F}" type="slidenum">
+            <a:fld id="{E11F177E-30D4-49D4-A5A9-5288C1EC0BFF}" type="slidenum">
               <a:t>&lt;#&gt;</a:t>
             </a:fld>
           </a:p>
@@ -5050,287 +5050,13 @@
             <a:spLocks noGrp="1"/>
           </p:cNvSpPr>
           <p:nvPr>
-            <p:ph type="title"/>
-          </p:nvPr>
-        </p:nvSpPr>
-        <p:spPr>
-          <a:xfrm>
-            <a:off x="504000" y="226080"/>
-            <a:ext cx="9070920" cy="945720"/>
-          </a:xfrm>
-          <a:prstGeom prst="rect">
-            <a:avLst/>
-          </a:prstGeom>
-          <a:noFill/>
-          <a:ln w="0">
-            <a:noFill/>
-          </a:ln>
-        </p:spPr>
-        <p:txBody>
-          <a:bodyPr lIns="0" rIns="0" tIns="0" bIns="0" anchor="ctr">
-            <a:noAutofit/>
-          </a:bodyPr>
-          <a:p>
-            <a:pPr indent="0">
-              <a:buNone/>
-            </a:pPr>
-            <a:r>
-              <a:rPr b="0" lang="it-IT" sz="1800" spc="-1" strike="noStrike">
-                <a:solidFill>
-                  <a:srgbClr val="000000"/>
-                </a:solidFill>
-                <a:latin typeface="Arial"/>
-              </a:rPr>
-              <a:t>Fai clic per modificare il formato del testo del titolo</a:t>
-            </a:r>
-            <a:endParaRPr b="0" lang="it-IT" sz="1800" spc="-1" strike="noStrike">
-              <a:solidFill>
-                <a:srgbClr val="000000"/>
-              </a:solidFill>
-              <a:latin typeface="Arial"/>
-            </a:endParaRPr>
-          </a:p>
-        </p:txBody>
-      </p:sp>
-      <p:sp>
-        <p:nvSpPr>
-          <p:cNvPr id="1" name="PlaceHolder 2"/>
-          <p:cNvSpPr>
-            <a:spLocks noGrp="1"/>
-          </p:cNvSpPr>
-          <p:nvPr>
-            <p:ph type="body"/>
-          </p:nvPr>
-        </p:nvSpPr>
-        <p:spPr>
-          <a:xfrm>
-            <a:off x="504000" y="1326600"/>
-            <a:ext cx="9070920" cy="3287520"/>
-          </a:xfrm>
-          <a:prstGeom prst="rect">
-            <a:avLst/>
-          </a:prstGeom>
-          <a:noFill/>
-          <a:ln w="0">
-            <a:noFill/>
-          </a:ln>
-        </p:spPr>
-        <p:txBody>
-          <a:bodyPr lIns="0" rIns="0" tIns="0" bIns="0" anchor="t">
-            <a:normAutofit/>
-          </a:bodyPr>
-          <a:p>
-            <a:pPr marL="432000" indent="-324000">
-              <a:spcBef>
-                <a:spcPts val="1417"/>
-              </a:spcBef>
-              <a:buClr>
-                <a:srgbClr val="000000"/>
-              </a:buClr>
-              <a:buSzPct val="45000"/>
-              <a:buFont typeface="Wingdings" charset="2"/>
-              <a:buChar char=""/>
-            </a:pPr>
-            <a:r>
-              <a:rPr b="0" lang="it-IT" sz="1800" spc="-1" strike="noStrike">
-                <a:solidFill>
-                  <a:srgbClr val="000000"/>
-                </a:solidFill>
-                <a:latin typeface="Arial"/>
-              </a:rPr>
-              <a:t>Fai clic per modificare il formato del testo della struttura</a:t>
-            </a:r>
-            <a:endParaRPr b="0" lang="it-IT" sz="1800" spc="-1" strike="noStrike">
-              <a:solidFill>
-                <a:srgbClr val="000000"/>
-              </a:solidFill>
-              <a:latin typeface="Arial"/>
-            </a:endParaRPr>
-          </a:p>
-          <a:p>
-            <a:pPr lvl="1" marL="864000" indent="-324000">
-              <a:spcBef>
-                <a:spcPts val="1134"/>
-              </a:spcBef>
-              <a:buClr>
-                <a:srgbClr val="000000"/>
-              </a:buClr>
-              <a:buSzPct val="75000"/>
-              <a:buFont typeface="Symbol" charset="2"/>
-              <a:buChar char=""/>
-            </a:pPr>
-            <a:r>
-              <a:rPr b="0" lang="it-IT" sz="1800" spc="-1" strike="noStrike">
-                <a:solidFill>
-                  <a:srgbClr val="000000"/>
-                </a:solidFill>
-                <a:latin typeface="Arial"/>
-              </a:rPr>
-              <a:t>Secondo livello struttura</a:t>
-            </a:r>
-            <a:endParaRPr b="0" lang="it-IT" sz="1800" spc="-1" strike="noStrike">
-              <a:solidFill>
-                <a:srgbClr val="000000"/>
-              </a:solidFill>
-              <a:latin typeface="Arial"/>
-            </a:endParaRPr>
-          </a:p>
-          <a:p>
-            <a:pPr lvl="2" marL="1296000" indent="-288000">
-              <a:spcBef>
-                <a:spcPts val="850"/>
-              </a:spcBef>
-              <a:buClr>
-                <a:srgbClr val="000000"/>
-              </a:buClr>
-              <a:buSzPct val="45000"/>
-              <a:buFont typeface="Wingdings" charset="2"/>
-              <a:buChar char=""/>
-            </a:pPr>
-            <a:r>
-              <a:rPr b="0" lang="it-IT" sz="1800" spc="-1" strike="noStrike">
-                <a:solidFill>
-                  <a:srgbClr val="000000"/>
-                </a:solidFill>
-                <a:latin typeface="Arial"/>
-              </a:rPr>
-              <a:t>Terzo livello struttura</a:t>
-            </a:r>
-            <a:endParaRPr b="0" lang="it-IT" sz="1800" spc="-1" strike="noStrike">
-              <a:solidFill>
-                <a:srgbClr val="000000"/>
-              </a:solidFill>
-              <a:latin typeface="Arial"/>
-            </a:endParaRPr>
-          </a:p>
-          <a:p>
-            <a:pPr lvl="3" marL="1728000" indent="-216000">
-              <a:spcBef>
-                <a:spcPts val="567"/>
-              </a:spcBef>
-              <a:buClr>
-                <a:srgbClr val="000000"/>
-              </a:buClr>
-              <a:buSzPct val="75000"/>
-              <a:buFont typeface="Symbol" charset="2"/>
-              <a:buChar char=""/>
-            </a:pPr>
-            <a:r>
-              <a:rPr b="0" lang="it-IT" sz="1800" spc="-1" strike="noStrike">
-                <a:solidFill>
-                  <a:srgbClr val="000000"/>
-                </a:solidFill>
-                <a:latin typeface="Arial"/>
-              </a:rPr>
-              <a:t>Quarto livello struttura</a:t>
-            </a:r>
-            <a:endParaRPr b="0" lang="it-IT" sz="1800" spc="-1" strike="noStrike">
-              <a:solidFill>
-                <a:srgbClr val="000000"/>
-              </a:solidFill>
-              <a:latin typeface="Arial"/>
-            </a:endParaRPr>
-          </a:p>
-          <a:p>
-            <a:pPr lvl="4" marL="2160000" indent="-216000">
-              <a:spcBef>
-                <a:spcPts val="283"/>
-              </a:spcBef>
-              <a:buClr>
-                <a:srgbClr val="000000"/>
-              </a:buClr>
-              <a:buSzPct val="45000"/>
-              <a:buFont typeface="Wingdings" charset="2"/>
-              <a:buChar char=""/>
-            </a:pPr>
-            <a:r>
-              <a:rPr b="0" lang="it-IT" sz="1800" spc="-1" strike="noStrike">
-                <a:solidFill>
-                  <a:srgbClr val="000000"/>
-                </a:solidFill>
-                <a:latin typeface="Arial"/>
-              </a:rPr>
-              <a:t>Quinto livello struttura</a:t>
-            </a:r>
-            <a:endParaRPr b="0" lang="it-IT" sz="1800" spc="-1" strike="noStrike">
-              <a:solidFill>
-                <a:srgbClr val="000000"/>
-              </a:solidFill>
-              <a:latin typeface="Arial"/>
-            </a:endParaRPr>
-          </a:p>
-          <a:p>
-            <a:pPr lvl="5" marL="2592000" indent="-216000">
-              <a:spcBef>
-                <a:spcPts val="283"/>
-              </a:spcBef>
-              <a:buClr>
-                <a:srgbClr val="000000"/>
-              </a:buClr>
-              <a:buSzPct val="45000"/>
-              <a:buFont typeface="Wingdings" charset="2"/>
-              <a:buChar char=""/>
-            </a:pPr>
-            <a:r>
-              <a:rPr b="0" lang="it-IT" sz="1800" spc="-1" strike="noStrike">
-                <a:solidFill>
-                  <a:srgbClr val="000000"/>
-                </a:solidFill>
-                <a:latin typeface="Arial"/>
-              </a:rPr>
-              <a:t>Sesto livello struttura</a:t>
-            </a:r>
-            <a:endParaRPr b="0" lang="it-IT" sz="1800" spc="-1" strike="noStrike">
-              <a:solidFill>
-                <a:srgbClr val="000000"/>
-              </a:solidFill>
-              <a:latin typeface="Arial"/>
-            </a:endParaRPr>
-          </a:p>
-          <a:p>
-            <a:pPr lvl="6" marL="3024000" indent="-216000">
-              <a:spcBef>
-                <a:spcPts val="283"/>
-              </a:spcBef>
-              <a:buClr>
-                <a:srgbClr val="000000"/>
-              </a:buClr>
-              <a:buSzPct val="45000"/>
-              <a:buFont typeface="Wingdings" charset="2"/>
-              <a:buChar char=""/>
-            </a:pPr>
-            <a:r>
-              <a:rPr b="0" lang="it-IT" sz="1800" spc="-1" strike="noStrike">
-                <a:solidFill>
-                  <a:srgbClr val="000000"/>
-                </a:solidFill>
-                <a:latin typeface="Arial"/>
-              </a:rPr>
-              <a:t>Settimo livello struttura</a:t>
-            </a:r>
-            <a:endParaRPr b="0" lang="it-IT" sz="1800" spc="-1" strike="noStrike">
-              <a:solidFill>
-                <a:srgbClr val="000000"/>
-              </a:solidFill>
-              <a:latin typeface="Arial"/>
-            </a:endParaRPr>
-          </a:p>
-        </p:txBody>
-      </p:sp>
-      <p:sp>
-        <p:nvSpPr>
-          <p:cNvPr id="2" name="PlaceHolder 3"/>
-          <p:cNvSpPr>
-            <a:spLocks noGrp="1"/>
-          </p:cNvSpPr>
-          <p:nvPr>
             <p:ph type="ftr" idx="1"/>
           </p:nvPr>
         </p:nvSpPr>
         <p:spPr>
           <a:xfrm>
             <a:off x="3447360" y="5165280"/>
-            <a:ext cx="3194280" cy="389880"/>
+            <a:ext cx="3193920" cy="389520"/>
           </a:xfrm>
           <a:prstGeom prst="rect">
             <a:avLst/>
@@ -5391,7 +5117,7 @@
       </p:sp>
       <p:sp>
         <p:nvSpPr>
-          <p:cNvPr id="3" name="PlaceHolder 4"/>
+          <p:cNvPr id="1" name="PlaceHolder 2"/>
           <p:cNvSpPr>
             <a:spLocks noGrp="1"/>
           </p:cNvSpPr>
@@ -5402,7 +5128,7 @@
         <p:spPr>
           <a:xfrm>
             <a:off x="7227360" y="5165280"/>
-            <a:ext cx="2347560" cy="389880"/>
+            <a:ext cx="2347200" cy="389520"/>
           </a:xfrm>
           <a:prstGeom prst="rect">
             <a:avLst/>
@@ -5443,7 +5169,7 @@
                 <a:tab algn="l" pos="0"/>
               </a:tabLst>
             </a:pPr>
-            <a:fld id="{E77DDF0D-2687-4586-8587-0EB80661C668}" type="slidenum">
+            <a:fld id="{7D13CDC9-75DA-4077-8BDD-3886EEE2B901}" type="slidenum">
               <a:rPr b="0" lang="it-IT" sz="1400" spc="-1" strike="noStrike">
                 <a:solidFill>
                   <a:srgbClr val="000000"/>
@@ -5463,7 +5189,7 @@
       </p:sp>
       <p:sp>
         <p:nvSpPr>
-          <p:cNvPr id="4" name="PlaceHolder 5"/>
+          <p:cNvPr id="2" name="PlaceHolder 3"/>
           <p:cNvSpPr>
             <a:spLocks noGrp="1"/>
           </p:cNvSpPr>
@@ -5474,7 +5200,7 @@
         <p:spPr>
           <a:xfrm>
             <a:off x="504000" y="5165280"/>
-            <a:ext cx="2347560" cy="389880"/>
+            <a:ext cx="2347200" cy="389520"/>
           </a:xfrm>
           <a:prstGeom prst="rect">
             <a:avLst/>
@@ -5517,6 +5243,280 @@
                 <a:srgbClr val="000000"/>
               </a:solidFill>
               <a:latin typeface="Times New Roman"/>
+            </a:endParaRPr>
+          </a:p>
+        </p:txBody>
+      </p:sp>
+      <p:sp>
+        <p:nvSpPr>
+          <p:cNvPr id="3" name="PlaceHolder 4"/>
+          <p:cNvSpPr>
+            <a:spLocks noGrp="1"/>
+          </p:cNvSpPr>
+          <p:nvPr>
+            <p:ph type="title"/>
+          </p:nvPr>
+        </p:nvSpPr>
+        <p:spPr>
+          <a:xfrm>
+            <a:off x="504000" y="226080"/>
+            <a:ext cx="9072000" cy="946440"/>
+          </a:xfrm>
+          <a:prstGeom prst="rect">
+            <a:avLst/>
+          </a:prstGeom>
+          <a:noFill/>
+          <a:ln w="0">
+            <a:noFill/>
+          </a:ln>
+        </p:spPr>
+        <p:txBody>
+          <a:bodyPr lIns="0" rIns="0" tIns="0" bIns="0" anchor="ctr">
+            <a:noAutofit/>
+          </a:bodyPr>
+          <a:p>
+            <a:pPr indent="0" algn="ctr">
+              <a:buNone/>
+            </a:pPr>
+            <a:r>
+              <a:rPr b="0" lang="it-IT" sz="4400" spc="-1" strike="noStrike">
+                <a:solidFill>
+                  <a:srgbClr val="000000"/>
+                </a:solidFill>
+                <a:latin typeface="Arial"/>
+              </a:rPr>
+              <a:t>Fai clic per modificare il formato del testo del titolo</a:t>
+            </a:r>
+            <a:endParaRPr b="0" lang="it-IT" sz="4400" spc="-1" strike="noStrike">
+              <a:solidFill>
+                <a:srgbClr val="000000"/>
+              </a:solidFill>
+              <a:latin typeface="Arial"/>
+            </a:endParaRPr>
+          </a:p>
+        </p:txBody>
+      </p:sp>
+      <p:sp>
+        <p:nvSpPr>
+          <p:cNvPr id="4" name="PlaceHolder 5"/>
+          <p:cNvSpPr>
+            <a:spLocks noGrp="1"/>
+          </p:cNvSpPr>
+          <p:nvPr>
+            <p:ph type="body"/>
+          </p:nvPr>
+        </p:nvSpPr>
+        <p:spPr>
+          <a:xfrm>
+            <a:off x="504000" y="1326600"/>
+            <a:ext cx="9072000" cy="3288600"/>
+          </a:xfrm>
+          <a:prstGeom prst="rect">
+            <a:avLst/>
+          </a:prstGeom>
+          <a:noFill/>
+          <a:ln w="0">
+            <a:noFill/>
+          </a:ln>
+        </p:spPr>
+        <p:txBody>
+          <a:bodyPr lIns="0" rIns="0" tIns="0" bIns="0" anchor="t">
+            <a:normAutofit/>
+          </a:bodyPr>
+          <a:p>
+            <a:pPr marL="432000" indent="-324000">
+              <a:spcBef>
+                <a:spcPts val="1417"/>
+              </a:spcBef>
+              <a:buClr>
+                <a:srgbClr val="000000"/>
+              </a:buClr>
+              <a:buSzPct val="45000"/>
+              <a:buFont typeface="Wingdings" charset="2"/>
+              <a:buChar char=""/>
+            </a:pPr>
+            <a:r>
+              <a:rPr b="0" lang="it-IT" sz="3200" spc="-1" strike="noStrike">
+                <a:solidFill>
+                  <a:srgbClr val="000000"/>
+                </a:solidFill>
+                <a:latin typeface="Arial"/>
+              </a:rPr>
+              <a:t>Fai clic per modificare il formato del testo della struttura</a:t>
+            </a:r>
+            <a:endParaRPr b="0" lang="it-IT" sz="3200" spc="-1" strike="noStrike">
+              <a:solidFill>
+                <a:srgbClr val="000000"/>
+              </a:solidFill>
+              <a:latin typeface="Arial"/>
+            </a:endParaRPr>
+          </a:p>
+          <a:p>
+            <a:pPr lvl="1" marL="864000" indent="-324000">
+              <a:spcBef>
+                <a:spcPts val="1134"/>
+              </a:spcBef>
+              <a:buClr>
+                <a:srgbClr val="000000"/>
+              </a:buClr>
+              <a:buSzPct val="75000"/>
+              <a:buFont typeface="Symbol" charset="2"/>
+              <a:buChar char=""/>
+            </a:pPr>
+            <a:r>
+              <a:rPr b="0" lang="it-IT" sz="2800" spc="-1" strike="noStrike">
+                <a:solidFill>
+                  <a:srgbClr val="000000"/>
+                </a:solidFill>
+                <a:latin typeface="Arial"/>
+              </a:rPr>
+              <a:t>Secondo livello struttura</a:t>
+            </a:r>
+            <a:endParaRPr b="0" lang="it-IT" sz="2800" spc="-1" strike="noStrike">
+              <a:solidFill>
+                <a:srgbClr val="000000"/>
+              </a:solidFill>
+              <a:latin typeface="Arial"/>
+            </a:endParaRPr>
+          </a:p>
+          <a:p>
+            <a:pPr lvl="2" marL="1296000" indent="-288000">
+              <a:spcBef>
+                <a:spcPts val="850"/>
+              </a:spcBef>
+              <a:buClr>
+                <a:srgbClr val="000000"/>
+              </a:buClr>
+              <a:buSzPct val="45000"/>
+              <a:buFont typeface="Wingdings" charset="2"/>
+              <a:buChar char=""/>
+            </a:pPr>
+            <a:r>
+              <a:rPr b="0" lang="it-IT" sz="2400" spc="-1" strike="noStrike">
+                <a:solidFill>
+                  <a:srgbClr val="000000"/>
+                </a:solidFill>
+                <a:latin typeface="Arial"/>
+              </a:rPr>
+              <a:t>Terzo livello struttura</a:t>
+            </a:r>
+            <a:endParaRPr b="0" lang="it-IT" sz="2400" spc="-1" strike="noStrike">
+              <a:solidFill>
+                <a:srgbClr val="000000"/>
+              </a:solidFill>
+              <a:latin typeface="Arial"/>
+            </a:endParaRPr>
+          </a:p>
+          <a:p>
+            <a:pPr lvl="3" marL="1728000" indent="-216000">
+              <a:spcBef>
+                <a:spcPts val="567"/>
+              </a:spcBef>
+              <a:buClr>
+                <a:srgbClr val="000000"/>
+              </a:buClr>
+              <a:buSzPct val="75000"/>
+              <a:buFont typeface="Symbol" charset="2"/>
+              <a:buChar char=""/>
+            </a:pPr>
+            <a:r>
+              <a:rPr b="0" lang="it-IT" sz="2000" spc="-1" strike="noStrike">
+                <a:solidFill>
+                  <a:srgbClr val="000000"/>
+                </a:solidFill>
+                <a:latin typeface="Arial"/>
+              </a:rPr>
+              <a:t>Quarto livello struttura</a:t>
+            </a:r>
+            <a:endParaRPr b="0" lang="it-IT" sz="2000" spc="-1" strike="noStrike">
+              <a:solidFill>
+                <a:srgbClr val="000000"/>
+              </a:solidFill>
+              <a:latin typeface="Arial"/>
+            </a:endParaRPr>
+          </a:p>
+          <a:p>
+            <a:pPr lvl="4" marL="2160000" indent="-216000">
+              <a:spcBef>
+                <a:spcPts val="283"/>
+              </a:spcBef>
+              <a:buClr>
+                <a:srgbClr val="000000"/>
+              </a:buClr>
+              <a:buSzPct val="45000"/>
+              <a:buFont typeface="Wingdings" charset="2"/>
+              <a:buChar char=""/>
+            </a:pPr>
+            <a:r>
+              <a:rPr b="0" lang="it-IT" sz="2000" spc="-1" strike="noStrike">
+                <a:solidFill>
+                  <a:srgbClr val="000000"/>
+                </a:solidFill>
+                <a:latin typeface="Arial"/>
+              </a:rPr>
+              <a:t>Quinto livello struttura</a:t>
+            </a:r>
+            <a:endParaRPr b="0" lang="it-IT" sz="2000" spc="-1" strike="noStrike">
+              <a:solidFill>
+                <a:srgbClr val="000000"/>
+              </a:solidFill>
+              <a:latin typeface="Arial"/>
+            </a:endParaRPr>
+          </a:p>
+          <a:p>
+            <a:pPr lvl="5" marL="2592000" indent="-216000">
+              <a:spcBef>
+                <a:spcPts val="283"/>
+              </a:spcBef>
+              <a:buClr>
+                <a:srgbClr val="000000"/>
+              </a:buClr>
+              <a:buSzPct val="45000"/>
+              <a:buFont typeface="Wingdings" charset="2"/>
+              <a:buChar char=""/>
+            </a:pPr>
+            <a:r>
+              <a:rPr b="0" lang="it-IT" sz="2000" spc="-1" strike="noStrike">
+                <a:solidFill>
+                  <a:srgbClr val="000000"/>
+                </a:solidFill>
+                <a:latin typeface="Arial"/>
+              </a:rPr>
+              <a:t>Sesto livello struttura</a:t>
+            </a:r>
+            <a:endParaRPr b="0" lang="it-IT" sz="2000" spc="-1" strike="noStrike">
+              <a:solidFill>
+                <a:srgbClr val="000000"/>
+              </a:solidFill>
+              <a:latin typeface="Arial"/>
+            </a:endParaRPr>
+          </a:p>
+          <a:p>
+            <a:pPr lvl="6" marL="3024000" indent="-216000">
+              <a:spcBef>
+                <a:spcPts val="283"/>
+              </a:spcBef>
+              <a:buClr>
+                <a:srgbClr val="000000"/>
+              </a:buClr>
+              <a:buSzPct val="45000"/>
+              <a:buFont typeface="Wingdings" charset="2"/>
+              <a:buChar char=""/>
+            </a:pPr>
+            <a:r>
+              <a:rPr b="0" lang="it-IT" sz="2000" spc="-1" strike="noStrike">
+                <a:solidFill>
+                  <a:srgbClr val="000000"/>
+                </a:solidFill>
+                <a:latin typeface="Arial"/>
+              </a:rPr>
+              <a:t>Settimo livello struttura</a:t>
+            </a:r>
+            <a:endParaRPr b="0" lang="it-IT" sz="2000" spc="-1" strike="noStrike">
+              <a:solidFill>
+                <a:srgbClr val="000000"/>
+              </a:solidFill>
+              <a:latin typeface="Arial"/>
             </a:endParaRPr>
           </a:p>
         </p:txBody>
@@ -5571,7 +5571,7 @@
         <p:spPr>
           <a:xfrm>
             <a:off x="3447360" y="5165280"/>
-            <a:ext cx="3194280" cy="389880"/>
+            <a:ext cx="3193920" cy="389520"/>
           </a:xfrm>
           <a:prstGeom prst="rect">
             <a:avLst/>
@@ -5643,7 +5643,7 @@
         <p:spPr>
           <a:xfrm>
             <a:off x="7227360" y="5165280"/>
-            <a:ext cx="2347560" cy="389880"/>
+            <a:ext cx="2347200" cy="389520"/>
           </a:xfrm>
           <a:prstGeom prst="rect">
             <a:avLst/>
@@ -5684,7 +5684,7 @@
                 <a:tab algn="l" pos="0"/>
               </a:tabLst>
             </a:pPr>
-            <a:fld id="{6BF94FAF-0366-4311-AEAE-46EFBF96C759}" type="slidenum">
+            <a:fld id="{4006EA9B-E2B3-48AE-860B-45561479226C}" type="slidenum">
               <a:rPr b="0" lang="it-IT" sz="1400" spc="-1" strike="noStrike">
                 <a:solidFill>
                   <a:srgbClr val="000000"/>
@@ -5715,7 +5715,7 @@
         <p:spPr>
           <a:xfrm>
             <a:off x="504000" y="5165280"/>
-            <a:ext cx="2347560" cy="389880"/>
+            <a:ext cx="2347200" cy="389520"/>
           </a:xfrm>
           <a:prstGeom prst="rect">
             <a:avLst/>
@@ -6086,7 +6086,7 @@
         <p:spPr>
           <a:xfrm>
             <a:off x="1304640" y="14760"/>
-            <a:ext cx="7515360" cy="5670360"/>
+            <a:ext cx="7515000" cy="5670000"/>
           </a:xfrm>
           <a:prstGeom prst="rect">
             <a:avLst/>
@@ -6139,7 +6139,7 @@
         <p:spPr>
           <a:xfrm>
             <a:off x="2245680" y="14760"/>
-            <a:ext cx="5632920" cy="5670000"/>
+            <a:ext cx="5632560" cy="5669640"/>
           </a:xfrm>
           <a:prstGeom prst="rect">
             <a:avLst/>

--- a/diagrammi UML classi e casi d'uso.pptx
+++ b/diagrammi UML classi e casi d'uso.pptx
@@ -65,7 +65,7 @@
         <p:txBody>
           <a:bodyPr/>
           <a:p>
-            <a:fld id="{A3E03458-0378-4299-ABC5-9E861F3EB916}" type="slidenum">
+            <a:fld id="{86821B15-436F-4859-BCDD-4B44D9962ABB}" type="slidenum">
               <a:t>&lt;#&gt;</a:t>
             </a:fld>
           </a:p>
@@ -274,7 +274,7 @@
         <p:txBody>
           <a:bodyPr/>
           <a:p>
-            <a:fld id="{897D4499-9D80-47C6-9F93-72FD644DAD31}" type="slidenum">
+            <a:fld id="{7CB9C851-9462-43B0-AC3B-30357773D1D4}" type="slidenum">
               <a:t>&lt;#&gt;</a:t>
             </a:fld>
           </a:p>
@@ -569,7 +569,7 @@
         <p:txBody>
           <a:bodyPr/>
           <a:p>
-            <a:fld id="{84312E47-13E8-4461-A638-9BEC4B5B988A}" type="slidenum">
+            <a:fld id="{796D6BB6-7ADD-481A-9579-B6B015ED3E65}" type="slidenum">
               <a:t>&lt;#&gt;</a:t>
             </a:fld>
           </a:p>
@@ -950,7 +950,7 @@
         <p:txBody>
           <a:bodyPr/>
           <a:p>
-            <a:fld id="{2B1068C2-E32B-4A61-ABE2-A21D1192752C}" type="slidenum">
+            <a:fld id="{35784146-C69E-4C1F-84CB-205C40C7B49E}" type="slidenum">
               <a:t>&lt;#&gt;</a:t>
             </a:fld>
           </a:p>
@@ -1033,7 +1033,7 @@
         <p:txBody>
           <a:bodyPr/>
           <a:p>
-            <a:fld id="{4C964E93-8DCF-447B-8042-07CE3D6CB58D}" type="slidenum">
+            <a:fld id="{C74044A9-8EB0-49CE-87BC-C7D4A6DEF8BE}" type="slidenum">
               <a:t>&lt;#&gt;</a:t>
             </a:fld>
           </a:p>
@@ -1196,7 +1196,7 @@
         <p:txBody>
           <a:bodyPr/>
           <a:p>
-            <a:fld id="{D1B8F515-3003-4E36-ABEF-64945289FB2E}" type="slidenum">
+            <a:fld id="{10826797-9E31-4062-9E28-03681192A33B}" type="slidenum">
               <a:t>&lt;#&gt;</a:t>
             </a:fld>
           </a:p>
@@ -1362,7 +1362,7 @@
         <p:txBody>
           <a:bodyPr/>
           <a:p>
-            <a:fld id="{93271E00-F635-4719-A7CC-AD34B31D1C75}" type="slidenum">
+            <a:fld id="{3AD9B55D-AC84-4639-ABCE-320A3A08A665}" type="slidenum">
               <a:t>&lt;#&gt;</a:t>
             </a:fld>
           </a:p>
@@ -1571,7 +1571,7 @@
         <p:txBody>
           <a:bodyPr/>
           <a:p>
-            <a:fld id="{B828432B-6F46-4E66-A6A2-39E35F60793A}" type="slidenum">
+            <a:fld id="{CE5D68F1-AA4E-406B-BC59-8F49F89FF387}" type="slidenum">
               <a:t>&lt;#&gt;</a:t>
             </a:fld>
           </a:p>
@@ -1694,7 +1694,7 @@
         <p:txBody>
           <a:bodyPr/>
           <a:p>
-            <a:fld id="{28E3CB51-30F5-496A-A09A-6DB16EF4D90F}" type="slidenum">
+            <a:fld id="{C4291E4A-5E22-4EA8-8E82-CDF4C4FF5BF2}" type="slidenum">
               <a:t>&lt;#&gt;</a:t>
             </a:fld>
           </a:p>
@@ -1815,7 +1815,7 @@
         <p:txBody>
           <a:bodyPr/>
           <a:p>
-            <a:fld id="{774CC3C0-C741-479E-B353-6F9038A8672A}" type="slidenum">
+            <a:fld id="{8B05EAC0-6EFB-48C6-8D71-5A951288DE82}" type="slidenum">
               <a:t>&lt;#&gt;</a:t>
             </a:fld>
           </a:p>
@@ -2067,7 +2067,7 @@
         <p:txBody>
           <a:bodyPr/>
           <a:p>
-            <a:fld id="{C5618325-86C1-4082-8C5B-53C8ABB2B85C}" type="slidenum">
+            <a:fld id="{2F06CB98-FF8C-40AD-9342-A867C5FA2787}" type="slidenum">
               <a:t>&lt;#&gt;</a:t>
             </a:fld>
           </a:p>
@@ -2230,7 +2230,7 @@
         <p:txBody>
           <a:bodyPr/>
           <a:p>
-            <a:fld id="{726D147C-8488-4E33-AE00-22DF749CBBD9}" type="slidenum">
+            <a:fld id="{67A34686-833B-4783-A86D-AB908E4F003A}" type="slidenum">
               <a:t>&lt;#&gt;</a:t>
             </a:fld>
           </a:p>
@@ -2482,7 +2482,7 @@
         <p:txBody>
           <a:bodyPr/>
           <a:p>
-            <a:fld id="{C4C7433D-E4F7-45E6-B255-493F2AB49761}" type="slidenum">
+            <a:fld id="{CC7C42B2-EB1D-43EC-A56F-2CCB2798B7D7}" type="slidenum">
               <a:t>&lt;#&gt;</a:t>
             </a:fld>
           </a:p>
@@ -2734,7 +2734,7 @@
         <p:txBody>
           <a:bodyPr/>
           <a:p>
-            <a:fld id="{043C2BC4-B220-461B-8341-F646F1AF0985}" type="slidenum">
+            <a:fld id="{3EDBA69E-CDDA-4430-B2E2-E182D1A88E6D}" type="slidenum">
               <a:t>&lt;#&gt;</a:t>
             </a:fld>
           </a:p>
@@ -2943,7 +2943,7 @@
         <p:txBody>
           <a:bodyPr/>
           <a:p>
-            <a:fld id="{45B33179-43A4-4027-B187-7F04D6B42B03}" type="slidenum">
+            <a:fld id="{5F294259-6FA8-48FE-B5C5-7C354536ACBA}" type="slidenum">
               <a:t>&lt;#&gt;</a:t>
             </a:fld>
           </a:p>
@@ -3238,7 +3238,7 @@
         <p:txBody>
           <a:bodyPr/>
           <a:p>
-            <a:fld id="{52DF6F45-03C6-4EED-9208-FF4D4FDA5025}" type="slidenum">
+            <a:fld id="{483583EC-004D-4459-A31D-732BA3DCF815}" type="slidenum">
               <a:t>&lt;#&gt;</a:t>
             </a:fld>
           </a:p>
@@ -3619,7 +3619,7 @@
         <p:txBody>
           <a:bodyPr/>
           <a:p>
-            <a:fld id="{A341540E-0142-44B9-9087-8F07EA95D08B}" type="slidenum">
+            <a:fld id="{7CC5A3AC-4CDC-4C15-B1E3-D3C553D4E303}" type="slidenum">
               <a:t>&lt;#&gt;</a:t>
             </a:fld>
           </a:p>
@@ -3785,7 +3785,7 @@
         <p:txBody>
           <a:bodyPr/>
           <a:p>
-            <a:fld id="{47F8FA5F-13C4-4556-AB80-51D57E5F7385}" type="slidenum">
+            <a:fld id="{58A71579-86DB-446E-A32A-A6AD92C93C0D}" type="slidenum">
               <a:t>&lt;#&gt;</a:t>
             </a:fld>
           </a:p>
@@ -3994,7 +3994,7 @@
         <p:txBody>
           <a:bodyPr/>
           <a:p>
-            <a:fld id="{BA9D49DF-F06A-4AA0-94A4-AA2971D7444A}" type="slidenum">
+            <a:fld id="{C0A9AB41-CF68-4F06-AD91-E44CB381851A}" type="slidenum">
               <a:t>&lt;#&gt;</a:t>
             </a:fld>
           </a:p>
@@ -4117,7 +4117,7 @@
         <p:txBody>
           <a:bodyPr/>
           <a:p>
-            <a:fld id="{8258BAD9-45D4-4BFD-AEC7-84BB14108529}" type="slidenum">
+            <a:fld id="{C9DA7683-CDF8-469D-96EE-C63A41C38CC7}" type="slidenum">
               <a:t>&lt;#&gt;</a:t>
             </a:fld>
           </a:p>
@@ -4238,7 +4238,7 @@
         <p:txBody>
           <a:bodyPr/>
           <a:p>
-            <a:fld id="{F291CDC7-FD3D-433E-893F-5B68E4304FEE}" type="slidenum">
+            <a:fld id="{BCFCF9D4-A36E-4D05-A343-1B04354C574A}" type="slidenum">
               <a:t>&lt;#&gt;</a:t>
             </a:fld>
           </a:p>
@@ -4490,7 +4490,7 @@
         <p:txBody>
           <a:bodyPr/>
           <a:p>
-            <a:fld id="{B557991D-6C76-496B-9AFE-1CD2087363B5}" type="slidenum">
+            <a:fld id="{FFB08869-8CFF-4ACE-AC47-D2E3A105207E}" type="slidenum">
               <a:t>&lt;#&gt;</a:t>
             </a:fld>
           </a:p>
@@ -4742,7 +4742,7 @@
         <p:txBody>
           <a:bodyPr/>
           <a:p>
-            <a:fld id="{5E874319-1D9D-4312-ACFC-9518C7FF1B33}" type="slidenum">
+            <a:fld id="{C2F920DD-91D7-418A-A915-3C7137D1FDE7}" type="slidenum">
               <a:t>&lt;#&gt;</a:t>
             </a:fld>
           </a:p>
@@ -4994,7 +4994,7 @@
         <p:txBody>
           <a:bodyPr/>
           <a:p>
-            <a:fld id="{32F41677-200B-4CE5-86C3-B4B0AA8E725F}" type="slidenum">
+            <a:fld id="{3622ABDC-1D51-45B4-B43B-F31B31A9F18B}" type="slidenum">
               <a:t>&lt;#&gt;</a:t>
             </a:fld>
           </a:p>
@@ -5050,287 +5050,13 @@
             <a:spLocks noGrp="1"/>
           </p:cNvSpPr>
           <p:nvPr>
-            <p:ph type="title"/>
-          </p:nvPr>
-        </p:nvSpPr>
-        <p:spPr>
-          <a:xfrm>
-            <a:off x="504000" y="226080"/>
-            <a:ext cx="9070920" cy="945720"/>
-          </a:xfrm>
-          <a:prstGeom prst="rect">
-            <a:avLst/>
-          </a:prstGeom>
-          <a:noFill/>
-          <a:ln w="0">
-            <a:noFill/>
-          </a:ln>
-        </p:spPr>
-        <p:txBody>
-          <a:bodyPr lIns="0" rIns="0" tIns="0" bIns="0" anchor="ctr">
-            <a:noAutofit/>
-          </a:bodyPr>
-          <a:p>
-            <a:pPr indent="0">
-              <a:buNone/>
-            </a:pPr>
-            <a:r>
-              <a:rPr b="0" lang="it-IT" sz="1800" spc="-1" strike="noStrike">
-                <a:solidFill>
-                  <a:srgbClr val="000000"/>
-                </a:solidFill>
-                <a:latin typeface="Arial"/>
-              </a:rPr>
-              <a:t>Fai clic per modificare il formato del testo del titolo</a:t>
-            </a:r>
-            <a:endParaRPr b="0" lang="it-IT" sz="1800" spc="-1" strike="noStrike">
-              <a:solidFill>
-                <a:srgbClr val="000000"/>
-              </a:solidFill>
-              <a:latin typeface="Arial"/>
-            </a:endParaRPr>
-          </a:p>
-        </p:txBody>
-      </p:sp>
-      <p:sp>
-        <p:nvSpPr>
-          <p:cNvPr id="1" name="PlaceHolder 2"/>
-          <p:cNvSpPr>
-            <a:spLocks noGrp="1"/>
-          </p:cNvSpPr>
-          <p:nvPr>
-            <p:ph type="body"/>
-          </p:nvPr>
-        </p:nvSpPr>
-        <p:spPr>
-          <a:xfrm>
-            <a:off x="504000" y="1326600"/>
-            <a:ext cx="9070920" cy="3287520"/>
-          </a:xfrm>
-          <a:prstGeom prst="rect">
-            <a:avLst/>
-          </a:prstGeom>
-          <a:noFill/>
-          <a:ln w="0">
-            <a:noFill/>
-          </a:ln>
-        </p:spPr>
-        <p:txBody>
-          <a:bodyPr lIns="0" rIns="0" tIns="0" bIns="0" anchor="t">
-            <a:normAutofit/>
-          </a:bodyPr>
-          <a:p>
-            <a:pPr marL="432000" indent="-324000">
-              <a:spcBef>
-                <a:spcPts val="1417"/>
-              </a:spcBef>
-              <a:buClr>
-                <a:srgbClr val="000000"/>
-              </a:buClr>
-              <a:buSzPct val="45000"/>
-              <a:buFont typeface="Wingdings" charset="2"/>
-              <a:buChar char=""/>
-            </a:pPr>
-            <a:r>
-              <a:rPr b="0" lang="it-IT" sz="1800" spc="-1" strike="noStrike">
-                <a:solidFill>
-                  <a:srgbClr val="000000"/>
-                </a:solidFill>
-                <a:latin typeface="Arial"/>
-              </a:rPr>
-              <a:t>Fai clic per modificare il formato del testo della struttura</a:t>
-            </a:r>
-            <a:endParaRPr b="0" lang="it-IT" sz="1800" spc="-1" strike="noStrike">
-              <a:solidFill>
-                <a:srgbClr val="000000"/>
-              </a:solidFill>
-              <a:latin typeface="Arial"/>
-            </a:endParaRPr>
-          </a:p>
-          <a:p>
-            <a:pPr lvl="1" marL="864000" indent="-324000">
-              <a:spcBef>
-                <a:spcPts val="1134"/>
-              </a:spcBef>
-              <a:buClr>
-                <a:srgbClr val="000000"/>
-              </a:buClr>
-              <a:buSzPct val="75000"/>
-              <a:buFont typeface="Symbol" charset="2"/>
-              <a:buChar char=""/>
-            </a:pPr>
-            <a:r>
-              <a:rPr b="0" lang="it-IT" sz="1800" spc="-1" strike="noStrike">
-                <a:solidFill>
-                  <a:srgbClr val="000000"/>
-                </a:solidFill>
-                <a:latin typeface="Arial"/>
-              </a:rPr>
-              <a:t>Secondo livello struttura</a:t>
-            </a:r>
-            <a:endParaRPr b="0" lang="it-IT" sz="1800" spc="-1" strike="noStrike">
-              <a:solidFill>
-                <a:srgbClr val="000000"/>
-              </a:solidFill>
-              <a:latin typeface="Arial"/>
-            </a:endParaRPr>
-          </a:p>
-          <a:p>
-            <a:pPr lvl="2" marL="1296000" indent="-288000">
-              <a:spcBef>
-                <a:spcPts val="850"/>
-              </a:spcBef>
-              <a:buClr>
-                <a:srgbClr val="000000"/>
-              </a:buClr>
-              <a:buSzPct val="45000"/>
-              <a:buFont typeface="Wingdings" charset="2"/>
-              <a:buChar char=""/>
-            </a:pPr>
-            <a:r>
-              <a:rPr b="0" lang="it-IT" sz="1800" spc="-1" strike="noStrike">
-                <a:solidFill>
-                  <a:srgbClr val="000000"/>
-                </a:solidFill>
-                <a:latin typeface="Arial"/>
-              </a:rPr>
-              <a:t>Terzo livello struttura</a:t>
-            </a:r>
-            <a:endParaRPr b="0" lang="it-IT" sz="1800" spc="-1" strike="noStrike">
-              <a:solidFill>
-                <a:srgbClr val="000000"/>
-              </a:solidFill>
-              <a:latin typeface="Arial"/>
-            </a:endParaRPr>
-          </a:p>
-          <a:p>
-            <a:pPr lvl="3" marL="1728000" indent="-216000">
-              <a:spcBef>
-                <a:spcPts val="567"/>
-              </a:spcBef>
-              <a:buClr>
-                <a:srgbClr val="000000"/>
-              </a:buClr>
-              <a:buSzPct val="75000"/>
-              <a:buFont typeface="Symbol" charset="2"/>
-              <a:buChar char=""/>
-            </a:pPr>
-            <a:r>
-              <a:rPr b="0" lang="it-IT" sz="1800" spc="-1" strike="noStrike">
-                <a:solidFill>
-                  <a:srgbClr val="000000"/>
-                </a:solidFill>
-                <a:latin typeface="Arial"/>
-              </a:rPr>
-              <a:t>Quarto livello struttura</a:t>
-            </a:r>
-            <a:endParaRPr b="0" lang="it-IT" sz="1800" spc="-1" strike="noStrike">
-              <a:solidFill>
-                <a:srgbClr val="000000"/>
-              </a:solidFill>
-              <a:latin typeface="Arial"/>
-            </a:endParaRPr>
-          </a:p>
-          <a:p>
-            <a:pPr lvl="4" marL="2160000" indent="-216000">
-              <a:spcBef>
-                <a:spcPts val="283"/>
-              </a:spcBef>
-              <a:buClr>
-                <a:srgbClr val="000000"/>
-              </a:buClr>
-              <a:buSzPct val="45000"/>
-              <a:buFont typeface="Wingdings" charset="2"/>
-              <a:buChar char=""/>
-            </a:pPr>
-            <a:r>
-              <a:rPr b="0" lang="it-IT" sz="1800" spc="-1" strike="noStrike">
-                <a:solidFill>
-                  <a:srgbClr val="000000"/>
-                </a:solidFill>
-                <a:latin typeface="Arial"/>
-              </a:rPr>
-              <a:t>Quinto livello struttura</a:t>
-            </a:r>
-            <a:endParaRPr b="0" lang="it-IT" sz="1800" spc="-1" strike="noStrike">
-              <a:solidFill>
-                <a:srgbClr val="000000"/>
-              </a:solidFill>
-              <a:latin typeface="Arial"/>
-            </a:endParaRPr>
-          </a:p>
-          <a:p>
-            <a:pPr lvl="5" marL="2592000" indent="-216000">
-              <a:spcBef>
-                <a:spcPts val="283"/>
-              </a:spcBef>
-              <a:buClr>
-                <a:srgbClr val="000000"/>
-              </a:buClr>
-              <a:buSzPct val="45000"/>
-              <a:buFont typeface="Wingdings" charset="2"/>
-              <a:buChar char=""/>
-            </a:pPr>
-            <a:r>
-              <a:rPr b="0" lang="it-IT" sz="1800" spc="-1" strike="noStrike">
-                <a:solidFill>
-                  <a:srgbClr val="000000"/>
-                </a:solidFill>
-                <a:latin typeface="Arial"/>
-              </a:rPr>
-              <a:t>Sesto livello struttura</a:t>
-            </a:r>
-            <a:endParaRPr b="0" lang="it-IT" sz="1800" spc="-1" strike="noStrike">
-              <a:solidFill>
-                <a:srgbClr val="000000"/>
-              </a:solidFill>
-              <a:latin typeface="Arial"/>
-            </a:endParaRPr>
-          </a:p>
-          <a:p>
-            <a:pPr lvl="6" marL="3024000" indent="-216000">
-              <a:spcBef>
-                <a:spcPts val="283"/>
-              </a:spcBef>
-              <a:buClr>
-                <a:srgbClr val="000000"/>
-              </a:buClr>
-              <a:buSzPct val="45000"/>
-              <a:buFont typeface="Wingdings" charset="2"/>
-              <a:buChar char=""/>
-            </a:pPr>
-            <a:r>
-              <a:rPr b="0" lang="it-IT" sz="1800" spc="-1" strike="noStrike">
-                <a:solidFill>
-                  <a:srgbClr val="000000"/>
-                </a:solidFill>
-                <a:latin typeface="Arial"/>
-              </a:rPr>
-              <a:t>Settimo livello struttura</a:t>
-            </a:r>
-            <a:endParaRPr b="0" lang="it-IT" sz="1800" spc="-1" strike="noStrike">
-              <a:solidFill>
-                <a:srgbClr val="000000"/>
-              </a:solidFill>
-              <a:latin typeface="Arial"/>
-            </a:endParaRPr>
-          </a:p>
-        </p:txBody>
-      </p:sp>
-      <p:sp>
-        <p:nvSpPr>
-          <p:cNvPr id="2" name="PlaceHolder 3"/>
-          <p:cNvSpPr>
-            <a:spLocks noGrp="1"/>
-          </p:cNvSpPr>
-          <p:nvPr>
             <p:ph type="ftr" idx="1"/>
           </p:nvPr>
         </p:nvSpPr>
         <p:spPr>
           <a:xfrm>
             <a:off x="3447360" y="5165280"/>
-            <a:ext cx="3194280" cy="389880"/>
+            <a:ext cx="3192480" cy="388080"/>
           </a:xfrm>
           <a:prstGeom prst="rect">
             <a:avLst/>
@@ -5391,7 +5117,7 @@
       </p:sp>
       <p:sp>
         <p:nvSpPr>
-          <p:cNvPr id="3" name="PlaceHolder 4"/>
+          <p:cNvPr id="1" name="PlaceHolder 2"/>
           <p:cNvSpPr>
             <a:spLocks noGrp="1"/>
           </p:cNvSpPr>
@@ -5402,7 +5128,7 @@
         <p:spPr>
           <a:xfrm>
             <a:off x="7227360" y="5165280"/>
-            <a:ext cx="2347560" cy="389880"/>
+            <a:ext cx="2345760" cy="388080"/>
           </a:xfrm>
           <a:prstGeom prst="rect">
             <a:avLst/>
@@ -5443,7 +5169,7 @@
                 <a:tab algn="l" pos="0"/>
               </a:tabLst>
             </a:pPr>
-            <a:fld id="{E77DDF0D-2687-4586-8587-0EB80661C668}" type="slidenum">
+            <a:fld id="{546592C0-6F41-4B78-A8F5-5F1E0AEF6427}" type="slidenum">
               <a:rPr b="0" lang="it-IT" sz="1400" spc="-1" strike="noStrike">
                 <a:solidFill>
                   <a:srgbClr val="000000"/>
@@ -5463,7 +5189,7 @@
       </p:sp>
       <p:sp>
         <p:nvSpPr>
-          <p:cNvPr id="4" name="PlaceHolder 5"/>
+          <p:cNvPr id="2" name="PlaceHolder 3"/>
           <p:cNvSpPr>
             <a:spLocks noGrp="1"/>
           </p:cNvSpPr>
@@ -5474,7 +5200,7 @@
         <p:spPr>
           <a:xfrm>
             <a:off x="504000" y="5165280"/>
-            <a:ext cx="2347560" cy="389880"/>
+            <a:ext cx="2345760" cy="388080"/>
           </a:xfrm>
           <a:prstGeom prst="rect">
             <a:avLst/>
@@ -5517,6 +5243,280 @@
                 <a:srgbClr val="000000"/>
               </a:solidFill>
               <a:latin typeface="Times New Roman"/>
+            </a:endParaRPr>
+          </a:p>
+        </p:txBody>
+      </p:sp>
+      <p:sp>
+        <p:nvSpPr>
+          <p:cNvPr id="3" name="PlaceHolder 4"/>
+          <p:cNvSpPr>
+            <a:spLocks noGrp="1"/>
+          </p:cNvSpPr>
+          <p:nvPr>
+            <p:ph type="title"/>
+          </p:nvPr>
+        </p:nvSpPr>
+        <p:spPr>
+          <a:xfrm>
+            <a:off x="504000" y="226080"/>
+            <a:ext cx="9072000" cy="946440"/>
+          </a:xfrm>
+          <a:prstGeom prst="rect">
+            <a:avLst/>
+          </a:prstGeom>
+          <a:noFill/>
+          <a:ln w="0">
+            <a:noFill/>
+          </a:ln>
+        </p:spPr>
+        <p:txBody>
+          <a:bodyPr lIns="0" rIns="0" tIns="0" bIns="0" anchor="ctr">
+            <a:noAutofit/>
+          </a:bodyPr>
+          <a:p>
+            <a:pPr indent="0" algn="ctr">
+              <a:buNone/>
+            </a:pPr>
+            <a:r>
+              <a:rPr b="0" lang="it-IT" sz="4400" spc="-1" strike="noStrike">
+                <a:solidFill>
+                  <a:srgbClr val="000000"/>
+                </a:solidFill>
+                <a:latin typeface="Arial"/>
+              </a:rPr>
+              <a:t>Fai clic per modificare il formato del testo del titolo</a:t>
+            </a:r>
+            <a:endParaRPr b="0" lang="it-IT" sz="4400" spc="-1" strike="noStrike">
+              <a:solidFill>
+                <a:srgbClr val="000000"/>
+              </a:solidFill>
+              <a:latin typeface="Arial"/>
+            </a:endParaRPr>
+          </a:p>
+        </p:txBody>
+      </p:sp>
+      <p:sp>
+        <p:nvSpPr>
+          <p:cNvPr id="4" name="PlaceHolder 5"/>
+          <p:cNvSpPr>
+            <a:spLocks noGrp="1"/>
+          </p:cNvSpPr>
+          <p:nvPr>
+            <p:ph type="body"/>
+          </p:nvPr>
+        </p:nvSpPr>
+        <p:spPr>
+          <a:xfrm>
+            <a:off x="504000" y="1326600"/>
+            <a:ext cx="9072000" cy="3288600"/>
+          </a:xfrm>
+          <a:prstGeom prst="rect">
+            <a:avLst/>
+          </a:prstGeom>
+          <a:noFill/>
+          <a:ln w="0">
+            <a:noFill/>
+          </a:ln>
+        </p:spPr>
+        <p:txBody>
+          <a:bodyPr lIns="0" rIns="0" tIns="0" bIns="0" anchor="t">
+            <a:normAutofit/>
+          </a:bodyPr>
+          <a:p>
+            <a:pPr marL="432000" indent="-324000">
+              <a:spcBef>
+                <a:spcPts val="1417"/>
+              </a:spcBef>
+              <a:buClr>
+                <a:srgbClr val="000000"/>
+              </a:buClr>
+              <a:buSzPct val="45000"/>
+              <a:buFont typeface="Wingdings" charset="2"/>
+              <a:buChar char=""/>
+            </a:pPr>
+            <a:r>
+              <a:rPr b="0" lang="it-IT" sz="3200" spc="-1" strike="noStrike">
+                <a:solidFill>
+                  <a:srgbClr val="000000"/>
+                </a:solidFill>
+                <a:latin typeface="Arial"/>
+              </a:rPr>
+              <a:t>Fai clic per modificare il formato del testo della struttura</a:t>
+            </a:r>
+            <a:endParaRPr b="0" lang="it-IT" sz="3200" spc="-1" strike="noStrike">
+              <a:solidFill>
+                <a:srgbClr val="000000"/>
+              </a:solidFill>
+              <a:latin typeface="Arial"/>
+            </a:endParaRPr>
+          </a:p>
+          <a:p>
+            <a:pPr lvl="1" marL="864000" indent="-324000">
+              <a:spcBef>
+                <a:spcPts val="1134"/>
+              </a:spcBef>
+              <a:buClr>
+                <a:srgbClr val="000000"/>
+              </a:buClr>
+              <a:buSzPct val="75000"/>
+              <a:buFont typeface="Symbol" charset="2"/>
+              <a:buChar char=""/>
+            </a:pPr>
+            <a:r>
+              <a:rPr b="0" lang="it-IT" sz="2800" spc="-1" strike="noStrike">
+                <a:solidFill>
+                  <a:srgbClr val="000000"/>
+                </a:solidFill>
+                <a:latin typeface="Arial"/>
+              </a:rPr>
+              <a:t>Secondo livello struttura</a:t>
+            </a:r>
+            <a:endParaRPr b="0" lang="it-IT" sz="2800" spc="-1" strike="noStrike">
+              <a:solidFill>
+                <a:srgbClr val="000000"/>
+              </a:solidFill>
+              <a:latin typeface="Arial"/>
+            </a:endParaRPr>
+          </a:p>
+          <a:p>
+            <a:pPr lvl="2" marL="1296000" indent="-288000">
+              <a:spcBef>
+                <a:spcPts val="850"/>
+              </a:spcBef>
+              <a:buClr>
+                <a:srgbClr val="000000"/>
+              </a:buClr>
+              <a:buSzPct val="45000"/>
+              <a:buFont typeface="Wingdings" charset="2"/>
+              <a:buChar char=""/>
+            </a:pPr>
+            <a:r>
+              <a:rPr b="0" lang="it-IT" sz="2400" spc="-1" strike="noStrike">
+                <a:solidFill>
+                  <a:srgbClr val="000000"/>
+                </a:solidFill>
+                <a:latin typeface="Arial"/>
+              </a:rPr>
+              <a:t>Terzo livello struttura</a:t>
+            </a:r>
+            <a:endParaRPr b="0" lang="it-IT" sz="2400" spc="-1" strike="noStrike">
+              <a:solidFill>
+                <a:srgbClr val="000000"/>
+              </a:solidFill>
+              <a:latin typeface="Arial"/>
+            </a:endParaRPr>
+          </a:p>
+          <a:p>
+            <a:pPr lvl="3" marL="1728000" indent="-216000">
+              <a:spcBef>
+                <a:spcPts val="567"/>
+              </a:spcBef>
+              <a:buClr>
+                <a:srgbClr val="000000"/>
+              </a:buClr>
+              <a:buSzPct val="75000"/>
+              <a:buFont typeface="Symbol" charset="2"/>
+              <a:buChar char=""/>
+            </a:pPr>
+            <a:r>
+              <a:rPr b="0" lang="it-IT" sz="2000" spc="-1" strike="noStrike">
+                <a:solidFill>
+                  <a:srgbClr val="000000"/>
+                </a:solidFill>
+                <a:latin typeface="Arial"/>
+              </a:rPr>
+              <a:t>Quarto livello struttura</a:t>
+            </a:r>
+            <a:endParaRPr b="0" lang="it-IT" sz="2000" spc="-1" strike="noStrike">
+              <a:solidFill>
+                <a:srgbClr val="000000"/>
+              </a:solidFill>
+              <a:latin typeface="Arial"/>
+            </a:endParaRPr>
+          </a:p>
+          <a:p>
+            <a:pPr lvl="4" marL="2160000" indent="-216000">
+              <a:spcBef>
+                <a:spcPts val="283"/>
+              </a:spcBef>
+              <a:buClr>
+                <a:srgbClr val="000000"/>
+              </a:buClr>
+              <a:buSzPct val="45000"/>
+              <a:buFont typeface="Wingdings" charset="2"/>
+              <a:buChar char=""/>
+            </a:pPr>
+            <a:r>
+              <a:rPr b="0" lang="it-IT" sz="2000" spc="-1" strike="noStrike">
+                <a:solidFill>
+                  <a:srgbClr val="000000"/>
+                </a:solidFill>
+                <a:latin typeface="Arial"/>
+              </a:rPr>
+              <a:t>Quinto livello struttura</a:t>
+            </a:r>
+            <a:endParaRPr b="0" lang="it-IT" sz="2000" spc="-1" strike="noStrike">
+              <a:solidFill>
+                <a:srgbClr val="000000"/>
+              </a:solidFill>
+              <a:latin typeface="Arial"/>
+            </a:endParaRPr>
+          </a:p>
+          <a:p>
+            <a:pPr lvl="5" marL="2592000" indent="-216000">
+              <a:spcBef>
+                <a:spcPts val="283"/>
+              </a:spcBef>
+              <a:buClr>
+                <a:srgbClr val="000000"/>
+              </a:buClr>
+              <a:buSzPct val="45000"/>
+              <a:buFont typeface="Wingdings" charset="2"/>
+              <a:buChar char=""/>
+            </a:pPr>
+            <a:r>
+              <a:rPr b="0" lang="it-IT" sz="2000" spc="-1" strike="noStrike">
+                <a:solidFill>
+                  <a:srgbClr val="000000"/>
+                </a:solidFill>
+                <a:latin typeface="Arial"/>
+              </a:rPr>
+              <a:t>Sesto livello struttura</a:t>
+            </a:r>
+            <a:endParaRPr b="0" lang="it-IT" sz="2000" spc="-1" strike="noStrike">
+              <a:solidFill>
+                <a:srgbClr val="000000"/>
+              </a:solidFill>
+              <a:latin typeface="Arial"/>
+            </a:endParaRPr>
+          </a:p>
+          <a:p>
+            <a:pPr lvl="6" marL="3024000" indent="-216000">
+              <a:spcBef>
+                <a:spcPts val="283"/>
+              </a:spcBef>
+              <a:buClr>
+                <a:srgbClr val="000000"/>
+              </a:buClr>
+              <a:buSzPct val="45000"/>
+              <a:buFont typeface="Wingdings" charset="2"/>
+              <a:buChar char=""/>
+            </a:pPr>
+            <a:r>
+              <a:rPr b="0" lang="it-IT" sz="2000" spc="-1" strike="noStrike">
+                <a:solidFill>
+                  <a:srgbClr val="000000"/>
+                </a:solidFill>
+                <a:latin typeface="Arial"/>
+              </a:rPr>
+              <a:t>Settimo livello struttura</a:t>
+            </a:r>
+            <a:endParaRPr b="0" lang="it-IT" sz="2000" spc="-1" strike="noStrike">
+              <a:solidFill>
+                <a:srgbClr val="000000"/>
+              </a:solidFill>
+              <a:latin typeface="Arial"/>
             </a:endParaRPr>
           </a:p>
         </p:txBody>
@@ -5571,7 +5571,7 @@
         <p:spPr>
           <a:xfrm>
             <a:off x="3447360" y="5165280"/>
-            <a:ext cx="3194280" cy="389880"/>
+            <a:ext cx="3192480" cy="388080"/>
           </a:xfrm>
           <a:prstGeom prst="rect">
             <a:avLst/>
@@ -5643,7 +5643,7 @@
         <p:spPr>
           <a:xfrm>
             <a:off x="7227360" y="5165280"/>
-            <a:ext cx="2347560" cy="389880"/>
+            <a:ext cx="2345760" cy="388080"/>
           </a:xfrm>
           <a:prstGeom prst="rect">
             <a:avLst/>
@@ -5684,7 +5684,7 @@
                 <a:tab algn="l" pos="0"/>
               </a:tabLst>
             </a:pPr>
-            <a:fld id="{6BF94FAF-0366-4311-AEAE-46EFBF96C759}" type="slidenum">
+            <a:fld id="{3049F729-947C-4219-9517-D77D57E22CAC}" type="slidenum">
               <a:rPr b="0" lang="it-IT" sz="1400" spc="-1" strike="noStrike">
                 <a:solidFill>
                   <a:srgbClr val="000000"/>
@@ -5715,7 +5715,7 @@
         <p:spPr>
           <a:xfrm>
             <a:off x="504000" y="5165280"/>
-            <a:ext cx="2347560" cy="389880"/>
+            <a:ext cx="2345760" cy="388080"/>
           </a:xfrm>
           <a:prstGeom prst="rect">
             <a:avLst/>
@@ -6085,8 +6085,8 @@
         </p:blipFill>
         <p:spPr>
           <a:xfrm>
-            <a:off x="1304640" y="14760"/>
-            <a:ext cx="7515360" cy="5670360"/>
+            <a:off x="3107160" y="8640"/>
+            <a:ext cx="3918240" cy="5670360"/>
           </a:xfrm>
           <a:prstGeom prst="rect">
             <a:avLst/>
@@ -6138,8 +6138,8 @@
         </p:blipFill>
         <p:spPr>
           <a:xfrm>
-            <a:off x="2245680" y="14760"/>
-            <a:ext cx="5632920" cy="5670000"/>
+            <a:off x="1360800" y="8640"/>
+            <a:ext cx="7409880" cy="5669280"/>
           </a:xfrm>
           <a:prstGeom prst="rect">
             <a:avLst/>

--- a/diagrammi UML classi e casi d'uso.pptx
+++ b/diagrammi UML classi e casi d'uso.pptx
@@ -65,7 +65,7 @@
         <p:txBody>
           <a:bodyPr/>
           <a:p>
-            <a:fld id="{86821B15-436F-4859-BCDD-4B44D9962ABB}" type="slidenum">
+            <a:fld id="{27F3DB02-F24D-440D-8E4F-EA4C5F4F8065}" type="slidenum">
               <a:t>&lt;#&gt;</a:t>
             </a:fld>
           </a:p>
@@ -274,7 +274,7 @@
         <p:txBody>
           <a:bodyPr/>
           <a:p>
-            <a:fld id="{7CB9C851-9462-43B0-AC3B-30357773D1D4}" type="slidenum">
+            <a:fld id="{9CEC44B5-6F68-4DE8-98F8-C487F991994D}" type="slidenum">
               <a:t>&lt;#&gt;</a:t>
             </a:fld>
           </a:p>
@@ -569,7 +569,7 @@
         <p:txBody>
           <a:bodyPr/>
           <a:p>
-            <a:fld id="{796D6BB6-7ADD-481A-9579-B6B015ED3E65}" type="slidenum">
+            <a:fld id="{20E12324-40CD-49C4-9431-1A9F0B9B3879}" type="slidenum">
               <a:t>&lt;#&gt;</a:t>
             </a:fld>
           </a:p>
@@ -950,7 +950,7 @@
         <p:txBody>
           <a:bodyPr/>
           <a:p>
-            <a:fld id="{35784146-C69E-4C1F-84CB-205C40C7B49E}" type="slidenum">
+            <a:fld id="{1C41B309-2949-4B88-B7B2-456A8E34209D}" type="slidenum">
               <a:t>&lt;#&gt;</a:t>
             </a:fld>
           </a:p>
@@ -1033,7 +1033,7 @@
         <p:txBody>
           <a:bodyPr/>
           <a:p>
-            <a:fld id="{C74044A9-8EB0-49CE-87BC-C7D4A6DEF8BE}" type="slidenum">
+            <a:fld id="{1F39EA80-CE7B-4C49-96AD-29442C314382}" type="slidenum">
               <a:t>&lt;#&gt;</a:t>
             </a:fld>
           </a:p>
@@ -1196,7 +1196,7 @@
         <p:txBody>
           <a:bodyPr/>
           <a:p>
-            <a:fld id="{10826797-9E31-4062-9E28-03681192A33B}" type="slidenum">
+            <a:fld id="{27ABABBD-8153-42A4-B01D-ABCE639B2D9C}" type="slidenum">
               <a:t>&lt;#&gt;</a:t>
             </a:fld>
           </a:p>
@@ -1362,7 +1362,7 @@
         <p:txBody>
           <a:bodyPr/>
           <a:p>
-            <a:fld id="{3AD9B55D-AC84-4639-ABCE-320A3A08A665}" type="slidenum">
+            <a:fld id="{97D8C333-6A49-49C9-8C22-24AE9883D191}" type="slidenum">
               <a:t>&lt;#&gt;</a:t>
             </a:fld>
           </a:p>
@@ -1571,7 +1571,7 @@
         <p:txBody>
           <a:bodyPr/>
           <a:p>
-            <a:fld id="{CE5D68F1-AA4E-406B-BC59-8F49F89FF387}" type="slidenum">
+            <a:fld id="{0AD3A5B1-1FDA-496E-A920-2430C3ACF2F1}" type="slidenum">
               <a:t>&lt;#&gt;</a:t>
             </a:fld>
           </a:p>
@@ -1694,7 +1694,7 @@
         <p:txBody>
           <a:bodyPr/>
           <a:p>
-            <a:fld id="{C4291E4A-5E22-4EA8-8E82-CDF4C4FF5BF2}" type="slidenum">
+            <a:fld id="{16AA7992-A96B-4C1A-B6C7-AFFC99A7DE1B}" type="slidenum">
               <a:t>&lt;#&gt;</a:t>
             </a:fld>
           </a:p>
@@ -1815,7 +1815,7 @@
         <p:txBody>
           <a:bodyPr/>
           <a:p>
-            <a:fld id="{8B05EAC0-6EFB-48C6-8D71-5A951288DE82}" type="slidenum">
+            <a:fld id="{6AA0A116-020C-47CD-B194-9AF98372B6F4}" type="slidenum">
               <a:t>&lt;#&gt;</a:t>
             </a:fld>
           </a:p>
@@ -2067,7 +2067,7 @@
         <p:txBody>
           <a:bodyPr/>
           <a:p>
-            <a:fld id="{2F06CB98-FF8C-40AD-9342-A867C5FA2787}" type="slidenum">
+            <a:fld id="{1389FF6F-4D33-45FC-9697-B3A4B7D89765}" type="slidenum">
               <a:t>&lt;#&gt;</a:t>
             </a:fld>
           </a:p>
@@ -2230,7 +2230,7 @@
         <p:txBody>
           <a:bodyPr/>
           <a:p>
-            <a:fld id="{67A34686-833B-4783-A86D-AB908E4F003A}" type="slidenum">
+            <a:fld id="{AE42549D-3A69-4B92-80FC-0864553DB733}" type="slidenum">
               <a:t>&lt;#&gt;</a:t>
             </a:fld>
           </a:p>
@@ -2482,7 +2482,7 @@
         <p:txBody>
           <a:bodyPr/>
           <a:p>
-            <a:fld id="{CC7C42B2-EB1D-43EC-A56F-2CCB2798B7D7}" type="slidenum">
+            <a:fld id="{3731DBC0-C755-4627-B16E-00E70FC00A3E}" type="slidenum">
               <a:t>&lt;#&gt;</a:t>
             </a:fld>
           </a:p>
@@ -2734,7 +2734,7 @@
         <p:txBody>
           <a:bodyPr/>
           <a:p>
-            <a:fld id="{3EDBA69E-CDDA-4430-B2E2-E182D1A88E6D}" type="slidenum">
+            <a:fld id="{D15F0765-E7DC-4647-9727-53B5B935750F}" type="slidenum">
               <a:t>&lt;#&gt;</a:t>
             </a:fld>
           </a:p>
@@ -2943,7 +2943,7 @@
         <p:txBody>
           <a:bodyPr/>
           <a:p>
-            <a:fld id="{5F294259-6FA8-48FE-B5C5-7C354536ACBA}" type="slidenum">
+            <a:fld id="{CE3DB73F-C0E4-4416-B1AA-7F821883986B}" type="slidenum">
               <a:t>&lt;#&gt;</a:t>
             </a:fld>
           </a:p>
@@ -3238,7 +3238,7 @@
         <p:txBody>
           <a:bodyPr/>
           <a:p>
-            <a:fld id="{483583EC-004D-4459-A31D-732BA3DCF815}" type="slidenum">
+            <a:fld id="{C61993D2-3B60-4018-AB17-017A66DD1A88}" type="slidenum">
               <a:t>&lt;#&gt;</a:t>
             </a:fld>
           </a:p>
@@ -3619,7 +3619,7 @@
         <p:txBody>
           <a:bodyPr/>
           <a:p>
-            <a:fld id="{7CC5A3AC-4CDC-4C15-B1E3-D3C553D4E303}" type="slidenum">
+            <a:fld id="{E039C21D-4B7B-41E3-854A-75250FABC91A}" type="slidenum">
               <a:t>&lt;#&gt;</a:t>
             </a:fld>
           </a:p>
@@ -3785,7 +3785,7 @@
         <p:txBody>
           <a:bodyPr/>
           <a:p>
-            <a:fld id="{58A71579-86DB-446E-A32A-A6AD92C93C0D}" type="slidenum">
+            <a:fld id="{BE29E9AA-8236-4CD2-95E5-772F3C85BCA1}" type="slidenum">
               <a:t>&lt;#&gt;</a:t>
             </a:fld>
           </a:p>
@@ -3994,7 +3994,7 @@
         <p:txBody>
           <a:bodyPr/>
           <a:p>
-            <a:fld id="{C0A9AB41-CF68-4F06-AD91-E44CB381851A}" type="slidenum">
+            <a:fld id="{9BD14123-D48E-482B-9A1D-D94A50C4C961}" type="slidenum">
               <a:t>&lt;#&gt;</a:t>
             </a:fld>
           </a:p>
@@ -4117,7 +4117,7 @@
         <p:txBody>
           <a:bodyPr/>
           <a:p>
-            <a:fld id="{C9DA7683-CDF8-469D-96EE-C63A41C38CC7}" type="slidenum">
+            <a:fld id="{17EEB365-4D78-44BA-ADE8-2073F282D92D}" type="slidenum">
               <a:t>&lt;#&gt;</a:t>
             </a:fld>
           </a:p>
@@ -4238,7 +4238,7 @@
         <p:txBody>
           <a:bodyPr/>
           <a:p>
-            <a:fld id="{BCFCF9D4-A36E-4D05-A343-1B04354C574A}" type="slidenum">
+            <a:fld id="{1C705C77-0C36-456A-BD53-1221DEEA8B1C}" type="slidenum">
               <a:t>&lt;#&gt;</a:t>
             </a:fld>
           </a:p>
@@ -4490,7 +4490,7 @@
         <p:txBody>
           <a:bodyPr/>
           <a:p>
-            <a:fld id="{FFB08869-8CFF-4ACE-AC47-D2E3A105207E}" type="slidenum">
+            <a:fld id="{BCDFF7AD-B2FC-4AF3-97D1-9434ACC929FF}" type="slidenum">
               <a:t>&lt;#&gt;</a:t>
             </a:fld>
           </a:p>
@@ -4742,7 +4742,7 @@
         <p:txBody>
           <a:bodyPr/>
           <a:p>
-            <a:fld id="{C2F920DD-91D7-418A-A915-3C7137D1FDE7}" type="slidenum">
+            <a:fld id="{6E9A49BA-FBA3-4C38-BFE1-49CB45902D9A}" type="slidenum">
               <a:t>&lt;#&gt;</a:t>
             </a:fld>
           </a:p>
@@ -4994,7 +4994,7 @@
         <p:txBody>
           <a:bodyPr/>
           <a:p>
-            <a:fld id="{3622ABDC-1D51-45B4-B43B-F31B31A9F18B}" type="slidenum">
+            <a:fld id="{BE0FC4B4-0CAD-4FAE-893A-0148130ACFD9}" type="slidenum">
               <a:t>&lt;#&gt;</a:t>
             </a:fld>
           </a:p>
@@ -5056,7 +5056,7 @@
         <p:spPr>
           <a:xfrm>
             <a:off x="3447360" y="5165280"/>
-            <a:ext cx="3192480" cy="388080"/>
+            <a:ext cx="3191400" cy="387000"/>
           </a:xfrm>
           <a:prstGeom prst="rect">
             <a:avLst/>
@@ -5128,7 +5128,7 @@
         <p:spPr>
           <a:xfrm>
             <a:off x="7227360" y="5165280"/>
-            <a:ext cx="2345760" cy="388080"/>
+            <a:ext cx="2344680" cy="387000"/>
           </a:xfrm>
           <a:prstGeom prst="rect">
             <a:avLst/>
@@ -5169,7 +5169,7 @@
                 <a:tab algn="l" pos="0"/>
               </a:tabLst>
             </a:pPr>
-            <a:fld id="{546592C0-6F41-4B78-A8F5-5F1E0AEF6427}" type="slidenum">
+            <a:fld id="{A5BB8655-B0AE-4AF8-B3C2-3DF6D84C89D3}" type="slidenum">
               <a:rPr b="0" lang="it-IT" sz="1400" spc="-1" strike="noStrike">
                 <a:solidFill>
                   <a:srgbClr val="000000"/>
@@ -5200,7 +5200,7 @@
         <p:spPr>
           <a:xfrm>
             <a:off x="504000" y="5165280"/>
-            <a:ext cx="2345760" cy="388080"/>
+            <a:ext cx="2344680" cy="387000"/>
           </a:xfrm>
           <a:prstGeom prst="rect">
             <a:avLst/>
@@ -5571,7 +5571,7 @@
         <p:spPr>
           <a:xfrm>
             <a:off x="3447360" y="5165280"/>
-            <a:ext cx="3192480" cy="388080"/>
+            <a:ext cx="3191400" cy="387000"/>
           </a:xfrm>
           <a:prstGeom prst="rect">
             <a:avLst/>
@@ -5643,7 +5643,7 @@
         <p:spPr>
           <a:xfrm>
             <a:off x="7227360" y="5165280"/>
-            <a:ext cx="2345760" cy="388080"/>
+            <a:ext cx="2344680" cy="387000"/>
           </a:xfrm>
           <a:prstGeom prst="rect">
             <a:avLst/>
@@ -5684,7 +5684,7 @@
                 <a:tab algn="l" pos="0"/>
               </a:tabLst>
             </a:pPr>
-            <a:fld id="{3049F729-947C-4219-9517-D77D57E22CAC}" type="slidenum">
+            <a:fld id="{80409151-6997-465A-9A1A-E77979D9ABA4}" type="slidenum">
               <a:rPr b="0" lang="it-IT" sz="1400" spc="-1" strike="noStrike">
                 <a:solidFill>
                   <a:srgbClr val="000000"/>
@@ -5715,7 +5715,7 @@
         <p:spPr>
           <a:xfrm>
             <a:off x="504000" y="5165280"/>
-            <a:ext cx="2345760" cy="388080"/>
+            <a:ext cx="2344680" cy="387000"/>
           </a:xfrm>
           <a:prstGeom prst="rect">
             <a:avLst/>
@@ -6085,8 +6085,8 @@
         </p:blipFill>
         <p:spPr>
           <a:xfrm>
-            <a:off x="3107160" y="8640"/>
-            <a:ext cx="3918240" cy="5670360"/>
+            <a:off x="3419640" y="8640"/>
+            <a:ext cx="3292560" cy="5670000"/>
           </a:xfrm>
           <a:prstGeom prst="rect">
             <a:avLst/>
@@ -6139,7 +6139,7 @@
         <p:spPr>
           <a:xfrm>
             <a:off x="1360800" y="8640"/>
-            <a:ext cx="7409880" cy="5669280"/>
+            <a:ext cx="7410960" cy="5670360"/>
           </a:xfrm>
           <a:prstGeom prst="rect">
             <a:avLst/>

--- a/diagrammi UML classi e casi d'uso.pptx
+++ b/diagrammi UML classi e casi d'uso.pptx
@@ -65,7 +65,7 @@
         <p:txBody>
           <a:bodyPr/>
           <a:p>
-            <a:fld id="{27F3DB02-F24D-440D-8E4F-EA4C5F4F8065}" type="slidenum">
+            <a:fld id="{DE62D97F-110E-462F-B860-B596EE44A94F}" type="slidenum">
               <a:t>&lt;#&gt;</a:t>
             </a:fld>
           </a:p>
@@ -274,7 +274,7 @@
         <p:txBody>
           <a:bodyPr/>
           <a:p>
-            <a:fld id="{9CEC44B5-6F68-4DE8-98F8-C487F991994D}" type="slidenum">
+            <a:fld id="{8FA8A042-E6C4-407E-AA0F-9745CDCA5163}" type="slidenum">
               <a:t>&lt;#&gt;</a:t>
             </a:fld>
           </a:p>
@@ -569,7 +569,7 @@
         <p:txBody>
           <a:bodyPr/>
           <a:p>
-            <a:fld id="{20E12324-40CD-49C4-9431-1A9F0B9B3879}" type="slidenum">
+            <a:fld id="{E151835D-3E00-41E8-8D10-2CAF0BBC9AD4}" type="slidenum">
               <a:t>&lt;#&gt;</a:t>
             </a:fld>
           </a:p>
@@ -950,7 +950,7 @@
         <p:txBody>
           <a:bodyPr/>
           <a:p>
-            <a:fld id="{1C41B309-2949-4B88-B7B2-456A8E34209D}" type="slidenum">
+            <a:fld id="{3FFF2518-F2D5-41EC-8633-9FE2621DD9ED}" type="slidenum">
               <a:t>&lt;#&gt;</a:t>
             </a:fld>
           </a:p>
@@ -1033,7 +1033,7 @@
         <p:txBody>
           <a:bodyPr/>
           <a:p>
-            <a:fld id="{1F39EA80-CE7B-4C49-96AD-29442C314382}" type="slidenum">
+            <a:fld id="{F68A4DE3-0E72-4841-8375-C0358BF04F0F}" type="slidenum">
               <a:t>&lt;#&gt;</a:t>
             </a:fld>
           </a:p>
@@ -1196,7 +1196,7 @@
         <p:txBody>
           <a:bodyPr/>
           <a:p>
-            <a:fld id="{27ABABBD-8153-42A4-B01D-ABCE639B2D9C}" type="slidenum">
+            <a:fld id="{956E367C-5E1D-4BB3-B447-6FC38F500505}" type="slidenum">
               <a:t>&lt;#&gt;</a:t>
             </a:fld>
           </a:p>
@@ -1362,7 +1362,7 @@
         <p:txBody>
           <a:bodyPr/>
           <a:p>
-            <a:fld id="{97D8C333-6A49-49C9-8C22-24AE9883D191}" type="slidenum">
+            <a:fld id="{C272B229-BC21-43FE-B8B5-470EB8E658D6}" type="slidenum">
               <a:t>&lt;#&gt;</a:t>
             </a:fld>
           </a:p>
@@ -1571,7 +1571,7 @@
         <p:txBody>
           <a:bodyPr/>
           <a:p>
-            <a:fld id="{0AD3A5B1-1FDA-496E-A920-2430C3ACF2F1}" type="slidenum">
+            <a:fld id="{B9C44453-7615-4AD5-A0DF-F486006258C6}" type="slidenum">
               <a:t>&lt;#&gt;</a:t>
             </a:fld>
           </a:p>
@@ -1694,7 +1694,7 @@
         <p:txBody>
           <a:bodyPr/>
           <a:p>
-            <a:fld id="{16AA7992-A96B-4C1A-B6C7-AFFC99A7DE1B}" type="slidenum">
+            <a:fld id="{D651510E-690E-4A6E-BBAD-0FB9DF0BF23D}" type="slidenum">
               <a:t>&lt;#&gt;</a:t>
             </a:fld>
           </a:p>
@@ -1815,7 +1815,7 @@
         <p:txBody>
           <a:bodyPr/>
           <a:p>
-            <a:fld id="{6AA0A116-020C-47CD-B194-9AF98372B6F4}" type="slidenum">
+            <a:fld id="{F4F1167A-2822-4FB4-94A6-024B204BCC01}" type="slidenum">
               <a:t>&lt;#&gt;</a:t>
             </a:fld>
           </a:p>
@@ -2067,7 +2067,7 @@
         <p:txBody>
           <a:bodyPr/>
           <a:p>
-            <a:fld id="{1389FF6F-4D33-45FC-9697-B3A4B7D89765}" type="slidenum">
+            <a:fld id="{58D4B3EC-4744-455B-8F15-7B63D9B6E5E1}" type="slidenum">
               <a:t>&lt;#&gt;</a:t>
             </a:fld>
           </a:p>
@@ -2230,7 +2230,7 @@
         <p:txBody>
           <a:bodyPr/>
           <a:p>
-            <a:fld id="{AE42549D-3A69-4B92-80FC-0864553DB733}" type="slidenum">
+            <a:fld id="{779D091A-39E0-4475-A723-47FE30924CCB}" type="slidenum">
               <a:t>&lt;#&gt;</a:t>
             </a:fld>
           </a:p>
@@ -2482,7 +2482,7 @@
         <p:txBody>
           <a:bodyPr/>
           <a:p>
-            <a:fld id="{3731DBC0-C755-4627-B16E-00E70FC00A3E}" type="slidenum">
+            <a:fld id="{C748889B-3736-411A-8F63-A58EBFD96127}" type="slidenum">
               <a:t>&lt;#&gt;</a:t>
             </a:fld>
           </a:p>
@@ -2734,7 +2734,7 @@
         <p:txBody>
           <a:bodyPr/>
           <a:p>
-            <a:fld id="{D15F0765-E7DC-4647-9727-53B5B935750F}" type="slidenum">
+            <a:fld id="{3D831055-A884-453E-9026-EECEDB599180}" type="slidenum">
               <a:t>&lt;#&gt;</a:t>
             </a:fld>
           </a:p>
@@ -2943,7 +2943,7 @@
         <p:txBody>
           <a:bodyPr/>
           <a:p>
-            <a:fld id="{CE3DB73F-C0E4-4416-B1AA-7F821883986B}" type="slidenum">
+            <a:fld id="{0AF06A16-4E4C-4312-BEB0-7D9821099BD7}" type="slidenum">
               <a:t>&lt;#&gt;</a:t>
             </a:fld>
           </a:p>
@@ -3238,7 +3238,7 @@
         <p:txBody>
           <a:bodyPr/>
           <a:p>
-            <a:fld id="{C61993D2-3B60-4018-AB17-017A66DD1A88}" type="slidenum">
+            <a:fld id="{A500848A-BA60-4625-8E37-450443725CF6}" type="slidenum">
               <a:t>&lt;#&gt;</a:t>
             </a:fld>
           </a:p>
@@ -3619,7 +3619,7 @@
         <p:txBody>
           <a:bodyPr/>
           <a:p>
-            <a:fld id="{E039C21D-4B7B-41E3-854A-75250FABC91A}" type="slidenum">
+            <a:fld id="{1D2E34E8-839C-4240-945F-FC7B1AA78E78}" type="slidenum">
               <a:t>&lt;#&gt;</a:t>
             </a:fld>
           </a:p>
@@ -3785,7 +3785,7 @@
         <p:txBody>
           <a:bodyPr/>
           <a:p>
-            <a:fld id="{BE29E9AA-8236-4CD2-95E5-772F3C85BCA1}" type="slidenum">
+            <a:fld id="{1035A309-9B8D-4349-B838-ADD11329DEDC}" type="slidenum">
               <a:t>&lt;#&gt;</a:t>
             </a:fld>
           </a:p>
@@ -3994,7 +3994,7 @@
         <p:txBody>
           <a:bodyPr/>
           <a:p>
-            <a:fld id="{9BD14123-D48E-482B-9A1D-D94A50C4C961}" type="slidenum">
+            <a:fld id="{1B173221-609D-4F2E-B9B4-457557096BA9}" type="slidenum">
               <a:t>&lt;#&gt;</a:t>
             </a:fld>
           </a:p>
@@ -4117,7 +4117,7 @@
         <p:txBody>
           <a:bodyPr/>
           <a:p>
-            <a:fld id="{17EEB365-4D78-44BA-ADE8-2073F282D92D}" type="slidenum">
+            <a:fld id="{1063E42D-2467-4C4B-9C8E-37FFD1DA7659}" type="slidenum">
               <a:t>&lt;#&gt;</a:t>
             </a:fld>
           </a:p>
@@ -4238,7 +4238,7 @@
         <p:txBody>
           <a:bodyPr/>
           <a:p>
-            <a:fld id="{1C705C77-0C36-456A-BD53-1221DEEA8B1C}" type="slidenum">
+            <a:fld id="{9E58583E-BC99-4294-8E86-84B954E64377}" type="slidenum">
               <a:t>&lt;#&gt;</a:t>
             </a:fld>
           </a:p>
@@ -4490,7 +4490,7 @@
         <p:txBody>
           <a:bodyPr/>
           <a:p>
-            <a:fld id="{BCDFF7AD-B2FC-4AF3-97D1-9434ACC929FF}" type="slidenum">
+            <a:fld id="{FBC7BF8A-539A-4EF9-A943-092BE3016B6E}" type="slidenum">
               <a:t>&lt;#&gt;</a:t>
             </a:fld>
           </a:p>
@@ -4742,7 +4742,7 @@
         <p:txBody>
           <a:bodyPr/>
           <a:p>
-            <a:fld id="{6E9A49BA-FBA3-4C38-BFE1-49CB45902D9A}" type="slidenum">
+            <a:fld id="{DCAF7419-FAFE-4440-A8CB-3FEB09028391}" type="slidenum">
               <a:t>&lt;#&gt;</a:t>
             </a:fld>
           </a:p>
@@ -4994,7 +4994,7 @@
         <p:txBody>
           <a:bodyPr/>
           <a:p>
-            <a:fld id="{BE0FC4B4-0CAD-4FAE-893A-0148130ACFD9}" type="slidenum">
+            <a:fld id="{60849188-80DD-47CD-94E3-593813AA13B9}" type="slidenum">
               <a:t>&lt;#&gt;</a:t>
             </a:fld>
           </a:p>
@@ -5056,7 +5056,7 @@
         <p:spPr>
           <a:xfrm>
             <a:off x="3447360" y="5165280"/>
-            <a:ext cx="3191400" cy="387000"/>
+            <a:ext cx="3190680" cy="386280"/>
           </a:xfrm>
           <a:prstGeom prst="rect">
             <a:avLst/>
@@ -5128,7 +5128,7 @@
         <p:spPr>
           <a:xfrm>
             <a:off x="7227360" y="5165280"/>
-            <a:ext cx="2344680" cy="387000"/>
+            <a:ext cx="2343960" cy="386280"/>
           </a:xfrm>
           <a:prstGeom prst="rect">
             <a:avLst/>
@@ -5169,7 +5169,7 @@
                 <a:tab algn="l" pos="0"/>
               </a:tabLst>
             </a:pPr>
-            <a:fld id="{A5BB8655-B0AE-4AF8-B3C2-3DF6D84C89D3}" type="slidenum">
+            <a:fld id="{47DA631A-1AE6-41C5-A645-E45C730A88EA}" type="slidenum">
               <a:rPr b="0" lang="it-IT" sz="1400" spc="-1" strike="noStrike">
                 <a:solidFill>
                   <a:srgbClr val="000000"/>
@@ -5200,7 +5200,7 @@
         <p:spPr>
           <a:xfrm>
             <a:off x="504000" y="5165280"/>
-            <a:ext cx="2344680" cy="387000"/>
+            <a:ext cx="2343960" cy="386280"/>
           </a:xfrm>
           <a:prstGeom prst="rect">
             <a:avLst/>
@@ -5571,7 +5571,7 @@
         <p:spPr>
           <a:xfrm>
             <a:off x="3447360" y="5165280"/>
-            <a:ext cx="3191400" cy="387000"/>
+            <a:ext cx="3190680" cy="386280"/>
           </a:xfrm>
           <a:prstGeom prst="rect">
             <a:avLst/>
@@ -5643,7 +5643,7 @@
         <p:spPr>
           <a:xfrm>
             <a:off x="7227360" y="5165280"/>
-            <a:ext cx="2344680" cy="387000"/>
+            <a:ext cx="2343960" cy="386280"/>
           </a:xfrm>
           <a:prstGeom prst="rect">
             <a:avLst/>
@@ -5684,7 +5684,7 @@
                 <a:tab algn="l" pos="0"/>
               </a:tabLst>
             </a:pPr>
-            <a:fld id="{80409151-6997-465A-9A1A-E77979D9ABA4}" type="slidenum">
+            <a:fld id="{D16B210D-E44B-4279-A5EC-70A68FAD325D}" type="slidenum">
               <a:rPr b="0" lang="it-IT" sz="1400" spc="-1" strike="noStrike">
                 <a:solidFill>
                   <a:srgbClr val="000000"/>
@@ -5715,7 +5715,7 @@
         <p:spPr>
           <a:xfrm>
             <a:off x="504000" y="5165280"/>
-            <a:ext cx="2344680" cy="387000"/>
+            <a:ext cx="2343960" cy="386280"/>
           </a:xfrm>
           <a:prstGeom prst="rect">
             <a:avLst/>
@@ -6085,8 +6085,8 @@
         </p:blipFill>
         <p:spPr>
           <a:xfrm>
-            <a:off x="3419640" y="8640"/>
-            <a:ext cx="3292560" cy="5670000"/>
+            <a:off x="3404880" y="8640"/>
+            <a:ext cx="3322800" cy="5670360"/>
           </a:xfrm>
           <a:prstGeom prst="rect">
             <a:avLst/>
@@ -6138,8 +6138,8 @@
         </p:blipFill>
         <p:spPr>
           <a:xfrm>
-            <a:off x="1360800" y="8640"/>
-            <a:ext cx="7410960" cy="5670360"/>
+            <a:off x="2009880" y="8640"/>
+            <a:ext cx="6112440" cy="5670000"/>
           </a:xfrm>
           <a:prstGeom prst="rect">
             <a:avLst/>
